--- a/TP1/Errores 21, 22, 23 y 24.pptx
+++ b/TP1/Errores 21, 22, 23 y 24.pptx
@@ -6,28 +6,28 @@
   </p:sldMasterIdLst>
   <p:sldIdLst>
     <p:sldId id="256" r:id="rId2"/>
-    <p:sldId id="257" r:id="rId3"/>
-    <p:sldId id="260" r:id="rId4"/>
-    <p:sldId id="261" r:id="rId5"/>
-    <p:sldId id="262" r:id="rId6"/>
-    <p:sldId id="259" r:id="rId7"/>
-    <p:sldId id="258" r:id="rId8"/>
-    <p:sldId id="263" r:id="rId9"/>
-    <p:sldId id="266" r:id="rId10"/>
-    <p:sldId id="267" r:id="rId11"/>
-    <p:sldId id="277" r:id="rId12"/>
-    <p:sldId id="264" r:id="rId13"/>
-    <p:sldId id="265" r:id="rId14"/>
-    <p:sldId id="268" r:id="rId15"/>
-    <p:sldId id="269" r:id="rId16"/>
-    <p:sldId id="271" r:id="rId17"/>
-    <p:sldId id="270" r:id="rId18"/>
-    <p:sldId id="272" r:id="rId19"/>
-    <p:sldId id="273" r:id="rId20"/>
-    <p:sldId id="275" r:id="rId21"/>
-    <p:sldId id="276" r:id="rId22"/>
-    <p:sldId id="278" r:id="rId23"/>
-    <p:sldId id="274" r:id="rId24"/>
+    <p:sldId id="263" r:id="rId3"/>
+    <p:sldId id="266" r:id="rId4"/>
+    <p:sldId id="267" r:id="rId5"/>
+    <p:sldId id="277" r:id="rId6"/>
+    <p:sldId id="264" r:id="rId7"/>
+    <p:sldId id="265" r:id="rId8"/>
+    <p:sldId id="268" r:id="rId9"/>
+    <p:sldId id="269" r:id="rId10"/>
+    <p:sldId id="271" r:id="rId11"/>
+    <p:sldId id="270" r:id="rId12"/>
+    <p:sldId id="272" r:id="rId13"/>
+    <p:sldId id="273" r:id="rId14"/>
+    <p:sldId id="275" r:id="rId15"/>
+    <p:sldId id="276" r:id="rId16"/>
+    <p:sldId id="278" r:id="rId17"/>
+    <p:sldId id="274" r:id="rId18"/>
+    <p:sldId id="257" r:id="rId19"/>
+    <p:sldId id="260" r:id="rId20"/>
+    <p:sldId id="261" r:id="rId21"/>
+    <p:sldId id="262" r:id="rId22"/>
+    <p:sldId id="259" r:id="rId23"/>
+    <p:sldId id="258" r:id="rId24"/>
   </p:sldIdLst>
   <p:sldSz cx="9144000" cy="6858000" type="screen4x3"/>
   <p:notesSz cx="6858000" cy="9144000"/>
@@ -755,7 +755,7 @@
             <a:fld id="{544213AF-26F6-41FA-8D85-E2C5388D6E58}" type="datetimeFigureOut">
               <a:rPr lang="en-US" smtClean="0"/>
               <a:pPr/>
-              <a:t>5/27/2014</a:t>
+              <a:t>5/28/14</a:t>
             </a:fld>
             <a:endParaRPr lang="en-US" dirty="0">
               <a:solidFill>
@@ -828,7 +828,7 @@
             <a:fld id="{D5BBC35B-A44B-4119-B8DA-DE9E3DFADA20}" type="slidenum">
               <a:rPr kumimoji="0" lang="en-US" smtClean="0"/>
               <a:pPr/>
-              <a:t>‹Nº›</a:t>
+              <a:t>‹#›</a:t>
             </a:fld>
             <a:endParaRPr kumimoji="0" lang="en-US" dirty="0">
               <a:solidFill>
@@ -967,7 +967,7 @@
             <a:fld id="{544213AF-26F6-41FA-8D85-E2C5388D6E58}" type="datetimeFigureOut">
               <a:rPr lang="en-US" smtClean="0"/>
               <a:pPr/>
-              <a:t>5/27/2014</a:t>
+              <a:t>5/28/14</a:t>
             </a:fld>
             <a:endParaRPr lang="en-US"/>
           </a:p>
@@ -1014,7 +1014,7 @@
             <a:fld id="{D5BBC35B-A44B-4119-B8DA-DE9E3DFADA20}" type="slidenum">
               <a:rPr kumimoji="0" lang="en-US" smtClean="0"/>
               <a:pPr/>
-              <a:t>‹Nº›</a:t>
+              <a:t>‹#›</a:t>
             </a:fld>
             <a:endParaRPr kumimoji="0" lang="en-US"/>
           </a:p>
@@ -1154,7 +1154,7 @@
             <a:fld id="{544213AF-26F6-41FA-8D85-E2C5388D6E58}" type="datetimeFigureOut">
               <a:rPr lang="en-US" smtClean="0"/>
               <a:pPr/>
-              <a:t>5/27/2014</a:t>
+              <a:t>5/28/14</a:t>
             </a:fld>
             <a:endParaRPr lang="en-US"/>
           </a:p>
@@ -1201,7 +1201,7 @@
             <a:fld id="{D5BBC35B-A44B-4119-B8DA-DE9E3DFADA20}" type="slidenum">
               <a:rPr kumimoji="0" lang="en-US" smtClean="0"/>
               <a:pPr/>
-              <a:t>‹Nº›</a:t>
+              <a:t>‹#›</a:t>
             </a:fld>
             <a:endParaRPr kumimoji="0" lang="en-US"/>
           </a:p>
@@ -1306,7 +1306,7 @@
             <a:fld id="{544213AF-26F6-41FA-8D85-E2C5388D6E58}" type="datetimeFigureOut">
               <a:rPr lang="en-US" smtClean="0"/>
               <a:pPr/>
-              <a:t>5/27/2014</a:t>
+              <a:t>5/28/14</a:t>
             </a:fld>
             <a:endParaRPr lang="en-US"/>
           </a:p>
@@ -1353,7 +1353,7 @@
             <a:fld id="{D5BBC35B-A44B-4119-B8DA-DE9E3DFADA20}" type="slidenum">
               <a:rPr kumimoji="0" lang="en-US" smtClean="0"/>
               <a:pPr/>
-              <a:t>‹Nº›</a:t>
+              <a:t>‹#›</a:t>
             </a:fld>
             <a:endParaRPr kumimoji="0" lang="en-US"/>
           </a:p>
@@ -1563,7 +1563,7 @@
             <a:fld id="{544213AF-26F6-41FA-8D85-E2C5388D6E58}" type="datetimeFigureOut">
               <a:rPr lang="en-US" smtClean="0"/>
               <a:pPr/>
-              <a:t>5/27/2014</a:t>
+              <a:t>5/28/14</a:t>
             </a:fld>
             <a:endParaRPr lang="en-US"/>
           </a:p>
@@ -1610,7 +1610,7 @@
             <a:fld id="{D5BBC35B-A44B-4119-B8DA-DE9E3DFADA20}" type="slidenum">
               <a:rPr kumimoji="0" lang="en-US" smtClean="0"/>
               <a:pPr/>
-              <a:t>‹Nº›</a:t>
+              <a:t>‹#›</a:t>
             </a:fld>
             <a:endParaRPr kumimoji="0" lang="en-US"/>
           </a:p>
@@ -1974,7 +1974,7 @@
             <a:fld id="{544213AF-26F6-41FA-8D85-E2C5388D6E58}" type="datetimeFigureOut">
               <a:rPr lang="en-US" smtClean="0"/>
               <a:pPr/>
-              <a:t>5/27/2014</a:t>
+              <a:t>5/28/14</a:t>
             </a:fld>
             <a:endParaRPr lang="en-US"/>
           </a:p>
@@ -2021,7 +2021,7 @@
             <a:fld id="{D5BBC35B-A44B-4119-B8DA-DE9E3DFADA20}" type="slidenum">
               <a:rPr kumimoji="0" lang="en-US" smtClean="0"/>
               <a:pPr/>
-              <a:t>‹Nº›</a:t>
+              <a:t>‹#›</a:t>
             </a:fld>
             <a:endParaRPr kumimoji="0" lang="en-US"/>
           </a:p>
@@ -2422,7 +2422,7 @@
             <a:fld id="{544213AF-26F6-41FA-8D85-E2C5388D6E58}" type="datetimeFigureOut">
               <a:rPr lang="en-US" smtClean="0"/>
               <a:pPr/>
-              <a:t>5/27/2014</a:t>
+              <a:t>5/28/14</a:t>
             </a:fld>
             <a:endParaRPr lang="en-US"/>
           </a:p>
@@ -2469,7 +2469,7 @@
             <a:fld id="{D5BBC35B-A44B-4119-B8DA-DE9E3DFADA20}" type="slidenum">
               <a:rPr kumimoji="0" lang="en-US" smtClean="0"/>
               <a:pPr/>
-              <a:t>‹Nº›</a:t>
+              <a:t>‹#›</a:t>
             </a:fld>
             <a:endParaRPr kumimoji="0" lang="en-US"/>
           </a:p>
@@ -2525,7 +2525,7 @@
             <a:fld id="{544213AF-26F6-41FA-8D85-E2C5388D6E58}" type="datetimeFigureOut">
               <a:rPr lang="en-US" smtClean="0"/>
               <a:pPr/>
-              <a:t>5/27/2014</a:t>
+              <a:t>5/28/14</a:t>
             </a:fld>
             <a:endParaRPr lang="en-US"/>
           </a:p>
@@ -2572,7 +2572,7 @@
             <a:fld id="{D5BBC35B-A44B-4119-B8DA-DE9E3DFADA20}" type="slidenum">
               <a:rPr kumimoji="0" lang="en-US" smtClean="0"/>
               <a:pPr/>
-              <a:t>‹Nº›</a:t>
+              <a:t>‹#›</a:t>
             </a:fld>
             <a:endParaRPr kumimoji="0" lang="en-US"/>
           </a:p>
@@ -2648,7 +2648,7 @@
             <a:fld id="{544213AF-26F6-41FA-8D85-E2C5388D6E58}" type="datetimeFigureOut">
               <a:rPr lang="en-US" smtClean="0"/>
               <a:pPr/>
-              <a:t>5/27/2014</a:t>
+              <a:t>5/28/14</a:t>
             </a:fld>
             <a:endParaRPr lang="en-US"/>
           </a:p>
@@ -2695,7 +2695,7 @@
             <a:fld id="{D5BBC35B-A44B-4119-B8DA-DE9E3DFADA20}" type="slidenum">
               <a:rPr kumimoji="0" lang="en-US" smtClean="0"/>
               <a:pPr/>
-              <a:t>‹Nº›</a:t>
+              <a:t>‹#›</a:t>
             </a:fld>
             <a:endParaRPr kumimoji="0" lang="en-US"/>
           </a:p>
@@ -2924,7 +2924,7 @@
             <a:fld id="{544213AF-26F6-41FA-8D85-E2C5388D6E58}" type="datetimeFigureOut">
               <a:rPr lang="en-US" smtClean="0"/>
               <a:pPr/>
-              <a:t>5/27/2014</a:t>
+              <a:t>5/28/14</a:t>
             </a:fld>
             <a:endParaRPr lang="en-US"/>
           </a:p>
@@ -2971,7 +2971,7 @@
             <a:fld id="{D5BBC35B-A44B-4119-B8DA-DE9E3DFADA20}" type="slidenum">
               <a:rPr kumimoji="0" lang="en-US" smtClean="0"/>
               <a:pPr/>
-              <a:t>‹Nº›</a:t>
+              <a:t>‹#›</a:t>
             </a:fld>
             <a:endParaRPr kumimoji="0" lang="en-US"/>
           </a:p>
@@ -3131,7 +3131,7 @@
             <a:fld id="{544213AF-26F6-41FA-8D85-E2C5388D6E58}" type="datetimeFigureOut">
               <a:rPr lang="en-US" smtClean="0"/>
               <a:pPr/>
-              <a:t>5/27/2014</a:t>
+              <a:t>5/28/14</a:t>
             </a:fld>
             <a:endParaRPr lang="en-US">
               <a:solidFill>
@@ -3205,7 +3205,7 @@
             <a:fld id="{D5BBC35B-A44B-4119-B8DA-DE9E3DFADA20}" type="slidenum">
               <a:rPr kumimoji="0" lang="en-US" smtClean="0"/>
               <a:pPr/>
-              <a:t>‹Nº›</a:t>
+              <a:t>‹#›</a:t>
             </a:fld>
             <a:endParaRPr kumimoji="0" lang="en-US">
               <a:solidFill>
@@ -4254,7 +4254,7 @@
             <a:fld id="{544213AF-26F6-41FA-8D85-E2C5388D6E58}" type="datetimeFigureOut">
               <a:rPr lang="en-US" smtClean="0"/>
               <a:pPr/>
-              <a:t>5/27/2014</a:t>
+              <a:t>5/28/14</a:t>
             </a:fld>
             <a:endParaRPr lang="en-US" sz="1000" dirty="0">
               <a:solidFill>
@@ -4340,7 +4340,7 @@
             <a:fld id="{D5BBC35B-A44B-4119-B8DA-DE9E3DFADA20}" type="slidenum">
               <a:rPr kumimoji="0" lang="en-US" smtClean="0"/>
               <a:pPr/>
-              <a:t>‹Nº›</a:t>
+              <a:t>‹#›</a:t>
             </a:fld>
             <a:endParaRPr kumimoji="0" lang="en-US" sz="1000" b="0">
               <a:solidFill>
@@ -4795,137 +4795,178 @@
         </p:nvSpPr>
         <p:spPr/>
         <p:txBody>
+          <a:bodyPr>
+            <a:normAutofit lnSpcReduction="10000"/>
+          </a:bodyPr>
+          <a:lstStyle/>
+          <a:p>
+            <a:pPr>
+              <a:buNone/>
+            </a:pPr>
+            <a:r>
+              <a:rPr lang="es-ES" sz="1800" dirty="0" smtClean="0"/>
+              <a:t>Copiar un argumento a un buffer usando </a:t>
+            </a:r>
+            <a:r>
+              <a:rPr lang="es-ES" sz="1800" dirty="0" err="1" smtClean="0"/>
+              <a:t>snprintf</a:t>
+            </a:r>
+            <a:r>
+              <a:rPr lang="es-ES" sz="1800" dirty="0" smtClean="0"/>
+              <a:t>()</a:t>
+            </a:r>
+          </a:p>
+          <a:p>
+            <a:pPr>
+              <a:buNone/>
+            </a:pPr>
+            <a:endParaRPr lang="en-US" sz="1800" dirty="0" smtClean="0"/>
+          </a:p>
+          <a:p>
+            <a:pPr>
+              <a:buNone/>
+            </a:pPr>
+            <a:r>
+              <a:rPr lang="en-US" sz="1800" dirty="0" err="1" smtClean="0"/>
+              <a:t>int</a:t>
+            </a:r>
+            <a:r>
+              <a:rPr lang="en-US" sz="1800" dirty="0" smtClean="0"/>
+              <a:t> main(</a:t>
+            </a:r>
+            <a:r>
+              <a:rPr lang="en-US" sz="1800" dirty="0" err="1" smtClean="0"/>
+              <a:t>int</a:t>
+            </a:r>
+            <a:r>
+              <a:rPr lang="en-US" sz="1800" dirty="0" smtClean="0"/>
+              <a:t> </a:t>
+            </a:r>
+            <a:r>
+              <a:rPr lang="en-US" sz="1800" dirty="0" err="1" smtClean="0"/>
+              <a:t>argc</a:t>
+            </a:r>
+            <a:r>
+              <a:rPr lang="en-US" sz="1800" dirty="0" smtClean="0"/>
+              <a:t>, char **</a:t>
+            </a:r>
+            <a:r>
+              <a:rPr lang="en-US" sz="1800" dirty="0" err="1" smtClean="0"/>
+              <a:t>argv</a:t>
+            </a:r>
+            <a:r>
+              <a:rPr lang="en-US" sz="1800" dirty="0" smtClean="0"/>
+              <a:t>){</a:t>
+            </a:r>
+          </a:p>
+          <a:p>
+            <a:pPr>
+              <a:buNone/>
+            </a:pPr>
+            <a:r>
+              <a:rPr lang="en-US" sz="1800" dirty="0" smtClean="0"/>
+              <a:t>	char </a:t>
+            </a:r>
+            <a:r>
+              <a:rPr lang="en-US" sz="1800" dirty="0" err="1" smtClean="0"/>
+              <a:t>buf</a:t>
+            </a:r>
+            <a:r>
+              <a:rPr lang="en-US" sz="1800" dirty="0" smtClean="0"/>
+              <a:t>[128];</a:t>
+            </a:r>
+          </a:p>
+          <a:p>
+            <a:pPr>
+              <a:buNone/>
+            </a:pPr>
+            <a:r>
+              <a:rPr lang="en-US" sz="1800" dirty="0" smtClean="0"/>
+              <a:t>	...</a:t>
+            </a:r>
+          </a:p>
+          <a:p>
+            <a:pPr>
+              <a:buNone/>
+            </a:pPr>
+            <a:r>
+              <a:rPr lang="en-US" sz="1800" dirty="0" smtClean="0"/>
+              <a:t>	</a:t>
+            </a:r>
+            <a:r>
+              <a:rPr lang="en-US" sz="1800" dirty="0" err="1" smtClean="0"/>
+              <a:t>snprintf</a:t>
+            </a:r>
+            <a:r>
+              <a:rPr lang="en-US" sz="1800" dirty="0" smtClean="0"/>
+              <a:t>(buf,128,argv[1]);</a:t>
+            </a:r>
+          </a:p>
+          <a:p>
+            <a:pPr>
+              <a:buNone/>
+            </a:pPr>
+            <a:r>
+              <a:rPr lang="en-US" sz="1800" dirty="0" smtClean="0"/>
+              <a:t>}</a:t>
+            </a:r>
+            <a:endParaRPr lang="es-ES" dirty="0" smtClean="0"/>
+          </a:p>
+          <a:p>
+            <a:r>
+              <a:rPr lang="es-ES" dirty="0" smtClean="0"/>
+              <a:t>Esto permite a un atacante leer el </a:t>
+            </a:r>
+            <a:r>
+              <a:rPr lang="es-ES" dirty="0" err="1" smtClean="0"/>
+              <a:t>stack</a:t>
+            </a:r>
+            <a:r>
+              <a:rPr lang="es-ES" dirty="0" smtClean="0"/>
+              <a:t> usando como argumento directivas como %x</a:t>
+            </a:r>
+          </a:p>
+          <a:p>
+            <a:r>
+              <a:rPr lang="es-ES" dirty="0" smtClean="0"/>
+              <a:t>También puede escribir utilizando %n </a:t>
+            </a:r>
+          </a:p>
+          <a:p>
+            <a:r>
+              <a:rPr lang="es-ES" dirty="0" smtClean="0"/>
+              <a:t>Eventualmente se puede modificar el valor de algún puntero en el </a:t>
+            </a:r>
+            <a:r>
+              <a:rPr lang="es-ES" dirty="0" err="1" smtClean="0"/>
+              <a:t>stack</a:t>
+            </a:r>
+            <a:r>
+              <a:rPr lang="es-ES" dirty="0" smtClean="0"/>
+              <a:t>.</a:t>
+            </a:r>
+            <a:endParaRPr lang="en-US" dirty="0"/>
+          </a:p>
+        </p:txBody>
+      </p:sp>
+      <p:sp>
+        <p:nvSpPr>
+          <p:cNvPr id="3" name="2 Título"/>
+          <p:cNvSpPr>
+            <a:spLocks noGrp="1"/>
+          </p:cNvSpPr>
+          <p:nvPr>
+            <p:ph type="title"/>
+          </p:nvPr>
+        </p:nvSpPr>
+        <p:spPr/>
+        <p:txBody>
           <a:bodyPr/>
           <a:lstStyle/>
           <a:p>
             <a:r>
-              <a:rPr lang="es-ES" dirty="0" err="1" smtClean="0"/>
-              <a:t>Query</a:t>
-            </a:r>
-            <a:r>
-              <a:rPr lang="es-ES" dirty="0" smtClean="0"/>
-              <a:t> </a:t>
-            </a:r>
-            <a:r>
-              <a:rPr lang="es-ES" dirty="0" err="1" smtClean="0"/>
-              <a:t>String</a:t>
-            </a:r>
-            <a:r>
-              <a:rPr lang="es-ES" dirty="0" smtClean="0"/>
-              <a:t>, </a:t>
-            </a:r>
-            <a:r>
-              <a:rPr lang="es-ES" dirty="0" err="1" smtClean="0"/>
-              <a:t>redirije</a:t>
-            </a:r>
-            <a:r>
-              <a:rPr lang="es-ES" dirty="0" smtClean="0"/>
-              <a:t> a $</a:t>
-            </a:r>
-            <a:r>
-              <a:rPr lang="es-ES" dirty="0" err="1" smtClean="0"/>
-              <a:t>redirect_url</a:t>
-            </a:r>
-            <a:endParaRPr lang="en-US" dirty="0" smtClean="0"/>
-          </a:p>
-          <a:p>
-            <a:endParaRPr lang="en-US" dirty="0" smtClean="0"/>
-          </a:p>
-          <a:p>
-            <a:r>
-              <a:rPr lang="en-US" dirty="0" smtClean="0"/>
-              <a:t>$</a:t>
-            </a:r>
-            <a:r>
-              <a:rPr lang="en-US" dirty="0" err="1" smtClean="0"/>
-              <a:t>redirect_url</a:t>
-            </a:r>
-            <a:r>
-              <a:rPr lang="en-US" dirty="0" smtClean="0"/>
-              <a:t> = $_GET['</a:t>
-            </a:r>
-            <a:r>
-              <a:rPr lang="en-US" dirty="0" err="1" smtClean="0"/>
-              <a:t>url</a:t>
-            </a:r>
-            <a:r>
-              <a:rPr lang="en-US" dirty="0" smtClean="0"/>
-              <a:t>'];</a:t>
-            </a:r>
-          </a:p>
-          <a:p>
-            <a:r>
-              <a:rPr lang="en-US" dirty="0" smtClean="0"/>
-              <a:t>header("Location: " . $</a:t>
-            </a:r>
-            <a:r>
-              <a:rPr lang="en-US" dirty="0" err="1" smtClean="0"/>
-              <a:t>redirect_url</a:t>
-            </a:r>
-            <a:r>
-              <a:rPr lang="en-US" dirty="0" smtClean="0"/>
-              <a:t>);</a:t>
-            </a:r>
-          </a:p>
-          <a:p>
-            <a:endParaRPr lang="es-ES" dirty="0" smtClean="0"/>
-          </a:p>
-          <a:p>
-            <a:r>
-              <a:rPr lang="es-ES" dirty="0" smtClean="0"/>
-              <a:t>Se podría </a:t>
-            </a:r>
-            <a:r>
-              <a:rPr lang="es-ES" dirty="0" err="1" smtClean="0"/>
-              <a:t>redireccionar</a:t>
-            </a:r>
-            <a:r>
-              <a:rPr lang="es-ES" dirty="0" smtClean="0"/>
-              <a:t> a un usuario a:</a:t>
-            </a:r>
-          </a:p>
-          <a:p>
-            <a:endParaRPr lang="es-ES" dirty="0" smtClean="0"/>
-          </a:p>
-          <a:p>
-            <a:r>
-              <a:rPr lang="en-US" sz="1600" dirty="0" smtClean="0"/>
-              <a:t>http://example.com/example.php?url=</a:t>
-            </a:r>
-            <a:r>
-              <a:rPr lang="en-US" sz="1600" dirty="0" smtClean="0">
-                <a:solidFill>
-                  <a:srgbClr val="FF0000"/>
-                </a:solidFill>
-              </a:rPr>
-              <a:t>http://malicious.example.com</a:t>
-            </a:r>
-            <a:endParaRPr lang="en-US" sz="1600" dirty="0">
-              <a:solidFill>
-                <a:srgbClr val="FF0000"/>
-              </a:solidFill>
-            </a:endParaRPr>
-          </a:p>
-        </p:txBody>
-      </p:sp>
-      <p:sp>
-        <p:nvSpPr>
-          <p:cNvPr id="3" name="2 Título"/>
-          <p:cNvSpPr>
-            <a:spLocks noGrp="1"/>
-          </p:cNvSpPr>
-          <p:nvPr>
-            <p:ph type="title"/>
-          </p:nvPr>
-        </p:nvSpPr>
-        <p:spPr/>
-        <p:txBody>
-          <a:bodyPr/>
-          <a:lstStyle/>
-          <a:p>
-            <a:r>
-              <a:rPr lang="es-ES" dirty="0" smtClean="0"/>
-              <a:t>Error 22-Ejemplo 1</a:t>
+              <a:rPr lang="es-ES" dirty="0" smtClean="0"/>
+              <a:t>Error 23-Ejemplo</a:t>
             </a:r>
             <a:endParaRPr lang="en-US" dirty="0"/>
           </a:p>
@@ -4966,445 +5007,60 @@
             <p:ph idx="1"/>
           </p:nvPr>
         </p:nvSpPr>
-        <p:spPr>
-          <a:xfrm>
-            <a:off x="76200" y="1481328"/>
-            <a:ext cx="8839200" cy="4525963"/>
-          </a:xfrm>
-        </p:spPr>
+        <p:spPr/>
         <p:txBody>
           <a:bodyPr>
-            <a:normAutofit fontScale="85000" lnSpcReduction="20000"/>
+            <a:normAutofit/>
           </a:bodyPr>
           <a:lstStyle/>
           <a:p>
             <a:r>
-              <a:rPr lang="es-AR" dirty="0" err="1" smtClean="0"/>
-              <a:t>Servlet</a:t>
-            </a:r>
-            <a:r>
-              <a:rPr lang="es-AR" dirty="0" smtClean="0"/>
-              <a:t> Java que recibe una petición GET con un parámetro </a:t>
-            </a:r>
-            <a:r>
-              <a:rPr lang="es-AR" dirty="0" err="1" smtClean="0"/>
-              <a:t>url</a:t>
-            </a:r>
-            <a:r>
-              <a:rPr lang="es-AR" dirty="0" smtClean="0"/>
-              <a:t>.</a:t>
-            </a:r>
-          </a:p>
-          <a:p>
-            <a:r>
-              <a:rPr lang="es-AR" dirty="0" err="1"/>
-              <a:t>public</a:t>
-            </a:r>
-            <a:r>
-              <a:rPr lang="es-AR" dirty="0"/>
+              <a:rPr lang="es-ES" dirty="0" smtClean="0"/>
+              <a:t>Elegir un lenguaje que no permita esta falla.</a:t>
+            </a:r>
+          </a:p>
+          <a:p>
+            <a:endParaRPr lang="es-ES" dirty="0" smtClean="0"/>
+          </a:p>
+          <a:p>
+            <a:r>
+              <a:rPr lang="es-ES" dirty="0" smtClean="0"/>
+              <a:t>Asegurarse que todos los </a:t>
+            </a:r>
+            <a:r>
+              <a:rPr lang="es-ES" dirty="0" err="1" smtClean="0"/>
+              <a:t>format</a:t>
+            </a:r>
+            <a:r>
+              <a:rPr lang="es-ES" dirty="0" smtClean="0"/>
               <a:t> </a:t>
             </a:r>
             <a:r>
-              <a:rPr lang="es-AR" dirty="0" err="1"/>
-              <a:t>class</a:t>
-            </a:r>
-            <a:r>
-              <a:rPr lang="es-AR" dirty="0"/>
-              <a:t> </a:t>
-            </a:r>
-            <a:r>
-              <a:rPr lang="es-AR" dirty="0" err="1"/>
-              <a:t>RedirectServlet</a:t>
-            </a:r>
-            <a:r>
-              <a:rPr lang="es-AR" dirty="0"/>
-              <a:t> </a:t>
-            </a:r>
-            <a:r>
-              <a:rPr lang="es-AR" dirty="0" err="1"/>
-              <a:t>extends</a:t>
-            </a:r>
-            <a:r>
-              <a:rPr lang="es-AR" dirty="0"/>
-              <a:t> </a:t>
-            </a:r>
-            <a:r>
-              <a:rPr lang="es-AR" dirty="0" err="1"/>
-              <a:t>HttpServlet</a:t>
-            </a:r>
-            <a:r>
-              <a:rPr lang="es-AR" dirty="0"/>
-              <a:t> {</a:t>
-            </a:r>
-          </a:p>
-          <a:p>
-            <a:pPr marL="393192" lvl="1" indent="0">
-              <a:buNone/>
-            </a:pPr>
-            <a:r>
-              <a:rPr lang="es-AR" dirty="0" smtClean="0"/>
-              <a:t>	</a:t>
-            </a:r>
-            <a:r>
-              <a:rPr lang="es-AR" dirty="0" err="1" smtClean="0"/>
-              <a:t>protected</a:t>
-            </a:r>
-            <a:r>
-              <a:rPr lang="es-AR" dirty="0" smtClean="0"/>
-              <a:t> </a:t>
-            </a:r>
-            <a:r>
-              <a:rPr lang="es-AR" dirty="0" err="1"/>
-              <a:t>void</a:t>
-            </a:r>
-            <a:r>
-              <a:rPr lang="es-AR" dirty="0"/>
-              <a:t> </a:t>
-            </a:r>
-            <a:r>
-              <a:rPr lang="es-AR" dirty="0" err="1"/>
-              <a:t>doGet</a:t>
-            </a:r>
-            <a:r>
-              <a:rPr lang="es-AR" dirty="0"/>
-              <a:t>(</a:t>
-            </a:r>
-            <a:r>
-              <a:rPr lang="es-AR" dirty="0" err="1"/>
-              <a:t>HttpServletRequest</a:t>
-            </a:r>
-            <a:r>
-              <a:rPr lang="es-AR" dirty="0"/>
-              <a:t> </a:t>
-            </a:r>
-            <a:r>
-              <a:rPr lang="es-AR" dirty="0" err="1"/>
-              <a:t>request</a:t>
-            </a:r>
-            <a:r>
-              <a:rPr lang="es-AR" dirty="0"/>
-              <a:t>, </a:t>
-            </a:r>
-            <a:r>
-              <a:rPr lang="es-AR" dirty="0" smtClean="0"/>
-              <a:t>	</a:t>
-            </a:r>
-            <a:r>
-              <a:rPr lang="es-AR" dirty="0" err="1" smtClean="0"/>
-              <a:t>HttpServletResponse</a:t>
-            </a:r>
-            <a:r>
-              <a:rPr lang="es-AR" dirty="0" smtClean="0"/>
-              <a:t> </a:t>
-            </a:r>
-            <a:r>
-              <a:rPr lang="es-AR" dirty="0"/>
-              <a:t>response) </a:t>
-            </a:r>
-            <a:r>
-              <a:rPr lang="es-AR" dirty="0" err="1"/>
-              <a:t>throws</a:t>
-            </a:r>
-            <a:r>
-              <a:rPr lang="es-AR" dirty="0"/>
-              <a:t> </a:t>
-            </a:r>
-            <a:r>
-              <a:rPr lang="es-AR" dirty="0" err="1"/>
-              <a:t>ServletException</a:t>
-            </a:r>
-            <a:r>
-              <a:rPr lang="es-AR" dirty="0"/>
-              <a:t>, </a:t>
-            </a:r>
-            <a:r>
-              <a:rPr lang="es-AR" dirty="0" smtClean="0"/>
-              <a:t>	</a:t>
-            </a:r>
-            <a:r>
-              <a:rPr lang="es-AR" dirty="0" err="1" smtClean="0"/>
-              <a:t>IOException</a:t>
-            </a:r>
-            <a:r>
-              <a:rPr lang="es-AR" dirty="0" smtClean="0"/>
-              <a:t> </a:t>
-            </a:r>
-            <a:r>
-              <a:rPr lang="es-AR" dirty="0"/>
-              <a:t>{</a:t>
-            </a:r>
-          </a:p>
-          <a:p>
-            <a:pPr marL="630936" lvl="2" indent="0">
-              <a:buNone/>
-            </a:pPr>
-            <a:r>
-              <a:rPr lang="es-AR" dirty="0" smtClean="0"/>
-              <a:t>		</a:t>
-            </a:r>
-            <a:r>
-              <a:rPr lang="es-AR" sz="2400" dirty="0" err="1" smtClean="0"/>
-              <a:t>String</a:t>
-            </a:r>
-            <a:r>
-              <a:rPr lang="es-AR" sz="2400" dirty="0" smtClean="0"/>
-              <a:t> </a:t>
-            </a:r>
-            <a:r>
-              <a:rPr lang="es-AR" sz="2400" dirty="0" err="1"/>
-              <a:t>query</a:t>
-            </a:r>
-            <a:r>
-              <a:rPr lang="es-AR" sz="2400" dirty="0"/>
-              <a:t> = </a:t>
-            </a:r>
-            <a:r>
-              <a:rPr lang="es-AR" sz="2400" dirty="0" err="1"/>
-              <a:t>request.getQueryString</a:t>
-            </a:r>
-            <a:r>
-              <a:rPr lang="es-AR" sz="2400" dirty="0" smtClean="0"/>
-              <a:t>();</a:t>
-            </a:r>
-          </a:p>
-          <a:p>
-            <a:pPr marL="630936" lvl="2" indent="0">
-              <a:buNone/>
-            </a:pPr>
-            <a:r>
-              <a:rPr lang="es-AR" sz="2400" dirty="0"/>
-              <a:t>	</a:t>
-            </a:r>
-            <a:r>
-              <a:rPr lang="es-AR" sz="2400" dirty="0" smtClean="0"/>
-              <a:t>		</a:t>
-            </a:r>
-            <a:r>
-              <a:rPr lang="es-AR" sz="2400" dirty="0" err="1" smtClean="0"/>
-              <a:t>if</a:t>
-            </a:r>
-            <a:r>
-              <a:rPr lang="es-AR" sz="2400" dirty="0" smtClean="0"/>
-              <a:t> </a:t>
-            </a:r>
-            <a:r>
-              <a:rPr lang="es-AR" sz="2400" dirty="0"/>
-              <a:t>(</a:t>
-            </a:r>
-            <a:r>
-              <a:rPr lang="es-AR" sz="2400" dirty="0" err="1"/>
-              <a:t>query.contains</a:t>
-            </a:r>
-            <a:r>
-              <a:rPr lang="es-AR" sz="2400" dirty="0"/>
-              <a:t>("</a:t>
-            </a:r>
-            <a:r>
-              <a:rPr lang="es-AR" sz="2400" dirty="0" err="1"/>
-              <a:t>url</a:t>
-            </a:r>
-            <a:r>
-              <a:rPr lang="es-AR" sz="2400" dirty="0"/>
-              <a:t>")) </a:t>
-            </a:r>
-            <a:r>
-              <a:rPr lang="es-AR" sz="2400" dirty="0" smtClean="0"/>
-              <a:t>{</a:t>
-            </a:r>
-          </a:p>
-          <a:p>
-            <a:pPr marL="630936" lvl="2" indent="0">
-              <a:buNone/>
-            </a:pPr>
-            <a:r>
-              <a:rPr lang="es-AR" sz="2400" dirty="0"/>
-              <a:t>	</a:t>
-            </a:r>
-            <a:r>
-              <a:rPr lang="es-AR" sz="2400" dirty="0" smtClean="0"/>
-              <a:t>			</a:t>
-            </a:r>
-            <a:r>
-              <a:rPr lang="es-AR" sz="2400" dirty="0" err="1" smtClean="0"/>
-              <a:t>String</a:t>
-            </a:r>
-            <a:r>
-              <a:rPr lang="es-AR" sz="2400" dirty="0" smtClean="0"/>
-              <a:t> </a:t>
-            </a:r>
-            <a:r>
-              <a:rPr lang="es-AR" sz="2400" dirty="0" err="1"/>
-              <a:t>url</a:t>
-            </a:r>
-            <a:r>
-              <a:rPr lang="es-AR" sz="2400" dirty="0"/>
-              <a:t> = </a:t>
-            </a:r>
-            <a:r>
-              <a:rPr lang="es-AR" sz="2400" dirty="0" err="1"/>
-              <a:t>request.getParameter</a:t>
-            </a:r>
-            <a:r>
-              <a:rPr lang="es-AR" sz="2400" dirty="0"/>
-              <a:t>("</a:t>
-            </a:r>
-            <a:r>
-              <a:rPr lang="es-AR" sz="2400" dirty="0" err="1"/>
-              <a:t>url</a:t>
-            </a:r>
-            <a:r>
-              <a:rPr lang="es-AR" sz="2400" dirty="0" smtClean="0"/>
-              <a:t>");				</a:t>
-            </a:r>
-            <a:r>
-              <a:rPr lang="es-AR" sz="2400" dirty="0" err="1" smtClean="0"/>
-              <a:t>response.sendRedirect</a:t>
-            </a:r>
-            <a:r>
-              <a:rPr lang="es-AR" sz="2400" dirty="0" smtClean="0"/>
-              <a:t>(</a:t>
-            </a:r>
-            <a:r>
-              <a:rPr lang="es-AR" sz="2400" dirty="0" err="1" smtClean="0"/>
-              <a:t>url</a:t>
-            </a:r>
-            <a:r>
-              <a:rPr lang="es-AR" sz="2400" dirty="0" smtClean="0"/>
-              <a:t>);</a:t>
-            </a:r>
-          </a:p>
-          <a:p>
-            <a:pPr marL="630936" lvl="2" indent="0">
-              <a:buNone/>
-            </a:pPr>
-            <a:r>
-              <a:rPr lang="es-AR" sz="2400" dirty="0"/>
-              <a:t>	</a:t>
-            </a:r>
-            <a:r>
-              <a:rPr lang="es-AR" sz="2400" dirty="0" smtClean="0"/>
-              <a:t>		}</a:t>
-            </a:r>
-            <a:endParaRPr lang="es-AR" sz="2400" dirty="0"/>
-          </a:p>
-          <a:p>
-            <a:pPr marL="630936" lvl="2" indent="0">
-              <a:buNone/>
-            </a:pPr>
-            <a:r>
-              <a:rPr lang="es-AR" sz="2400" dirty="0"/>
-              <a:t>	</a:t>
-            </a:r>
-            <a:r>
-              <a:rPr lang="es-AR" sz="2400" dirty="0" smtClean="0"/>
-              <a:t>}</a:t>
-            </a:r>
-            <a:endParaRPr lang="es-AR" sz="2400" dirty="0"/>
-          </a:p>
-          <a:p>
-            <a:pPr marL="109728" indent="0">
-              <a:buNone/>
-            </a:pPr>
-            <a:r>
-              <a:rPr lang="es-AR" dirty="0"/>
-              <a:t> </a:t>
-            </a:r>
-            <a:r>
-              <a:rPr lang="es-AR" dirty="0" smtClean="0"/>
-              <a:t> }</a:t>
-            </a:r>
-          </a:p>
-          <a:p>
-            <a:pPr marL="109728" indent="0">
-              <a:buNone/>
-            </a:pPr>
-            <a:endParaRPr lang="es-AR" dirty="0" smtClean="0"/>
-          </a:p>
-          <a:p>
-            <a:pPr marL="109728" indent="0">
-              <a:buNone/>
-            </a:pPr>
-            <a:r>
-              <a:rPr lang="es-AR" sz="2100" dirty="0">
-                <a:solidFill>
-                  <a:srgbClr val="FF0000"/>
-                </a:solidFill>
-              </a:rPr>
-              <a:t>&lt;a </a:t>
-            </a:r>
-            <a:r>
-              <a:rPr lang="es-AR" sz="2100" dirty="0" err="1" smtClean="0">
-                <a:solidFill>
-                  <a:srgbClr val="FF0000"/>
-                </a:solidFill>
-              </a:rPr>
-              <a:t>href</a:t>
-            </a:r>
-            <a:r>
-              <a:rPr lang="es-AR" sz="2100" dirty="0">
-                <a:solidFill>
-                  <a:srgbClr val="FF0000"/>
-                </a:solidFill>
-              </a:rPr>
-              <a:t>="http://bank.example.com/</a:t>
-            </a:r>
-            <a:r>
-              <a:rPr lang="es-AR" sz="2100" dirty="0" err="1">
-                <a:solidFill>
-                  <a:srgbClr val="FF0000"/>
-                </a:solidFill>
-              </a:rPr>
-              <a:t>redirect?url</a:t>
-            </a:r>
-            <a:r>
-              <a:rPr lang="es-AR" sz="2100" dirty="0">
-                <a:solidFill>
-                  <a:srgbClr val="FF0000"/>
-                </a:solidFill>
-              </a:rPr>
-              <a:t>=http://attacker.example.net"&gt;Click </a:t>
-            </a:r>
-            <a:r>
-              <a:rPr lang="es-AR" sz="2100" dirty="0" err="1">
-                <a:solidFill>
-                  <a:srgbClr val="FF0000"/>
-                </a:solidFill>
-              </a:rPr>
-              <a:t>here</a:t>
-            </a:r>
-            <a:r>
-              <a:rPr lang="es-AR" sz="2100" dirty="0">
-                <a:solidFill>
-                  <a:srgbClr val="FF0000"/>
-                </a:solidFill>
-              </a:rPr>
-              <a:t> </a:t>
-            </a:r>
-            <a:r>
-              <a:rPr lang="es-AR" sz="2100" dirty="0" err="1">
-                <a:solidFill>
-                  <a:srgbClr val="FF0000"/>
-                </a:solidFill>
-              </a:rPr>
-              <a:t>to</a:t>
-            </a:r>
-            <a:r>
-              <a:rPr lang="es-AR" sz="2100" dirty="0">
-                <a:solidFill>
-                  <a:srgbClr val="FF0000"/>
-                </a:solidFill>
-              </a:rPr>
-              <a:t> log in&lt;/a&gt;</a:t>
-            </a:r>
-          </a:p>
-          <a:p>
-            <a:pPr marL="109728" indent="0">
-              <a:buNone/>
-            </a:pPr>
-            <a:endParaRPr lang="es-AR" dirty="0"/>
-          </a:p>
-          <a:p>
-            <a:endParaRPr lang="es-AR" dirty="0"/>
+              <a:rPr lang="es-ES" dirty="0" err="1" smtClean="0"/>
+              <a:t>string</a:t>
+            </a:r>
+            <a:r>
+              <a:rPr lang="es-ES" dirty="0" smtClean="0"/>
+              <a:t> utilizados sean </a:t>
+            </a:r>
+            <a:r>
+              <a:rPr lang="es-ES" dirty="0" err="1" smtClean="0"/>
+              <a:t>strings</a:t>
+            </a:r>
+            <a:r>
+              <a:rPr lang="es-ES" dirty="0" smtClean="0"/>
+              <a:t> estáticos, que no puedan ser controlados por los usuarios y que la cantidad de parámetros pasados sea correcta.</a:t>
+            </a:r>
+          </a:p>
+          <a:p>
+            <a:endParaRPr lang="es-ES" dirty="0" smtClean="0"/>
+          </a:p>
+          <a:p>
+            <a:r>
+              <a:rPr lang="es-ES" dirty="0" smtClean="0"/>
+              <a:t>Si es posible, evitar funciones que permitan usar %n</a:t>
+            </a:r>
+            <a:endParaRPr lang="en-US" dirty="0"/>
           </a:p>
         </p:txBody>
       </p:sp>
@@ -5424,19 +5080,14 @@
           <a:lstStyle/>
           <a:p>
             <a:r>
-              <a:rPr lang="es-AR" dirty="0" smtClean="0"/>
-              <a:t>Error 22-Ejemplo 2</a:t>
-            </a:r>
-            <a:endParaRPr lang="es-AR" dirty="0"/>
+              <a:rPr lang="es-ES" dirty="0" smtClean="0"/>
+              <a:t>Error 23-Prevención/Mitigación</a:t>
+            </a:r>
+            <a:endParaRPr lang="en-US" dirty="0"/>
           </a:p>
         </p:txBody>
       </p:sp>
     </p:spTree>
-    <p:extLst>
-      <p:ext uri="{BB962C8B-B14F-4D97-AF65-F5344CB8AC3E}">
-        <p14:creationId xmlns:p14="http://schemas.microsoft.com/office/powerpoint/2010/main" val="2548553238"/>
-      </p:ext>
-    </p:extLst>
   </p:cSld>
   <p:clrMapOvr>
     <a:masterClrMapping/>
@@ -5473,55 +5124,59 @@
         </p:nvSpPr>
         <p:spPr/>
         <p:txBody>
-          <a:bodyPr>
-            <a:normAutofit fontScale="92500" lnSpcReduction="10000"/>
-          </a:bodyPr>
+          <a:bodyPr/>
           <a:lstStyle/>
           <a:p>
-            <a:r>
-              <a:rPr lang="es-ES" dirty="0" smtClean="0"/>
-              <a:t>Aceptar sitios buenos conocidos (</a:t>
+            <a:endParaRPr lang="es-ES" dirty="0" smtClean="0"/>
+          </a:p>
+          <a:p>
+            <a:r>
+              <a:rPr lang="es-ES" dirty="0" smtClean="0"/>
+              <a:t>‘</a:t>
             </a:r>
             <a:r>
               <a:rPr lang="es-ES" dirty="0" err="1" smtClean="0"/>
-              <a:t>whitelist</a:t>
-            </a:r>
-            <a:r>
-              <a:rPr lang="es-ES" dirty="0" smtClean="0"/>
-              <a:t>)</a:t>
+              <a:t>Integer</a:t>
+            </a:r>
+            <a:r>
+              <a:rPr lang="es-ES" dirty="0" smtClean="0"/>
+              <a:t> </a:t>
+            </a:r>
+            <a:r>
+              <a:rPr lang="es-ES" dirty="0" err="1" smtClean="0"/>
+              <a:t>Overflow</a:t>
+            </a:r>
+            <a:r>
+              <a:rPr lang="es-ES" dirty="0" smtClean="0"/>
+              <a:t> </a:t>
+            </a:r>
+            <a:r>
+              <a:rPr lang="es-ES" dirty="0" err="1" smtClean="0"/>
+              <a:t>or</a:t>
+            </a:r>
+            <a:r>
+              <a:rPr lang="es-ES" dirty="0" smtClean="0"/>
+              <a:t> </a:t>
+            </a:r>
+            <a:r>
+              <a:rPr lang="es-ES" dirty="0" err="1" smtClean="0"/>
+              <a:t>wraparaound</a:t>
+            </a:r>
+            <a:r>
+              <a:rPr lang="es-ES" dirty="0" smtClean="0"/>
+              <a:t>’</a:t>
             </a:r>
           </a:p>
           <a:p>
             <a:endParaRPr lang="es-ES" dirty="0" smtClean="0"/>
           </a:p>
           <a:p>
-            <a:r>
-              <a:rPr lang="es-ES" dirty="0" smtClean="0"/>
-              <a:t>Bloquear sitios malos conocidos (</a:t>
-            </a:r>
-            <a:r>
-              <a:rPr lang="es-ES" dirty="0" err="1" smtClean="0"/>
-              <a:t>blacklist</a:t>
-            </a:r>
-            <a:r>
-              <a:rPr lang="es-ES" dirty="0" smtClean="0"/>
-              <a:t>)</a:t>
-            </a:r>
-          </a:p>
-          <a:p>
             <a:endParaRPr lang="es-ES" dirty="0" smtClean="0"/>
           </a:p>
           <a:p>
             <a:r>
               <a:rPr lang="es-ES" dirty="0" smtClean="0"/>
-              <a:t>Validación de input (longitud, tipo, parámetros, sintaxis)</a:t>
-            </a:r>
-          </a:p>
-          <a:p>
-            <a:pPr lvl="1"/>
-            <a:r>
-              <a:rPr lang="es-ES" dirty="0" smtClean="0"/>
-              <a:t>No permitir redirección de URL por parámetro.</a:t>
+              <a:t>En el mundo real 255+1 = 256</a:t>
             </a:r>
           </a:p>
           <a:p>
@@ -5530,31 +5185,16 @@
           <a:p>
             <a:r>
               <a:rPr lang="es-ES" dirty="0" smtClean="0"/>
-              <a:t>Mostrar un </a:t>
-            </a:r>
-            <a:r>
-              <a:rPr lang="es-ES" dirty="0" err="1" smtClean="0"/>
-              <a:t>disclaimer</a:t>
-            </a:r>
-            <a:r>
-              <a:rPr lang="es-ES" dirty="0" smtClean="0"/>
-              <a:t> indicando que el usuario esta dejando el sitio. Implementar </a:t>
-            </a:r>
-            <a:r>
-              <a:rPr lang="es-ES" dirty="0" err="1" smtClean="0"/>
-              <a:t>timeout</a:t>
-            </a:r>
-            <a:r>
-              <a:rPr lang="es-ES" dirty="0" smtClean="0"/>
-              <a:t> o forzar al usuario a </a:t>
-            </a:r>
-            <a:r>
-              <a:rPr lang="es-ES" dirty="0" err="1" smtClean="0"/>
-              <a:t>clickear</a:t>
-            </a:r>
-            <a:r>
-              <a:rPr lang="es-ES" dirty="0" smtClean="0"/>
-              <a:t>.</a:t>
+              <a:t>En el mundo virtual puede ser que 255+1 = 0</a:t>
+            </a:r>
+          </a:p>
+          <a:p>
+            <a:endParaRPr lang="es-ES" dirty="0" smtClean="0"/>
+          </a:p>
+          <a:p>
+            <a:r>
+              <a:rPr lang="es-ES" dirty="0" smtClean="0"/>
+              <a:t>0-1 = 65536, o 40000 + 40000 = 14464</a:t>
             </a:r>
             <a:endParaRPr lang="en-US" dirty="0"/>
           </a:p>
@@ -5572,14 +5212,12 @@
         </p:nvSpPr>
         <p:spPr/>
         <p:txBody>
-          <a:bodyPr>
-            <a:normAutofit/>
-          </a:bodyPr>
+          <a:bodyPr/>
           <a:lstStyle/>
           <a:p>
             <a:r>
               <a:rPr lang="es-ES" dirty="0" smtClean="0"/>
-              <a:t>Error 22-Prevención/Mitigación</a:t>
+              <a:t>Error 24-CEW-190</a:t>
             </a:r>
             <a:endParaRPr lang="en-US" dirty="0"/>
           </a:p>
@@ -5622,14 +5260,12 @@
         </p:nvSpPr>
         <p:spPr/>
         <p:txBody>
-          <a:bodyPr>
-            <a:normAutofit fontScale="92500"/>
-          </a:bodyPr>
+          <a:bodyPr/>
           <a:lstStyle/>
           <a:p>
             <a:r>
               <a:rPr lang="es-ES" dirty="0" smtClean="0"/>
-              <a:t>Mapear los sitios seguros conocidos en un set indexado (optimización).</a:t>
+              <a:t>Herramientas de Análisis Estático</a:t>
             </a:r>
           </a:p>
           <a:p>
@@ -5638,65 +5274,10 @@
           <a:p>
             <a:r>
               <a:rPr lang="es-ES" dirty="0" smtClean="0"/>
-              <a:t>Usar un </a:t>
-            </a:r>
-            <a:r>
-              <a:rPr lang="es-ES" dirty="0" err="1" smtClean="0"/>
-              <a:t>application</a:t>
-            </a:r>
-            <a:r>
-              <a:rPr lang="es-ES" dirty="0" smtClean="0"/>
-              <a:t> firewall en casos donde el problema se encuentra en un tercero y no podemos modificar código.</a:t>
-            </a:r>
-          </a:p>
-          <a:p>
-            <a:endParaRPr lang="es-ES" dirty="0" smtClean="0"/>
-          </a:p>
-          <a:p>
-            <a:r>
-              <a:rPr lang="es-ES" dirty="0" smtClean="0"/>
-              <a:t>Entender de donde pueden provenir inputs vulnerados</a:t>
-            </a:r>
-          </a:p>
-          <a:p>
-            <a:pPr lvl="1"/>
-            <a:r>
-              <a:rPr lang="es-ES" dirty="0" smtClean="0"/>
-              <a:t>parámetros, cookies, datos de la red, variables de entorno, reverse DNS, resultados de </a:t>
-            </a:r>
-            <a:r>
-              <a:rPr lang="es-ES" dirty="0" err="1" smtClean="0"/>
-              <a:t>queries</a:t>
-            </a:r>
-            <a:r>
-              <a:rPr lang="es-ES" dirty="0" smtClean="0"/>
-              <a:t>, </a:t>
-            </a:r>
-            <a:r>
-              <a:rPr lang="es-ES" dirty="0" err="1" smtClean="0"/>
-              <a:t>headers</a:t>
-            </a:r>
-            <a:r>
-              <a:rPr lang="es-ES" dirty="0" smtClean="0"/>
-              <a:t> del </a:t>
-            </a:r>
-            <a:r>
-              <a:rPr lang="es-ES" dirty="0" err="1" smtClean="0"/>
-              <a:t>request</a:t>
-            </a:r>
-            <a:r>
-              <a:rPr lang="es-ES" dirty="0" smtClean="0"/>
-              <a:t>, emails, archivos, nombres de archivos.</a:t>
-            </a:r>
-          </a:p>
-          <a:p>
-            <a:pPr lvl="1"/>
-            <a:endParaRPr lang="es-ES" dirty="0" smtClean="0"/>
-          </a:p>
-          <a:p>
-            <a:pPr lvl="1">
-              <a:buNone/>
-            </a:pPr>
+              <a:t>Validación de tipos/tamaños.</a:t>
+            </a:r>
+          </a:p>
+          <a:p>
             <a:endParaRPr lang="en-US" dirty="0"/>
           </a:p>
         </p:txBody>
@@ -5713,14 +5294,12 @@
         </p:nvSpPr>
         <p:spPr/>
         <p:txBody>
-          <a:bodyPr>
-            <a:normAutofit/>
-          </a:bodyPr>
+          <a:bodyPr/>
           <a:lstStyle/>
           <a:p>
             <a:r>
               <a:rPr lang="es-ES" dirty="0" smtClean="0"/>
-              <a:t>Error 22-Prevención/Mitigación</a:t>
+              <a:t>Error 24-Detección</a:t>
             </a:r>
             <a:endParaRPr lang="en-US" dirty="0"/>
           </a:p>
@@ -5763,109 +5342,291 @@
         </p:nvSpPr>
         <p:spPr/>
         <p:txBody>
+          <a:bodyPr>
+            <a:normAutofit/>
+          </a:bodyPr>
+          <a:lstStyle/>
+          <a:p>
+            <a:pPr>
+              <a:buNone/>
+            </a:pPr>
+            <a:r>
+              <a:rPr lang="es-AR" sz="1800" dirty="0" err="1"/>
+              <a:t>img_t</a:t>
+            </a:r>
+            <a:r>
+              <a:rPr lang="es-AR" sz="1800" dirty="0"/>
+              <a:t> </a:t>
+            </a:r>
+            <a:r>
+              <a:rPr lang="es-AR" sz="1800" dirty="0" err="1"/>
+              <a:t>table_ptr</a:t>
+            </a:r>
+            <a:r>
+              <a:rPr lang="es-AR" sz="1800" dirty="0"/>
+              <a:t>; /*</a:t>
+            </a:r>
+            <a:r>
+              <a:rPr lang="es-AR" sz="1800" dirty="0" err="1"/>
+              <a:t>struct</a:t>
+            </a:r>
+            <a:r>
+              <a:rPr lang="es-AR" sz="1800" dirty="0"/>
+              <a:t> </a:t>
+            </a:r>
+            <a:r>
+              <a:rPr lang="es-AR" sz="1800" dirty="0" err="1"/>
+              <a:t>containing</a:t>
+            </a:r>
+            <a:r>
+              <a:rPr lang="es-AR" sz="1800" dirty="0"/>
+              <a:t> </a:t>
+            </a:r>
+            <a:r>
+              <a:rPr lang="es-AR" sz="1800" dirty="0" err="1"/>
+              <a:t>img</a:t>
+            </a:r>
+            <a:r>
+              <a:rPr lang="es-AR" sz="1800" dirty="0"/>
+              <a:t> data, 10kB </a:t>
+            </a:r>
+            <a:r>
+              <a:rPr lang="es-AR" sz="1800" dirty="0" err="1"/>
+              <a:t>each</a:t>
+            </a:r>
+            <a:r>
+              <a:rPr lang="es-AR" sz="1800" dirty="0"/>
+              <a:t>*/</a:t>
+            </a:r>
+          </a:p>
+          <a:p>
+            <a:pPr>
+              <a:buNone/>
+            </a:pPr>
+            <a:r>
+              <a:rPr lang="es-AR" sz="1800" dirty="0" err="1"/>
+              <a:t>int</a:t>
+            </a:r>
+            <a:r>
+              <a:rPr lang="es-AR" sz="1800" dirty="0"/>
+              <a:t> </a:t>
+            </a:r>
+            <a:r>
+              <a:rPr lang="es-AR" sz="1800" dirty="0" err="1"/>
+              <a:t>num_imgs</a:t>
+            </a:r>
+            <a:r>
+              <a:rPr lang="es-AR" sz="1800" dirty="0"/>
+              <a:t>;</a:t>
+            </a:r>
+          </a:p>
+          <a:p>
+            <a:pPr>
+              <a:buNone/>
+            </a:pPr>
+            <a:r>
+              <a:rPr lang="es-AR" sz="1800" dirty="0" err="1"/>
+              <a:t>num_imgs</a:t>
+            </a:r>
+            <a:r>
+              <a:rPr lang="es-AR" sz="1800" dirty="0"/>
+              <a:t> = </a:t>
+            </a:r>
+            <a:r>
+              <a:rPr lang="es-AR" sz="1800" dirty="0" err="1"/>
+              <a:t>get_num_imgs</a:t>
+            </a:r>
+            <a:r>
+              <a:rPr lang="es-AR" sz="1800" dirty="0"/>
+              <a:t>();</a:t>
+            </a:r>
+          </a:p>
+          <a:p>
+            <a:pPr>
+              <a:buNone/>
+            </a:pPr>
+            <a:r>
+              <a:rPr lang="es-AR" sz="1800" dirty="0" err="1"/>
+              <a:t>table_ptr</a:t>
+            </a:r>
+            <a:r>
+              <a:rPr lang="es-AR" sz="1800" dirty="0"/>
+              <a:t> = (</a:t>
+            </a:r>
+            <a:r>
+              <a:rPr lang="es-AR" sz="1800" dirty="0" err="1"/>
+              <a:t>img_t</a:t>
+            </a:r>
+            <a:r>
+              <a:rPr lang="es-AR" sz="1800" dirty="0"/>
+              <a:t>*)</a:t>
+            </a:r>
+            <a:r>
+              <a:rPr lang="es-AR" sz="1800" dirty="0" err="1"/>
+              <a:t>malloc</a:t>
+            </a:r>
+            <a:r>
+              <a:rPr lang="es-AR" sz="1800" dirty="0"/>
+              <a:t>(</a:t>
+            </a:r>
+            <a:r>
+              <a:rPr lang="es-AR" sz="1800" dirty="0" err="1"/>
+              <a:t>sizeof</a:t>
+            </a:r>
+            <a:r>
+              <a:rPr lang="es-AR" sz="1800" dirty="0"/>
+              <a:t>(</a:t>
+            </a:r>
+            <a:r>
+              <a:rPr lang="es-AR" sz="1800" dirty="0" err="1"/>
+              <a:t>img_t</a:t>
+            </a:r>
+            <a:r>
+              <a:rPr lang="es-AR" sz="1800" dirty="0"/>
+              <a:t>)*</a:t>
+            </a:r>
+            <a:r>
+              <a:rPr lang="es-AR" sz="1800" dirty="0" err="1"/>
+              <a:t>num_imgs</a:t>
+            </a:r>
+            <a:r>
+              <a:rPr lang="es-AR" sz="1800" dirty="0" smtClean="0"/>
+              <a:t>);</a:t>
+            </a:r>
+            <a:endParaRPr lang="en-US" dirty="0"/>
+          </a:p>
+          <a:p>
+            <a:endParaRPr lang="en-US" dirty="0" smtClean="0"/>
+          </a:p>
+          <a:p>
+            <a:r>
+              <a:rPr lang="en-US" dirty="0" err="1" smtClean="0"/>
+              <a:t>Número</a:t>
+            </a:r>
+            <a:r>
+              <a:rPr lang="en-US" dirty="0" smtClean="0"/>
+              <a:t> </a:t>
+            </a:r>
+            <a:r>
+              <a:rPr lang="en-US" dirty="0" err="1" smtClean="0"/>
+              <a:t>muy</a:t>
+            </a:r>
+            <a:r>
+              <a:rPr lang="en-US" dirty="0" smtClean="0"/>
+              <a:t> </a:t>
+            </a:r>
+            <a:r>
+              <a:rPr lang="en-US" dirty="0" err="1" smtClean="0"/>
+              <a:t>grande</a:t>
+            </a:r>
+            <a:r>
+              <a:rPr lang="en-US" dirty="0" smtClean="0"/>
+              <a:t> de </a:t>
+            </a:r>
+            <a:r>
+              <a:rPr lang="en-US" dirty="0" err="1" smtClean="0"/>
+              <a:t>num_imgs</a:t>
+            </a:r>
+            <a:r>
+              <a:rPr lang="en-US" dirty="0" smtClean="0"/>
+              <a:t> </a:t>
+            </a:r>
+            <a:r>
+              <a:rPr lang="en-US" dirty="0" err="1" smtClean="0"/>
+              <a:t>puede</a:t>
+            </a:r>
+            <a:r>
+              <a:rPr lang="en-US" dirty="0" smtClean="0"/>
+              <a:t> </a:t>
+            </a:r>
+            <a:r>
+              <a:rPr lang="en-US" dirty="0" err="1" smtClean="0"/>
+              <a:t>producir</a:t>
+            </a:r>
+            <a:r>
+              <a:rPr lang="en-US" dirty="0" smtClean="0"/>
+              <a:t> un overflow.</a:t>
+            </a:r>
+          </a:p>
+          <a:p>
+            <a:r>
+              <a:rPr lang="en-US" dirty="0" err="1" smtClean="0"/>
+              <a:t>Generará</a:t>
+            </a:r>
+            <a:r>
+              <a:rPr lang="en-US" dirty="0" smtClean="0"/>
+              <a:t> </a:t>
+            </a:r>
+            <a:r>
+              <a:rPr lang="en-US" dirty="0" err="1" smtClean="0"/>
+              <a:t>una</a:t>
+            </a:r>
+            <a:r>
+              <a:rPr lang="en-US" dirty="0" smtClean="0"/>
+              <a:t> </a:t>
+            </a:r>
+            <a:r>
+              <a:rPr lang="en-US" dirty="0" err="1" smtClean="0"/>
+              <a:t>tabla</a:t>
+            </a:r>
+            <a:r>
+              <a:rPr lang="en-US" dirty="0" smtClean="0"/>
+              <a:t> </a:t>
+            </a:r>
+            <a:r>
+              <a:rPr lang="en-US" dirty="0" err="1" smtClean="0"/>
+              <a:t>muy</a:t>
+            </a:r>
+            <a:r>
+              <a:rPr lang="en-US" dirty="0" smtClean="0"/>
+              <a:t> </a:t>
+            </a:r>
+            <a:r>
+              <a:rPr lang="en-US" dirty="0" err="1" smtClean="0"/>
+              <a:t>pequeña</a:t>
+            </a:r>
+            <a:r>
+              <a:rPr lang="en-US" dirty="0" smtClean="0"/>
+              <a:t> en </a:t>
+            </a:r>
+            <a:r>
+              <a:rPr lang="en-US" dirty="0" err="1" smtClean="0"/>
+              <a:t>su</a:t>
+            </a:r>
+            <a:r>
+              <a:rPr lang="en-US" dirty="0" smtClean="0"/>
+              <a:t> </a:t>
+            </a:r>
+            <a:r>
+              <a:rPr lang="en-US" dirty="0" err="1" smtClean="0"/>
+              <a:t>lugar</a:t>
+            </a:r>
+            <a:r>
+              <a:rPr lang="en-US" dirty="0" smtClean="0"/>
+              <a:t>.</a:t>
+            </a:r>
+            <a:endParaRPr lang="en-US" dirty="0"/>
+          </a:p>
+        </p:txBody>
+      </p:sp>
+      <p:sp>
+        <p:nvSpPr>
+          <p:cNvPr id="3" name="2 Título"/>
+          <p:cNvSpPr>
+            <a:spLocks noGrp="1"/>
+          </p:cNvSpPr>
+          <p:nvPr>
+            <p:ph type="title"/>
+          </p:nvPr>
+        </p:nvSpPr>
+        <p:spPr/>
+        <p:txBody>
           <a:bodyPr/>
           <a:lstStyle/>
           <a:p>
             <a:r>
               <a:rPr lang="es-ES" dirty="0" smtClean="0"/>
-              <a:t>‘</a:t>
-            </a:r>
-            <a:r>
-              <a:rPr lang="es-ES" dirty="0" err="1" smtClean="0"/>
-              <a:t>Uncontrolled</a:t>
-            </a:r>
-            <a:r>
-              <a:rPr lang="es-ES" dirty="0" smtClean="0"/>
-              <a:t> </a:t>
-            </a:r>
-            <a:r>
-              <a:rPr lang="es-ES" dirty="0" err="1" smtClean="0"/>
-              <a:t>Format</a:t>
-            </a:r>
-            <a:r>
-              <a:rPr lang="es-ES" dirty="0" smtClean="0"/>
-              <a:t> </a:t>
-            </a:r>
-            <a:r>
-              <a:rPr lang="es-ES" dirty="0" err="1" smtClean="0"/>
-              <a:t>String</a:t>
-            </a:r>
-            <a:r>
-              <a:rPr lang="es-ES" dirty="0" smtClean="0"/>
-              <a:t>’ - %s</a:t>
-            </a:r>
-          </a:p>
-          <a:p>
-            <a:endParaRPr lang="es-ES" dirty="0" smtClean="0"/>
-          </a:p>
-          <a:p>
-            <a:r>
-              <a:rPr lang="es-ES" dirty="0" smtClean="0"/>
-              <a:t>Los </a:t>
-            </a:r>
-            <a:r>
-              <a:rPr lang="es-ES" dirty="0" err="1" smtClean="0"/>
-              <a:t>format</a:t>
-            </a:r>
-            <a:r>
-              <a:rPr lang="es-ES" dirty="0" smtClean="0"/>
-              <a:t> </a:t>
-            </a:r>
-            <a:r>
-              <a:rPr lang="es-ES" dirty="0" err="1" smtClean="0"/>
-              <a:t>strings</a:t>
-            </a:r>
-            <a:r>
-              <a:rPr lang="es-ES" dirty="0" smtClean="0"/>
-              <a:t> se utilizan para recibir datos bien formados.</a:t>
-            </a:r>
-          </a:p>
-          <a:p>
-            <a:endParaRPr lang="es-ES" dirty="0" smtClean="0"/>
-          </a:p>
-          <a:p>
-            <a:r>
-              <a:rPr lang="es-ES" dirty="0" smtClean="0"/>
-              <a:t>Un atacante que controle un </a:t>
-            </a:r>
-            <a:r>
-              <a:rPr lang="es-ES" dirty="0" err="1" smtClean="0"/>
-              <a:t>format</a:t>
-            </a:r>
-            <a:r>
-              <a:rPr lang="es-ES" dirty="0" smtClean="0"/>
-              <a:t> </a:t>
-            </a:r>
-            <a:r>
-              <a:rPr lang="es-ES" dirty="0" err="1" smtClean="0"/>
-              <a:t>string</a:t>
-            </a:r>
-            <a:r>
-              <a:rPr lang="es-ES" dirty="0" smtClean="0"/>
-              <a:t> puede controlar el input o output de nuestra aplicación, pudiendo resultar en ejecución de código.</a:t>
-            </a:r>
-            <a:endParaRPr lang="en-US" dirty="0"/>
-          </a:p>
-        </p:txBody>
-      </p:sp>
-      <p:sp>
-        <p:nvSpPr>
-          <p:cNvPr id="3" name="2 Título"/>
-          <p:cNvSpPr>
-            <a:spLocks noGrp="1"/>
-          </p:cNvSpPr>
-          <p:nvPr>
-            <p:ph type="title"/>
-          </p:nvPr>
-        </p:nvSpPr>
-        <p:spPr/>
-        <p:txBody>
-          <a:bodyPr/>
-          <a:lstStyle/>
-          <a:p>
-            <a:r>
-              <a:rPr lang="es-ES" dirty="0" smtClean="0"/>
-              <a:t>Error 23 - CWE-134</a:t>
+              <a:t>Error 24-Ejemplo 1</a:t>
             </a:r>
             <a:endParaRPr lang="en-US" dirty="0"/>
           </a:p>
@@ -5908,47 +5669,242 @@
         </p:nvSpPr>
         <p:spPr/>
         <p:txBody>
+          <a:bodyPr>
+            <a:normAutofit/>
+          </a:bodyPr>
+          <a:lstStyle/>
+          <a:p>
+            <a:pPr marL="109728" indent="0">
+              <a:buNone/>
+            </a:pPr>
+            <a:r>
+              <a:rPr lang="es-AR" sz="1900" dirty="0" err="1"/>
+              <a:t>nresp</a:t>
+            </a:r>
+            <a:r>
+              <a:rPr lang="es-AR" sz="1900" dirty="0"/>
+              <a:t> = </a:t>
+            </a:r>
+            <a:r>
+              <a:rPr lang="es-AR" sz="1900" dirty="0" err="1"/>
+              <a:t>packet_get_int</a:t>
+            </a:r>
+            <a:r>
+              <a:rPr lang="es-AR" sz="1900" dirty="0"/>
+              <a:t>();</a:t>
+            </a:r>
+          </a:p>
+          <a:p>
+            <a:pPr marL="109728" indent="0">
+              <a:buNone/>
+            </a:pPr>
+            <a:r>
+              <a:rPr lang="es-AR" sz="1900" dirty="0" err="1" smtClean="0"/>
+              <a:t>if</a:t>
+            </a:r>
+            <a:r>
+              <a:rPr lang="es-AR" sz="1900" dirty="0" smtClean="0"/>
+              <a:t> </a:t>
+            </a:r>
+            <a:r>
+              <a:rPr lang="es-AR" sz="1900" dirty="0"/>
+              <a:t>(</a:t>
+            </a:r>
+            <a:r>
+              <a:rPr lang="es-AR" sz="1900" dirty="0" err="1"/>
+              <a:t>nresp</a:t>
+            </a:r>
+            <a:r>
+              <a:rPr lang="es-AR" sz="1900" dirty="0"/>
+              <a:t> &gt; 0) {</a:t>
+            </a:r>
+          </a:p>
+          <a:p>
+            <a:pPr marL="109728" indent="0">
+              <a:buNone/>
+            </a:pPr>
+            <a:r>
+              <a:rPr lang="es-AR" sz="1900" dirty="0" smtClean="0"/>
+              <a:t>	response </a:t>
+            </a:r>
+            <a:r>
+              <a:rPr lang="es-AR" sz="1900" dirty="0"/>
+              <a:t>= </a:t>
+            </a:r>
+            <a:r>
+              <a:rPr lang="es-AR" sz="1900" dirty="0" err="1"/>
+              <a:t>xmalloc</a:t>
+            </a:r>
+            <a:r>
+              <a:rPr lang="es-AR" sz="1900" dirty="0"/>
+              <a:t>(</a:t>
+            </a:r>
+            <a:r>
+              <a:rPr lang="es-AR" sz="1900" dirty="0" err="1"/>
+              <a:t>nresp</a:t>
+            </a:r>
+            <a:r>
+              <a:rPr lang="es-AR" sz="1900" dirty="0"/>
+              <a:t>*</a:t>
+            </a:r>
+            <a:r>
+              <a:rPr lang="es-AR" sz="1900" dirty="0" err="1"/>
+              <a:t>sizeof</a:t>
+            </a:r>
+            <a:r>
+              <a:rPr lang="es-AR" sz="1900" dirty="0"/>
+              <a:t>(</a:t>
+            </a:r>
+            <a:r>
+              <a:rPr lang="es-AR" sz="1900" dirty="0" err="1"/>
+              <a:t>char</a:t>
+            </a:r>
+            <a:r>
+              <a:rPr lang="es-AR" sz="1900" dirty="0"/>
+              <a:t>*));</a:t>
+            </a:r>
+          </a:p>
+          <a:p>
+            <a:pPr marL="109728" indent="0">
+              <a:buNone/>
+            </a:pPr>
+            <a:r>
+              <a:rPr lang="es-AR" sz="1900" dirty="0" smtClean="0"/>
+              <a:t>	</a:t>
+            </a:r>
+            <a:r>
+              <a:rPr lang="es-AR" sz="1900" dirty="0" err="1" smtClean="0"/>
+              <a:t>for</a:t>
+            </a:r>
+            <a:r>
+              <a:rPr lang="es-AR" sz="1900" dirty="0" smtClean="0"/>
+              <a:t> </a:t>
+            </a:r>
+            <a:r>
+              <a:rPr lang="es-AR" sz="1900" dirty="0"/>
+              <a:t>(i = 0; i &gt; </a:t>
+            </a:r>
+            <a:r>
+              <a:rPr lang="es-AR" sz="1900" dirty="0" err="1"/>
+              <a:t>nresp</a:t>
+            </a:r>
+            <a:r>
+              <a:rPr lang="es-AR" sz="1900" dirty="0"/>
+              <a:t>; i++) </a:t>
+            </a:r>
+          </a:p>
+          <a:p>
+            <a:pPr marL="109728" indent="0">
+              <a:buNone/>
+            </a:pPr>
+            <a:r>
+              <a:rPr lang="es-AR" sz="1900" dirty="0" smtClean="0"/>
+              <a:t>	response[i</a:t>
+            </a:r>
+            <a:r>
+              <a:rPr lang="es-AR" sz="1900" dirty="0"/>
+              <a:t>] = </a:t>
+            </a:r>
+            <a:r>
+              <a:rPr lang="es-AR" sz="1900" dirty="0" err="1"/>
+              <a:t>packet_get_string</a:t>
+            </a:r>
+            <a:r>
+              <a:rPr lang="es-AR" sz="1900" dirty="0"/>
+              <a:t>(NULL);</a:t>
+            </a:r>
+          </a:p>
+          <a:p>
+            <a:pPr marL="109728" indent="0">
+              <a:buNone/>
+            </a:pPr>
+            <a:r>
+              <a:rPr lang="es-AR" sz="1900" dirty="0" smtClean="0"/>
+              <a:t>}</a:t>
+            </a:r>
+          </a:p>
+          <a:p>
+            <a:endParaRPr lang="en-US" dirty="0"/>
+          </a:p>
+          <a:p>
+            <a:r>
+              <a:rPr lang="en-US" dirty="0" err="1" smtClean="0"/>
+              <a:t>nresp</a:t>
+            </a:r>
+            <a:r>
+              <a:rPr lang="en-US" dirty="0" smtClean="0"/>
+              <a:t> = 1</a:t>
+            </a:r>
+            <a:r>
+              <a:rPr lang="es-AR" dirty="0" smtClean="0"/>
+              <a:t>073741824.</a:t>
+            </a:r>
+          </a:p>
+          <a:p>
+            <a:r>
+              <a:rPr lang="es-AR" dirty="0" err="1" smtClean="0"/>
+              <a:t>sizeof</a:t>
+            </a:r>
+            <a:r>
+              <a:rPr lang="es-AR" dirty="0" smtClean="0"/>
+              <a:t>(</a:t>
+            </a:r>
+            <a:r>
+              <a:rPr lang="es-AR" dirty="0" err="1" smtClean="0"/>
+              <a:t>char</a:t>
+            </a:r>
+            <a:r>
+              <a:rPr lang="es-AR" dirty="0" smtClean="0"/>
+              <a:t> *) = 4.</a:t>
+            </a:r>
+          </a:p>
+          <a:p>
+            <a:r>
+              <a:rPr lang="es-AR" dirty="0" err="1" smtClean="0"/>
+              <a:t>Nresp</a:t>
+            </a:r>
+            <a:r>
+              <a:rPr lang="es-AR" dirty="0" smtClean="0"/>
+              <a:t> * </a:t>
+            </a:r>
+            <a:r>
+              <a:rPr lang="es-AR" dirty="0" err="1" smtClean="0"/>
+              <a:t>sizeof</a:t>
+            </a:r>
+            <a:r>
+              <a:rPr lang="es-AR" dirty="0" smtClean="0"/>
+              <a:t>(</a:t>
+            </a:r>
+            <a:r>
+              <a:rPr lang="es-AR" dirty="0" err="1" smtClean="0"/>
+              <a:t>char</a:t>
+            </a:r>
+            <a:r>
+              <a:rPr lang="es-AR" dirty="0" smtClean="0"/>
+              <a:t> *) desbordará.</a:t>
+            </a:r>
+            <a:endParaRPr lang="en-US" dirty="0"/>
+          </a:p>
+        </p:txBody>
+      </p:sp>
+      <p:sp>
+        <p:nvSpPr>
+          <p:cNvPr id="3" name="2 Título"/>
+          <p:cNvSpPr>
+            <a:spLocks noGrp="1"/>
+          </p:cNvSpPr>
+          <p:nvPr>
+            <p:ph type="title"/>
+          </p:nvPr>
+        </p:nvSpPr>
+        <p:spPr/>
+        <p:txBody>
           <a:bodyPr/>
           <a:lstStyle/>
           <a:p>
-            <a:endParaRPr lang="es-ES" dirty="0" smtClean="0"/>
-          </a:p>
-          <a:p>
-            <a:r>
-              <a:rPr lang="es-ES" dirty="0" smtClean="0"/>
-              <a:t>Herramientas de Análisis Estático, sin ejecutar la aplicación</a:t>
-            </a:r>
-          </a:p>
-          <a:p>
-            <a:endParaRPr lang="es-ES" dirty="0" smtClean="0"/>
-          </a:p>
-          <a:p>
-            <a:r>
-              <a:rPr lang="es-ES" dirty="0" smtClean="0"/>
-              <a:t>Ver el código, búsqueda de invariantes</a:t>
-            </a:r>
-            <a:endParaRPr lang="en-US" dirty="0"/>
-          </a:p>
-        </p:txBody>
-      </p:sp>
-      <p:sp>
-        <p:nvSpPr>
-          <p:cNvPr id="3" name="2 Título"/>
-          <p:cNvSpPr>
-            <a:spLocks noGrp="1"/>
-          </p:cNvSpPr>
-          <p:nvPr>
-            <p:ph type="title"/>
-          </p:nvPr>
-        </p:nvSpPr>
-        <p:spPr/>
-        <p:txBody>
-          <a:bodyPr/>
-          <a:lstStyle/>
-          <a:p>
-            <a:r>
-              <a:rPr lang="es-ES" dirty="0" smtClean="0"/>
-              <a:t>Error 23-Detección</a:t>
+            <a:r>
+              <a:rPr lang="es-ES" dirty="0" smtClean="0"/>
+              <a:t>Error 24-Ejemplo 2</a:t>
             </a:r>
             <a:endParaRPr lang="en-US" dirty="0"/>
           </a:p>
@@ -5992,156 +5948,165 @@
         <p:spPr/>
         <p:txBody>
           <a:bodyPr>
-            <a:normAutofit lnSpcReduction="10000"/>
+            <a:normAutofit fontScale="92500" lnSpcReduction="10000"/>
           </a:bodyPr>
           <a:lstStyle/>
           <a:p>
-            <a:pPr>
+            <a:pPr marL="109728" indent="0">
               <a:buNone/>
             </a:pPr>
             <a:r>
-              <a:rPr lang="es-ES" sz="1800" dirty="0" smtClean="0"/>
-              <a:t>Copiar un argumento a un buffer usando </a:t>
-            </a:r>
-            <a:r>
-              <a:rPr lang="es-ES" sz="1800" dirty="0" err="1" smtClean="0"/>
-              <a:t>snprintf</a:t>
-            </a:r>
-            <a:r>
-              <a:rPr lang="es-ES" sz="1800" dirty="0" smtClean="0"/>
-              <a:t>()</a:t>
-            </a:r>
-          </a:p>
-          <a:p>
-            <a:pPr>
+              <a:rPr lang="es-AR" dirty="0"/>
+              <a:t>short </a:t>
+            </a:r>
+            <a:r>
+              <a:rPr lang="es-AR" dirty="0" err="1"/>
+              <a:t>int</a:t>
+            </a:r>
+            <a:r>
+              <a:rPr lang="es-AR" dirty="0"/>
+              <a:t> </a:t>
+            </a:r>
+            <a:r>
+              <a:rPr lang="es-AR" dirty="0" err="1"/>
+              <a:t>bytesRec</a:t>
+            </a:r>
+            <a:r>
+              <a:rPr lang="es-AR" dirty="0"/>
+              <a:t> = 0;</a:t>
+            </a:r>
+          </a:p>
+          <a:p>
+            <a:pPr marL="109728" indent="0">
               <a:buNone/>
             </a:pPr>
-            <a:endParaRPr lang="en-US" sz="1800" dirty="0" smtClean="0"/>
-          </a:p>
-          <a:p>
-            <a:pPr>
+            <a:r>
+              <a:rPr lang="es-AR" dirty="0" err="1"/>
+              <a:t>char</a:t>
+            </a:r>
+            <a:r>
+              <a:rPr lang="es-AR" dirty="0"/>
+              <a:t> </a:t>
+            </a:r>
+            <a:r>
+              <a:rPr lang="es-AR" dirty="0" err="1"/>
+              <a:t>buf</a:t>
+            </a:r>
+            <a:r>
+              <a:rPr lang="es-AR" dirty="0"/>
+              <a:t>[SOMEBIGNUM];</a:t>
+            </a:r>
+          </a:p>
+          <a:p>
+            <a:pPr marL="109728" indent="0">
               <a:buNone/>
             </a:pPr>
             <a:r>
-              <a:rPr lang="en-US" sz="1800" dirty="0" err="1" smtClean="0"/>
-              <a:t>int</a:t>
-            </a:r>
-            <a:r>
-              <a:rPr lang="en-US" sz="1800" dirty="0" smtClean="0"/>
-              <a:t> main(</a:t>
-            </a:r>
-            <a:r>
-              <a:rPr lang="en-US" sz="1800" dirty="0" err="1" smtClean="0"/>
-              <a:t>int</a:t>
-            </a:r>
-            <a:r>
-              <a:rPr lang="en-US" sz="1800" dirty="0" smtClean="0"/>
-              <a:t> </a:t>
-            </a:r>
-            <a:r>
-              <a:rPr lang="en-US" sz="1800" dirty="0" err="1" smtClean="0"/>
-              <a:t>argc</a:t>
-            </a:r>
-            <a:r>
-              <a:rPr lang="en-US" sz="1800" dirty="0" smtClean="0"/>
-              <a:t>, char **</a:t>
-            </a:r>
-            <a:r>
-              <a:rPr lang="en-US" sz="1800" dirty="0" err="1" smtClean="0"/>
-              <a:t>argv</a:t>
-            </a:r>
-            <a:r>
-              <a:rPr lang="en-US" sz="1800" dirty="0" smtClean="0"/>
-              <a:t>){</a:t>
-            </a:r>
-          </a:p>
-          <a:p>
-            <a:pPr>
+              <a:rPr lang="es-AR" dirty="0"/>
+              <a:t> </a:t>
+            </a:r>
+          </a:p>
+          <a:p>
+            <a:pPr marL="109728" indent="0">
               <a:buNone/>
             </a:pPr>
             <a:r>
-              <a:rPr lang="en-US" sz="1800" dirty="0" smtClean="0"/>
-              <a:t>	char </a:t>
-            </a:r>
-            <a:r>
-              <a:rPr lang="en-US" sz="1800" dirty="0" err="1" smtClean="0"/>
-              <a:t>buf</a:t>
-            </a:r>
-            <a:r>
-              <a:rPr lang="en-US" sz="1800" dirty="0" smtClean="0"/>
-              <a:t>[128];</a:t>
-            </a:r>
-          </a:p>
-          <a:p>
-            <a:pPr>
+              <a:rPr lang="es-AR" dirty="0" err="1"/>
+              <a:t>while</a:t>
+            </a:r>
+            <a:r>
+              <a:rPr lang="es-AR" dirty="0"/>
+              <a:t>(</a:t>
+            </a:r>
+            <a:r>
+              <a:rPr lang="es-AR" dirty="0" err="1"/>
+              <a:t>bytesRec</a:t>
+            </a:r>
+            <a:r>
+              <a:rPr lang="es-AR" dirty="0"/>
+              <a:t> &lt; MAXGET) {</a:t>
+            </a:r>
+          </a:p>
+          <a:p>
+            <a:pPr marL="109728" indent="0">
               <a:buNone/>
             </a:pPr>
             <a:r>
-              <a:rPr lang="en-US" sz="1800" dirty="0" smtClean="0"/>
-              <a:t>	...</a:t>
-            </a:r>
-          </a:p>
-          <a:p>
-            <a:pPr>
+              <a:rPr lang="es-AR" dirty="0" smtClean="0"/>
+              <a:t>	</a:t>
+            </a:r>
+            <a:r>
+              <a:rPr lang="es-AR" dirty="0" err="1" smtClean="0"/>
+              <a:t>bytesRec</a:t>
+            </a:r>
+            <a:r>
+              <a:rPr lang="es-AR" dirty="0" smtClean="0"/>
+              <a:t> </a:t>
+            </a:r>
+            <a:r>
+              <a:rPr lang="es-AR" dirty="0"/>
+              <a:t>+= </a:t>
+            </a:r>
+            <a:r>
+              <a:rPr lang="es-AR" dirty="0" err="1"/>
+              <a:t>getFromInput</a:t>
+            </a:r>
+            <a:r>
+              <a:rPr lang="es-AR" dirty="0"/>
+              <a:t>(</a:t>
+            </a:r>
+            <a:r>
+              <a:rPr lang="es-AR" dirty="0" err="1"/>
+              <a:t>buf+bytesRec</a:t>
+            </a:r>
+            <a:r>
+              <a:rPr lang="es-AR" dirty="0"/>
+              <a:t>);</a:t>
+            </a:r>
+          </a:p>
+          <a:p>
+            <a:pPr marL="109728" indent="0">
               <a:buNone/>
             </a:pPr>
             <a:r>
-              <a:rPr lang="en-US" sz="1800" dirty="0" smtClean="0"/>
-              <a:t>	</a:t>
-            </a:r>
-            <a:r>
-              <a:rPr lang="en-US" sz="1800" dirty="0" err="1" smtClean="0"/>
-              <a:t>snprintf</a:t>
-            </a:r>
-            <a:r>
-              <a:rPr lang="en-US" sz="1800" dirty="0" smtClean="0"/>
-              <a:t>(buf,128,argv[1]);</a:t>
-            </a:r>
-          </a:p>
-          <a:p>
-            <a:pPr>
-              <a:buNone/>
-            </a:pPr>
-            <a:r>
-              <a:rPr lang="en-US" sz="1800" dirty="0" smtClean="0"/>
+              <a:rPr lang="es-AR" dirty="0"/>
               <a:t>}</a:t>
             </a:r>
-            <a:endParaRPr lang="es-ES" dirty="0" smtClean="0"/>
-          </a:p>
-          <a:p>
-            <a:r>
-              <a:rPr lang="es-ES" dirty="0" smtClean="0"/>
-              <a:t>Esto permite a un atacante leer el </a:t>
-            </a:r>
-            <a:r>
-              <a:rPr lang="es-ES" dirty="0" err="1" smtClean="0"/>
-              <a:t>stack</a:t>
-            </a:r>
-            <a:r>
-              <a:rPr lang="es-ES" dirty="0" smtClean="0"/>
-              <a:t> usando como argumento directivas como %x</a:t>
-            </a:r>
-          </a:p>
-          <a:p>
-            <a:r>
-              <a:rPr lang="es-ES" dirty="0" smtClean="0"/>
-              <a:t>También puede escribir utilizando %n </a:t>
-            </a:r>
-          </a:p>
-          <a:p>
-            <a:r>
-              <a:rPr lang="es-ES" dirty="0" smtClean="0"/>
-              <a:t>Eventualmente se puede modificar el valor de algún puntero en el </a:t>
-            </a:r>
-            <a:r>
-              <a:rPr lang="es-ES" dirty="0" err="1" smtClean="0"/>
-              <a:t>stack</a:t>
-            </a:r>
-            <a:r>
-              <a:rPr lang="es-ES" dirty="0" smtClean="0"/>
-              <a:t>.</a:t>
-            </a:r>
-            <a:endParaRPr lang="en-US" dirty="0"/>
+          </a:p>
+          <a:p>
+            <a:r>
+              <a:rPr lang="es-AR" dirty="0" err="1" smtClean="0"/>
+              <a:t>bytesRec</a:t>
+            </a:r>
+            <a:r>
+              <a:rPr lang="es-AR" dirty="0" smtClean="0"/>
+              <a:t> puede desbordarse, creando un número inferior a MAXGET</a:t>
+            </a:r>
+          </a:p>
+          <a:p>
+            <a:r>
+              <a:rPr lang="es-AR" dirty="0" smtClean="0"/>
+              <a:t>Ciclo infinito</a:t>
+            </a:r>
+          </a:p>
+          <a:p>
+            <a:r>
+              <a:rPr lang="es-AR" dirty="0" smtClean="0"/>
+              <a:t>Puede </a:t>
+            </a:r>
+            <a:r>
+              <a:rPr lang="es-AR" dirty="0" err="1" smtClean="0"/>
+              <a:t>sobreescribir</a:t>
+            </a:r>
+            <a:r>
+              <a:rPr lang="es-AR" dirty="0" smtClean="0"/>
+              <a:t> los primeros MAXGET – 1 bytes de </a:t>
+            </a:r>
+            <a:r>
+              <a:rPr lang="es-AR" dirty="0" err="1" smtClean="0"/>
+              <a:t>buf</a:t>
+            </a:r>
+            <a:endParaRPr lang="es-AR" dirty="0"/>
           </a:p>
         </p:txBody>
       </p:sp>
@@ -6161,14 +6126,19 @@
           <a:lstStyle/>
           <a:p>
             <a:r>
-              <a:rPr lang="es-ES" dirty="0" smtClean="0"/>
-              <a:t>Error 23-Ejemplo</a:t>
-            </a:r>
-            <a:endParaRPr lang="en-US" dirty="0"/>
+              <a:rPr lang="es-AR" dirty="0" smtClean="0"/>
+              <a:t>Error 24-Ejemplo 3</a:t>
+            </a:r>
+            <a:endParaRPr lang="es-AR" dirty="0"/>
           </a:p>
         </p:txBody>
       </p:sp>
     </p:spTree>
+    <p:extLst>
+      <p:ext uri="{BB962C8B-B14F-4D97-AF65-F5344CB8AC3E}">
+        <p14:creationId xmlns:p14="http://schemas.microsoft.com/office/powerpoint/2010/main" val="3579122032"/>
+      </p:ext>
+    </p:extLst>
   </p:cSld>
   <p:clrMapOvr>
     <a:masterClrMapping/>
@@ -6205,84 +6175,80 @@
         </p:nvSpPr>
         <p:spPr/>
         <p:txBody>
-          <a:bodyPr>
-            <a:normAutofit/>
-          </a:bodyPr>
-          <a:lstStyle/>
-          <a:p>
-            <a:r>
-              <a:rPr lang="es-ES" dirty="0" smtClean="0"/>
-              <a:t>Elegir un lenguaje que no permita esta falla</a:t>
-            </a:r>
-            <a:r>
-              <a:rPr lang="es-ES" dirty="0" smtClean="0"/>
-              <a:t>.</a:t>
-            </a:r>
-            <a:endParaRPr lang="es-ES" dirty="0" smtClean="0"/>
-          </a:p>
-          <a:p>
-            <a:endParaRPr lang="es-ES" dirty="0" smtClean="0"/>
-          </a:p>
-          <a:p>
-            <a:r>
-              <a:rPr lang="es-ES" dirty="0" smtClean="0"/>
-              <a:t>Asegurarse que todos los </a:t>
-            </a:r>
-            <a:r>
-              <a:rPr lang="es-ES" dirty="0" err="1" smtClean="0"/>
-              <a:t>format</a:t>
-            </a:r>
-            <a:r>
-              <a:rPr lang="es-ES" dirty="0" smtClean="0"/>
-              <a:t> </a:t>
-            </a:r>
-            <a:r>
-              <a:rPr lang="es-ES" dirty="0" err="1" smtClean="0"/>
-              <a:t>string</a:t>
-            </a:r>
-            <a:r>
-              <a:rPr lang="es-ES" dirty="0" smtClean="0"/>
-              <a:t> utilizados sean </a:t>
-            </a:r>
-            <a:r>
-              <a:rPr lang="es-ES" dirty="0" err="1" smtClean="0"/>
-              <a:t>strings</a:t>
-            </a:r>
-            <a:r>
-              <a:rPr lang="es-ES" dirty="0" smtClean="0"/>
-              <a:t> estáticos, que no puedan ser controlados por los usuarios y que la cantidad de parámetros pasados sea correcta.</a:t>
-            </a:r>
-          </a:p>
-          <a:p>
-            <a:endParaRPr lang="es-ES" dirty="0" smtClean="0"/>
-          </a:p>
-          <a:p>
-            <a:r>
-              <a:rPr lang="es-ES" dirty="0" smtClean="0"/>
-              <a:t>Si es posible, evitar funciones que permitan usar %n</a:t>
-            </a:r>
-            <a:endParaRPr lang="en-US" dirty="0"/>
-          </a:p>
-        </p:txBody>
-      </p:sp>
-      <p:sp>
-        <p:nvSpPr>
-          <p:cNvPr id="3" name="2 Título"/>
-          <p:cNvSpPr>
-            <a:spLocks noGrp="1"/>
-          </p:cNvSpPr>
-          <p:nvPr>
-            <p:ph type="title"/>
-          </p:nvPr>
-        </p:nvSpPr>
-        <p:spPr/>
-        <p:txBody>
           <a:bodyPr/>
           <a:lstStyle/>
           <a:p>
             <a:r>
               <a:rPr lang="es-ES" dirty="0" smtClean="0"/>
-              <a:t>Error 23-Prevención/Mitigación</a:t>
+              <a:t>Utilizar un lenguaje que valide límites en sus tipos o provea herramientas para evitar esta vulnerabilidad.</a:t>
+            </a:r>
+          </a:p>
+          <a:p>
+            <a:endParaRPr lang="es-ES" dirty="0" smtClean="0"/>
+          </a:p>
+          <a:p>
+            <a:r>
+              <a:rPr lang="es-ES" dirty="0" smtClean="0"/>
+              <a:t>Usar librerías: </a:t>
+            </a:r>
+            <a:r>
+              <a:rPr lang="es-ES" dirty="0" err="1" smtClean="0"/>
+              <a:t>SafeInt</a:t>
+            </a:r>
+            <a:r>
+              <a:rPr lang="es-ES" dirty="0" smtClean="0"/>
+              <a:t>, </a:t>
+            </a:r>
+            <a:r>
+              <a:rPr lang="es-ES" dirty="0" err="1" smtClean="0"/>
+              <a:t>IntegerLib</a:t>
+            </a:r>
+            <a:endParaRPr lang="es-ES" dirty="0" smtClean="0"/>
+          </a:p>
+          <a:p>
+            <a:endParaRPr lang="es-ES" dirty="0" smtClean="0"/>
+          </a:p>
+          <a:p>
+            <a:r>
+              <a:rPr lang="es-ES" dirty="0" smtClean="0"/>
+              <a:t>Validación re rango en toda entrada numérica</a:t>
+            </a:r>
+          </a:p>
+          <a:p>
+            <a:pPr lvl="1"/>
+            <a:r>
+              <a:rPr lang="es-ES" dirty="0" smtClean="0"/>
+              <a:t>Usar </a:t>
+            </a:r>
+            <a:r>
+              <a:rPr lang="es-ES" dirty="0" err="1" smtClean="0"/>
+              <a:t>unsigned</a:t>
+            </a:r>
+            <a:r>
+              <a:rPr lang="es-ES" dirty="0" smtClean="0"/>
+              <a:t> siempre que se pueda.</a:t>
+            </a:r>
+          </a:p>
+        </p:txBody>
+      </p:sp>
+      <p:sp>
+        <p:nvSpPr>
+          <p:cNvPr id="3" name="2 Título"/>
+          <p:cNvSpPr>
+            <a:spLocks noGrp="1"/>
+          </p:cNvSpPr>
+          <p:nvPr>
+            <p:ph type="title"/>
+          </p:nvPr>
+        </p:nvSpPr>
+        <p:spPr/>
+        <p:txBody>
+          <a:bodyPr/>
+          <a:lstStyle/>
+          <a:p>
+            <a:r>
+              <a:rPr lang="es-ES" dirty="0" smtClean="0"/>
+              <a:t>Error 24-Prevención/Mitigación</a:t>
             </a:r>
             <a:endParaRPr lang="en-US" dirty="0"/>
           </a:p>
@@ -6325,100 +6291,169 @@
         </p:nvSpPr>
         <p:spPr/>
         <p:txBody>
+          <a:bodyPr>
+            <a:normAutofit/>
+          </a:bodyPr>
+          <a:lstStyle/>
+          <a:p>
+            <a:endParaRPr lang="es-ES" dirty="0" smtClean="0"/>
+          </a:p>
+          <a:p>
+            <a:r>
+              <a:rPr lang="es-ES" dirty="0" smtClean="0"/>
+              <a:t>‘</a:t>
+            </a:r>
+            <a:r>
+              <a:rPr lang="es-ES" dirty="0" err="1" smtClean="0"/>
+              <a:t>Improper</a:t>
+            </a:r>
+            <a:r>
+              <a:rPr lang="es-ES" dirty="0" smtClean="0"/>
+              <a:t> </a:t>
+            </a:r>
+            <a:r>
+              <a:rPr lang="es-ES" dirty="0" err="1" smtClean="0"/>
+              <a:t>restriction</a:t>
+            </a:r>
+            <a:r>
+              <a:rPr lang="es-ES" dirty="0" smtClean="0"/>
+              <a:t> of </a:t>
+            </a:r>
+            <a:r>
+              <a:rPr lang="es-ES" dirty="0" err="1" smtClean="0"/>
+              <a:t>Excessive</a:t>
+            </a:r>
+            <a:r>
+              <a:rPr lang="es-ES" dirty="0" smtClean="0"/>
+              <a:t> </a:t>
+            </a:r>
+            <a:r>
+              <a:rPr lang="es-ES" dirty="0" err="1" smtClean="0"/>
+              <a:t>Authentication</a:t>
+            </a:r>
+            <a:r>
+              <a:rPr lang="es-ES" dirty="0" smtClean="0"/>
+              <a:t> </a:t>
+            </a:r>
+            <a:r>
+              <a:rPr lang="es-ES" dirty="0" err="1" smtClean="0"/>
+              <a:t>Attempts</a:t>
+            </a:r>
+            <a:r>
+              <a:rPr lang="es-ES" dirty="0" smtClean="0"/>
+              <a:t>’.</a:t>
+            </a:r>
+          </a:p>
+          <a:p>
+            <a:pPr>
+              <a:buNone/>
+            </a:pPr>
+            <a:endParaRPr lang="es-ES" dirty="0" smtClean="0"/>
+          </a:p>
+          <a:p>
+            <a:r>
+              <a:rPr lang="es-ES" dirty="0" smtClean="0"/>
+              <a:t>“</a:t>
+            </a:r>
+            <a:r>
+              <a:rPr lang="es-ES" dirty="0" err="1" smtClean="0"/>
+              <a:t>If</a:t>
+            </a:r>
+            <a:r>
+              <a:rPr lang="es-ES" dirty="0" smtClean="0"/>
+              <a:t> at </a:t>
+            </a:r>
+            <a:r>
+              <a:rPr lang="es-ES" dirty="0" err="1" smtClean="0"/>
+              <a:t>first</a:t>
+            </a:r>
+            <a:r>
+              <a:rPr lang="es-ES" dirty="0" smtClean="0"/>
+              <a:t> </a:t>
+            </a:r>
+            <a:r>
+              <a:rPr lang="es-ES" dirty="0" err="1" smtClean="0"/>
+              <a:t>you</a:t>
+            </a:r>
+            <a:r>
+              <a:rPr lang="es-ES" dirty="0" smtClean="0"/>
+              <a:t> </a:t>
+            </a:r>
+            <a:r>
+              <a:rPr lang="es-ES" dirty="0" err="1" smtClean="0"/>
+              <a:t>don’t</a:t>
+            </a:r>
+            <a:r>
+              <a:rPr lang="es-ES" dirty="0" smtClean="0"/>
+              <a:t> </a:t>
+            </a:r>
+            <a:r>
+              <a:rPr lang="es-ES" dirty="0" err="1" smtClean="0"/>
+              <a:t>succeed</a:t>
+            </a:r>
+            <a:r>
+              <a:rPr lang="es-ES" dirty="0" smtClean="0"/>
+              <a:t>, try, try </a:t>
+            </a:r>
+            <a:r>
+              <a:rPr lang="es-ES" dirty="0" err="1" smtClean="0"/>
+              <a:t>again</a:t>
+            </a:r>
+            <a:r>
+              <a:rPr lang="es-ES" dirty="0" smtClean="0"/>
+              <a:t>.”</a:t>
+            </a:r>
+          </a:p>
+          <a:p>
+            <a:pPr>
+              <a:buNone/>
+            </a:pPr>
+            <a:endParaRPr lang="es-ES" dirty="0" smtClean="0"/>
+          </a:p>
+          <a:p>
+            <a:r>
+              <a:rPr lang="es-ES" dirty="0" smtClean="0"/>
+              <a:t>Reiterados intentos de </a:t>
+            </a:r>
+            <a:r>
+              <a:rPr lang="es-ES" dirty="0" err="1" smtClean="0"/>
+              <a:t>login</a:t>
+            </a:r>
+            <a:r>
+              <a:rPr lang="es-ES" dirty="0" smtClean="0"/>
+              <a:t> en poco tiempo.</a:t>
+            </a:r>
+          </a:p>
+          <a:p>
+            <a:endParaRPr lang="es-ES" dirty="0" smtClean="0"/>
+          </a:p>
+          <a:p>
+            <a:r>
+              <a:rPr lang="es-ES" dirty="0" smtClean="0"/>
+              <a:t>Vulnerable a ataques de fuerza bruta.</a:t>
+            </a:r>
+            <a:endParaRPr lang="en-US" dirty="0"/>
+          </a:p>
+        </p:txBody>
+      </p:sp>
+      <p:sp>
+        <p:nvSpPr>
+          <p:cNvPr id="3" name="2 Título"/>
+          <p:cNvSpPr>
+            <a:spLocks noGrp="1"/>
+          </p:cNvSpPr>
+          <p:nvPr>
+            <p:ph type="title"/>
+          </p:nvPr>
+        </p:nvSpPr>
+        <p:spPr/>
+        <p:txBody>
           <a:bodyPr/>
           <a:lstStyle/>
           <a:p>
-            <a:endParaRPr lang="es-ES" dirty="0" smtClean="0"/>
-          </a:p>
-          <a:p>
-            <a:r>
-              <a:rPr lang="es-ES" dirty="0" smtClean="0"/>
-              <a:t>‘</a:t>
-            </a:r>
-            <a:r>
-              <a:rPr lang="es-ES" dirty="0" err="1" smtClean="0"/>
-              <a:t>Integer</a:t>
-            </a:r>
-            <a:r>
-              <a:rPr lang="es-ES" dirty="0" smtClean="0"/>
-              <a:t> </a:t>
-            </a:r>
-            <a:r>
-              <a:rPr lang="es-ES" dirty="0" err="1" smtClean="0"/>
-              <a:t>Overflow</a:t>
-            </a:r>
-            <a:r>
-              <a:rPr lang="es-ES" dirty="0" smtClean="0"/>
-              <a:t> </a:t>
-            </a:r>
-            <a:r>
-              <a:rPr lang="es-ES" dirty="0" err="1" smtClean="0"/>
-              <a:t>or</a:t>
-            </a:r>
-            <a:r>
-              <a:rPr lang="es-ES" dirty="0" smtClean="0"/>
-              <a:t> </a:t>
-            </a:r>
-            <a:r>
-              <a:rPr lang="es-ES" dirty="0" err="1" smtClean="0"/>
-              <a:t>wraparaound</a:t>
-            </a:r>
-            <a:r>
-              <a:rPr lang="es-ES" dirty="0" smtClean="0"/>
-              <a:t>’</a:t>
-            </a:r>
-          </a:p>
-          <a:p>
-            <a:endParaRPr lang="es-ES" dirty="0" smtClean="0"/>
-          </a:p>
-          <a:p>
-            <a:endParaRPr lang="es-ES" dirty="0" smtClean="0"/>
-          </a:p>
-          <a:p>
-            <a:r>
-              <a:rPr lang="es-ES" dirty="0" smtClean="0"/>
-              <a:t>En el mundo real 255+1 = 256</a:t>
-            </a:r>
-          </a:p>
-          <a:p>
-            <a:endParaRPr lang="es-ES" dirty="0" smtClean="0"/>
-          </a:p>
-          <a:p>
-            <a:r>
-              <a:rPr lang="es-ES" dirty="0" smtClean="0"/>
-              <a:t>En el mundo virtual puede ser que 255+1 = 0</a:t>
-            </a:r>
-          </a:p>
-          <a:p>
-            <a:endParaRPr lang="es-ES" dirty="0" smtClean="0"/>
-          </a:p>
-          <a:p>
-            <a:r>
-              <a:rPr lang="es-ES" dirty="0" smtClean="0"/>
-              <a:t>0-1 = 65536, o 40000 + 40000 = 14464</a:t>
-            </a:r>
-            <a:endParaRPr lang="en-US" dirty="0"/>
-          </a:p>
-        </p:txBody>
-      </p:sp>
-      <p:sp>
-        <p:nvSpPr>
-          <p:cNvPr id="3" name="2 Título"/>
-          <p:cNvSpPr>
-            <a:spLocks noGrp="1"/>
-          </p:cNvSpPr>
-          <p:nvPr>
-            <p:ph type="title"/>
-          </p:nvPr>
-        </p:nvSpPr>
-        <p:spPr/>
-        <p:txBody>
-          <a:bodyPr/>
-          <a:lstStyle/>
-          <a:p>
-            <a:r>
-              <a:rPr lang="es-ES" dirty="0" smtClean="0"/>
-              <a:t>Error 24-CEW-190</a:t>
+            <a:r>
+              <a:rPr lang="es-ES" dirty="0" smtClean="0"/>
+              <a:t>Error 21 – CWE307</a:t>
             </a:r>
             <a:endParaRPr lang="en-US" dirty="0"/>
           </a:p>
@@ -6465,18 +6500,74 @@
           <a:lstStyle/>
           <a:p>
             <a:r>
-              <a:rPr lang="es-ES" dirty="0" smtClean="0"/>
-              <a:t>Herramientas de Análisis Estático</a:t>
+              <a:rPr lang="es-ES" sz="2000" dirty="0" smtClean="0"/>
+              <a:t>Java – No se limita la cantidad de accesos.</a:t>
+            </a:r>
+            <a:endParaRPr lang="en-US" sz="2000" dirty="0" smtClean="0"/>
+          </a:p>
+          <a:p>
+            <a:endParaRPr lang="en-US" sz="2000" dirty="0" smtClean="0"/>
+          </a:p>
+          <a:p>
+            <a:r>
+              <a:rPr lang="en-US" sz="2000" dirty="0" smtClean="0"/>
+              <a:t>String username = </a:t>
+            </a:r>
+            <a:r>
+              <a:rPr lang="en-US" sz="2000" dirty="0" err="1" smtClean="0"/>
+              <a:t>request.getParameter</a:t>
+            </a:r>
+            <a:r>
+              <a:rPr lang="en-US" sz="2000" dirty="0" smtClean="0"/>
+              <a:t>("username");</a:t>
+            </a:r>
+          </a:p>
+          <a:p>
+            <a:r>
+              <a:rPr lang="en-US" sz="2000" dirty="0" smtClean="0"/>
+              <a:t>String password = </a:t>
+            </a:r>
+            <a:r>
+              <a:rPr lang="en-US" sz="2000" dirty="0" err="1" smtClean="0"/>
+              <a:t>request.getParameter</a:t>
+            </a:r>
+            <a:r>
+              <a:rPr lang="en-US" sz="2000" dirty="0" smtClean="0"/>
+              <a:t>("password");</a:t>
+            </a:r>
+            <a:br>
+              <a:rPr lang="en-US" sz="2000" dirty="0" smtClean="0"/>
+            </a:br>
+            <a:endParaRPr lang="en-US" sz="2000" dirty="0" smtClean="0"/>
+          </a:p>
+          <a:p>
+            <a:r>
+              <a:rPr lang="en-US" sz="2000" dirty="0" err="1" smtClean="0"/>
+              <a:t>int</a:t>
+            </a:r>
+            <a:r>
+              <a:rPr lang="en-US" sz="2000" dirty="0" smtClean="0"/>
+              <a:t> </a:t>
+            </a:r>
+            <a:r>
+              <a:rPr lang="en-US" sz="2000" dirty="0" err="1" smtClean="0"/>
+              <a:t>authResult</a:t>
+            </a:r>
+            <a:r>
+              <a:rPr lang="en-US" sz="2000" dirty="0" smtClean="0"/>
+              <a:t> = </a:t>
+            </a:r>
+            <a:r>
+              <a:rPr lang="en-US" sz="2000" dirty="0" err="1" smtClean="0"/>
+              <a:t>authenticateUser</a:t>
+            </a:r>
+            <a:r>
+              <a:rPr lang="en-US" sz="2000" dirty="0" smtClean="0"/>
+              <a:t>(username, password);</a:t>
             </a:r>
           </a:p>
           <a:p>
             <a:endParaRPr lang="es-ES" dirty="0" smtClean="0"/>
-          </a:p>
-          <a:p>
-            <a:r>
-              <a:rPr lang="es-ES" dirty="0" smtClean="0"/>
-              <a:t>Validación de tipos/tamaños.</a:t>
-            </a:r>
           </a:p>
           <a:p>
             <a:endParaRPr lang="en-US" dirty="0"/>
@@ -6500,7 +6591,7 @@
           <a:p>
             <a:r>
               <a:rPr lang="es-ES" dirty="0" smtClean="0"/>
-              <a:t>Error 24-Detección</a:t>
+              <a:t>Error 21 Ejemplo 1</a:t>
             </a:r>
             <a:endParaRPr lang="en-US" dirty="0"/>
           </a:p>
@@ -6543,178 +6634,89 @@
         </p:nvSpPr>
         <p:spPr/>
         <p:txBody>
-          <a:bodyPr>
-            <a:normAutofit/>
-          </a:bodyPr>
-          <a:lstStyle/>
-          <a:p>
-            <a:endParaRPr lang="es-ES" dirty="0" smtClean="0"/>
-          </a:p>
-          <a:p>
-            <a:r>
-              <a:rPr lang="es-ES" dirty="0" smtClean="0"/>
-              <a:t>‘</a:t>
-            </a:r>
-            <a:r>
-              <a:rPr lang="es-ES" dirty="0" err="1" smtClean="0"/>
-              <a:t>Improper</a:t>
-            </a:r>
-            <a:r>
-              <a:rPr lang="es-ES" dirty="0" smtClean="0"/>
-              <a:t> </a:t>
-            </a:r>
-            <a:r>
-              <a:rPr lang="es-ES" dirty="0" err="1" smtClean="0"/>
-              <a:t>restriction</a:t>
-            </a:r>
-            <a:r>
-              <a:rPr lang="es-ES" dirty="0" smtClean="0"/>
-              <a:t> </a:t>
-            </a:r>
-            <a:r>
-              <a:rPr lang="es-ES" dirty="0" smtClean="0"/>
-              <a:t>of </a:t>
-            </a:r>
-            <a:r>
-              <a:rPr lang="es-ES" dirty="0" err="1" smtClean="0"/>
-              <a:t>Excessive</a:t>
-            </a:r>
-            <a:r>
-              <a:rPr lang="es-ES" dirty="0" smtClean="0"/>
-              <a:t> </a:t>
-            </a:r>
-            <a:r>
-              <a:rPr lang="es-ES" dirty="0" err="1" smtClean="0"/>
-              <a:t>Authentication</a:t>
-            </a:r>
-            <a:r>
-              <a:rPr lang="es-ES" dirty="0" smtClean="0"/>
-              <a:t> </a:t>
-            </a:r>
-            <a:r>
-              <a:rPr lang="es-ES" dirty="0" err="1" smtClean="0"/>
-              <a:t>Attempts</a:t>
-            </a:r>
-            <a:r>
-              <a:rPr lang="es-ES" dirty="0" smtClean="0"/>
-              <a:t>’.</a:t>
-            </a:r>
-            <a:endParaRPr lang="es-ES" dirty="0" smtClean="0"/>
-          </a:p>
-          <a:p>
-            <a:pPr>
-              <a:buNone/>
-            </a:pPr>
-            <a:endParaRPr lang="es-ES" dirty="0" smtClean="0"/>
-          </a:p>
-          <a:p>
-            <a:r>
-              <a:rPr lang="es-ES" dirty="0" smtClean="0"/>
-              <a:t>“</a:t>
-            </a:r>
-            <a:r>
-              <a:rPr lang="es-ES" dirty="0" err="1" smtClean="0"/>
-              <a:t>If</a:t>
-            </a:r>
-            <a:r>
-              <a:rPr lang="es-ES" dirty="0" smtClean="0"/>
-              <a:t> at </a:t>
-            </a:r>
-            <a:r>
-              <a:rPr lang="es-ES" dirty="0" err="1" smtClean="0"/>
-              <a:t>first</a:t>
-            </a:r>
-            <a:r>
-              <a:rPr lang="es-ES" dirty="0" smtClean="0"/>
-              <a:t> </a:t>
-            </a:r>
-            <a:r>
-              <a:rPr lang="es-ES" dirty="0" err="1" smtClean="0"/>
-              <a:t>you</a:t>
-            </a:r>
-            <a:r>
-              <a:rPr lang="es-ES" dirty="0" smtClean="0"/>
-              <a:t> </a:t>
-            </a:r>
-            <a:r>
-              <a:rPr lang="es-ES" dirty="0" err="1" smtClean="0"/>
-              <a:t>don’t</a:t>
-            </a:r>
-            <a:r>
-              <a:rPr lang="es-ES" dirty="0" smtClean="0"/>
-              <a:t> </a:t>
-            </a:r>
-            <a:r>
-              <a:rPr lang="es-ES" dirty="0" err="1" smtClean="0"/>
-              <a:t>succeed</a:t>
-            </a:r>
-            <a:r>
-              <a:rPr lang="es-ES" dirty="0" smtClean="0"/>
-              <a:t>, try, try </a:t>
-            </a:r>
-            <a:r>
-              <a:rPr lang="es-ES" dirty="0" err="1" smtClean="0"/>
-              <a:t>again</a:t>
-            </a:r>
-            <a:r>
-              <a:rPr lang="es-ES" dirty="0" smtClean="0"/>
-              <a:t>.”</a:t>
-            </a:r>
-          </a:p>
-          <a:p>
-            <a:pPr>
-              <a:buNone/>
-            </a:pPr>
-            <a:endParaRPr lang="es-ES" dirty="0" smtClean="0"/>
-          </a:p>
-          <a:p>
-            <a:r>
-              <a:rPr lang="es-ES" dirty="0" smtClean="0"/>
-              <a:t>Reiterados intentos de </a:t>
-            </a:r>
-            <a:r>
-              <a:rPr lang="es-ES" dirty="0" err="1" smtClean="0"/>
-              <a:t>login</a:t>
-            </a:r>
-            <a:r>
-              <a:rPr lang="es-ES" dirty="0" smtClean="0"/>
-              <a:t> en poco tiempo.</a:t>
-            </a:r>
-          </a:p>
-          <a:p>
-            <a:endParaRPr lang="es-ES" dirty="0" smtClean="0"/>
-          </a:p>
-          <a:p>
-            <a:r>
-              <a:rPr lang="es-ES" dirty="0" smtClean="0"/>
-              <a:t>Vulnerable a ataques de fuerza </a:t>
-            </a:r>
-            <a:r>
-              <a:rPr lang="es-ES" dirty="0" smtClean="0"/>
-              <a:t>bruta.</a:t>
-            </a:r>
-            <a:endParaRPr lang="en-US" dirty="0"/>
-          </a:p>
-        </p:txBody>
-      </p:sp>
-      <p:sp>
-        <p:nvSpPr>
-          <p:cNvPr id="3" name="2 Título"/>
-          <p:cNvSpPr>
-            <a:spLocks noGrp="1"/>
-          </p:cNvSpPr>
-          <p:nvPr>
-            <p:ph type="title"/>
-          </p:nvPr>
-        </p:nvSpPr>
-        <p:spPr/>
-        <p:txBody>
           <a:bodyPr/>
           <a:lstStyle/>
           <a:p>
             <a:r>
               <a:rPr lang="es-ES" dirty="0" smtClean="0"/>
-              <a:t>Error 21 – CWE307</a:t>
+              <a:t>URL </a:t>
+            </a:r>
+            <a:r>
+              <a:rPr lang="es-ES" dirty="0" err="1" smtClean="0"/>
+              <a:t>Redirection</a:t>
+            </a:r>
+            <a:r>
+              <a:rPr lang="es-ES" dirty="0" smtClean="0"/>
+              <a:t> </a:t>
+            </a:r>
+            <a:r>
+              <a:rPr lang="es-ES" dirty="0" err="1" smtClean="0"/>
+              <a:t>to</a:t>
+            </a:r>
+            <a:r>
+              <a:rPr lang="es-ES" dirty="0" smtClean="0"/>
+              <a:t> </a:t>
+            </a:r>
+            <a:r>
+              <a:rPr lang="es-ES" dirty="0" err="1" smtClean="0"/>
+              <a:t>Untrusted</a:t>
+            </a:r>
+            <a:r>
+              <a:rPr lang="es-ES" dirty="0" smtClean="0"/>
+              <a:t> </a:t>
+            </a:r>
+            <a:r>
+              <a:rPr lang="es-ES" dirty="0" err="1" smtClean="0"/>
+              <a:t>Site</a:t>
+            </a:r>
+            <a:r>
+              <a:rPr lang="es-ES" dirty="0" smtClean="0"/>
+              <a:t> (‘Open </a:t>
+            </a:r>
+            <a:r>
+              <a:rPr lang="es-ES" dirty="0" err="1" smtClean="0"/>
+              <a:t>Redirect</a:t>
+            </a:r>
+            <a:r>
+              <a:rPr lang="es-ES" dirty="0" smtClean="0"/>
+              <a:t>’)</a:t>
+            </a:r>
+          </a:p>
+          <a:p>
+            <a:endParaRPr lang="es-ES" dirty="0" smtClean="0"/>
+          </a:p>
+          <a:p>
+            <a:r>
+              <a:rPr lang="es-ES" dirty="0" smtClean="0"/>
+              <a:t>Modificar una URL para que direccione al usuario a un sitio malicioso que ataque al usuario mediante el web-browser.</a:t>
+            </a:r>
+          </a:p>
+          <a:p>
+            <a:endParaRPr lang="es-ES" dirty="0" smtClean="0"/>
+          </a:p>
+          <a:p>
+            <a:endParaRPr lang="en-US" dirty="0"/>
+          </a:p>
+        </p:txBody>
+      </p:sp>
+      <p:sp>
+        <p:nvSpPr>
+          <p:cNvPr id="3" name="2 Título"/>
+          <p:cNvSpPr>
+            <a:spLocks noGrp="1"/>
+          </p:cNvSpPr>
+          <p:nvPr>
+            <p:ph type="title"/>
+          </p:nvPr>
+        </p:nvSpPr>
+        <p:spPr/>
+        <p:txBody>
+          <a:bodyPr/>
+          <a:lstStyle/>
+          <a:p>
+            <a:r>
+              <a:rPr lang="es-ES" dirty="0" smtClean="0"/>
+              <a:t>Error 22-CWE-601</a:t>
             </a:r>
             <a:endParaRPr lang="en-US" dirty="0"/>
           </a:p>
@@ -6757,296 +6759,96 @@
         </p:nvSpPr>
         <p:spPr/>
         <p:txBody>
-          <a:bodyPr>
-            <a:normAutofit/>
-          </a:bodyPr>
-          <a:lstStyle/>
-          <a:p>
-            <a:pPr>
-              <a:buNone/>
-            </a:pPr>
-            <a:r>
-              <a:rPr lang="es-AR" sz="1800" dirty="0" err="1"/>
-              <a:t>img_t</a:t>
-            </a:r>
-            <a:r>
-              <a:rPr lang="es-AR" sz="1800" dirty="0"/>
-              <a:t> </a:t>
-            </a:r>
-            <a:r>
-              <a:rPr lang="es-AR" sz="1800" dirty="0" err="1"/>
-              <a:t>table_ptr</a:t>
-            </a:r>
-            <a:r>
-              <a:rPr lang="es-AR" sz="1800" dirty="0"/>
-              <a:t>; /*</a:t>
-            </a:r>
-            <a:r>
-              <a:rPr lang="es-AR" sz="1800" dirty="0" err="1"/>
-              <a:t>struct</a:t>
-            </a:r>
-            <a:r>
-              <a:rPr lang="es-AR" sz="1800" dirty="0"/>
-              <a:t> </a:t>
-            </a:r>
-            <a:r>
-              <a:rPr lang="es-AR" sz="1800" dirty="0" err="1"/>
-              <a:t>containing</a:t>
-            </a:r>
-            <a:r>
-              <a:rPr lang="es-AR" sz="1800" dirty="0"/>
-              <a:t> </a:t>
-            </a:r>
-            <a:r>
-              <a:rPr lang="es-AR" sz="1800" dirty="0" err="1"/>
-              <a:t>img</a:t>
-            </a:r>
-            <a:r>
-              <a:rPr lang="es-AR" sz="1800" dirty="0"/>
-              <a:t> data, 10kB </a:t>
-            </a:r>
-            <a:r>
-              <a:rPr lang="es-AR" sz="1800" dirty="0" err="1"/>
-              <a:t>each</a:t>
-            </a:r>
-            <a:r>
-              <a:rPr lang="es-AR" sz="1800" dirty="0"/>
-              <a:t>*/</a:t>
-            </a:r>
-          </a:p>
-          <a:p>
-            <a:pPr>
-              <a:buNone/>
-            </a:pPr>
-            <a:r>
-              <a:rPr lang="es-AR" sz="1800" dirty="0" err="1"/>
-              <a:t>int</a:t>
-            </a:r>
-            <a:r>
-              <a:rPr lang="es-AR" sz="1800" dirty="0"/>
-              <a:t> </a:t>
-            </a:r>
-            <a:r>
-              <a:rPr lang="es-AR" sz="1800" dirty="0" err="1"/>
-              <a:t>num_imgs</a:t>
-            </a:r>
-            <a:r>
-              <a:rPr lang="es-AR" sz="1800" dirty="0"/>
-              <a:t>;</a:t>
-            </a:r>
-            <a:endParaRPr lang="es-AR" sz="1800" dirty="0"/>
-          </a:p>
-          <a:p>
-            <a:pPr>
-              <a:buNone/>
-            </a:pPr>
-            <a:r>
-              <a:rPr lang="es-AR" sz="1800" dirty="0" err="1"/>
-              <a:t>num_imgs</a:t>
-            </a:r>
-            <a:r>
-              <a:rPr lang="es-AR" sz="1800" dirty="0"/>
-              <a:t> = </a:t>
-            </a:r>
-            <a:r>
-              <a:rPr lang="es-AR" sz="1800" dirty="0" err="1"/>
-              <a:t>get_num_imgs</a:t>
-            </a:r>
-            <a:r>
-              <a:rPr lang="es-AR" sz="1800" dirty="0"/>
-              <a:t>();</a:t>
-            </a:r>
-          </a:p>
-          <a:p>
-            <a:pPr>
-              <a:buNone/>
-            </a:pPr>
-            <a:r>
-              <a:rPr lang="es-AR" sz="1800" dirty="0" err="1"/>
-              <a:t>table_ptr</a:t>
-            </a:r>
-            <a:r>
-              <a:rPr lang="es-AR" sz="1800" dirty="0"/>
-              <a:t> = (</a:t>
-            </a:r>
-            <a:r>
-              <a:rPr lang="es-AR" sz="1800" dirty="0" err="1"/>
-              <a:t>img_t</a:t>
-            </a:r>
-            <a:r>
-              <a:rPr lang="es-AR" sz="1800" dirty="0"/>
-              <a:t>*)</a:t>
-            </a:r>
-            <a:r>
-              <a:rPr lang="es-AR" sz="1800" dirty="0" err="1"/>
-              <a:t>malloc</a:t>
-            </a:r>
-            <a:r>
-              <a:rPr lang="es-AR" sz="1800" dirty="0"/>
-              <a:t>(</a:t>
-            </a:r>
-            <a:r>
-              <a:rPr lang="es-AR" sz="1800" dirty="0" err="1"/>
-              <a:t>sizeof</a:t>
-            </a:r>
-            <a:r>
-              <a:rPr lang="es-AR" sz="1800" dirty="0"/>
-              <a:t>(</a:t>
-            </a:r>
-            <a:r>
-              <a:rPr lang="es-AR" sz="1800" dirty="0" err="1"/>
-              <a:t>img_t</a:t>
-            </a:r>
-            <a:r>
-              <a:rPr lang="es-AR" sz="1800" dirty="0"/>
-              <a:t>)*</a:t>
-            </a:r>
-            <a:r>
-              <a:rPr lang="es-AR" sz="1800" dirty="0" err="1"/>
-              <a:t>num_imgs</a:t>
-            </a:r>
-            <a:r>
-              <a:rPr lang="es-AR" sz="1800" dirty="0" smtClean="0"/>
-              <a:t>);</a:t>
-            </a:r>
-            <a:endParaRPr lang="en-US" dirty="0"/>
-          </a:p>
-          <a:p>
-            <a:endParaRPr lang="en-US" dirty="0" smtClean="0"/>
-          </a:p>
-          <a:p>
-            <a:r>
-              <a:rPr lang="en-US" dirty="0" err="1" smtClean="0"/>
-              <a:t>Número</a:t>
-            </a:r>
-            <a:r>
-              <a:rPr lang="en-US" dirty="0" smtClean="0"/>
-              <a:t> </a:t>
-            </a:r>
-            <a:r>
-              <a:rPr lang="en-US" dirty="0" err="1" smtClean="0"/>
-              <a:t>muy</a:t>
-            </a:r>
-            <a:r>
-              <a:rPr lang="en-US" dirty="0" smtClean="0"/>
-              <a:t> </a:t>
-            </a:r>
-            <a:r>
-              <a:rPr lang="en-US" dirty="0" err="1" smtClean="0"/>
-              <a:t>grande</a:t>
-            </a:r>
-            <a:r>
-              <a:rPr lang="en-US" dirty="0" smtClean="0"/>
-              <a:t> de </a:t>
-            </a:r>
-            <a:r>
-              <a:rPr lang="en-US" dirty="0" err="1" smtClean="0"/>
-              <a:t>num_imgs</a:t>
-            </a:r>
-            <a:r>
-              <a:rPr lang="en-US" dirty="0" smtClean="0"/>
-              <a:t> </a:t>
-            </a:r>
-            <a:r>
-              <a:rPr lang="en-US" dirty="0" err="1" smtClean="0"/>
-              <a:t>puede</a:t>
-            </a:r>
-            <a:r>
-              <a:rPr lang="en-US" dirty="0" smtClean="0"/>
-              <a:t> </a:t>
-            </a:r>
-            <a:r>
-              <a:rPr lang="en-US" dirty="0" err="1" smtClean="0"/>
-              <a:t>producir</a:t>
-            </a:r>
-            <a:r>
-              <a:rPr lang="en-US" dirty="0" smtClean="0"/>
-              <a:t> un overflow.</a:t>
-            </a:r>
-          </a:p>
-          <a:p>
-            <a:r>
-              <a:rPr lang="en-US" dirty="0" err="1" smtClean="0"/>
-              <a:t>Generará</a:t>
-            </a:r>
-            <a:r>
-              <a:rPr lang="en-US" dirty="0" smtClean="0"/>
-              <a:t> </a:t>
-            </a:r>
-            <a:r>
-              <a:rPr lang="en-US" dirty="0" err="1" smtClean="0"/>
-              <a:t>una</a:t>
-            </a:r>
-            <a:r>
-              <a:rPr lang="en-US" dirty="0" smtClean="0"/>
-              <a:t> </a:t>
-            </a:r>
-            <a:r>
-              <a:rPr lang="en-US" dirty="0" err="1" smtClean="0"/>
-              <a:t>tabla</a:t>
-            </a:r>
-            <a:r>
-              <a:rPr lang="en-US" dirty="0" smtClean="0"/>
-              <a:t> </a:t>
-            </a:r>
-            <a:r>
-              <a:rPr lang="en-US" dirty="0" err="1" smtClean="0"/>
-              <a:t>muy</a:t>
-            </a:r>
-            <a:r>
-              <a:rPr lang="en-US" dirty="0" smtClean="0"/>
-              <a:t> </a:t>
-            </a:r>
-            <a:r>
-              <a:rPr lang="en-US" dirty="0" err="1" smtClean="0"/>
-              <a:t>pequeña</a:t>
-            </a:r>
-            <a:r>
-              <a:rPr lang="en-US" dirty="0" smtClean="0"/>
-              <a:t> en </a:t>
-            </a:r>
-            <a:r>
-              <a:rPr lang="en-US" dirty="0" err="1" smtClean="0"/>
-              <a:t>su</a:t>
-            </a:r>
-            <a:r>
-              <a:rPr lang="en-US" dirty="0" smtClean="0"/>
-              <a:t> </a:t>
-            </a:r>
-            <a:r>
-              <a:rPr lang="en-US" dirty="0" err="1" smtClean="0"/>
-              <a:t>lugar</a:t>
-            </a:r>
-            <a:r>
-              <a:rPr lang="en-US" dirty="0" smtClean="0"/>
-              <a:t>.</a:t>
-            </a:r>
-            <a:endParaRPr lang="en-US" dirty="0"/>
-          </a:p>
-        </p:txBody>
-      </p:sp>
-      <p:sp>
-        <p:nvSpPr>
-          <p:cNvPr id="3" name="2 Título"/>
-          <p:cNvSpPr>
-            <a:spLocks noGrp="1"/>
-          </p:cNvSpPr>
-          <p:nvPr>
-            <p:ph type="title"/>
-          </p:nvPr>
-        </p:nvSpPr>
-        <p:spPr/>
-        <p:txBody>
           <a:bodyPr/>
           <a:lstStyle/>
           <a:p>
             <a:r>
-              <a:rPr lang="es-ES" dirty="0" smtClean="0"/>
-              <a:t>Error </a:t>
-            </a:r>
-            <a:r>
-              <a:rPr lang="es-ES" dirty="0" smtClean="0"/>
-              <a:t>24-Ejemplo 1</a:t>
+              <a:rPr lang="es-ES" sz="2800" dirty="0" smtClean="0"/>
+              <a:t>Se hace </a:t>
+            </a:r>
+            <a:r>
+              <a:rPr lang="es-ES" sz="2800" dirty="0" err="1" smtClean="0"/>
+              <a:t>sleep</a:t>
+            </a:r>
+            <a:r>
+              <a:rPr lang="es-ES" sz="2800" dirty="0" smtClean="0"/>
+              <a:t> en cada intento.</a:t>
+            </a:r>
+            <a:endParaRPr lang="en-US" sz="2800" dirty="0" smtClean="0"/>
+          </a:p>
+          <a:p>
+            <a:endParaRPr lang="en-US" sz="2000" dirty="0" smtClean="0"/>
+          </a:p>
+          <a:p>
+            <a:r>
+              <a:rPr lang="en-US" sz="2000" dirty="0" smtClean="0"/>
+              <a:t>$username = $_POST['username'];</a:t>
+            </a:r>
+          </a:p>
+          <a:p>
+            <a:r>
+              <a:rPr lang="en-US" sz="2000" dirty="0" smtClean="0"/>
+              <a:t>$password = $_POST['password'];</a:t>
+            </a:r>
+          </a:p>
+          <a:p>
+            <a:r>
+              <a:rPr lang="en-US" sz="2000" dirty="0" smtClean="0"/>
+              <a:t>sleep(2000);</a:t>
+            </a:r>
+          </a:p>
+          <a:p>
+            <a:r>
+              <a:rPr lang="en-US" sz="2000" dirty="0" smtClean="0"/>
+              <a:t>$</a:t>
+            </a:r>
+            <a:r>
+              <a:rPr lang="en-US" sz="2000" dirty="0" err="1" smtClean="0"/>
+              <a:t>isAuthenticated</a:t>
+            </a:r>
+            <a:r>
+              <a:rPr lang="en-US" sz="2000" dirty="0" smtClean="0"/>
+              <a:t> = </a:t>
+            </a:r>
+            <a:r>
+              <a:rPr lang="en-US" sz="2000" dirty="0" err="1" smtClean="0"/>
+              <a:t>authenticateUser</a:t>
+            </a:r>
+            <a:r>
+              <a:rPr lang="en-US" sz="2000" dirty="0" smtClean="0"/>
+              <a:t>($username, $password);</a:t>
+            </a:r>
+          </a:p>
+          <a:p>
+            <a:endParaRPr lang="es-ES" dirty="0" smtClean="0"/>
+          </a:p>
+          <a:p>
+            <a:r>
+              <a:rPr lang="es-ES" dirty="0" smtClean="0"/>
+              <a:t>No hay limite de conexiones en simultáneo.</a:t>
+            </a:r>
+            <a:endParaRPr lang="en-US" dirty="0"/>
+          </a:p>
+        </p:txBody>
+      </p:sp>
+      <p:sp>
+        <p:nvSpPr>
+          <p:cNvPr id="3" name="2 Título"/>
+          <p:cNvSpPr>
+            <a:spLocks noGrp="1"/>
+          </p:cNvSpPr>
+          <p:nvPr>
+            <p:ph type="title"/>
+          </p:nvPr>
+        </p:nvSpPr>
+        <p:spPr/>
+        <p:txBody>
+          <a:bodyPr/>
+          <a:lstStyle/>
+          <a:p>
+            <a:r>
+              <a:rPr lang="es-ES" dirty="0" smtClean="0"/>
+              <a:t>Error 21 – Ejemplo 2</a:t>
             </a:r>
             <a:endParaRPr lang="en-US" dirty="0"/>
           </a:p>
@@ -7090,219 +6892,242 @@
         <p:spPr/>
         <p:txBody>
           <a:bodyPr>
-            <a:normAutofit/>
+            <a:normAutofit fontScale="55000" lnSpcReduction="20000"/>
           </a:bodyPr>
           <a:lstStyle/>
           <a:p>
-            <a:pPr marL="109728" indent="0">
+            <a:pPr>
               <a:buNone/>
             </a:pPr>
             <a:r>
-              <a:rPr lang="es-AR" sz="1900" dirty="0" err="1"/>
-              <a:t>nresp</a:t>
-            </a:r>
-            <a:r>
-              <a:rPr lang="es-AR" sz="1900" dirty="0"/>
-              <a:t> = </a:t>
-            </a:r>
-            <a:r>
-              <a:rPr lang="es-AR" sz="1900" dirty="0" err="1"/>
-              <a:t>packet_get_int</a:t>
-            </a:r>
-            <a:r>
-              <a:rPr lang="es-AR" sz="1900" dirty="0"/>
-              <a:t>();</a:t>
-            </a:r>
-          </a:p>
-          <a:p>
-            <a:pPr marL="109728" indent="0">
+              <a:rPr lang="en-US" dirty="0" err="1" smtClean="0"/>
+              <a:t>int</a:t>
+            </a:r>
+            <a:r>
+              <a:rPr lang="en-US" dirty="0" smtClean="0"/>
+              <a:t> </a:t>
+            </a:r>
+            <a:r>
+              <a:rPr lang="en-US" dirty="0" err="1" smtClean="0"/>
+              <a:t>validateUser</a:t>
+            </a:r>
+            <a:r>
+              <a:rPr lang="en-US" dirty="0" smtClean="0"/>
+              <a:t>(char *host, </a:t>
+            </a:r>
+            <a:r>
+              <a:rPr lang="en-US" dirty="0" err="1" smtClean="0"/>
+              <a:t>int</a:t>
+            </a:r>
+            <a:r>
+              <a:rPr lang="en-US" dirty="0" smtClean="0"/>
+              <a:t> port) {</a:t>
+            </a:r>
+          </a:p>
+          <a:p>
+            <a:pPr>
               <a:buNone/>
             </a:pPr>
             <a:r>
-              <a:rPr lang="es-AR" sz="1900" dirty="0" err="1" smtClean="0"/>
-              <a:t>if</a:t>
-            </a:r>
-            <a:r>
-              <a:rPr lang="es-AR" sz="1900" dirty="0" smtClean="0"/>
-              <a:t> </a:t>
-            </a:r>
-            <a:r>
-              <a:rPr lang="es-AR" sz="1900" dirty="0"/>
-              <a:t>(</a:t>
-            </a:r>
-            <a:r>
-              <a:rPr lang="es-AR" sz="1900" dirty="0" err="1"/>
-              <a:t>nresp</a:t>
-            </a:r>
-            <a:r>
-              <a:rPr lang="es-AR" sz="1900" dirty="0"/>
-              <a:t> &gt; 0) {</a:t>
-            </a:r>
-          </a:p>
-          <a:p>
-            <a:pPr marL="109728" indent="0">
+              <a:rPr lang="en-US" dirty="0" smtClean="0"/>
+              <a:t>...</a:t>
+            </a:r>
+          </a:p>
+          <a:p>
+            <a:pPr>
               <a:buNone/>
             </a:pPr>
-            <a:r>
-              <a:rPr lang="es-AR" sz="1900" dirty="0" smtClean="0"/>
-              <a:t>	response </a:t>
-            </a:r>
-            <a:r>
-              <a:rPr lang="es-AR" sz="1900" dirty="0"/>
-              <a:t>= </a:t>
-            </a:r>
-            <a:r>
-              <a:rPr lang="es-AR" sz="1900" dirty="0" err="1"/>
-              <a:t>xmalloc</a:t>
-            </a:r>
-            <a:r>
-              <a:rPr lang="es-AR" sz="1900" dirty="0"/>
-              <a:t>(</a:t>
-            </a:r>
-            <a:r>
-              <a:rPr lang="es-AR" sz="1900" dirty="0" err="1"/>
-              <a:t>nresp</a:t>
-            </a:r>
-            <a:r>
-              <a:rPr lang="es-AR" sz="1900" dirty="0"/>
-              <a:t>*</a:t>
-            </a:r>
-            <a:r>
-              <a:rPr lang="es-AR" sz="1900" dirty="0" err="1"/>
-              <a:t>sizeof</a:t>
-            </a:r>
-            <a:r>
-              <a:rPr lang="es-AR" sz="1900" dirty="0"/>
-              <a:t>(</a:t>
-            </a:r>
-            <a:r>
-              <a:rPr lang="es-AR" sz="1900" dirty="0" err="1"/>
-              <a:t>char</a:t>
-            </a:r>
-            <a:r>
-              <a:rPr lang="es-AR" sz="1900" dirty="0"/>
-              <a:t>*));</a:t>
-            </a:r>
-          </a:p>
-          <a:p>
-            <a:pPr marL="109728" indent="0">
+            <a:endParaRPr lang="en-US" dirty="0" smtClean="0"/>
+          </a:p>
+          <a:p>
+            <a:pPr>
               <a:buNone/>
             </a:pPr>
             <a:r>
-              <a:rPr lang="es-AR" sz="1900" dirty="0" smtClean="0"/>
+              <a:rPr lang="en-US" dirty="0" smtClean="0"/>
               <a:t>	</a:t>
             </a:r>
             <a:r>
-              <a:rPr lang="es-AR" sz="1900" dirty="0" err="1" smtClean="0"/>
-              <a:t>for</a:t>
-            </a:r>
-            <a:r>
-              <a:rPr lang="es-AR" sz="1900" dirty="0" smtClean="0"/>
-              <a:t> </a:t>
-            </a:r>
-            <a:r>
-              <a:rPr lang="es-AR" sz="1900" dirty="0"/>
-              <a:t>(i = 0; i &gt; </a:t>
-            </a:r>
-            <a:r>
-              <a:rPr lang="es-AR" sz="1900" dirty="0" err="1"/>
-              <a:t>nresp</a:t>
-            </a:r>
-            <a:r>
-              <a:rPr lang="es-AR" sz="1900" dirty="0"/>
-              <a:t>; i++) </a:t>
-            </a:r>
-          </a:p>
-          <a:p>
-            <a:pPr marL="109728" indent="0">
+              <a:rPr lang="en-US" dirty="0" err="1" smtClean="0"/>
+              <a:t>int</a:t>
+            </a:r>
+            <a:r>
+              <a:rPr lang="en-US" dirty="0" smtClean="0"/>
+              <a:t> count = 0;</a:t>
+            </a:r>
+          </a:p>
+          <a:p>
+            <a:pPr>
               <a:buNone/>
             </a:pPr>
             <a:r>
-              <a:rPr lang="es-AR" sz="1900" dirty="0" smtClean="0"/>
-              <a:t>	response[i</a:t>
-            </a:r>
-            <a:r>
-              <a:rPr lang="es-AR" sz="1900" dirty="0"/>
-              <a:t>] = </a:t>
-            </a:r>
-            <a:r>
-              <a:rPr lang="es-AR" sz="1900" dirty="0" err="1"/>
-              <a:t>packet_get_string</a:t>
-            </a:r>
-            <a:r>
-              <a:rPr lang="es-AR" sz="1900" dirty="0"/>
-              <a:t>(NULL);</a:t>
-            </a:r>
-          </a:p>
-          <a:p>
-            <a:pPr marL="109728" indent="0">
+              <a:rPr lang="en-US" dirty="0" smtClean="0"/>
+              <a:t>	while ((</a:t>
+            </a:r>
+            <a:r>
+              <a:rPr lang="en-US" dirty="0" err="1" smtClean="0"/>
+              <a:t>isValidUser</a:t>
+            </a:r>
+            <a:r>
+              <a:rPr lang="en-US" dirty="0" smtClean="0"/>
+              <a:t> == 0) &amp;&amp; (count &lt; MAX_ATTEMPTS)) {</a:t>
+            </a:r>
+          </a:p>
+          <a:p>
+            <a:pPr>
               <a:buNone/>
             </a:pPr>
             <a:r>
-              <a:rPr lang="es-AR" sz="1900" dirty="0" smtClean="0"/>
-              <a:t>}</a:t>
-            </a:r>
-          </a:p>
-          <a:p>
-            <a:endParaRPr lang="en-US" dirty="0"/>
-          </a:p>
-          <a:p>
+              <a:rPr lang="en-US" dirty="0" smtClean="0"/>
+              <a:t>		if (</a:t>
+            </a:r>
             <a:r>
               <a:rPr lang="en-US" dirty="0" err="1" smtClean="0"/>
-              <a:t>nresp</a:t>
+              <a:t>getNextMessage</a:t>
             </a:r>
             <a:r>
               <a:rPr lang="en-US" dirty="0" smtClean="0"/>
-              <a:t> = 1</a:t>
-            </a:r>
-            <a:r>
-              <a:rPr lang="es-AR" dirty="0" smtClean="0"/>
-              <a:t>073741824.</a:t>
-            </a:r>
-          </a:p>
-          <a:p>
-            <a:r>
-              <a:rPr lang="es-AR" dirty="0" err="1" smtClean="0"/>
-              <a:t>sizeof</a:t>
-            </a:r>
-            <a:r>
-              <a:rPr lang="es-AR" dirty="0" smtClean="0"/>
-              <a:t>(</a:t>
-            </a:r>
-            <a:r>
-              <a:rPr lang="es-AR" dirty="0" err="1" smtClean="0"/>
-              <a:t>char</a:t>
-            </a:r>
-            <a:r>
-              <a:rPr lang="es-AR" dirty="0" smtClean="0"/>
-              <a:t> *) = 4.</a:t>
-            </a:r>
-          </a:p>
-          <a:p>
-            <a:r>
-              <a:rPr lang="es-AR" dirty="0" err="1" smtClean="0"/>
-              <a:t>Nresp</a:t>
-            </a:r>
-            <a:r>
-              <a:rPr lang="es-AR" dirty="0" smtClean="0"/>
-              <a:t> * </a:t>
-            </a:r>
-            <a:r>
-              <a:rPr lang="es-AR" dirty="0" err="1" smtClean="0"/>
-              <a:t>sizeof</a:t>
-            </a:r>
-            <a:r>
-              <a:rPr lang="es-AR" dirty="0" smtClean="0"/>
-              <a:t>(</a:t>
-            </a:r>
-            <a:r>
-              <a:rPr lang="es-AR" dirty="0" err="1" smtClean="0"/>
-              <a:t>char</a:t>
-            </a:r>
-            <a:r>
-              <a:rPr lang="es-AR" dirty="0" smtClean="0"/>
-              <a:t> *) desbordará.</a:t>
-            </a:r>
+              <a:t>(socket, username, USERNAME_SIZE) &gt; 0) {</a:t>
+            </a:r>
+          </a:p>
+          <a:p>
+            <a:pPr>
+              <a:buNone/>
+            </a:pPr>
+            <a:r>
+              <a:rPr lang="en-US" dirty="0" smtClean="0"/>
+              <a:t>			if (</a:t>
+            </a:r>
+            <a:r>
+              <a:rPr lang="en-US" dirty="0" err="1" smtClean="0"/>
+              <a:t>getNextMessage</a:t>
+            </a:r>
+            <a:r>
+              <a:rPr lang="en-US" dirty="0" smtClean="0"/>
+              <a:t>(socket, password, PASSWORD_SIZE) &gt; 0) {</a:t>
+            </a:r>
+          </a:p>
+          <a:p>
+            <a:pPr>
+              <a:buNone/>
+            </a:pPr>
+            <a:r>
+              <a:rPr lang="en-US" dirty="0" smtClean="0"/>
+              <a:t>				</a:t>
+            </a:r>
+            <a:r>
+              <a:rPr lang="en-US" dirty="0" err="1" smtClean="0"/>
+              <a:t>isValidUser</a:t>
+            </a:r>
+            <a:r>
+              <a:rPr lang="en-US" dirty="0" smtClean="0"/>
+              <a:t> = </a:t>
+            </a:r>
+            <a:r>
+              <a:rPr lang="en-US" dirty="0" err="1" smtClean="0"/>
+              <a:t>AuthenticateUser</a:t>
+            </a:r>
+            <a:r>
+              <a:rPr lang="en-US" dirty="0" smtClean="0"/>
+              <a:t>(username, password);</a:t>
+            </a:r>
+          </a:p>
+          <a:p>
+            <a:pPr>
+              <a:buNone/>
+            </a:pPr>
+            <a:r>
+              <a:rPr lang="en-US" dirty="0" smtClean="0"/>
+              <a:t>			}</a:t>
+            </a:r>
+          </a:p>
+          <a:p>
+            <a:pPr>
+              <a:buNone/>
+            </a:pPr>
+            <a:r>
+              <a:rPr lang="en-US" dirty="0" smtClean="0"/>
+              <a:t>		}</a:t>
+            </a:r>
+          </a:p>
+          <a:p>
+            <a:pPr>
+              <a:buNone/>
+            </a:pPr>
+            <a:r>
+              <a:rPr lang="en-US" dirty="0" smtClean="0"/>
+              <a:t>	count++;</a:t>
+            </a:r>
+          </a:p>
+          <a:p>
+            <a:pPr>
+              <a:buNone/>
+            </a:pPr>
+            <a:r>
+              <a:rPr lang="en-US" dirty="0" smtClean="0"/>
+              <a:t>	}</a:t>
+            </a:r>
+          </a:p>
+          <a:p>
+            <a:pPr>
+              <a:buNone/>
+            </a:pPr>
+            <a:endParaRPr lang="en-US" dirty="0" smtClean="0"/>
+          </a:p>
+          <a:p>
+            <a:pPr>
+              <a:buNone/>
+            </a:pPr>
+            <a:r>
+              <a:rPr lang="en-US" dirty="0" smtClean="0"/>
+              <a:t>	if (</a:t>
+            </a:r>
+            <a:r>
+              <a:rPr lang="en-US" dirty="0" err="1" smtClean="0"/>
+              <a:t>isValidUser</a:t>
+            </a:r>
+            <a:r>
+              <a:rPr lang="en-US" dirty="0" smtClean="0"/>
+              <a:t>) {</a:t>
+            </a:r>
+          </a:p>
+          <a:p>
+            <a:pPr>
+              <a:buNone/>
+            </a:pPr>
+            <a:r>
+              <a:rPr lang="en-US" dirty="0" smtClean="0"/>
+              <a:t>		return(SUCCESS);</a:t>
+            </a:r>
+          </a:p>
+          <a:p>
+            <a:pPr>
+              <a:buNone/>
+            </a:pPr>
+            <a:r>
+              <a:rPr lang="en-US" dirty="0" smtClean="0"/>
+              <a:t>	} else {</a:t>
+            </a:r>
+          </a:p>
+          <a:p>
+            <a:pPr>
+              <a:buNone/>
+            </a:pPr>
+            <a:r>
+              <a:rPr lang="en-US" dirty="0" smtClean="0"/>
+              <a:t>		return(FAIL);</a:t>
+            </a:r>
+          </a:p>
+          <a:p>
+            <a:pPr>
+              <a:buNone/>
+            </a:pPr>
+            <a:r>
+              <a:rPr lang="en-US" dirty="0" smtClean="0"/>
+              <a:t>	}</a:t>
+            </a:r>
+          </a:p>
+          <a:p>
             <a:endParaRPr lang="en-US" dirty="0"/>
           </a:p>
         </p:txBody>
@@ -7324,11 +7149,7 @@
           <a:p>
             <a:r>
               <a:rPr lang="es-ES" dirty="0" smtClean="0"/>
-              <a:t>Error </a:t>
-            </a:r>
-            <a:r>
-              <a:rPr lang="es-ES" dirty="0" smtClean="0"/>
-              <a:t>24-Ejemplo 2</a:t>
+              <a:t>Error 21 – Ejemplo 3 - bien</a:t>
             </a:r>
             <a:endParaRPr lang="en-US" dirty="0"/>
           </a:p>
@@ -7371,198 +7192,80 @@
         </p:nvSpPr>
         <p:spPr/>
         <p:txBody>
-          <a:bodyPr>
-            <a:normAutofit fontScale="92500" lnSpcReduction="10000"/>
-          </a:bodyPr>
-          <a:lstStyle/>
-          <a:p>
-            <a:pPr marL="109728" indent="0">
-              <a:buNone/>
-            </a:pPr>
-            <a:r>
-              <a:rPr lang="es-AR" dirty="0"/>
-              <a:t>short </a:t>
-            </a:r>
-            <a:r>
-              <a:rPr lang="es-AR" dirty="0" err="1"/>
-              <a:t>int</a:t>
-            </a:r>
-            <a:r>
-              <a:rPr lang="es-AR" dirty="0"/>
-              <a:t> </a:t>
-            </a:r>
-            <a:r>
-              <a:rPr lang="es-AR" dirty="0" err="1"/>
-              <a:t>bytesRec</a:t>
-            </a:r>
-            <a:r>
-              <a:rPr lang="es-AR" dirty="0"/>
-              <a:t> = 0;</a:t>
-            </a:r>
-          </a:p>
-          <a:p>
-            <a:pPr marL="109728" indent="0">
-              <a:buNone/>
-            </a:pPr>
-            <a:r>
-              <a:rPr lang="es-AR" dirty="0" err="1"/>
-              <a:t>char</a:t>
-            </a:r>
-            <a:r>
-              <a:rPr lang="es-AR" dirty="0"/>
-              <a:t> </a:t>
-            </a:r>
-            <a:r>
-              <a:rPr lang="es-AR" dirty="0" err="1"/>
-              <a:t>buf</a:t>
-            </a:r>
-            <a:r>
-              <a:rPr lang="es-AR" dirty="0"/>
-              <a:t>[SOMEBIGNUM];</a:t>
-            </a:r>
-          </a:p>
-          <a:p>
-            <a:pPr marL="109728" indent="0">
-              <a:buNone/>
-            </a:pPr>
-            <a:r>
-              <a:rPr lang="es-AR" dirty="0"/>
-              <a:t> </a:t>
-            </a:r>
-          </a:p>
-          <a:p>
-            <a:pPr marL="109728" indent="0">
-              <a:buNone/>
-            </a:pPr>
-            <a:r>
-              <a:rPr lang="es-AR" dirty="0" err="1"/>
-              <a:t>while</a:t>
-            </a:r>
-            <a:r>
-              <a:rPr lang="es-AR" dirty="0"/>
-              <a:t>(</a:t>
-            </a:r>
-            <a:r>
-              <a:rPr lang="es-AR" dirty="0" err="1"/>
-              <a:t>bytesRec</a:t>
-            </a:r>
-            <a:r>
-              <a:rPr lang="es-AR" dirty="0"/>
-              <a:t> &lt; MAXGET) {</a:t>
-            </a:r>
-          </a:p>
-          <a:p>
-            <a:pPr marL="109728" indent="0">
-              <a:buNone/>
-            </a:pPr>
-            <a:r>
-              <a:rPr lang="es-AR" dirty="0" smtClean="0"/>
-              <a:t>	</a:t>
-            </a:r>
-            <a:r>
-              <a:rPr lang="es-AR" dirty="0" err="1" smtClean="0"/>
-              <a:t>bytesRec</a:t>
-            </a:r>
-            <a:r>
-              <a:rPr lang="es-AR" dirty="0" smtClean="0"/>
-              <a:t> </a:t>
-            </a:r>
-            <a:r>
-              <a:rPr lang="es-AR" dirty="0"/>
-              <a:t>+= </a:t>
-            </a:r>
-            <a:r>
-              <a:rPr lang="es-AR" dirty="0" err="1"/>
-              <a:t>getFromInput</a:t>
-            </a:r>
-            <a:r>
-              <a:rPr lang="es-AR" dirty="0"/>
-              <a:t>(</a:t>
-            </a:r>
-            <a:r>
-              <a:rPr lang="es-AR" dirty="0" err="1"/>
-              <a:t>buf+bytesRec</a:t>
-            </a:r>
-            <a:r>
-              <a:rPr lang="es-AR" dirty="0"/>
-              <a:t>);</a:t>
-            </a:r>
-          </a:p>
-          <a:p>
-            <a:pPr marL="109728" indent="0">
-              <a:buNone/>
-            </a:pPr>
-            <a:r>
-              <a:rPr lang="es-AR" dirty="0"/>
-              <a:t>}</a:t>
-            </a:r>
-          </a:p>
-          <a:p>
-            <a:r>
-              <a:rPr lang="es-AR" dirty="0" err="1" smtClean="0"/>
-              <a:t>bytesRec</a:t>
-            </a:r>
-            <a:r>
-              <a:rPr lang="es-AR" dirty="0" smtClean="0"/>
-              <a:t> puede desbordarse, creando un número inferior a MAXGET</a:t>
-            </a:r>
-          </a:p>
-          <a:p>
-            <a:r>
-              <a:rPr lang="es-AR" dirty="0" smtClean="0"/>
-              <a:t>Ciclo infinito</a:t>
-            </a:r>
-          </a:p>
-          <a:p>
-            <a:r>
-              <a:rPr lang="es-AR" dirty="0" smtClean="0"/>
-              <a:t>Puede </a:t>
-            </a:r>
-            <a:r>
-              <a:rPr lang="es-AR" dirty="0" err="1" smtClean="0"/>
-              <a:t>sobreescribir</a:t>
-            </a:r>
-            <a:r>
-              <a:rPr lang="es-AR" dirty="0" smtClean="0"/>
-              <a:t> los primeros MAXGET – 1 bytes de </a:t>
-            </a:r>
-            <a:r>
-              <a:rPr lang="es-AR" dirty="0" err="1" smtClean="0"/>
-              <a:t>buf</a:t>
-            </a:r>
-            <a:endParaRPr lang="es-AR" dirty="0"/>
-          </a:p>
-        </p:txBody>
-      </p:sp>
-      <p:sp>
-        <p:nvSpPr>
-          <p:cNvPr id="3" name="2 Título"/>
-          <p:cNvSpPr>
-            <a:spLocks noGrp="1"/>
-          </p:cNvSpPr>
-          <p:nvPr>
-            <p:ph type="title"/>
-          </p:nvPr>
-        </p:nvSpPr>
-        <p:spPr/>
-        <p:txBody>
           <a:bodyPr/>
           <a:lstStyle/>
           <a:p>
             <a:r>
-              <a:rPr lang="es-AR" dirty="0" smtClean="0"/>
-              <a:t>Error 24-Ejemplo 3</a:t>
-            </a:r>
-            <a:endParaRPr lang="es-AR" dirty="0"/>
+              <a:rPr lang="es-ES" dirty="0" smtClean="0"/>
+              <a:t>Enero 2009.</a:t>
+            </a:r>
+          </a:p>
+          <a:p>
+            <a:endParaRPr lang="es-ES" dirty="0" smtClean="0"/>
+          </a:p>
+          <a:p>
+            <a:r>
+              <a:rPr lang="es-ES" dirty="0" err="1" smtClean="0"/>
+              <a:t>Twitter</a:t>
+            </a:r>
+            <a:r>
+              <a:rPr lang="es-ES" dirty="0" smtClean="0"/>
+              <a:t>.</a:t>
+            </a:r>
+          </a:p>
+          <a:p>
+            <a:endParaRPr lang="es-ES" dirty="0" smtClean="0"/>
+          </a:p>
+          <a:p>
+            <a:r>
+              <a:rPr lang="es-ES" dirty="0" smtClean="0"/>
+              <a:t>Atacante logra entrar a una cuenta </a:t>
+            </a:r>
+            <a:r>
+              <a:rPr lang="es-ES" dirty="0" err="1" smtClean="0"/>
+              <a:t>admin</a:t>
+            </a:r>
+            <a:r>
+              <a:rPr lang="es-ES" dirty="0" smtClean="0"/>
+              <a:t> y luego acceder a cualquier otra cuenta que desee.</a:t>
+            </a:r>
+          </a:p>
+          <a:p>
+            <a:endParaRPr lang="es-ES" dirty="0" smtClean="0"/>
+          </a:p>
+          <a:p>
+            <a:r>
+              <a:rPr lang="en-US" dirty="0" smtClean="0"/>
+              <a:t>https://www.youtube.com/watch?feature=player_embedded&amp;v=IKNbggNJMVI</a:t>
+            </a:r>
+            <a:endParaRPr lang="en-US" dirty="0"/>
+          </a:p>
+        </p:txBody>
+      </p:sp>
+      <p:sp>
+        <p:nvSpPr>
+          <p:cNvPr id="3" name="2 Título"/>
+          <p:cNvSpPr>
+            <a:spLocks noGrp="1"/>
+          </p:cNvSpPr>
+          <p:nvPr>
+            <p:ph type="title"/>
+          </p:nvPr>
+        </p:nvSpPr>
+        <p:spPr/>
+        <p:txBody>
+          <a:bodyPr/>
+          <a:lstStyle/>
+          <a:p>
+            <a:r>
+              <a:rPr lang="es-ES" dirty="0" smtClean="0"/>
+              <a:t>Error 21- Ataques conocidos</a:t>
+            </a:r>
+            <a:endParaRPr lang="en-US" dirty="0"/>
           </a:p>
         </p:txBody>
       </p:sp>
     </p:spTree>
-    <p:extLst>
-      <p:ext uri="{BB962C8B-B14F-4D97-AF65-F5344CB8AC3E}">
-        <p14:creationId xmlns:p14="http://schemas.microsoft.com/office/powerpoint/2010/main" val="3579122032"/>
-      </p:ext>
-    </p:extLst>
   </p:cSld>
   <p:clrMapOvr>
     <a:masterClrMapping/>
@@ -7604,7 +7307,7 @@
           <a:p>
             <a:r>
               <a:rPr lang="es-ES" dirty="0" smtClean="0"/>
-              <a:t>Utilizar un lenguaje que valide límites en sus tipos o provea herramientas para evitar esta vulnerabilidad.</a:t>
+              <a:t>Desconectar al usuario luego de un cierto número de intentos fallidos.</a:t>
             </a:r>
           </a:p>
           <a:p>
@@ -7613,11 +7316,49 @@
           <a:p>
             <a:r>
               <a:rPr lang="es-ES" dirty="0" smtClean="0"/>
-              <a:t>Usar librerías: </a:t>
+              <a:t>Implementar un </a:t>
             </a:r>
             <a:r>
               <a:rPr lang="es-ES" dirty="0" err="1" smtClean="0"/>
-              <a:t>SafeInt</a:t>
+              <a:t>timeout</a:t>
+            </a:r>
+            <a:r>
+              <a:rPr lang="es-ES" dirty="0" smtClean="0"/>
+              <a:t> (</a:t>
+            </a:r>
+            <a:r>
+              <a:rPr lang="es-ES" dirty="0" err="1" smtClean="0"/>
+              <a:t>exponential</a:t>
+            </a:r>
+            <a:r>
+              <a:rPr lang="es-ES" dirty="0" smtClean="0"/>
+              <a:t> back-off).</a:t>
+            </a:r>
+          </a:p>
+          <a:p>
+            <a:endParaRPr lang="es-ES" dirty="0" smtClean="0"/>
+          </a:p>
+          <a:p>
+            <a:r>
+              <a:rPr lang="es-ES" dirty="0" err="1" smtClean="0"/>
+              <a:t>Blockear</a:t>
+            </a:r>
+            <a:r>
+              <a:rPr lang="es-ES" dirty="0" smtClean="0"/>
+              <a:t> la cuenta.</a:t>
+            </a:r>
+          </a:p>
+          <a:p>
+            <a:endParaRPr lang="es-ES" dirty="0" smtClean="0"/>
+          </a:p>
+          <a:p>
+            <a:r>
+              <a:rPr lang="es-ES" dirty="0" smtClean="0"/>
+              <a:t>Pedirle al usuario alguna tarea computacional (cálculo, </a:t>
+            </a:r>
+            <a:r>
+              <a:rPr lang="es-ES" dirty="0" err="1" smtClean="0"/>
+              <a:t>captcha</a:t>
             </a:r>
             <a:r>
               <a:rPr lang="es-ES" dirty="0" smtClean="0"/>
@@ -7625,33 +7366,13 @@
             </a:r>
             <a:r>
               <a:rPr lang="es-ES" dirty="0" err="1" smtClean="0"/>
-              <a:t>IntegerLib</a:t>
-            </a:r>
-            <a:endParaRPr lang="es-ES" dirty="0" smtClean="0"/>
-          </a:p>
-          <a:p>
-            <a:endParaRPr lang="es-ES" dirty="0" smtClean="0"/>
-          </a:p>
-          <a:p>
-            <a:r>
-              <a:rPr lang="es-ES" dirty="0" smtClean="0"/>
-              <a:t>Validación re rango en toda entrada numérica</a:t>
-            </a:r>
-          </a:p>
-          <a:p>
-            <a:pPr lvl="1"/>
-            <a:r>
-              <a:rPr lang="es-ES" dirty="0" smtClean="0"/>
-              <a:t>Usar </a:t>
-            </a:r>
-            <a:r>
-              <a:rPr lang="es-ES" dirty="0" err="1" smtClean="0"/>
-              <a:t>unsigned</a:t>
-            </a:r>
-            <a:r>
-              <a:rPr lang="es-ES" dirty="0" smtClean="0"/>
-              <a:t> siempre que se pueda.</a:t>
-            </a:r>
+              <a:t>etc</a:t>
+            </a:r>
+            <a:r>
+              <a:rPr lang="es-ES" dirty="0" smtClean="0"/>
+              <a:t>).</a:t>
+            </a:r>
+            <a:endParaRPr lang="en-US" dirty="0"/>
           </a:p>
         </p:txBody>
       </p:sp>
@@ -7667,12 +7388,14 @@
         </p:nvSpPr>
         <p:spPr/>
         <p:txBody>
-          <a:bodyPr/>
+          <a:bodyPr>
+            <a:normAutofit/>
+          </a:bodyPr>
           <a:lstStyle/>
           <a:p>
             <a:r>
               <a:rPr lang="es-ES" dirty="0" smtClean="0"/>
-              <a:t>Error 24-Prevención/Mitigación</a:t>
+              <a:t>Error 21-Prevencion/Mitigación</a:t>
             </a:r>
             <a:endParaRPr lang="en-US" dirty="0"/>
           </a:p>
@@ -7718,77 +7441,62 @@
           <a:bodyPr/>
           <a:lstStyle/>
           <a:p>
-            <a:r>
-              <a:rPr lang="es-ES" sz="2000" dirty="0" smtClean="0"/>
-              <a:t>Java – No se limita la cantidad de accesos.</a:t>
-            </a:r>
-            <a:endParaRPr lang="en-US" sz="2000" dirty="0" smtClean="0"/>
-          </a:p>
-          <a:p>
-            <a:endParaRPr lang="en-US" sz="2000" dirty="0" smtClean="0"/>
-          </a:p>
-          <a:p>
-            <a:r>
-              <a:rPr lang="en-US" sz="2000" dirty="0" smtClean="0"/>
-              <a:t>String username = </a:t>
-            </a:r>
-            <a:r>
-              <a:rPr lang="en-US" sz="2000" dirty="0" err="1" smtClean="0"/>
-              <a:t>request.getParameter</a:t>
-            </a:r>
-            <a:r>
-              <a:rPr lang="en-US" sz="2000" dirty="0" smtClean="0"/>
-              <a:t>("username");</a:t>
-            </a:r>
-          </a:p>
-          <a:p>
-            <a:r>
-              <a:rPr lang="en-US" sz="2000" dirty="0" smtClean="0"/>
-              <a:t>String password = </a:t>
-            </a:r>
-            <a:r>
-              <a:rPr lang="en-US" sz="2000" dirty="0" err="1" smtClean="0"/>
-              <a:t>request.getParameter</a:t>
-            </a:r>
-            <a:r>
-              <a:rPr lang="en-US" sz="2000" dirty="0" smtClean="0"/>
-              <a:t>("password");</a:t>
-            </a:r>
-            <a:br>
-              <a:rPr lang="en-US" sz="2000" dirty="0" smtClean="0"/>
-            </a:br>
-            <a:endParaRPr lang="en-US" sz="2000" dirty="0" smtClean="0"/>
-          </a:p>
-          <a:p>
-            <a:r>
-              <a:rPr lang="en-US" sz="2000" dirty="0" err="1" smtClean="0"/>
-              <a:t>int</a:t>
-            </a:r>
-            <a:r>
-              <a:rPr lang="en-US" sz="2000" dirty="0" smtClean="0"/>
-              <a:t> </a:t>
-            </a:r>
-            <a:r>
-              <a:rPr lang="en-US" sz="2000" dirty="0" err="1" smtClean="0"/>
-              <a:t>authResult</a:t>
-            </a:r>
-            <a:r>
-              <a:rPr lang="en-US" sz="2000" dirty="0" smtClean="0"/>
-              <a:t> = </a:t>
-            </a:r>
-            <a:r>
-              <a:rPr lang="en-US" sz="2000" dirty="0" err="1" smtClean="0"/>
-              <a:t>authenticateUser</a:t>
-            </a:r>
-            <a:r>
-              <a:rPr lang="en-US" sz="2000" dirty="0" smtClean="0"/>
-              <a:t>(username, password);</a:t>
-            </a:r>
-          </a:p>
-          <a:p>
             <a:endParaRPr lang="es-ES" dirty="0" smtClean="0"/>
           </a:p>
           <a:p>
+            <a:r>
+              <a:rPr lang="es-ES" dirty="0" smtClean="0"/>
+              <a:t>White Box </a:t>
+            </a:r>
+            <a:r>
+              <a:rPr lang="es-ES" dirty="0" err="1" smtClean="0"/>
+              <a:t>Testing</a:t>
+            </a:r>
+            <a:r>
+              <a:rPr lang="es-ES" dirty="0" smtClean="0"/>
+              <a:t> (estructura).</a:t>
+            </a:r>
+          </a:p>
+          <a:p>
+            <a:endParaRPr lang="es-ES" dirty="0" smtClean="0"/>
+          </a:p>
+          <a:p>
+            <a:r>
+              <a:rPr lang="es-ES" dirty="0" smtClean="0"/>
+              <a:t>Black Box </a:t>
+            </a:r>
+            <a:r>
+              <a:rPr lang="es-ES" dirty="0" err="1" smtClean="0"/>
+              <a:t>Testing</a:t>
+            </a:r>
+            <a:r>
+              <a:rPr lang="es-ES" dirty="0" smtClean="0"/>
+              <a:t>, validación de todos los </a:t>
+            </a:r>
+            <a:r>
+              <a:rPr lang="es-ES" dirty="0" err="1" smtClean="0"/>
+              <a:t>URLs</a:t>
+            </a:r>
+            <a:r>
+              <a:rPr lang="es-ES" dirty="0" smtClean="0"/>
+              <a:t> que se encuentran, intentando encontrar </a:t>
+            </a:r>
+            <a:r>
+              <a:rPr lang="es-ES" dirty="0" err="1" smtClean="0"/>
+              <a:t>modificaciónes</a:t>
+            </a:r>
+            <a:r>
+              <a:rPr lang="es-ES" dirty="0" smtClean="0"/>
+              <a:t> de </a:t>
+            </a:r>
+            <a:r>
+              <a:rPr lang="es-ES" dirty="0" err="1" smtClean="0"/>
+              <a:t>header</a:t>
+            </a:r>
+            <a:r>
+              <a:rPr lang="es-ES" dirty="0" smtClean="0"/>
+              <a:t>.</a:t>
+            </a:r>
             <a:endParaRPr lang="en-US" dirty="0"/>
           </a:p>
         </p:txBody>
@@ -7810,7 +7518,7 @@
           <a:p>
             <a:r>
               <a:rPr lang="es-ES" dirty="0" smtClean="0"/>
-              <a:t>Error 21 Ejemplo 1</a:t>
+              <a:t>Error 22-Detección</a:t>
             </a:r>
             <a:endParaRPr lang="en-US" dirty="0"/>
           </a:p>
@@ -7857,60 +7565,72 @@
           <a:lstStyle/>
           <a:p>
             <a:r>
-              <a:rPr lang="es-ES" sz="2800" dirty="0" smtClean="0"/>
-              <a:t>Se hace </a:t>
-            </a:r>
-            <a:r>
-              <a:rPr lang="es-ES" sz="2800" dirty="0" err="1" smtClean="0"/>
-              <a:t>sleep</a:t>
-            </a:r>
-            <a:r>
-              <a:rPr lang="es-ES" sz="2800" dirty="0" smtClean="0"/>
-              <a:t> en cada intento.</a:t>
-            </a:r>
-            <a:endParaRPr lang="en-US" sz="2800" dirty="0" smtClean="0"/>
-          </a:p>
-          <a:p>
-            <a:endParaRPr lang="en-US" sz="2000" dirty="0" smtClean="0"/>
-          </a:p>
-          <a:p>
-            <a:r>
-              <a:rPr lang="en-US" sz="2000" dirty="0" smtClean="0"/>
-              <a:t>$username = $_POST['username'];</a:t>
-            </a:r>
-          </a:p>
-          <a:p>
-            <a:r>
-              <a:rPr lang="en-US" sz="2000" dirty="0" smtClean="0"/>
-              <a:t>$password = $_POST['password'];</a:t>
-            </a:r>
-          </a:p>
-          <a:p>
-            <a:r>
-              <a:rPr lang="en-US" sz="2000" dirty="0" smtClean="0"/>
-              <a:t>sleep(2000);</a:t>
-            </a:r>
-          </a:p>
-          <a:p>
-            <a:r>
-              <a:rPr lang="en-US" sz="2000" dirty="0" smtClean="0"/>
+              <a:rPr lang="es-ES" dirty="0" err="1" smtClean="0"/>
+              <a:t>Query</a:t>
+            </a:r>
+            <a:r>
+              <a:rPr lang="es-ES" dirty="0" smtClean="0"/>
+              <a:t> </a:t>
+            </a:r>
+            <a:r>
+              <a:rPr lang="es-ES" dirty="0" err="1" smtClean="0"/>
+              <a:t>String</a:t>
+            </a:r>
+            <a:r>
+              <a:rPr lang="es-ES" dirty="0" smtClean="0"/>
+              <a:t>, </a:t>
+            </a:r>
+            <a:r>
+              <a:rPr lang="es-ES" dirty="0" err="1" smtClean="0"/>
+              <a:t>redirije</a:t>
+            </a:r>
+            <a:r>
+              <a:rPr lang="es-ES" dirty="0" smtClean="0"/>
+              <a:t> a $</a:t>
+            </a:r>
+            <a:r>
+              <a:rPr lang="es-ES" dirty="0" err="1" smtClean="0"/>
+              <a:t>redirect_url</a:t>
+            </a:r>
+            <a:endParaRPr lang="en-US" dirty="0" smtClean="0"/>
+          </a:p>
+          <a:p>
+            <a:endParaRPr lang="en-US" dirty="0" smtClean="0"/>
+          </a:p>
+          <a:p>
+            <a:r>
+              <a:rPr lang="en-US" dirty="0" smtClean="0"/>
               <a:t>$</a:t>
             </a:r>
             <a:r>
-              <a:rPr lang="en-US" sz="2000" dirty="0" err="1" smtClean="0"/>
-              <a:t>isAuthenticated</a:t>
-            </a:r>
-            <a:r>
-              <a:rPr lang="en-US" sz="2000" dirty="0" smtClean="0"/>
-              <a:t> = </a:t>
-            </a:r>
-            <a:r>
-              <a:rPr lang="en-US" sz="2000" dirty="0" err="1" smtClean="0"/>
-              <a:t>authenticateUser</a:t>
-            </a:r>
-            <a:r>
-              <a:rPr lang="en-US" sz="2000" dirty="0" smtClean="0"/>
-              <a:t>($username, $password);</a:t>
+              <a:rPr lang="en-US" dirty="0" err="1" smtClean="0"/>
+              <a:t>redirect_url</a:t>
+            </a:r>
+            <a:r>
+              <a:rPr lang="en-US" dirty="0" smtClean="0"/>
+              <a:t> = $_GET['</a:t>
+            </a:r>
+            <a:r>
+              <a:rPr lang="en-US" dirty="0" err="1" smtClean="0"/>
+              <a:t>url</a:t>
+            </a:r>
+            <a:r>
+              <a:rPr lang="en-US" dirty="0" smtClean="0"/>
+              <a:t>'];</a:t>
+            </a:r>
+          </a:p>
+          <a:p>
+            <a:r>
+              <a:rPr lang="en-US" dirty="0" smtClean="0"/>
+              <a:t>header("Location: " . $</a:t>
+            </a:r>
+            <a:r>
+              <a:rPr lang="en-US" dirty="0" err="1" smtClean="0"/>
+              <a:t>redirect_url</a:t>
+            </a:r>
+            <a:r>
+              <a:rPr lang="en-US" dirty="0" smtClean="0"/>
+              <a:t>);</a:t>
             </a:r>
           </a:p>
           <a:p>
@@ -7919,17 +7639,38 @@
           <a:p>
             <a:r>
               <a:rPr lang="es-ES" dirty="0" smtClean="0"/>
-              <a:t>No hay limite de conexiones en </a:t>
-            </a:r>
-            <a:r>
-              <a:rPr lang="es-ES" dirty="0" smtClean="0"/>
-              <a:t>simultáneo</a:t>
-            </a:r>
-            <a:r>
-              <a:rPr lang="es-ES" dirty="0" smtClean="0"/>
-              <a:t>.</a:t>
-            </a:r>
-            <a:endParaRPr lang="en-US" dirty="0"/>
+              <a:t>Se podría </a:t>
+            </a:r>
+            <a:r>
+              <a:rPr lang="es-ES" dirty="0" err="1" smtClean="0"/>
+              <a:t>redireccionar</a:t>
+            </a:r>
+            <a:r>
+              <a:rPr lang="es-ES" dirty="0" smtClean="0"/>
+              <a:t> a un usuario a:</a:t>
+            </a:r>
+          </a:p>
+          <a:p>
+            <a:endParaRPr lang="es-ES" dirty="0" smtClean="0"/>
+          </a:p>
+          <a:p>
+            <a:r>
+              <a:rPr lang="en-US" sz="1600" dirty="0" smtClean="0"/>
+              <a:t>http://example.com/example.php?url=</a:t>
+            </a:r>
+            <a:r>
+              <a:rPr lang="en-US" sz="1600" dirty="0" smtClean="0">
+                <a:solidFill>
+                  <a:srgbClr val="FF0000"/>
+                </a:solidFill>
+              </a:rPr>
+              <a:t>http://malicious.example.com</a:t>
+            </a:r>
+            <a:endParaRPr lang="en-US" sz="1600" dirty="0">
+              <a:solidFill>
+                <a:srgbClr val="FF0000"/>
+              </a:solidFill>
+            </a:endParaRPr>
           </a:p>
         </p:txBody>
       </p:sp>
@@ -7950,7 +7691,7 @@
           <a:p>
             <a:r>
               <a:rPr lang="es-ES" dirty="0" smtClean="0"/>
-              <a:t>Error 21 – Ejemplo 2</a:t>
+              <a:t>Error 22-Ejemplo 1</a:t>
             </a:r>
             <a:endParaRPr lang="en-US" dirty="0"/>
           </a:p>
@@ -7991,246 +7732,461 @@
             <p:ph idx="1"/>
           </p:nvPr>
         </p:nvSpPr>
-        <p:spPr/>
+        <p:spPr>
+          <a:xfrm>
+            <a:off x="76200" y="1481328"/>
+            <a:ext cx="8839200" cy="4525963"/>
+          </a:xfrm>
+        </p:spPr>
         <p:txBody>
           <a:bodyPr>
-            <a:normAutofit fontScale="55000" lnSpcReduction="20000"/>
+            <a:normAutofit fontScale="77500" lnSpcReduction="20000"/>
           </a:bodyPr>
           <a:lstStyle/>
           <a:p>
-            <a:pPr>
+            <a:r>
+              <a:rPr lang="es-AR" dirty="0" err="1" smtClean="0"/>
+              <a:t>Servlet</a:t>
+            </a:r>
+            <a:r>
+              <a:rPr lang="es-AR" dirty="0" smtClean="0"/>
+              <a:t> Java que recibe una petición GET con un parámetro </a:t>
+            </a:r>
+            <a:r>
+              <a:rPr lang="es-AR" dirty="0" err="1" smtClean="0"/>
+              <a:t>url</a:t>
+            </a:r>
+            <a:r>
+              <a:rPr lang="es-AR" dirty="0" smtClean="0"/>
+              <a:t>.</a:t>
+            </a:r>
+          </a:p>
+          <a:p>
+            <a:pPr marL="109728" indent="0">
               <a:buNone/>
             </a:pPr>
             <a:r>
-              <a:rPr lang="en-US" dirty="0" err="1" smtClean="0"/>
-              <a:t>int</a:t>
-            </a:r>
-            <a:r>
-              <a:rPr lang="en-US" dirty="0" smtClean="0"/>
+              <a:rPr lang="es-AR" dirty="0"/>
               <a:t> </a:t>
             </a:r>
             <a:r>
-              <a:rPr lang="en-US" dirty="0" err="1" smtClean="0"/>
-              <a:t>validateUser</a:t>
-            </a:r>
-            <a:r>
-              <a:rPr lang="en-US" dirty="0" smtClean="0"/>
-              <a:t>(char *host, </a:t>
-            </a:r>
-            <a:r>
-              <a:rPr lang="en-US" dirty="0" err="1" smtClean="0"/>
-              <a:t>int</a:t>
-            </a:r>
-            <a:r>
-              <a:rPr lang="en-US" dirty="0" smtClean="0"/>
-              <a:t> port) {</a:t>
-            </a:r>
-          </a:p>
-          <a:p>
-            <a:pPr>
+              <a:rPr lang="es-AR" dirty="0" smtClean="0"/>
+              <a:t> </a:t>
+            </a:r>
+          </a:p>
+          <a:p>
+            <a:pPr marL="109728" indent="0">
               <a:buNone/>
             </a:pPr>
             <a:r>
-              <a:rPr lang="en-US" dirty="0" smtClean="0"/>
-              <a:t>...</a:t>
-            </a:r>
-          </a:p>
-          <a:p>
-            <a:pPr>
+              <a:rPr lang="es-AR"/>
+              <a:t> </a:t>
+            </a:r>
+            <a:r>
+              <a:rPr lang="es-AR" smtClean="0"/>
+              <a:t>public </a:t>
+            </a:r>
+            <a:r>
+              <a:rPr lang="es-AR" dirty="0" err="1"/>
+              <a:t>class</a:t>
+            </a:r>
+            <a:r>
+              <a:rPr lang="es-AR" dirty="0"/>
+              <a:t> </a:t>
+            </a:r>
+            <a:r>
+              <a:rPr lang="es-AR" dirty="0" err="1"/>
+              <a:t>RedirectServlet</a:t>
+            </a:r>
+            <a:r>
+              <a:rPr lang="es-AR" dirty="0"/>
+              <a:t> </a:t>
+            </a:r>
+            <a:r>
+              <a:rPr lang="es-AR" dirty="0" err="1"/>
+              <a:t>extends</a:t>
+            </a:r>
+            <a:r>
+              <a:rPr lang="es-AR" dirty="0"/>
+              <a:t> </a:t>
+            </a:r>
+            <a:r>
+              <a:rPr lang="es-AR" dirty="0" err="1"/>
+              <a:t>HttpServlet</a:t>
+            </a:r>
+            <a:r>
+              <a:rPr lang="es-AR" dirty="0"/>
+              <a:t> {</a:t>
+            </a:r>
+          </a:p>
+          <a:p>
+            <a:pPr marL="393192" lvl="1" indent="0">
               <a:buNone/>
             </a:pPr>
-            <a:endParaRPr lang="en-US" dirty="0" smtClean="0"/>
-          </a:p>
-          <a:p>
-            <a:pPr>
+            <a:r>
+              <a:rPr lang="es-AR" dirty="0" smtClean="0"/>
+              <a:t>	</a:t>
+            </a:r>
+            <a:r>
+              <a:rPr lang="es-AR" dirty="0" err="1" smtClean="0"/>
+              <a:t>protected</a:t>
+            </a:r>
+            <a:r>
+              <a:rPr lang="es-AR" dirty="0" smtClean="0"/>
+              <a:t> </a:t>
+            </a:r>
+            <a:r>
+              <a:rPr lang="es-AR" dirty="0" err="1"/>
+              <a:t>void</a:t>
+            </a:r>
+            <a:r>
+              <a:rPr lang="es-AR" dirty="0"/>
+              <a:t> </a:t>
+            </a:r>
+            <a:r>
+              <a:rPr lang="es-AR" dirty="0" err="1"/>
+              <a:t>doGet</a:t>
+            </a:r>
+            <a:r>
+              <a:rPr lang="es-AR" dirty="0"/>
+              <a:t>(</a:t>
+            </a:r>
+            <a:r>
+              <a:rPr lang="es-AR" dirty="0" err="1"/>
+              <a:t>HttpServletRequest</a:t>
+            </a:r>
+            <a:r>
+              <a:rPr lang="es-AR" dirty="0"/>
+              <a:t> </a:t>
+            </a:r>
+            <a:r>
+              <a:rPr lang="es-AR" dirty="0" err="1"/>
+              <a:t>request</a:t>
+            </a:r>
+            <a:r>
+              <a:rPr lang="es-AR" dirty="0"/>
+              <a:t>, </a:t>
+            </a:r>
+            <a:r>
+              <a:rPr lang="es-AR" dirty="0" smtClean="0"/>
+              <a:t>	</a:t>
+            </a:r>
+            <a:r>
+              <a:rPr lang="es-AR" dirty="0" err="1" smtClean="0"/>
+              <a:t>HttpServletResponse</a:t>
+            </a:r>
+            <a:r>
+              <a:rPr lang="es-AR" dirty="0" smtClean="0"/>
+              <a:t> </a:t>
+            </a:r>
+            <a:r>
+              <a:rPr lang="es-AR" dirty="0"/>
+              <a:t>response) </a:t>
+            </a:r>
+            <a:r>
+              <a:rPr lang="es-AR" dirty="0" err="1"/>
+              <a:t>throws</a:t>
+            </a:r>
+            <a:r>
+              <a:rPr lang="es-AR" dirty="0"/>
+              <a:t> </a:t>
+            </a:r>
+            <a:r>
+              <a:rPr lang="es-AR" dirty="0" err="1"/>
+              <a:t>ServletException</a:t>
+            </a:r>
+            <a:r>
+              <a:rPr lang="es-AR" dirty="0"/>
+              <a:t>, </a:t>
+            </a:r>
+            <a:r>
+              <a:rPr lang="es-AR" dirty="0" smtClean="0"/>
+              <a:t>	</a:t>
+            </a:r>
+            <a:r>
+              <a:rPr lang="es-AR" dirty="0" err="1" smtClean="0"/>
+              <a:t>IOException</a:t>
+            </a:r>
+            <a:r>
+              <a:rPr lang="es-AR" dirty="0" smtClean="0"/>
+              <a:t> </a:t>
+            </a:r>
+            <a:r>
+              <a:rPr lang="es-AR" dirty="0"/>
+              <a:t>{</a:t>
+            </a:r>
+          </a:p>
+          <a:p>
+            <a:pPr marL="630936" lvl="2" indent="0">
               <a:buNone/>
             </a:pPr>
             <a:r>
-              <a:rPr lang="en-US" dirty="0" smtClean="0"/>
-              <a:t>	</a:t>
-            </a:r>
-            <a:r>
-              <a:rPr lang="en-US" dirty="0" err="1" smtClean="0"/>
-              <a:t>int</a:t>
-            </a:r>
-            <a:r>
-              <a:rPr lang="en-US" dirty="0" smtClean="0"/>
-              <a:t> count = 0;</a:t>
-            </a:r>
-          </a:p>
-          <a:p>
-            <a:pPr>
+              <a:rPr lang="es-AR" dirty="0" smtClean="0"/>
+              <a:t>		</a:t>
+            </a:r>
+            <a:r>
+              <a:rPr lang="es-AR" sz="2400" dirty="0" err="1" smtClean="0"/>
+              <a:t>String</a:t>
+            </a:r>
+            <a:r>
+              <a:rPr lang="es-AR" sz="2400" dirty="0" smtClean="0"/>
+              <a:t> </a:t>
+            </a:r>
+            <a:r>
+              <a:rPr lang="es-AR" sz="2400" dirty="0" err="1"/>
+              <a:t>query</a:t>
+            </a:r>
+            <a:r>
+              <a:rPr lang="es-AR" sz="2400" dirty="0"/>
+              <a:t> = </a:t>
+            </a:r>
+            <a:r>
+              <a:rPr lang="es-AR" sz="2400" dirty="0" err="1"/>
+              <a:t>request.getQueryString</a:t>
+            </a:r>
+            <a:r>
+              <a:rPr lang="es-AR" sz="2400" dirty="0" smtClean="0"/>
+              <a:t>();</a:t>
+            </a:r>
+          </a:p>
+          <a:p>
+            <a:pPr marL="630936" lvl="2" indent="0">
               <a:buNone/>
             </a:pPr>
             <a:r>
-              <a:rPr lang="en-US" dirty="0" smtClean="0"/>
-              <a:t>	while ((</a:t>
-            </a:r>
-            <a:r>
-              <a:rPr lang="en-US" dirty="0" err="1" smtClean="0"/>
-              <a:t>isValidUser</a:t>
-            </a:r>
-            <a:r>
-              <a:rPr lang="en-US" dirty="0" smtClean="0"/>
-              <a:t> == 0) &amp;&amp; (count &lt; MAX_ATTEMPTS)) {</a:t>
-            </a:r>
-          </a:p>
-          <a:p>
-            <a:pPr>
+              <a:rPr lang="es-AR" sz="2400" dirty="0"/>
+              <a:t>	</a:t>
+            </a:r>
+            <a:r>
+              <a:rPr lang="es-AR" sz="2400" dirty="0" smtClean="0"/>
+              <a:t>		</a:t>
+            </a:r>
+            <a:r>
+              <a:rPr lang="es-AR" sz="2400" dirty="0" err="1" smtClean="0"/>
+              <a:t>if</a:t>
+            </a:r>
+            <a:r>
+              <a:rPr lang="es-AR" sz="2400" dirty="0" smtClean="0"/>
+              <a:t> </a:t>
+            </a:r>
+            <a:r>
+              <a:rPr lang="es-AR" sz="2400" dirty="0"/>
+              <a:t>(</a:t>
+            </a:r>
+            <a:r>
+              <a:rPr lang="es-AR" sz="2400" dirty="0" err="1"/>
+              <a:t>query.contains</a:t>
+            </a:r>
+            <a:r>
+              <a:rPr lang="es-AR" sz="2400" dirty="0"/>
+              <a:t>("</a:t>
+            </a:r>
+            <a:r>
+              <a:rPr lang="es-AR" sz="2400" dirty="0" err="1"/>
+              <a:t>url</a:t>
+            </a:r>
+            <a:r>
+              <a:rPr lang="es-AR" sz="2400" dirty="0"/>
+              <a:t>")) </a:t>
+            </a:r>
+            <a:r>
+              <a:rPr lang="es-AR" sz="2400" dirty="0" smtClean="0"/>
+              <a:t>{</a:t>
+            </a:r>
+          </a:p>
+          <a:p>
+            <a:pPr marL="630936" lvl="2" indent="0">
               <a:buNone/>
             </a:pPr>
             <a:r>
-              <a:rPr lang="en-US" dirty="0" smtClean="0"/>
-              <a:t>		if (</a:t>
-            </a:r>
-            <a:r>
-              <a:rPr lang="en-US" dirty="0" err="1" smtClean="0"/>
-              <a:t>getNextMessage</a:t>
-            </a:r>
-            <a:r>
-              <a:rPr lang="en-US" dirty="0" smtClean="0"/>
-              <a:t>(socket, username, USERNAME_SIZE) &gt; 0) {</a:t>
-            </a:r>
-          </a:p>
-          <a:p>
-            <a:pPr>
+              <a:rPr lang="es-AR" sz="2400" dirty="0"/>
+              <a:t>	</a:t>
+            </a:r>
+            <a:r>
+              <a:rPr lang="es-AR" sz="2400" dirty="0" smtClean="0"/>
+              <a:t>			</a:t>
+            </a:r>
+            <a:r>
+              <a:rPr lang="es-AR" sz="2400" dirty="0" err="1" smtClean="0"/>
+              <a:t>String</a:t>
+            </a:r>
+            <a:r>
+              <a:rPr lang="es-AR" sz="2400" dirty="0" smtClean="0"/>
+              <a:t> </a:t>
+            </a:r>
+            <a:r>
+              <a:rPr lang="es-AR" sz="2400" dirty="0" err="1"/>
+              <a:t>url</a:t>
+            </a:r>
+            <a:r>
+              <a:rPr lang="es-AR" sz="2400" dirty="0"/>
+              <a:t> = </a:t>
+            </a:r>
+            <a:r>
+              <a:rPr lang="es-AR" sz="2400" dirty="0" err="1"/>
+              <a:t>request.getParameter</a:t>
+            </a:r>
+            <a:r>
+              <a:rPr lang="es-AR" sz="2400" dirty="0"/>
+              <a:t>("</a:t>
+            </a:r>
+            <a:r>
+              <a:rPr lang="es-AR" sz="2400" dirty="0" err="1"/>
+              <a:t>url</a:t>
+            </a:r>
+            <a:r>
+              <a:rPr lang="es-AR" sz="2400" dirty="0" smtClean="0"/>
+              <a:t>");				</a:t>
+            </a:r>
+            <a:r>
+              <a:rPr lang="es-AR" sz="2400" dirty="0" err="1" smtClean="0"/>
+              <a:t>response.sendRedirect</a:t>
+            </a:r>
+            <a:r>
+              <a:rPr lang="es-AR" sz="2400" dirty="0" smtClean="0"/>
+              <a:t>(</a:t>
+            </a:r>
+            <a:r>
+              <a:rPr lang="es-AR" sz="2400" dirty="0" err="1" smtClean="0"/>
+              <a:t>url</a:t>
+            </a:r>
+            <a:r>
+              <a:rPr lang="es-AR" sz="2400" dirty="0" smtClean="0"/>
+              <a:t>);</a:t>
+            </a:r>
+          </a:p>
+          <a:p>
+            <a:pPr marL="630936" lvl="2" indent="0">
               <a:buNone/>
             </a:pPr>
             <a:r>
-              <a:rPr lang="en-US" dirty="0" smtClean="0"/>
-              <a:t>			if (</a:t>
-            </a:r>
-            <a:r>
-              <a:rPr lang="en-US" dirty="0" err="1" smtClean="0"/>
-              <a:t>getNextMessage</a:t>
-            </a:r>
-            <a:r>
-              <a:rPr lang="en-US" dirty="0" smtClean="0"/>
-              <a:t>(socket, password, PASSWORD_SIZE) &gt; 0) {</a:t>
-            </a:r>
-          </a:p>
-          <a:p>
-            <a:pPr>
+              <a:rPr lang="es-AR" sz="2400" dirty="0"/>
+              <a:t>	</a:t>
+            </a:r>
+            <a:r>
+              <a:rPr lang="es-AR" sz="2400" dirty="0" smtClean="0"/>
+              <a:t>		}</a:t>
+            </a:r>
+            <a:endParaRPr lang="es-AR" sz="2400" dirty="0"/>
+          </a:p>
+          <a:p>
+            <a:pPr marL="630936" lvl="2" indent="0">
               <a:buNone/>
             </a:pPr>
             <a:r>
-              <a:rPr lang="en-US" dirty="0" smtClean="0"/>
-              <a:t>				</a:t>
-            </a:r>
-            <a:r>
-              <a:rPr lang="en-US" dirty="0" err="1" smtClean="0"/>
-              <a:t>isValidUser</a:t>
-            </a:r>
-            <a:r>
-              <a:rPr lang="en-US" dirty="0" smtClean="0"/>
-              <a:t> = </a:t>
-            </a:r>
-            <a:r>
-              <a:rPr lang="en-US" dirty="0" err="1" smtClean="0"/>
-              <a:t>AuthenticateUser</a:t>
-            </a:r>
-            <a:r>
-              <a:rPr lang="en-US" dirty="0" smtClean="0"/>
-              <a:t>(username, password);</a:t>
-            </a:r>
-          </a:p>
-          <a:p>
-            <a:pPr>
+              <a:rPr lang="es-AR" sz="2400" dirty="0"/>
+              <a:t>	</a:t>
+            </a:r>
+            <a:r>
+              <a:rPr lang="es-AR" sz="2400" dirty="0" smtClean="0"/>
+              <a:t>}</a:t>
+            </a:r>
+            <a:endParaRPr lang="es-AR" sz="2400" dirty="0"/>
+          </a:p>
+          <a:p>
+            <a:pPr marL="109728" indent="0">
               <a:buNone/>
             </a:pPr>
             <a:r>
-              <a:rPr lang="en-US" dirty="0" smtClean="0"/>
-              <a:t>			}</a:t>
-            </a:r>
-          </a:p>
-          <a:p>
-            <a:pPr>
+              <a:rPr lang="es-AR" dirty="0"/>
+              <a:t> </a:t>
+            </a:r>
+            <a:r>
+              <a:rPr lang="es-AR" dirty="0" smtClean="0"/>
+              <a:t> }</a:t>
+            </a:r>
+          </a:p>
+          <a:p>
+            <a:pPr marL="109728" indent="0">
               <a:buNone/>
             </a:pPr>
-            <a:r>
-              <a:rPr lang="en-US" dirty="0" smtClean="0"/>
-              <a:t>		}</a:t>
-            </a:r>
-          </a:p>
-          <a:p>
-            <a:pPr>
+            <a:endParaRPr lang="es-AR" dirty="0" smtClean="0"/>
+          </a:p>
+          <a:p>
+            <a:pPr marL="109728" indent="0">
               <a:buNone/>
             </a:pPr>
             <a:r>
-              <a:rPr lang="en-US" dirty="0" smtClean="0"/>
-              <a:t>	count++;</a:t>
-            </a:r>
-          </a:p>
-          <a:p>
-            <a:pPr>
+              <a:rPr lang="es-AR" sz="2100" dirty="0">
+                <a:solidFill>
+                  <a:srgbClr val="FF0000"/>
+                </a:solidFill>
+              </a:rPr>
+              <a:t>&lt;a </a:t>
+            </a:r>
+            <a:r>
+              <a:rPr lang="es-AR" sz="2100" dirty="0" err="1" smtClean="0">
+                <a:solidFill>
+                  <a:srgbClr val="FF0000"/>
+                </a:solidFill>
+              </a:rPr>
+              <a:t>href</a:t>
+            </a:r>
+            <a:r>
+              <a:rPr lang="es-AR" sz="2100" dirty="0">
+                <a:solidFill>
+                  <a:srgbClr val="FF0000"/>
+                </a:solidFill>
+              </a:rPr>
+              <a:t>="http://bank.example.com/</a:t>
+            </a:r>
+            <a:r>
+              <a:rPr lang="es-AR" sz="2100" dirty="0" err="1">
+                <a:solidFill>
+                  <a:srgbClr val="FF0000"/>
+                </a:solidFill>
+              </a:rPr>
+              <a:t>redirect?url</a:t>
+            </a:r>
+            <a:r>
+              <a:rPr lang="es-AR" sz="2100" dirty="0">
+                <a:solidFill>
+                  <a:srgbClr val="FF0000"/>
+                </a:solidFill>
+              </a:rPr>
+              <a:t>=http://attacker.example.net"&gt;Click </a:t>
+            </a:r>
+            <a:r>
+              <a:rPr lang="es-AR" sz="2100" dirty="0" err="1">
+                <a:solidFill>
+                  <a:srgbClr val="FF0000"/>
+                </a:solidFill>
+              </a:rPr>
+              <a:t>here</a:t>
+            </a:r>
+            <a:r>
+              <a:rPr lang="es-AR" sz="2100" dirty="0">
+                <a:solidFill>
+                  <a:srgbClr val="FF0000"/>
+                </a:solidFill>
+              </a:rPr>
+              <a:t> </a:t>
+            </a:r>
+            <a:r>
+              <a:rPr lang="es-AR" sz="2100" dirty="0" err="1">
+                <a:solidFill>
+                  <a:srgbClr val="FF0000"/>
+                </a:solidFill>
+              </a:rPr>
+              <a:t>to</a:t>
+            </a:r>
+            <a:r>
+              <a:rPr lang="es-AR" sz="2100" dirty="0">
+                <a:solidFill>
+                  <a:srgbClr val="FF0000"/>
+                </a:solidFill>
+              </a:rPr>
+              <a:t> log in&lt;/a&gt;</a:t>
+            </a:r>
+          </a:p>
+          <a:p>
+            <a:pPr marL="109728" indent="0">
               <a:buNone/>
             </a:pPr>
-            <a:r>
-              <a:rPr lang="en-US" dirty="0" smtClean="0"/>
-              <a:t>	}</a:t>
-            </a:r>
-          </a:p>
-          <a:p>
-            <a:pPr>
-              <a:buNone/>
-            </a:pPr>
-            <a:endParaRPr lang="en-US" dirty="0" smtClean="0"/>
-          </a:p>
-          <a:p>
-            <a:pPr>
-              <a:buNone/>
-            </a:pPr>
-            <a:r>
-              <a:rPr lang="en-US" dirty="0" smtClean="0"/>
-              <a:t>	if (</a:t>
-            </a:r>
-            <a:r>
-              <a:rPr lang="en-US" dirty="0" err="1" smtClean="0"/>
-              <a:t>isValidUser</a:t>
-            </a:r>
-            <a:r>
-              <a:rPr lang="en-US" dirty="0" smtClean="0"/>
-              <a:t>) {</a:t>
-            </a:r>
-          </a:p>
-          <a:p>
-            <a:pPr>
-              <a:buNone/>
-            </a:pPr>
-            <a:r>
-              <a:rPr lang="en-US" dirty="0" smtClean="0"/>
-              <a:t>		return(SUCCESS);</a:t>
-            </a:r>
-          </a:p>
-          <a:p>
-            <a:pPr>
-              <a:buNone/>
-            </a:pPr>
-            <a:r>
-              <a:rPr lang="en-US" dirty="0" smtClean="0"/>
-              <a:t>	} else {</a:t>
-            </a:r>
-          </a:p>
-          <a:p>
-            <a:pPr>
-              <a:buNone/>
-            </a:pPr>
-            <a:r>
-              <a:rPr lang="en-US" dirty="0" smtClean="0"/>
-              <a:t>		return(FAIL);</a:t>
-            </a:r>
-          </a:p>
-          <a:p>
-            <a:pPr>
-              <a:buNone/>
-            </a:pPr>
-            <a:r>
-              <a:rPr lang="en-US" dirty="0" smtClean="0"/>
-              <a:t>	}</a:t>
-            </a:r>
-          </a:p>
-          <a:p>
-            <a:endParaRPr lang="en-US" dirty="0"/>
+            <a:endParaRPr lang="es-AR" dirty="0"/>
+          </a:p>
+          <a:p>
+            <a:endParaRPr lang="es-AR" dirty="0"/>
           </a:p>
         </p:txBody>
       </p:sp>
@@ -8250,14 +8206,19 @@
           <a:lstStyle/>
           <a:p>
             <a:r>
-              <a:rPr lang="es-ES" dirty="0" smtClean="0"/>
-              <a:t>Error 21 – Ejemplo 3 - bien</a:t>
-            </a:r>
-            <a:endParaRPr lang="en-US" dirty="0"/>
+              <a:rPr lang="es-AR" dirty="0" smtClean="0"/>
+              <a:t>Error 22-Ejemplo 2</a:t>
+            </a:r>
+            <a:endParaRPr lang="es-AR" dirty="0"/>
           </a:p>
         </p:txBody>
       </p:sp>
     </p:spTree>
+    <p:extLst>
+      <p:ext uri="{BB962C8B-B14F-4D97-AF65-F5344CB8AC3E}">
+        <p14:creationId xmlns:p14="http://schemas.microsoft.com/office/powerpoint/2010/main" val="2548553238"/>
+      </p:ext>
+    </p:extLst>
   </p:cSld>
   <p:clrMapOvr>
     <a:masterClrMapping/>
@@ -8294,58 +8255,89 @@
         </p:nvSpPr>
         <p:spPr/>
         <p:txBody>
-          <a:bodyPr/>
+          <a:bodyPr>
+            <a:normAutofit fontScale="92500" lnSpcReduction="10000"/>
+          </a:bodyPr>
           <a:lstStyle/>
           <a:p>
             <a:r>
               <a:rPr lang="es-ES" dirty="0" smtClean="0"/>
-              <a:t>Enero </a:t>
-            </a:r>
-            <a:r>
-              <a:rPr lang="es-ES" dirty="0" smtClean="0"/>
-              <a:t>2009.</a:t>
-            </a:r>
+              <a:t>Aceptar sitios buenos conocidos (</a:t>
+            </a:r>
+            <a:r>
+              <a:rPr lang="es-ES" dirty="0" err="1" smtClean="0"/>
+              <a:t>whitelist</a:t>
+            </a:r>
+            <a:r>
+              <a:rPr lang="es-ES" dirty="0" smtClean="0"/>
+              <a:t>)</a:t>
+            </a:r>
+          </a:p>
+          <a:p>
             <a:endParaRPr lang="es-ES" dirty="0" smtClean="0"/>
           </a:p>
           <a:p>
+            <a:r>
+              <a:rPr lang="es-ES" dirty="0" smtClean="0"/>
+              <a:t>Bloquear sitios malos conocidos (</a:t>
+            </a:r>
+            <a:r>
+              <a:rPr lang="es-ES" dirty="0" err="1" smtClean="0"/>
+              <a:t>blacklist</a:t>
+            </a:r>
+            <a:r>
+              <a:rPr lang="es-ES" dirty="0" smtClean="0"/>
+              <a:t>)</a:t>
+            </a:r>
+          </a:p>
+          <a:p>
             <a:endParaRPr lang="es-ES" dirty="0" smtClean="0"/>
           </a:p>
           <a:p>
             <a:r>
+              <a:rPr lang="es-ES" dirty="0" smtClean="0"/>
+              <a:t>Validación de input (longitud, tipo, parámetros, sintaxis)</a:t>
+            </a:r>
+          </a:p>
+          <a:p>
+            <a:pPr lvl="1"/>
+            <a:r>
+              <a:rPr lang="es-ES" dirty="0" smtClean="0"/>
+              <a:t>No permitir redirección de URL por parámetro.</a:t>
+            </a:r>
+          </a:p>
+          <a:p>
+            <a:endParaRPr lang="es-ES" dirty="0" smtClean="0"/>
+          </a:p>
+          <a:p>
+            <a:r>
+              <a:rPr lang="es-ES" dirty="0" smtClean="0"/>
+              <a:t>Mostrar un </a:t>
+            </a:r>
+            <a:r>
               <a:rPr lang="es-ES" dirty="0" err="1" smtClean="0"/>
-              <a:t>Twitter</a:t>
+              <a:t>disclaimer</a:t>
+            </a:r>
+            <a:r>
+              <a:rPr lang="es-ES" dirty="0" smtClean="0"/>
+              <a:t> indicando que el usuario esta dejando el sitio. Implementar </a:t>
+            </a:r>
+            <a:r>
+              <a:rPr lang="es-ES" dirty="0" err="1" smtClean="0"/>
+              <a:t>timeout</a:t>
+            </a:r>
+            <a:r>
+              <a:rPr lang="es-ES" dirty="0" smtClean="0"/>
+              <a:t> o forzar al usuario a </a:t>
+            </a:r>
+            <a:r>
+              <a:rPr lang="es-ES" dirty="0" err="1" smtClean="0"/>
+              <a:t>clickear</a:t>
             </a:r>
             <a:r>
               <a:rPr lang="es-ES" dirty="0" smtClean="0"/>
               <a:t>.</a:t>
             </a:r>
-            <a:endParaRPr lang="es-ES" dirty="0" smtClean="0"/>
-          </a:p>
-          <a:p>
-            <a:endParaRPr lang="es-ES" dirty="0" smtClean="0"/>
-          </a:p>
-          <a:p>
-            <a:r>
-              <a:rPr lang="es-ES" dirty="0" smtClean="0"/>
-              <a:t>Atacante logra entrar a una cuenta </a:t>
-            </a:r>
-            <a:r>
-              <a:rPr lang="es-ES" dirty="0" err="1" smtClean="0"/>
-              <a:t>admin</a:t>
-            </a:r>
-            <a:r>
-              <a:rPr lang="es-ES" dirty="0" smtClean="0"/>
-              <a:t> y luego acceder a cualquier otra cuenta que desee.</a:t>
-            </a:r>
-          </a:p>
-          <a:p>
-            <a:endParaRPr lang="es-ES" dirty="0" smtClean="0"/>
-          </a:p>
-          <a:p>
-            <a:r>
-              <a:rPr lang="en-US" dirty="0" smtClean="0"/>
-              <a:t>https://www.youtube.com/watch?feature=player_embedded&amp;v=IKNbggNJMVI</a:t>
-            </a:r>
             <a:endParaRPr lang="en-US" dirty="0"/>
           </a:p>
         </p:txBody>
@@ -8362,12 +8354,14 @@
         </p:nvSpPr>
         <p:spPr/>
         <p:txBody>
-          <a:bodyPr/>
+          <a:bodyPr>
+            <a:normAutofit/>
+          </a:bodyPr>
           <a:lstStyle/>
           <a:p>
             <a:r>
               <a:rPr lang="es-ES" dirty="0" smtClean="0"/>
-              <a:t>Error 21- Ataques conocidos</a:t>
+              <a:t>Error 22-Prevención/Mitigación</a:t>
             </a:r>
             <a:endParaRPr lang="en-US" dirty="0"/>
           </a:p>
@@ -8410,12 +8404,14 @@
         </p:nvSpPr>
         <p:spPr/>
         <p:txBody>
-          <a:bodyPr/>
+          <a:bodyPr>
+            <a:normAutofit fontScale="92500" lnSpcReduction="10000"/>
+          </a:bodyPr>
           <a:lstStyle/>
           <a:p>
             <a:r>
               <a:rPr lang="es-ES" dirty="0" smtClean="0"/>
-              <a:t>Desconectar al usuario luego de un cierto número de intentos fallidos.</a:t>
+              <a:t>Mapear los sitios seguros conocidos en un set indexado (optimización).</a:t>
             </a:r>
           </a:p>
           <a:p>
@@ -8424,66 +8420,65 @@
           <a:p>
             <a:r>
               <a:rPr lang="es-ES" dirty="0" smtClean="0"/>
-              <a:t>Implementar un </a:t>
+              <a:t>Usar un </a:t>
             </a:r>
             <a:r>
               <a:rPr lang="es-ES" dirty="0" err="1" smtClean="0"/>
-              <a:t>timeout</a:t>
-            </a:r>
-            <a:r>
-              <a:rPr lang="es-ES" dirty="0" smtClean="0"/>
-              <a:t> (</a:t>
+              <a:t>application</a:t>
+            </a:r>
+            <a:r>
+              <a:rPr lang="es-ES" dirty="0" smtClean="0"/>
+              <a:t> firewall en casos donde el problema se encuentra en un tercero y no podemos modificar código.</a:t>
+            </a:r>
+          </a:p>
+          <a:p>
+            <a:endParaRPr lang="es-ES" dirty="0" smtClean="0"/>
+          </a:p>
+          <a:p>
+            <a:r>
+              <a:rPr lang="es-ES" dirty="0" smtClean="0"/>
+              <a:t>Entender de donde pueden provenir inputs vulnerados</a:t>
+            </a:r>
+          </a:p>
+          <a:p>
+            <a:pPr lvl="1"/>
+            <a:r>
+              <a:rPr lang="es-ES" dirty="0" smtClean="0"/>
+              <a:t>parámetros, cookies, datos de la red, variables de entorno, reverse DNS, resultados de </a:t>
             </a:r>
             <a:r>
               <a:rPr lang="es-ES" dirty="0" err="1" smtClean="0"/>
-              <a:t>exponential</a:t>
-            </a:r>
-            <a:r>
-              <a:rPr lang="es-ES" dirty="0" smtClean="0"/>
-              <a:t> back-off).</a:t>
-            </a:r>
-          </a:p>
-          <a:p>
+              <a:t>queries</a:t>
+            </a:r>
+            <a:r>
+              <a:rPr lang="es-ES" dirty="0" smtClean="0"/>
+              <a:t>, </a:t>
+            </a:r>
+            <a:r>
+              <a:rPr lang="es-ES" dirty="0" err="1" smtClean="0"/>
+              <a:t>headers</a:t>
+            </a:r>
+            <a:r>
+              <a:rPr lang="es-ES" dirty="0" smtClean="0"/>
+              <a:t> del </a:t>
+            </a:r>
+            <a:r>
+              <a:rPr lang="es-ES" dirty="0" err="1" smtClean="0"/>
+              <a:t>request</a:t>
+            </a:r>
+            <a:r>
+              <a:rPr lang="es-ES" dirty="0" smtClean="0"/>
+              <a:t>, emails, archivos, nombres de archivos.</a:t>
+            </a:r>
+          </a:p>
+          <a:p>
+            <a:pPr lvl="1"/>
             <a:endParaRPr lang="es-ES" dirty="0" smtClean="0"/>
           </a:p>
           <a:p>
-            <a:r>
-              <a:rPr lang="es-ES" dirty="0" err="1" smtClean="0"/>
-              <a:t>Blockear</a:t>
-            </a:r>
-            <a:r>
-              <a:rPr lang="es-ES" dirty="0" smtClean="0"/>
-              <a:t> </a:t>
-            </a:r>
-            <a:r>
-              <a:rPr lang="es-ES" dirty="0" smtClean="0"/>
-              <a:t>la cuenta.</a:t>
-            </a:r>
-          </a:p>
-          <a:p>
-            <a:endParaRPr lang="es-ES" dirty="0" smtClean="0"/>
-          </a:p>
-          <a:p>
-            <a:r>
-              <a:rPr lang="es-ES" dirty="0" smtClean="0"/>
-              <a:t>Pedirle al usuario alguna tarea computacional (cálculo, </a:t>
-            </a:r>
-            <a:r>
-              <a:rPr lang="es-ES" dirty="0" err="1" smtClean="0"/>
-              <a:t>captcha</a:t>
-            </a:r>
-            <a:r>
-              <a:rPr lang="es-ES" dirty="0" smtClean="0"/>
-              <a:t>, </a:t>
-            </a:r>
-            <a:r>
-              <a:rPr lang="es-ES" dirty="0" err="1" smtClean="0"/>
-              <a:t>etc</a:t>
-            </a:r>
-            <a:r>
-              <a:rPr lang="es-ES" dirty="0" smtClean="0"/>
-              <a:t>).</a:t>
-            </a:r>
+            <a:pPr lvl="1">
+              <a:buNone/>
+            </a:pPr>
             <a:endParaRPr lang="en-US" dirty="0"/>
           </a:p>
         </p:txBody>
@@ -8507,7 +8502,7 @@
           <a:p>
             <a:r>
               <a:rPr lang="es-ES" dirty="0" smtClean="0"/>
-              <a:t>Error 21-Prevencion/Mitigación</a:t>
+              <a:t>Error 22-Prevención/Mitigación</a:t>
             </a:r>
             <a:endParaRPr lang="en-US" dirty="0"/>
           </a:p>
@@ -8555,11 +8550,11 @@
           <a:p>
             <a:r>
               <a:rPr lang="es-ES" dirty="0" smtClean="0"/>
-              <a:t>URL </a:t>
+              <a:t>‘</a:t>
             </a:r>
             <a:r>
               <a:rPr lang="es-ES" dirty="0" err="1" smtClean="0"/>
-              <a:t>Redirection</a:t>
+              <a:t>Uncontrolled</a:t>
             </a:r>
             <a:r>
               <a:rPr lang="es-ES" dirty="0" smtClean="0"/>
@@ -8567,7 +8562,7 @@
             </a:r>
             <a:r>
               <a:rPr lang="es-ES" dirty="0" err="1" smtClean="0"/>
-              <a:t>to</a:t>
+              <a:t>Format</a:t>
             </a:r>
             <a:r>
               <a:rPr lang="es-ES" dirty="0" smtClean="0"/>
@@ -8575,7 +8570,24 @@
             </a:r>
             <a:r>
               <a:rPr lang="es-ES" dirty="0" err="1" smtClean="0"/>
-              <a:t>Untrusted</a:t>
+              <a:t>String</a:t>
+            </a:r>
+            <a:r>
+              <a:rPr lang="es-ES" dirty="0" smtClean="0"/>
+              <a:t>’ - %s</a:t>
+            </a:r>
+          </a:p>
+          <a:p>
+            <a:endParaRPr lang="es-ES" dirty="0" smtClean="0"/>
+          </a:p>
+          <a:p>
+            <a:r>
+              <a:rPr lang="es-ES" dirty="0" smtClean="0"/>
+              <a:t>Los </a:t>
+            </a:r>
+            <a:r>
+              <a:rPr lang="es-ES" dirty="0" err="1" smtClean="0"/>
+              <a:t>format</a:t>
             </a:r>
             <a:r>
               <a:rPr lang="es-ES" dirty="0" smtClean="0"/>
@@ -8583,34 +8595,37 @@
             </a:r>
             <a:r>
               <a:rPr lang="es-ES" dirty="0" err="1" smtClean="0"/>
-              <a:t>Site</a:t>
-            </a:r>
-            <a:r>
-              <a:rPr lang="es-ES" dirty="0" smtClean="0"/>
-              <a:t> (‘Open </a:t>
+              <a:t>strings</a:t>
+            </a:r>
+            <a:r>
+              <a:rPr lang="es-ES" dirty="0" smtClean="0"/>
+              <a:t> se utilizan para recibir datos bien formados.</a:t>
+            </a:r>
+          </a:p>
+          <a:p>
+            <a:endParaRPr lang="es-ES" dirty="0" smtClean="0"/>
+          </a:p>
+          <a:p>
+            <a:r>
+              <a:rPr lang="es-ES" dirty="0" smtClean="0"/>
+              <a:t>Un atacante que controle un </a:t>
             </a:r>
             <a:r>
               <a:rPr lang="es-ES" dirty="0" err="1" smtClean="0"/>
-              <a:t>Redirect</a:t>
-            </a:r>
-            <a:r>
-              <a:rPr lang="es-ES" dirty="0" smtClean="0"/>
-              <a:t>’)</a:t>
-            </a:r>
-          </a:p>
-          <a:p>
-            <a:endParaRPr lang="es-ES" dirty="0" smtClean="0"/>
-          </a:p>
-          <a:p>
-            <a:r>
-              <a:rPr lang="es-ES" dirty="0" smtClean="0"/>
-              <a:t>Modificar una URL para que direccione al usuario a un sitio malicioso que ataque al usuario mediante el web-browser.</a:t>
-            </a:r>
-          </a:p>
-          <a:p>
-            <a:endParaRPr lang="es-ES" dirty="0" smtClean="0"/>
-          </a:p>
-          <a:p>
+              <a:t>format</a:t>
+            </a:r>
+            <a:r>
+              <a:rPr lang="es-ES" dirty="0" smtClean="0"/>
+              <a:t> </a:t>
+            </a:r>
+            <a:r>
+              <a:rPr lang="es-ES" dirty="0" err="1" smtClean="0"/>
+              <a:t>string</a:t>
+            </a:r>
+            <a:r>
+              <a:rPr lang="es-ES" dirty="0" smtClean="0"/>
+              <a:t> puede controlar el input o output de nuestra aplicación, pudiendo resultar en ejecución de código.</a:t>
+            </a:r>
             <a:endParaRPr lang="en-US" dirty="0"/>
           </a:p>
         </p:txBody>
@@ -8632,7 +8647,7 @@
           <a:p>
             <a:r>
               <a:rPr lang="es-ES" dirty="0" smtClean="0"/>
-              <a:t>Error 22-CWE-601</a:t>
+              <a:t>Error 23 - CWE-134</a:t>
             </a:r>
             <a:endParaRPr lang="en-US" dirty="0"/>
           </a:p>
@@ -8683,15 +8698,7 @@
           <a:p>
             <a:r>
               <a:rPr lang="es-ES" dirty="0" smtClean="0"/>
-              <a:t>White Box </a:t>
-            </a:r>
-            <a:r>
-              <a:rPr lang="es-ES" dirty="0" err="1" smtClean="0"/>
-              <a:t>Testing</a:t>
-            </a:r>
-            <a:r>
-              <a:rPr lang="es-ES" dirty="0" smtClean="0"/>
-              <a:t> (estructura).</a:t>
+              <a:t>Herramientas de Análisis Estático, sin ejecutar la aplicación</a:t>
             </a:r>
           </a:p>
           <a:p>
@@ -8700,39 +8707,7 @@
           <a:p>
             <a:r>
               <a:rPr lang="es-ES" dirty="0" smtClean="0"/>
-              <a:t>Black Box </a:t>
-            </a:r>
-            <a:r>
-              <a:rPr lang="es-ES" dirty="0" err="1" smtClean="0"/>
-              <a:t>Testing</a:t>
-            </a:r>
-            <a:r>
-              <a:rPr lang="es-ES" dirty="0" smtClean="0"/>
-              <a:t>, validación de todos los </a:t>
-            </a:r>
-            <a:r>
-              <a:rPr lang="es-ES" dirty="0" err="1" smtClean="0"/>
-              <a:t>URLs</a:t>
-            </a:r>
-            <a:r>
-              <a:rPr lang="es-ES" dirty="0" smtClean="0"/>
-              <a:t> que se encuentran, intentando encontrar </a:t>
-            </a:r>
-            <a:r>
-              <a:rPr lang="es-ES" dirty="0" err="1" smtClean="0"/>
-              <a:t>modificaciónes</a:t>
-            </a:r>
-            <a:r>
-              <a:rPr lang="es-ES" dirty="0" smtClean="0"/>
-              <a:t> de </a:t>
-            </a:r>
-            <a:r>
-              <a:rPr lang="es-ES" dirty="0" err="1" smtClean="0"/>
-              <a:t>header</a:t>
-            </a:r>
-            <a:r>
-              <a:rPr lang="es-ES" dirty="0" smtClean="0"/>
-              <a:t>.</a:t>
+              <a:t>Ver el código, búsqueda de invariantes</a:t>
             </a:r>
             <a:endParaRPr lang="en-US" dirty="0"/>
           </a:p>
@@ -8755,7 +8730,7 @@
           <a:p>
             <a:r>
               <a:rPr lang="es-ES" dirty="0" smtClean="0"/>
-              <a:t>Error 22-Detección</a:t>
+              <a:t>Error 23-Detección</a:t>
             </a:r>
             <a:endParaRPr lang="en-US" dirty="0"/>
           </a:p>

--- a/TP1/Errores 21, 22, 23 y 24.pptx
+++ b/TP1/Errores 21, 22, 23 y 24.pptx
@@ -6,28 +6,28 @@
   </p:sldMasterIdLst>
   <p:sldIdLst>
     <p:sldId id="256" r:id="rId2"/>
-    <p:sldId id="263" r:id="rId3"/>
-    <p:sldId id="266" r:id="rId4"/>
-    <p:sldId id="267" r:id="rId5"/>
-    <p:sldId id="277" r:id="rId6"/>
-    <p:sldId id="264" r:id="rId7"/>
-    <p:sldId id="265" r:id="rId8"/>
-    <p:sldId id="268" r:id="rId9"/>
-    <p:sldId id="269" r:id="rId10"/>
-    <p:sldId id="271" r:id="rId11"/>
-    <p:sldId id="270" r:id="rId12"/>
-    <p:sldId id="272" r:id="rId13"/>
-    <p:sldId id="273" r:id="rId14"/>
-    <p:sldId id="275" r:id="rId15"/>
-    <p:sldId id="276" r:id="rId16"/>
-    <p:sldId id="278" r:id="rId17"/>
-    <p:sldId id="274" r:id="rId18"/>
-    <p:sldId id="257" r:id="rId19"/>
-    <p:sldId id="260" r:id="rId20"/>
-    <p:sldId id="261" r:id="rId21"/>
-    <p:sldId id="262" r:id="rId22"/>
-    <p:sldId id="259" r:id="rId23"/>
-    <p:sldId id="258" r:id="rId24"/>
+    <p:sldId id="257" r:id="rId3"/>
+    <p:sldId id="260" r:id="rId4"/>
+    <p:sldId id="261" r:id="rId5"/>
+    <p:sldId id="262" r:id="rId6"/>
+    <p:sldId id="259" r:id="rId7"/>
+    <p:sldId id="258" r:id="rId8"/>
+    <p:sldId id="263" r:id="rId9"/>
+    <p:sldId id="266" r:id="rId10"/>
+    <p:sldId id="267" r:id="rId11"/>
+    <p:sldId id="277" r:id="rId12"/>
+    <p:sldId id="264" r:id="rId13"/>
+    <p:sldId id="265" r:id="rId14"/>
+    <p:sldId id="268" r:id="rId15"/>
+    <p:sldId id="269" r:id="rId16"/>
+    <p:sldId id="271" r:id="rId17"/>
+    <p:sldId id="270" r:id="rId18"/>
+    <p:sldId id="272" r:id="rId19"/>
+    <p:sldId id="273" r:id="rId20"/>
+    <p:sldId id="275" r:id="rId21"/>
+    <p:sldId id="276" r:id="rId22"/>
+    <p:sldId id="278" r:id="rId23"/>
+    <p:sldId id="274" r:id="rId24"/>
   </p:sldIdLst>
   <p:sldSz cx="9144000" cy="6858000" type="screen4x3"/>
   <p:notesSz cx="6858000" cy="9144000"/>
@@ -755,7 +755,7 @@
             <a:fld id="{544213AF-26F6-41FA-8D85-E2C5388D6E58}" type="datetimeFigureOut">
               <a:rPr lang="en-US" smtClean="0"/>
               <a:pPr/>
-              <a:t>5/28/14</a:t>
+              <a:t>5/29/2014</a:t>
             </a:fld>
             <a:endParaRPr lang="en-US" dirty="0">
               <a:solidFill>
@@ -828,7 +828,7 @@
             <a:fld id="{D5BBC35B-A44B-4119-B8DA-DE9E3DFADA20}" type="slidenum">
               <a:rPr kumimoji="0" lang="en-US" smtClean="0"/>
               <a:pPr/>
-              <a:t>‹#›</a:t>
+              <a:t>‹Nº›</a:t>
             </a:fld>
             <a:endParaRPr kumimoji="0" lang="en-US" dirty="0">
               <a:solidFill>
@@ -967,7 +967,7 @@
             <a:fld id="{544213AF-26F6-41FA-8D85-E2C5388D6E58}" type="datetimeFigureOut">
               <a:rPr lang="en-US" smtClean="0"/>
               <a:pPr/>
-              <a:t>5/28/14</a:t>
+              <a:t>5/29/2014</a:t>
             </a:fld>
             <a:endParaRPr lang="en-US"/>
           </a:p>
@@ -1014,7 +1014,7 @@
             <a:fld id="{D5BBC35B-A44B-4119-B8DA-DE9E3DFADA20}" type="slidenum">
               <a:rPr kumimoji="0" lang="en-US" smtClean="0"/>
               <a:pPr/>
-              <a:t>‹#›</a:t>
+              <a:t>‹Nº›</a:t>
             </a:fld>
             <a:endParaRPr kumimoji="0" lang="en-US"/>
           </a:p>
@@ -1154,7 +1154,7 @@
             <a:fld id="{544213AF-26F6-41FA-8D85-E2C5388D6E58}" type="datetimeFigureOut">
               <a:rPr lang="en-US" smtClean="0"/>
               <a:pPr/>
-              <a:t>5/28/14</a:t>
+              <a:t>5/29/2014</a:t>
             </a:fld>
             <a:endParaRPr lang="en-US"/>
           </a:p>
@@ -1201,7 +1201,7 @@
             <a:fld id="{D5BBC35B-A44B-4119-B8DA-DE9E3DFADA20}" type="slidenum">
               <a:rPr kumimoji="0" lang="en-US" smtClean="0"/>
               <a:pPr/>
-              <a:t>‹#›</a:t>
+              <a:t>‹Nº›</a:t>
             </a:fld>
             <a:endParaRPr kumimoji="0" lang="en-US"/>
           </a:p>
@@ -1306,7 +1306,7 @@
             <a:fld id="{544213AF-26F6-41FA-8D85-E2C5388D6E58}" type="datetimeFigureOut">
               <a:rPr lang="en-US" smtClean="0"/>
               <a:pPr/>
-              <a:t>5/28/14</a:t>
+              <a:t>5/29/2014</a:t>
             </a:fld>
             <a:endParaRPr lang="en-US"/>
           </a:p>
@@ -1353,7 +1353,7 @@
             <a:fld id="{D5BBC35B-A44B-4119-B8DA-DE9E3DFADA20}" type="slidenum">
               <a:rPr kumimoji="0" lang="en-US" smtClean="0"/>
               <a:pPr/>
-              <a:t>‹#›</a:t>
+              <a:t>‹Nº›</a:t>
             </a:fld>
             <a:endParaRPr kumimoji="0" lang="en-US"/>
           </a:p>
@@ -1563,7 +1563,7 @@
             <a:fld id="{544213AF-26F6-41FA-8D85-E2C5388D6E58}" type="datetimeFigureOut">
               <a:rPr lang="en-US" smtClean="0"/>
               <a:pPr/>
-              <a:t>5/28/14</a:t>
+              <a:t>5/29/2014</a:t>
             </a:fld>
             <a:endParaRPr lang="en-US"/>
           </a:p>
@@ -1610,7 +1610,7 @@
             <a:fld id="{D5BBC35B-A44B-4119-B8DA-DE9E3DFADA20}" type="slidenum">
               <a:rPr kumimoji="0" lang="en-US" smtClean="0"/>
               <a:pPr/>
-              <a:t>‹#›</a:t>
+              <a:t>‹Nº›</a:t>
             </a:fld>
             <a:endParaRPr kumimoji="0" lang="en-US"/>
           </a:p>
@@ -1974,7 +1974,7 @@
             <a:fld id="{544213AF-26F6-41FA-8D85-E2C5388D6E58}" type="datetimeFigureOut">
               <a:rPr lang="en-US" smtClean="0"/>
               <a:pPr/>
-              <a:t>5/28/14</a:t>
+              <a:t>5/29/2014</a:t>
             </a:fld>
             <a:endParaRPr lang="en-US"/>
           </a:p>
@@ -2021,7 +2021,7 @@
             <a:fld id="{D5BBC35B-A44B-4119-B8DA-DE9E3DFADA20}" type="slidenum">
               <a:rPr kumimoji="0" lang="en-US" smtClean="0"/>
               <a:pPr/>
-              <a:t>‹#›</a:t>
+              <a:t>‹Nº›</a:t>
             </a:fld>
             <a:endParaRPr kumimoji="0" lang="en-US"/>
           </a:p>
@@ -2422,7 +2422,7 @@
             <a:fld id="{544213AF-26F6-41FA-8D85-E2C5388D6E58}" type="datetimeFigureOut">
               <a:rPr lang="en-US" smtClean="0"/>
               <a:pPr/>
-              <a:t>5/28/14</a:t>
+              <a:t>5/29/2014</a:t>
             </a:fld>
             <a:endParaRPr lang="en-US"/>
           </a:p>
@@ -2469,7 +2469,7 @@
             <a:fld id="{D5BBC35B-A44B-4119-B8DA-DE9E3DFADA20}" type="slidenum">
               <a:rPr kumimoji="0" lang="en-US" smtClean="0"/>
               <a:pPr/>
-              <a:t>‹#›</a:t>
+              <a:t>‹Nº›</a:t>
             </a:fld>
             <a:endParaRPr kumimoji="0" lang="en-US"/>
           </a:p>
@@ -2525,7 +2525,7 @@
             <a:fld id="{544213AF-26F6-41FA-8D85-E2C5388D6E58}" type="datetimeFigureOut">
               <a:rPr lang="en-US" smtClean="0"/>
               <a:pPr/>
-              <a:t>5/28/14</a:t>
+              <a:t>5/29/2014</a:t>
             </a:fld>
             <a:endParaRPr lang="en-US"/>
           </a:p>
@@ -2572,7 +2572,7 @@
             <a:fld id="{D5BBC35B-A44B-4119-B8DA-DE9E3DFADA20}" type="slidenum">
               <a:rPr kumimoji="0" lang="en-US" smtClean="0"/>
               <a:pPr/>
-              <a:t>‹#›</a:t>
+              <a:t>‹Nº›</a:t>
             </a:fld>
             <a:endParaRPr kumimoji="0" lang="en-US"/>
           </a:p>
@@ -2648,7 +2648,7 @@
             <a:fld id="{544213AF-26F6-41FA-8D85-E2C5388D6E58}" type="datetimeFigureOut">
               <a:rPr lang="en-US" smtClean="0"/>
               <a:pPr/>
-              <a:t>5/28/14</a:t>
+              <a:t>5/29/2014</a:t>
             </a:fld>
             <a:endParaRPr lang="en-US"/>
           </a:p>
@@ -2695,7 +2695,7 @@
             <a:fld id="{D5BBC35B-A44B-4119-B8DA-DE9E3DFADA20}" type="slidenum">
               <a:rPr kumimoji="0" lang="en-US" smtClean="0"/>
               <a:pPr/>
-              <a:t>‹#›</a:t>
+              <a:t>‹Nº›</a:t>
             </a:fld>
             <a:endParaRPr kumimoji="0" lang="en-US"/>
           </a:p>
@@ -2924,7 +2924,7 @@
             <a:fld id="{544213AF-26F6-41FA-8D85-E2C5388D6E58}" type="datetimeFigureOut">
               <a:rPr lang="en-US" smtClean="0"/>
               <a:pPr/>
-              <a:t>5/28/14</a:t>
+              <a:t>5/29/2014</a:t>
             </a:fld>
             <a:endParaRPr lang="en-US"/>
           </a:p>
@@ -2971,7 +2971,7 @@
             <a:fld id="{D5BBC35B-A44B-4119-B8DA-DE9E3DFADA20}" type="slidenum">
               <a:rPr kumimoji="0" lang="en-US" smtClean="0"/>
               <a:pPr/>
-              <a:t>‹#›</a:t>
+              <a:t>‹Nº›</a:t>
             </a:fld>
             <a:endParaRPr kumimoji="0" lang="en-US"/>
           </a:p>
@@ -3131,7 +3131,7 @@
             <a:fld id="{544213AF-26F6-41FA-8D85-E2C5388D6E58}" type="datetimeFigureOut">
               <a:rPr lang="en-US" smtClean="0"/>
               <a:pPr/>
-              <a:t>5/28/14</a:t>
+              <a:t>5/29/2014</a:t>
             </a:fld>
             <a:endParaRPr lang="en-US">
               <a:solidFill>
@@ -3205,7 +3205,7 @@
             <a:fld id="{D5BBC35B-A44B-4119-B8DA-DE9E3DFADA20}" type="slidenum">
               <a:rPr kumimoji="0" lang="en-US" smtClean="0"/>
               <a:pPr/>
-              <a:t>‹#›</a:t>
+              <a:t>‹Nº›</a:t>
             </a:fld>
             <a:endParaRPr kumimoji="0" lang="en-US">
               <a:solidFill>
@@ -4254,7 +4254,7 @@
             <a:fld id="{544213AF-26F6-41FA-8D85-E2C5388D6E58}" type="datetimeFigureOut">
               <a:rPr lang="en-US" smtClean="0"/>
               <a:pPr/>
-              <a:t>5/28/14</a:t>
+              <a:t>5/29/2014</a:t>
             </a:fld>
             <a:endParaRPr lang="en-US" sz="1000" dirty="0">
               <a:solidFill>
@@ -4340,7 +4340,7 @@
             <a:fld id="{D5BBC35B-A44B-4119-B8DA-DE9E3DFADA20}" type="slidenum">
               <a:rPr kumimoji="0" lang="en-US" smtClean="0"/>
               <a:pPr/>
-              <a:t>‹#›</a:t>
+              <a:t>‹Nº›</a:t>
             </a:fld>
             <a:endParaRPr kumimoji="0" lang="en-US" sz="1000" b="0">
               <a:solidFill>
@@ -4795,178 +4795,137 @@
         </p:nvSpPr>
         <p:spPr/>
         <p:txBody>
-          <a:bodyPr>
-            <a:normAutofit lnSpcReduction="10000"/>
-          </a:bodyPr>
-          <a:lstStyle/>
-          <a:p>
-            <a:pPr>
-              <a:buNone/>
-            </a:pPr>
-            <a:r>
-              <a:rPr lang="es-ES" sz="1800" dirty="0" smtClean="0"/>
-              <a:t>Copiar un argumento a un buffer usando </a:t>
-            </a:r>
-            <a:r>
-              <a:rPr lang="es-ES" sz="1800" dirty="0" err="1" smtClean="0"/>
-              <a:t>snprintf</a:t>
-            </a:r>
-            <a:r>
-              <a:rPr lang="es-ES" sz="1800" dirty="0" smtClean="0"/>
-              <a:t>()</a:t>
-            </a:r>
-          </a:p>
-          <a:p>
-            <a:pPr>
-              <a:buNone/>
-            </a:pPr>
-            <a:endParaRPr lang="en-US" sz="1800" dirty="0" smtClean="0"/>
-          </a:p>
-          <a:p>
-            <a:pPr>
-              <a:buNone/>
-            </a:pPr>
-            <a:r>
-              <a:rPr lang="en-US" sz="1800" dirty="0" err="1" smtClean="0"/>
-              <a:t>int</a:t>
-            </a:r>
-            <a:r>
-              <a:rPr lang="en-US" sz="1800" dirty="0" smtClean="0"/>
-              <a:t> main(</a:t>
-            </a:r>
-            <a:r>
-              <a:rPr lang="en-US" sz="1800" dirty="0" err="1" smtClean="0"/>
-              <a:t>int</a:t>
-            </a:r>
-            <a:r>
-              <a:rPr lang="en-US" sz="1800" dirty="0" smtClean="0"/>
-              <a:t> </a:t>
-            </a:r>
-            <a:r>
-              <a:rPr lang="en-US" sz="1800" dirty="0" err="1" smtClean="0"/>
-              <a:t>argc</a:t>
-            </a:r>
-            <a:r>
-              <a:rPr lang="en-US" sz="1800" dirty="0" smtClean="0"/>
-              <a:t>, char **</a:t>
-            </a:r>
-            <a:r>
-              <a:rPr lang="en-US" sz="1800" dirty="0" err="1" smtClean="0"/>
-              <a:t>argv</a:t>
-            </a:r>
-            <a:r>
-              <a:rPr lang="en-US" sz="1800" dirty="0" smtClean="0"/>
-              <a:t>){</a:t>
-            </a:r>
-          </a:p>
-          <a:p>
-            <a:pPr>
-              <a:buNone/>
-            </a:pPr>
-            <a:r>
-              <a:rPr lang="en-US" sz="1800" dirty="0" smtClean="0"/>
-              <a:t>	char </a:t>
-            </a:r>
-            <a:r>
-              <a:rPr lang="en-US" sz="1800" dirty="0" err="1" smtClean="0"/>
-              <a:t>buf</a:t>
-            </a:r>
-            <a:r>
-              <a:rPr lang="en-US" sz="1800" dirty="0" smtClean="0"/>
-              <a:t>[128];</a:t>
-            </a:r>
-          </a:p>
-          <a:p>
-            <a:pPr>
-              <a:buNone/>
-            </a:pPr>
-            <a:r>
-              <a:rPr lang="en-US" sz="1800" dirty="0" smtClean="0"/>
-              <a:t>	...</a:t>
-            </a:r>
-          </a:p>
-          <a:p>
-            <a:pPr>
-              <a:buNone/>
-            </a:pPr>
-            <a:r>
-              <a:rPr lang="en-US" sz="1800" dirty="0" smtClean="0"/>
-              <a:t>	</a:t>
-            </a:r>
-            <a:r>
-              <a:rPr lang="en-US" sz="1800" dirty="0" err="1" smtClean="0"/>
-              <a:t>snprintf</a:t>
-            </a:r>
-            <a:r>
-              <a:rPr lang="en-US" sz="1800" dirty="0" smtClean="0"/>
-              <a:t>(buf,128,argv[1]);</a:t>
-            </a:r>
-          </a:p>
-          <a:p>
-            <a:pPr>
-              <a:buNone/>
-            </a:pPr>
-            <a:r>
-              <a:rPr lang="en-US" sz="1800" dirty="0" smtClean="0"/>
-              <a:t>}</a:t>
-            </a:r>
-            <a:endParaRPr lang="es-ES" dirty="0" smtClean="0"/>
-          </a:p>
-          <a:p>
-            <a:r>
-              <a:rPr lang="es-ES" dirty="0" smtClean="0"/>
-              <a:t>Esto permite a un atacante leer el </a:t>
-            </a:r>
-            <a:r>
-              <a:rPr lang="es-ES" dirty="0" err="1" smtClean="0"/>
-              <a:t>stack</a:t>
-            </a:r>
-            <a:r>
-              <a:rPr lang="es-ES" dirty="0" smtClean="0"/>
-              <a:t> usando como argumento directivas como %x</a:t>
-            </a:r>
-          </a:p>
-          <a:p>
-            <a:r>
-              <a:rPr lang="es-ES" dirty="0" smtClean="0"/>
-              <a:t>También puede escribir utilizando %n </a:t>
-            </a:r>
-          </a:p>
-          <a:p>
-            <a:r>
-              <a:rPr lang="es-ES" dirty="0" smtClean="0"/>
-              <a:t>Eventualmente se puede modificar el valor de algún puntero en el </a:t>
-            </a:r>
-            <a:r>
-              <a:rPr lang="es-ES" dirty="0" err="1" smtClean="0"/>
-              <a:t>stack</a:t>
-            </a:r>
-            <a:r>
-              <a:rPr lang="es-ES" dirty="0" smtClean="0"/>
-              <a:t>.</a:t>
-            </a:r>
-            <a:endParaRPr lang="en-US" dirty="0"/>
-          </a:p>
-        </p:txBody>
-      </p:sp>
-      <p:sp>
-        <p:nvSpPr>
-          <p:cNvPr id="3" name="2 Título"/>
-          <p:cNvSpPr>
-            <a:spLocks noGrp="1"/>
-          </p:cNvSpPr>
-          <p:nvPr>
-            <p:ph type="title"/>
-          </p:nvPr>
-        </p:nvSpPr>
-        <p:spPr/>
-        <p:txBody>
           <a:bodyPr/>
           <a:lstStyle/>
           <a:p>
             <a:r>
-              <a:rPr lang="es-ES" dirty="0" smtClean="0"/>
-              <a:t>Error 23-Ejemplo</a:t>
+              <a:rPr lang="es-ES" dirty="0" err="1" smtClean="0"/>
+              <a:t>Query</a:t>
+            </a:r>
+            <a:r>
+              <a:rPr lang="es-ES" dirty="0" smtClean="0"/>
+              <a:t> </a:t>
+            </a:r>
+            <a:r>
+              <a:rPr lang="es-ES" dirty="0" err="1" smtClean="0"/>
+              <a:t>String</a:t>
+            </a:r>
+            <a:r>
+              <a:rPr lang="es-ES" dirty="0" smtClean="0"/>
+              <a:t>, </a:t>
+            </a:r>
+            <a:r>
+              <a:rPr lang="es-ES" dirty="0" err="1" smtClean="0"/>
+              <a:t>redirije</a:t>
+            </a:r>
+            <a:r>
+              <a:rPr lang="es-ES" dirty="0" smtClean="0"/>
+              <a:t> a $</a:t>
+            </a:r>
+            <a:r>
+              <a:rPr lang="es-ES" dirty="0" err="1" smtClean="0"/>
+              <a:t>redirect_url</a:t>
+            </a:r>
+            <a:endParaRPr lang="en-US" dirty="0" smtClean="0"/>
+          </a:p>
+          <a:p>
+            <a:endParaRPr lang="en-US" dirty="0" smtClean="0"/>
+          </a:p>
+          <a:p>
+            <a:r>
+              <a:rPr lang="en-US" dirty="0" smtClean="0"/>
+              <a:t>$</a:t>
+            </a:r>
+            <a:r>
+              <a:rPr lang="en-US" dirty="0" err="1" smtClean="0"/>
+              <a:t>redirect_url</a:t>
+            </a:r>
+            <a:r>
+              <a:rPr lang="en-US" dirty="0" smtClean="0"/>
+              <a:t> = $_GET['</a:t>
+            </a:r>
+            <a:r>
+              <a:rPr lang="en-US" dirty="0" err="1" smtClean="0"/>
+              <a:t>url</a:t>
+            </a:r>
+            <a:r>
+              <a:rPr lang="en-US" dirty="0" smtClean="0"/>
+              <a:t>'];</a:t>
+            </a:r>
+          </a:p>
+          <a:p>
+            <a:r>
+              <a:rPr lang="en-US" dirty="0" smtClean="0"/>
+              <a:t>header("Location: " . $</a:t>
+            </a:r>
+            <a:r>
+              <a:rPr lang="en-US" dirty="0" err="1" smtClean="0"/>
+              <a:t>redirect_url</a:t>
+            </a:r>
+            <a:r>
+              <a:rPr lang="en-US" dirty="0" smtClean="0"/>
+              <a:t>);</a:t>
+            </a:r>
+          </a:p>
+          <a:p>
+            <a:endParaRPr lang="es-ES" dirty="0" smtClean="0"/>
+          </a:p>
+          <a:p>
+            <a:r>
+              <a:rPr lang="es-ES" dirty="0" smtClean="0"/>
+              <a:t>Se podría </a:t>
+            </a:r>
+            <a:r>
+              <a:rPr lang="es-ES" dirty="0" err="1" smtClean="0"/>
+              <a:t>redireccionar</a:t>
+            </a:r>
+            <a:r>
+              <a:rPr lang="es-ES" dirty="0" smtClean="0"/>
+              <a:t> a un usuario a:</a:t>
+            </a:r>
+          </a:p>
+          <a:p>
+            <a:endParaRPr lang="es-ES" dirty="0" smtClean="0"/>
+          </a:p>
+          <a:p>
+            <a:r>
+              <a:rPr lang="en-US" sz="1600" dirty="0" smtClean="0"/>
+              <a:t>http://example.com/example.php?url=</a:t>
+            </a:r>
+            <a:r>
+              <a:rPr lang="en-US" sz="1600" dirty="0" smtClean="0">
+                <a:solidFill>
+                  <a:srgbClr val="FF0000"/>
+                </a:solidFill>
+              </a:rPr>
+              <a:t>http://malicious.example.com</a:t>
+            </a:r>
+            <a:endParaRPr lang="en-US" sz="1600" dirty="0">
+              <a:solidFill>
+                <a:srgbClr val="FF0000"/>
+              </a:solidFill>
+            </a:endParaRPr>
+          </a:p>
+        </p:txBody>
+      </p:sp>
+      <p:sp>
+        <p:nvSpPr>
+          <p:cNvPr id="3" name="2 Título"/>
+          <p:cNvSpPr>
+            <a:spLocks noGrp="1"/>
+          </p:cNvSpPr>
+          <p:nvPr>
+            <p:ph type="title"/>
+          </p:nvPr>
+        </p:nvSpPr>
+        <p:spPr/>
+        <p:txBody>
+          <a:bodyPr/>
+          <a:lstStyle/>
+          <a:p>
+            <a:r>
+              <a:rPr lang="es-ES" dirty="0" smtClean="0"/>
+              <a:t>Error 22-Ejemplo 1</a:t>
             </a:r>
             <a:endParaRPr lang="en-US" dirty="0"/>
           </a:p>
@@ -5007,60 +4966,461 @@
             <p:ph idx="1"/>
           </p:nvPr>
         </p:nvSpPr>
-        <p:spPr/>
+        <p:spPr>
+          <a:xfrm>
+            <a:off x="76200" y="1481328"/>
+            <a:ext cx="8839200" cy="4525963"/>
+          </a:xfrm>
+        </p:spPr>
         <p:txBody>
           <a:bodyPr>
-            <a:normAutofit/>
+            <a:normAutofit fontScale="77500" lnSpcReduction="20000"/>
           </a:bodyPr>
           <a:lstStyle/>
           <a:p>
             <a:r>
-              <a:rPr lang="es-ES" dirty="0" smtClean="0"/>
-              <a:t>Elegir un lenguaje que no permita esta falla.</a:t>
-            </a:r>
-          </a:p>
-          <a:p>
-            <a:endParaRPr lang="es-ES" dirty="0" smtClean="0"/>
-          </a:p>
-          <a:p>
-            <a:r>
-              <a:rPr lang="es-ES" dirty="0" smtClean="0"/>
-              <a:t>Asegurarse que todos los </a:t>
-            </a:r>
-            <a:r>
-              <a:rPr lang="es-ES" dirty="0" err="1" smtClean="0"/>
-              <a:t>format</a:t>
-            </a:r>
-            <a:r>
-              <a:rPr lang="es-ES" dirty="0" smtClean="0"/>
+              <a:rPr lang="es-AR" dirty="0" err="1" smtClean="0"/>
+              <a:t>Servlet</a:t>
+            </a:r>
+            <a:r>
+              <a:rPr lang="es-AR" dirty="0" smtClean="0"/>
+              <a:t> Java que recibe una petición GET con un parámetro </a:t>
+            </a:r>
+            <a:r>
+              <a:rPr lang="es-AR" dirty="0" err="1" smtClean="0"/>
+              <a:t>url</a:t>
+            </a:r>
+            <a:r>
+              <a:rPr lang="es-AR" dirty="0" smtClean="0"/>
+              <a:t>.</a:t>
+            </a:r>
+          </a:p>
+          <a:p>
+            <a:pPr marL="109728" indent="0">
+              <a:buNone/>
+            </a:pPr>
+            <a:r>
+              <a:rPr lang="es-AR" dirty="0"/>
               <a:t> </a:t>
             </a:r>
             <a:r>
-              <a:rPr lang="es-ES" dirty="0" err="1" smtClean="0"/>
-              <a:t>string</a:t>
-            </a:r>
-            <a:r>
-              <a:rPr lang="es-ES" dirty="0" smtClean="0"/>
-              <a:t> utilizados sean </a:t>
-            </a:r>
-            <a:r>
-              <a:rPr lang="es-ES" dirty="0" err="1" smtClean="0"/>
-              <a:t>strings</a:t>
-            </a:r>
-            <a:r>
-              <a:rPr lang="es-ES" dirty="0" smtClean="0"/>
-              <a:t> estáticos, que no puedan ser controlados por los usuarios y que la cantidad de parámetros pasados sea correcta.</a:t>
-            </a:r>
-          </a:p>
-          <a:p>
-            <a:endParaRPr lang="es-ES" dirty="0" smtClean="0"/>
-          </a:p>
-          <a:p>
-            <a:r>
-              <a:rPr lang="es-ES" dirty="0" smtClean="0"/>
-              <a:t>Si es posible, evitar funciones que permitan usar %n</a:t>
-            </a:r>
-            <a:endParaRPr lang="en-US" dirty="0"/>
+              <a:rPr lang="es-AR" dirty="0" smtClean="0"/>
+              <a:t> </a:t>
+            </a:r>
+          </a:p>
+          <a:p>
+            <a:pPr marL="109728" indent="0">
+              <a:buNone/>
+            </a:pPr>
+            <a:r>
+              <a:rPr lang="es-AR"/>
+              <a:t> </a:t>
+            </a:r>
+            <a:r>
+              <a:rPr lang="es-AR" smtClean="0"/>
+              <a:t>public </a:t>
+            </a:r>
+            <a:r>
+              <a:rPr lang="es-AR" dirty="0" err="1"/>
+              <a:t>class</a:t>
+            </a:r>
+            <a:r>
+              <a:rPr lang="es-AR" dirty="0"/>
+              <a:t> </a:t>
+            </a:r>
+            <a:r>
+              <a:rPr lang="es-AR" dirty="0" err="1"/>
+              <a:t>RedirectServlet</a:t>
+            </a:r>
+            <a:r>
+              <a:rPr lang="es-AR" dirty="0"/>
+              <a:t> </a:t>
+            </a:r>
+            <a:r>
+              <a:rPr lang="es-AR" dirty="0" err="1"/>
+              <a:t>extends</a:t>
+            </a:r>
+            <a:r>
+              <a:rPr lang="es-AR" dirty="0"/>
+              <a:t> </a:t>
+            </a:r>
+            <a:r>
+              <a:rPr lang="es-AR" dirty="0" err="1"/>
+              <a:t>HttpServlet</a:t>
+            </a:r>
+            <a:r>
+              <a:rPr lang="es-AR" dirty="0"/>
+              <a:t> {</a:t>
+            </a:r>
+          </a:p>
+          <a:p>
+            <a:pPr marL="393192" lvl="1" indent="0">
+              <a:buNone/>
+            </a:pPr>
+            <a:r>
+              <a:rPr lang="es-AR" dirty="0" smtClean="0"/>
+              <a:t>	</a:t>
+            </a:r>
+            <a:r>
+              <a:rPr lang="es-AR" dirty="0" err="1" smtClean="0"/>
+              <a:t>protected</a:t>
+            </a:r>
+            <a:r>
+              <a:rPr lang="es-AR" dirty="0" smtClean="0"/>
+              <a:t> </a:t>
+            </a:r>
+            <a:r>
+              <a:rPr lang="es-AR" dirty="0" err="1"/>
+              <a:t>void</a:t>
+            </a:r>
+            <a:r>
+              <a:rPr lang="es-AR" dirty="0"/>
+              <a:t> </a:t>
+            </a:r>
+            <a:r>
+              <a:rPr lang="es-AR" dirty="0" err="1"/>
+              <a:t>doGet</a:t>
+            </a:r>
+            <a:r>
+              <a:rPr lang="es-AR" dirty="0"/>
+              <a:t>(</a:t>
+            </a:r>
+            <a:r>
+              <a:rPr lang="es-AR" dirty="0" err="1"/>
+              <a:t>HttpServletRequest</a:t>
+            </a:r>
+            <a:r>
+              <a:rPr lang="es-AR" dirty="0"/>
+              <a:t> </a:t>
+            </a:r>
+            <a:r>
+              <a:rPr lang="es-AR" dirty="0" err="1"/>
+              <a:t>request</a:t>
+            </a:r>
+            <a:r>
+              <a:rPr lang="es-AR" dirty="0"/>
+              <a:t>, </a:t>
+            </a:r>
+            <a:r>
+              <a:rPr lang="es-AR" dirty="0" smtClean="0"/>
+              <a:t>	</a:t>
+            </a:r>
+            <a:r>
+              <a:rPr lang="es-AR" dirty="0" err="1" smtClean="0"/>
+              <a:t>HttpServletResponse</a:t>
+            </a:r>
+            <a:r>
+              <a:rPr lang="es-AR" dirty="0" smtClean="0"/>
+              <a:t> </a:t>
+            </a:r>
+            <a:r>
+              <a:rPr lang="es-AR" dirty="0"/>
+              <a:t>response) </a:t>
+            </a:r>
+            <a:r>
+              <a:rPr lang="es-AR" dirty="0" err="1"/>
+              <a:t>throws</a:t>
+            </a:r>
+            <a:r>
+              <a:rPr lang="es-AR" dirty="0"/>
+              <a:t> </a:t>
+            </a:r>
+            <a:r>
+              <a:rPr lang="es-AR" dirty="0" err="1"/>
+              <a:t>ServletException</a:t>
+            </a:r>
+            <a:r>
+              <a:rPr lang="es-AR" dirty="0"/>
+              <a:t>, </a:t>
+            </a:r>
+            <a:r>
+              <a:rPr lang="es-AR" dirty="0" smtClean="0"/>
+              <a:t>	</a:t>
+            </a:r>
+            <a:r>
+              <a:rPr lang="es-AR" dirty="0" err="1" smtClean="0"/>
+              <a:t>IOException</a:t>
+            </a:r>
+            <a:r>
+              <a:rPr lang="es-AR" dirty="0" smtClean="0"/>
+              <a:t> </a:t>
+            </a:r>
+            <a:r>
+              <a:rPr lang="es-AR" dirty="0"/>
+              <a:t>{</a:t>
+            </a:r>
+          </a:p>
+          <a:p>
+            <a:pPr marL="630936" lvl="2" indent="0">
+              <a:buNone/>
+            </a:pPr>
+            <a:r>
+              <a:rPr lang="es-AR" dirty="0" smtClean="0"/>
+              <a:t>		</a:t>
+            </a:r>
+            <a:r>
+              <a:rPr lang="es-AR" sz="2400" dirty="0" err="1" smtClean="0"/>
+              <a:t>String</a:t>
+            </a:r>
+            <a:r>
+              <a:rPr lang="es-AR" sz="2400" dirty="0" smtClean="0"/>
+              <a:t> </a:t>
+            </a:r>
+            <a:r>
+              <a:rPr lang="es-AR" sz="2400" dirty="0" err="1"/>
+              <a:t>query</a:t>
+            </a:r>
+            <a:r>
+              <a:rPr lang="es-AR" sz="2400" dirty="0"/>
+              <a:t> = </a:t>
+            </a:r>
+            <a:r>
+              <a:rPr lang="es-AR" sz="2400" dirty="0" err="1"/>
+              <a:t>request.getQueryString</a:t>
+            </a:r>
+            <a:r>
+              <a:rPr lang="es-AR" sz="2400" dirty="0" smtClean="0"/>
+              <a:t>();</a:t>
+            </a:r>
+          </a:p>
+          <a:p>
+            <a:pPr marL="630936" lvl="2" indent="0">
+              <a:buNone/>
+            </a:pPr>
+            <a:r>
+              <a:rPr lang="es-AR" sz="2400" dirty="0"/>
+              <a:t>	</a:t>
+            </a:r>
+            <a:r>
+              <a:rPr lang="es-AR" sz="2400" dirty="0" smtClean="0"/>
+              <a:t>		</a:t>
+            </a:r>
+            <a:r>
+              <a:rPr lang="es-AR" sz="2400" dirty="0" err="1" smtClean="0"/>
+              <a:t>if</a:t>
+            </a:r>
+            <a:r>
+              <a:rPr lang="es-AR" sz="2400" dirty="0" smtClean="0"/>
+              <a:t> </a:t>
+            </a:r>
+            <a:r>
+              <a:rPr lang="es-AR" sz="2400" dirty="0"/>
+              <a:t>(</a:t>
+            </a:r>
+            <a:r>
+              <a:rPr lang="es-AR" sz="2400" dirty="0" err="1"/>
+              <a:t>query.contains</a:t>
+            </a:r>
+            <a:r>
+              <a:rPr lang="es-AR" sz="2400" dirty="0"/>
+              <a:t>("</a:t>
+            </a:r>
+            <a:r>
+              <a:rPr lang="es-AR" sz="2400" dirty="0" err="1"/>
+              <a:t>url</a:t>
+            </a:r>
+            <a:r>
+              <a:rPr lang="es-AR" sz="2400" dirty="0"/>
+              <a:t>")) </a:t>
+            </a:r>
+            <a:r>
+              <a:rPr lang="es-AR" sz="2400" dirty="0" smtClean="0"/>
+              <a:t>{</a:t>
+            </a:r>
+          </a:p>
+          <a:p>
+            <a:pPr marL="630936" lvl="2" indent="0">
+              <a:buNone/>
+            </a:pPr>
+            <a:r>
+              <a:rPr lang="es-AR" sz="2400" dirty="0"/>
+              <a:t>	</a:t>
+            </a:r>
+            <a:r>
+              <a:rPr lang="es-AR" sz="2400" dirty="0" smtClean="0"/>
+              <a:t>			</a:t>
+            </a:r>
+            <a:r>
+              <a:rPr lang="es-AR" sz="2400" dirty="0" err="1" smtClean="0"/>
+              <a:t>String</a:t>
+            </a:r>
+            <a:r>
+              <a:rPr lang="es-AR" sz="2400" dirty="0" smtClean="0"/>
+              <a:t> </a:t>
+            </a:r>
+            <a:r>
+              <a:rPr lang="es-AR" sz="2400" dirty="0" err="1"/>
+              <a:t>url</a:t>
+            </a:r>
+            <a:r>
+              <a:rPr lang="es-AR" sz="2400" dirty="0"/>
+              <a:t> = </a:t>
+            </a:r>
+            <a:r>
+              <a:rPr lang="es-AR" sz="2400" dirty="0" err="1"/>
+              <a:t>request.getParameter</a:t>
+            </a:r>
+            <a:r>
+              <a:rPr lang="es-AR" sz="2400" dirty="0"/>
+              <a:t>("</a:t>
+            </a:r>
+            <a:r>
+              <a:rPr lang="es-AR" sz="2400" dirty="0" err="1"/>
+              <a:t>url</a:t>
+            </a:r>
+            <a:r>
+              <a:rPr lang="es-AR" sz="2400" dirty="0" smtClean="0"/>
+              <a:t>");				</a:t>
+            </a:r>
+            <a:r>
+              <a:rPr lang="es-AR" sz="2400" dirty="0" err="1" smtClean="0"/>
+              <a:t>response.sendRedirect</a:t>
+            </a:r>
+            <a:r>
+              <a:rPr lang="es-AR" sz="2400" dirty="0" smtClean="0"/>
+              <a:t>(</a:t>
+            </a:r>
+            <a:r>
+              <a:rPr lang="es-AR" sz="2400" dirty="0" err="1" smtClean="0"/>
+              <a:t>url</a:t>
+            </a:r>
+            <a:r>
+              <a:rPr lang="es-AR" sz="2400" dirty="0" smtClean="0"/>
+              <a:t>);</a:t>
+            </a:r>
+          </a:p>
+          <a:p>
+            <a:pPr marL="630936" lvl="2" indent="0">
+              <a:buNone/>
+            </a:pPr>
+            <a:r>
+              <a:rPr lang="es-AR" sz="2400" dirty="0"/>
+              <a:t>	</a:t>
+            </a:r>
+            <a:r>
+              <a:rPr lang="es-AR" sz="2400" dirty="0" smtClean="0"/>
+              <a:t>		}</a:t>
+            </a:r>
+            <a:endParaRPr lang="es-AR" sz="2400" dirty="0"/>
+          </a:p>
+          <a:p>
+            <a:pPr marL="630936" lvl="2" indent="0">
+              <a:buNone/>
+            </a:pPr>
+            <a:r>
+              <a:rPr lang="es-AR" sz="2400" dirty="0"/>
+              <a:t>	</a:t>
+            </a:r>
+            <a:r>
+              <a:rPr lang="es-AR" sz="2400" dirty="0" smtClean="0"/>
+              <a:t>}</a:t>
+            </a:r>
+            <a:endParaRPr lang="es-AR" sz="2400" dirty="0"/>
+          </a:p>
+          <a:p>
+            <a:pPr marL="109728" indent="0">
+              <a:buNone/>
+            </a:pPr>
+            <a:r>
+              <a:rPr lang="es-AR" dirty="0"/>
+              <a:t> </a:t>
+            </a:r>
+            <a:r>
+              <a:rPr lang="es-AR" dirty="0" smtClean="0"/>
+              <a:t> }</a:t>
+            </a:r>
+          </a:p>
+          <a:p>
+            <a:pPr marL="109728" indent="0">
+              <a:buNone/>
+            </a:pPr>
+            <a:endParaRPr lang="es-AR" dirty="0" smtClean="0"/>
+          </a:p>
+          <a:p>
+            <a:pPr marL="109728" indent="0">
+              <a:buNone/>
+            </a:pPr>
+            <a:r>
+              <a:rPr lang="es-AR" sz="2100" dirty="0">
+                <a:solidFill>
+                  <a:srgbClr val="FF0000"/>
+                </a:solidFill>
+              </a:rPr>
+              <a:t>&lt;a </a:t>
+            </a:r>
+            <a:r>
+              <a:rPr lang="es-AR" sz="2100" dirty="0" err="1" smtClean="0">
+                <a:solidFill>
+                  <a:srgbClr val="FF0000"/>
+                </a:solidFill>
+              </a:rPr>
+              <a:t>href</a:t>
+            </a:r>
+            <a:r>
+              <a:rPr lang="es-AR" sz="2100" dirty="0">
+                <a:solidFill>
+                  <a:srgbClr val="FF0000"/>
+                </a:solidFill>
+              </a:rPr>
+              <a:t>="http://bank.example.com/</a:t>
+            </a:r>
+            <a:r>
+              <a:rPr lang="es-AR" sz="2100" dirty="0" err="1">
+                <a:solidFill>
+                  <a:srgbClr val="FF0000"/>
+                </a:solidFill>
+              </a:rPr>
+              <a:t>redirect?url</a:t>
+            </a:r>
+            <a:r>
+              <a:rPr lang="es-AR" sz="2100" dirty="0">
+                <a:solidFill>
+                  <a:srgbClr val="FF0000"/>
+                </a:solidFill>
+              </a:rPr>
+              <a:t>=http://attacker.example.net"&gt;Click </a:t>
+            </a:r>
+            <a:r>
+              <a:rPr lang="es-AR" sz="2100" dirty="0" err="1">
+                <a:solidFill>
+                  <a:srgbClr val="FF0000"/>
+                </a:solidFill>
+              </a:rPr>
+              <a:t>here</a:t>
+            </a:r>
+            <a:r>
+              <a:rPr lang="es-AR" sz="2100" dirty="0">
+                <a:solidFill>
+                  <a:srgbClr val="FF0000"/>
+                </a:solidFill>
+              </a:rPr>
+              <a:t> </a:t>
+            </a:r>
+            <a:r>
+              <a:rPr lang="es-AR" sz="2100" dirty="0" err="1">
+                <a:solidFill>
+                  <a:srgbClr val="FF0000"/>
+                </a:solidFill>
+              </a:rPr>
+              <a:t>to</a:t>
+            </a:r>
+            <a:r>
+              <a:rPr lang="es-AR" sz="2100" dirty="0">
+                <a:solidFill>
+                  <a:srgbClr val="FF0000"/>
+                </a:solidFill>
+              </a:rPr>
+              <a:t> log in&lt;/a&gt;</a:t>
+            </a:r>
+          </a:p>
+          <a:p>
+            <a:pPr marL="109728" indent="0">
+              <a:buNone/>
+            </a:pPr>
+            <a:endParaRPr lang="es-AR" dirty="0"/>
+          </a:p>
+          <a:p>
+            <a:endParaRPr lang="es-AR" dirty="0"/>
           </a:p>
         </p:txBody>
       </p:sp>
@@ -5080,14 +5440,19 @@
           <a:lstStyle/>
           <a:p>
             <a:r>
-              <a:rPr lang="es-ES" dirty="0" smtClean="0"/>
-              <a:t>Error 23-Prevención/Mitigación</a:t>
-            </a:r>
-            <a:endParaRPr lang="en-US" dirty="0"/>
+              <a:rPr lang="es-AR" dirty="0" smtClean="0"/>
+              <a:t>Error 22-Ejemplo 2</a:t>
+            </a:r>
+            <a:endParaRPr lang="es-AR" dirty="0"/>
           </a:p>
         </p:txBody>
       </p:sp>
     </p:spTree>
+    <p:extLst>
+      <p:ext uri="{BB962C8B-B14F-4D97-AF65-F5344CB8AC3E}">
+        <p14:creationId xmlns:p14="http://schemas.microsoft.com/office/powerpoint/2010/main" val="2548553238"/>
+      </p:ext>
+    </p:extLst>
   </p:cSld>
   <p:clrMapOvr>
     <a:masterClrMapping/>
@@ -5124,77 +5489,88 @@
         </p:nvSpPr>
         <p:spPr/>
         <p:txBody>
-          <a:bodyPr/>
+          <a:bodyPr>
+            <a:normAutofit fontScale="92500" lnSpcReduction="10000"/>
+          </a:bodyPr>
           <a:lstStyle/>
           <a:p>
+            <a:r>
+              <a:rPr lang="es-ES" dirty="0" smtClean="0"/>
+              <a:t>Aceptar sitios buenos conocidos (</a:t>
+            </a:r>
+            <a:r>
+              <a:rPr lang="es-ES" dirty="0" err="1" smtClean="0"/>
+              <a:t>whitelist</a:t>
+            </a:r>
+            <a:r>
+              <a:rPr lang="es-ES" dirty="0" smtClean="0"/>
+              <a:t>)</a:t>
+            </a:r>
+          </a:p>
+          <a:p>
             <a:endParaRPr lang="es-ES" dirty="0" smtClean="0"/>
           </a:p>
           <a:p>
             <a:r>
               <a:rPr lang="es-ES" dirty="0" smtClean="0"/>
-              <a:t>‘</a:t>
+              <a:t>Bloquear sitios malos conocidos (</a:t>
             </a:r>
             <a:r>
               <a:rPr lang="es-ES" dirty="0" err="1" smtClean="0"/>
-              <a:t>Integer</a:t>
-            </a:r>
-            <a:r>
-              <a:rPr lang="es-ES" dirty="0" smtClean="0"/>
-              <a:t> </a:t>
+              <a:t>blacklist</a:t>
+            </a:r>
+            <a:r>
+              <a:rPr lang="es-ES" dirty="0" smtClean="0"/>
+              <a:t>)</a:t>
+            </a:r>
+          </a:p>
+          <a:p>
+            <a:endParaRPr lang="es-ES" dirty="0" smtClean="0"/>
+          </a:p>
+          <a:p>
+            <a:r>
+              <a:rPr lang="es-ES" dirty="0" smtClean="0"/>
+              <a:t>Validación de input (longitud, tipo, parámetros, sintaxis)</a:t>
+            </a:r>
+          </a:p>
+          <a:p>
+            <a:pPr lvl="1"/>
+            <a:r>
+              <a:rPr lang="es-ES" dirty="0" smtClean="0"/>
+              <a:t>No permitir redirección de URL por parámetro.</a:t>
+            </a:r>
+          </a:p>
+          <a:p>
+            <a:endParaRPr lang="es-ES" dirty="0" smtClean="0"/>
+          </a:p>
+          <a:p>
+            <a:r>
+              <a:rPr lang="es-ES" dirty="0" smtClean="0"/>
+              <a:t>Mostrar un </a:t>
             </a:r>
             <a:r>
               <a:rPr lang="es-ES" dirty="0" err="1" smtClean="0"/>
-              <a:t>Overflow</a:t>
-            </a:r>
-            <a:r>
-              <a:rPr lang="es-ES" dirty="0" smtClean="0"/>
-              <a:t> </a:t>
+              <a:t>disclaimer</a:t>
+            </a:r>
+            <a:r>
+              <a:rPr lang="es-ES" dirty="0" smtClean="0"/>
+              <a:t> indicando que el usuario esta dejando el sitio. Implementar </a:t>
             </a:r>
             <a:r>
               <a:rPr lang="es-ES" dirty="0" err="1" smtClean="0"/>
-              <a:t>or</a:t>
-            </a:r>
-            <a:r>
-              <a:rPr lang="es-ES" dirty="0" smtClean="0"/>
-              <a:t> </a:t>
+              <a:t>timeout</a:t>
+            </a:r>
+            <a:r>
+              <a:rPr lang="es-ES" dirty="0" smtClean="0"/>
+              <a:t> o forzar al usuario a </a:t>
             </a:r>
             <a:r>
               <a:rPr lang="es-ES" dirty="0" err="1" smtClean="0"/>
-              <a:t>wraparaound</a:t>
-            </a:r>
-            <a:r>
-              <a:rPr lang="es-ES" dirty="0" smtClean="0"/>
-              <a:t>’</a:t>
-            </a:r>
-          </a:p>
-          <a:p>
-            <a:endParaRPr lang="es-ES" dirty="0" smtClean="0"/>
-          </a:p>
-          <a:p>
-            <a:endParaRPr lang="es-ES" dirty="0" smtClean="0"/>
-          </a:p>
-          <a:p>
-            <a:r>
-              <a:rPr lang="es-ES" dirty="0" smtClean="0"/>
-              <a:t>En el mundo real 255+1 = 256</a:t>
-            </a:r>
-          </a:p>
-          <a:p>
-            <a:endParaRPr lang="es-ES" dirty="0" smtClean="0"/>
-          </a:p>
-          <a:p>
-            <a:r>
-              <a:rPr lang="es-ES" dirty="0" smtClean="0"/>
-              <a:t>En el mundo virtual puede ser que 255+1 = 0</a:t>
-            </a:r>
-          </a:p>
-          <a:p>
-            <a:endParaRPr lang="es-ES" dirty="0" smtClean="0"/>
-          </a:p>
-          <a:p>
-            <a:r>
-              <a:rPr lang="es-ES" dirty="0" smtClean="0"/>
-              <a:t>0-1 = 65536, o 40000 + 40000 = 14464</a:t>
+              <a:t>clickear</a:t>
+            </a:r>
+            <a:r>
+              <a:rPr lang="es-ES" dirty="0" smtClean="0"/>
+              <a:t>.</a:t>
             </a:r>
             <a:endParaRPr lang="en-US" dirty="0"/>
           </a:p>
@@ -5212,12 +5588,14 @@
         </p:nvSpPr>
         <p:spPr/>
         <p:txBody>
-          <a:bodyPr/>
+          <a:bodyPr>
+            <a:normAutofit/>
+          </a:bodyPr>
           <a:lstStyle/>
           <a:p>
             <a:r>
               <a:rPr lang="es-ES" dirty="0" smtClean="0"/>
-              <a:t>Error 24-CEW-190</a:t>
+              <a:t>Error 22-Prevención/Mitigación</a:t>
             </a:r>
             <a:endParaRPr lang="en-US" dirty="0"/>
           </a:p>
@@ -5260,12 +5638,14 @@
         </p:nvSpPr>
         <p:spPr/>
         <p:txBody>
-          <a:bodyPr/>
+          <a:bodyPr>
+            <a:normAutofit fontScale="92500"/>
+          </a:bodyPr>
           <a:lstStyle/>
           <a:p>
             <a:r>
               <a:rPr lang="es-ES" dirty="0" smtClean="0"/>
-              <a:t>Herramientas de Análisis Estático</a:t>
+              <a:t>Mapear los sitios seguros conocidos en un set indexado (optimización).</a:t>
             </a:r>
           </a:p>
           <a:p>
@@ -5274,10 +5654,65 @@
           <a:p>
             <a:r>
               <a:rPr lang="es-ES" dirty="0" smtClean="0"/>
-              <a:t>Validación de tipos/tamaños.</a:t>
-            </a:r>
-          </a:p>
-          <a:p>
+              <a:t>Usar un </a:t>
+            </a:r>
+            <a:r>
+              <a:rPr lang="es-ES" dirty="0" err="1" smtClean="0"/>
+              <a:t>application</a:t>
+            </a:r>
+            <a:r>
+              <a:rPr lang="es-ES" dirty="0" smtClean="0"/>
+              <a:t> firewall en casos donde el problema se encuentra en un tercero y no podemos modificar código.</a:t>
+            </a:r>
+          </a:p>
+          <a:p>
+            <a:endParaRPr lang="es-ES" dirty="0" smtClean="0"/>
+          </a:p>
+          <a:p>
+            <a:r>
+              <a:rPr lang="es-ES" dirty="0" smtClean="0"/>
+              <a:t>Entender de donde pueden provenir inputs vulnerados</a:t>
+            </a:r>
+          </a:p>
+          <a:p>
+            <a:pPr lvl="1"/>
+            <a:r>
+              <a:rPr lang="es-ES" dirty="0" smtClean="0"/>
+              <a:t>parámetros, cookies, datos de la red, variables de entorno, reverse DNS, resultados de </a:t>
+            </a:r>
+            <a:r>
+              <a:rPr lang="es-ES" dirty="0" err="1" smtClean="0"/>
+              <a:t>queries</a:t>
+            </a:r>
+            <a:r>
+              <a:rPr lang="es-ES" dirty="0" smtClean="0"/>
+              <a:t>, </a:t>
+            </a:r>
+            <a:r>
+              <a:rPr lang="es-ES" dirty="0" err="1" smtClean="0"/>
+              <a:t>headers</a:t>
+            </a:r>
+            <a:r>
+              <a:rPr lang="es-ES" dirty="0" smtClean="0"/>
+              <a:t> del </a:t>
+            </a:r>
+            <a:r>
+              <a:rPr lang="es-ES" dirty="0" err="1" smtClean="0"/>
+              <a:t>request</a:t>
+            </a:r>
+            <a:r>
+              <a:rPr lang="es-ES" dirty="0" smtClean="0"/>
+              <a:t>, emails, archivos, nombres de archivos.</a:t>
+            </a:r>
+          </a:p>
+          <a:p>
+            <a:pPr lvl="1"/>
+            <a:endParaRPr lang="es-ES" dirty="0" smtClean="0"/>
+          </a:p>
+          <a:p>
+            <a:pPr lvl="1">
+              <a:buNone/>
+            </a:pPr>
             <a:endParaRPr lang="en-US" dirty="0"/>
           </a:p>
         </p:txBody>
@@ -5294,12 +5729,14 @@
         </p:nvSpPr>
         <p:spPr/>
         <p:txBody>
-          <a:bodyPr/>
+          <a:bodyPr>
+            <a:normAutofit/>
+          </a:bodyPr>
           <a:lstStyle/>
           <a:p>
             <a:r>
               <a:rPr lang="es-ES" dirty="0" smtClean="0"/>
-              <a:t>Error 24-Detección</a:t>
+              <a:t>Error 22-Prevención/Mitigación</a:t>
             </a:r>
             <a:endParaRPr lang="en-US" dirty="0"/>
           </a:p>
@@ -5342,291 +5779,109 @@
         </p:nvSpPr>
         <p:spPr/>
         <p:txBody>
-          <a:bodyPr>
-            <a:normAutofit/>
-          </a:bodyPr>
-          <a:lstStyle/>
-          <a:p>
-            <a:pPr>
-              <a:buNone/>
-            </a:pPr>
-            <a:r>
-              <a:rPr lang="es-AR" sz="1800" dirty="0" err="1"/>
-              <a:t>img_t</a:t>
-            </a:r>
-            <a:r>
-              <a:rPr lang="es-AR" sz="1800" dirty="0"/>
-              <a:t> </a:t>
-            </a:r>
-            <a:r>
-              <a:rPr lang="es-AR" sz="1800" dirty="0" err="1"/>
-              <a:t>table_ptr</a:t>
-            </a:r>
-            <a:r>
-              <a:rPr lang="es-AR" sz="1800" dirty="0"/>
-              <a:t>; /*</a:t>
-            </a:r>
-            <a:r>
-              <a:rPr lang="es-AR" sz="1800" dirty="0" err="1"/>
-              <a:t>struct</a:t>
-            </a:r>
-            <a:r>
-              <a:rPr lang="es-AR" sz="1800" dirty="0"/>
-              <a:t> </a:t>
-            </a:r>
-            <a:r>
-              <a:rPr lang="es-AR" sz="1800" dirty="0" err="1"/>
-              <a:t>containing</a:t>
-            </a:r>
-            <a:r>
-              <a:rPr lang="es-AR" sz="1800" dirty="0"/>
-              <a:t> </a:t>
-            </a:r>
-            <a:r>
-              <a:rPr lang="es-AR" sz="1800" dirty="0" err="1"/>
-              <a:t>img</a:t>
-            </a:r>
-            <a:r>
-              <a:rPr lang="es-AR" sz="1800" dirty="0"/>
-              <a:t> data, 10kB </a:t>
-            </a:r>
-            <a:r>
-              <a:rPr lang="es-AR" sz="1800" dirty="0" err="1"/>
-              <a:t>each</a:t>
-            </a:r>
-            <a:r>
-              <a:rPr lang="es-AR" sz="1800" dirty="0"/>
-              <a:t>*/</a:t>
-            </a:r>
-          </a:p>
-          <a:p>
-            <a:pPr>
-              <a:buNone/>
-            </a:pPr>
-            <a:r>
-              <a:rPr lang="es-AR" sz="1800" dirty="0" err="1"/>
-              <a:t>int</a:t>
-            </a:r>
-            <a:r>
-              <a:rPr lang="es-AR" sz="1800" dirty="0"/>
-              <a:t> </a:t>
-            </a:r>
-            <a:r>
-              <a:rPr lang="es-AR" sz="1800" dirty="0" err="1"/>
-              <a:t>num_imgs</a:t>
-            </a:r>
-            <a:r>
-              <a:rPr lang="es-AR" sz="1800" dirty="0"/>
-              <a:t>;</a:t>
-            </a:r>
-          </a:p>
-          <a:p>
-            <a:pPr>
-              <a:buNone/>
-            </a:pPr>
-            <a:r>
-              <a:rPr lang="es-AR" sz="1800" dirty="0" err="1"/>
-              <a:t>num_imgs</a:t>
-            </a:r>
-            <a:r>
-              <a:rPr lang="es-AR" sz="1800" dirty="0"/>
-              <a:t> = </a:t>
-            </a:r>
-            <a:r>
-              <a:rPr lang="es-AR" sz="1800" dirty="0" err="1"/>
-              <a:t>get_num_imgs</a:t>
-            </a:r>
-            <a:r>
-              <a:rPr lang="es-AR" sz="1800" dirty="0"/>
-              <a:t>();</a:t>
-            </a:r>
-          </a:p>
-          <a:p>
-            <a:pPr>
-              <a:buNone/>
-            </a:pPr>
-            <a:r>
-              <a:rPr lang="es-AR" sz="1800" dirty="0" err="1"/>
-              <a:t>table_ptr</a:t>
-            </a:r>
-            <a:r>
-              <a:rPr lang="es-AR" sz="1800" dirty="0"/>
-              <a:t> = (</a:t>
-            </a:r>
-            <a:r>
-              <a:rPr lang="es-AR" sz="1800" dirty="0" err="1"/>
-              <a:t>img_t</a:t>
-            </a:r>
-            <a:r>
-              <a:rPr lang="es-AR" sz="1800" dirty="0"/>
-              <a:t>*)</a:t>
-            </a:r>
-            <a:r>
-              <a:rPr lang="es-AR" sz="1800" dirty="0" err="1"/>
-              <a:t>malloc</a:t>
-            </a:r>
-            <a:r>
-              <a:rPr lang="es-AR" sz="1800" dirty="0"/>
-              <a:t>(</a:t>
-            </a:r>
-            <a:r>
-              <a:rPr lang="es-AR" sz="1800" dirty="0" err="1"/>
-              <a:t>sizeof</a:t>
-            </a:r>
-            <a:r>
-              <a:rPr lang="es-AR" sz="1800" dirty="0"/>
-              <a:t>(</a:t>
-            </a:r>
-            <a:r>
-              <a:rPr lang="es-AR" sz="1800" dirty="0" err="1"/>
-              <a:t>img_t</a:t>
-            </a:r>
-            <a:r>
-              <a:rPr lang="es-AR" sz="1800" dirty="0"/>
-              <a:t>)*</a:t>
-            </a:r>
-            <a:r>
-              <a:rPr lang="es-AR" sz="1800" dirty="0" err="1"/>
-              <a:t>num_imgs</a:t>
-            </a:r>
-            <a:r>
-              <a:rPr lang="es-AR" sz="1800" dirty="0" smtClean="0"/>
-              <a:t>);</a:t>
-            </a:r>
-            <a:endParaRPr lang="en-US" dirty="0"/>
-          </a:p>
-          <a:p>
-            <a:endParaRPr lang="en-US" dirty="0" smtClean="0"/>
-          </a:p>
-          <a:p>
-            <a:r>
-              <a:rPr lang="en-US" dirty="0" err="1" smtClean="0"/>
-              <a:t>Número</a:t>
-            </a:r>
-            <a:r>
-              <a:rPr lang="en-US" dirty="0" smtClean="0"/>
-              <a:t> </a:t>
-            </a:r>
-            <a:r>
-              <a:rPr lang="en-US" dirty="0" err="1" smtClean="0"/>
-              <a:t>muy</a:t>
-            </a:r>
-            <a:r>
-              <a:rPr lang="en-US" dirty="0" smtClean="0"/>
-              <a:t> </a:t>
-            </a:r>
-            <a:r>
-              <a:rPr lang="en-US" dirty="0" err="1" smtClean="0"/>
-              <a:t>grande</a:t>
-            </a:r>
-            <a:r>
-              <a:rPr lang="en-US" dirty="0" smtClean="0"/>
-              <a:t> de </a:t>
-            </a:r>
-            <a:r>
-              <a:rPr lang="en-US" dirty="0" err="1" smtClean="0"/>
-              <a:t>num_imgs</a:t>
-            </a:r>
-            <a:r>
-              <a:rPr lang="en-US" dirty="0" smtClean="0"/>
-              <a:t> </a:t>
-            </a:r>
-            <a:r>
-              <a:rPr lang="en-US" dirty="0" err="1" smtClean="0"/>
-              <a:t>puede</a:t>
-            </a:r>
-            <a:r>
-              <a:rPr lang="en-US" dirty="0" smtClean="0"/>
-              <a:t> </a:t>
-            </a:r>
-            <a:r>
-              <a:rPr lang="en-US" dirty="0" err="1" smtClean="0"/>
-              <a:t>producir</a:t>
-            </a:r>
-            <a:r>
-              <a:rPr lang="en-US" dirty="0" smtClean="0"/>
-              <a:t> un overflow.</a:t>
-            </a:r>
-          </a:p>
-          <a:p>
-            <a:r>
-              <a:rPr lang="en-US" dirty="0" err="1" smtClean="0"/>
-              <a:t>Generará</a:t>
-            </a:r>
-            <a:r>
-              <a:rPr lang="en-US" dirty="0" smtClean="0"/>
-              <a:t> </a:t>
-            </a:r>
-            <a:r>
-              <a:rPr lang="en-US" dirty="0" err="1" smtClean="0"/>
-              <a:t>una</a:t>
-            </a:r>
-            <a:r>
-              <a:rPr lang="en-US" dirty="0" smtClean="0"/>
-              <a:t> </a:t>
-            </a:r>
-            <a:r>
-              <a:rPr lang="en-US" dirty="0" err="1" smtClean="0"/>
-              <a:t>tabla</a:t>
-            </a:r>
-            <a:r>
-              <a:rPr lang="en-US" dirty="0" smtClean="0"/>
-              <a:t> </a:t>
-            </a:r>
-            <a:r>
-              <a:rPr lang="en-US" dirty="0" err="1" smtClean="0"/>
-              <a:t>muy</a:t>
-            </a:r>
-            <a:r>
-              <a:rPr lang="en-US" dirty="0" smtClean="0"/>
-              <a:t> </a:t>
-            </a:r>
-            <a:r>
-              <a:rPr lang="en-US" dirty="0" err="1" smtClean="0"/>
-              <a:t>pequeña</a:t>
-            </a:r>
-            <a:r>
-              <a:rPr lang="en-US" dirty="0" smtClean="0"/>
-              <a:t> en </a:t>
-            </a:r>
-            <a:r>
-              <a:rPr lang="en-US" dirty="0" err="1" smtClean="0"/>
-              <a:t>su</a:t>
-            </a:r>
-            <a:r>
-              <a:rPr lang="en-US" dirty="0" smtClean="0"/>
-              <a:t> </a:t>
-            </a:r>
-            <a:r>
-              <a:rPr lang="en-US" dirty="0" err="1" smtClean="0"/>
-              <a:t>lugar</a:t>
-            </a:r>
-            <a:r>
-              <a:rPr lang="en-US" dirty="0" smtClean="0"/>
-              <a:t>.</a:t>
-            </a:r>
-            <a:endParaRPr lang="en-US" dirty="0"/>
-          </a:p>
-        </p:txBody>
-      </p:sp>
-      <p:sp>
-        <p:nvSpPr>
-          <p:cNvPr id="3" name="2 Título"/>
-          <p:cNvSpPr>
-            <a:spLocks noGrp="1"/>
-          </p:cNvSpPr>
-          <p:nvPr>
-            <p:ph type="title"/>
-          </p:nvPr>
-        </p:nvSpPr>
-        <p:spPr/>
-        <p:txBody>
           <a:bodyPr/>
           <a:lstStyle/>
           <a:p>
             <a:r>
               <a:rPr lang="es-ES" dirty="0" smtClean="0"/>
-              <a:t>Error 24-Ejemplo 1</a:t>
+              <a:t>‘</a:t>
+            </a:r>
+            <a:r>
+              <a:rPr lang="es-ES" dirty="0" err="1" smtClean="0"/>
+              <a:t>Uncontrolled</a:t>
+            </a:r>
+            <a:r>
+              <a:rPr lang="es-ES" dirty="0" smtClean="0"/>
+              <a:t> </a:t>
+            </a:r>
+            <a:r>
+              <a:rPr lang="es-ES" dirty="0" err="1" smtClean="0"/>
+              <a:t>Format</a:t>
+            </a:r>
+            <a:r>
+              <a:rPr lang="es-ES" dirty="0" smtClean="0"/>
+              <a:t> </a:t>
+            </a:r>
+            <a:r>
+              <a:rPr lang="es-ES" dirty="0" err="1" smtClean="0"/>
+              <a:t>String</a:t>
+            </a:r>
+            <a:r>
+              <a:rPr lang="es-ES" dirty="0" smtClean="0"/>
+              <a:t>’ - %s</a:t>
+            </a:r>
+          </a:p>
+          <a:p>
+            <a:endParaRPr lang="es-ES" dirty="0" smtClean="0"/>
+          </a:p>
+          <a:p>
+            <a:r>
+              <a:rPr lang="es-ES" dirty="0" smtClean="0"/>
+              <a:t>Los </a:t>
+            </a:r>
+            <a:r>
+              <a:rPr lang="es-ES" dirty="0" err="1" smtClean="0"/>
+              <a:t>format</a:t>
+            </a:r>
+            <a:r>
+              <a:rPr lang="es-ES" dirty="0" smtClean="0"/>
+              <a:t> </a:t>
+            </a:r>
+            <a:r>
+              <a:rPr lang="es-ES" dirty="0" err="1" smtClean="0"/>
+              <a:t>strings</a:t>
+            </a:r>
+            <a:r>
+              <a:rPr lang="es-ES" dirty="0" smtClean="0"/>
+              <a:t> se utilizan para recibir datos bien formados.</a:t>
+            </a:r>
+          </a:p>
+          <a:p>
+            <a:endParaRPr lang="es-ES" dirty="0" smtClean="0"/>
+          </a:p>
+          <a:p>
+            <a:r>
+              <a:rPr lang="es-ES" dirty="0" smtClean="0"/>
+              <a:t>Un atacante que controle un </a:t>
+            </a:r>
+            <a:r>
+              <a:rPr lang="es-ES" dirty="0" err="1" smtClean="0"/>
+              <a:t>format</a:t>
+            </a:r>
+            <a:r>
+              <a:rPr lang="es-ES" dirty="0" smtClean="0"/>
+              <a:t> </a:t>
+            </a:r>
+            <a:r>
+              <a:rPr lang="es-ES" dirty="0" err="1" smtClean="0"/>
+              <a:t>string</a:t>
+            </a:r>
+            <a:r>
+              <a:rPr lang="es-ES" dirty="0" smtClean="0"/>
+              <a:t> puede controlar el input o output de nuestra aplicación, pudiendo resultar en ejecución de código.</a:t>
+            </a:r>
+            <a:endParaRPr lang="en-US" dirty="0"/>
+          </a:p>
+        </p:txBody>
+      </p:sp>
+      <p:sp>
+        <p:nvSpPr>
+          <p:cNvPr id="3" name="2 Título"/>
+          <p:cNvSpPr>
+            <a:spLocks noGrp="1"/>
+          </p:cNvSpPr>
+          <p:nvPr>
+            <p:ph type="title"/>
+          </p:nvPr>
+        </p:nvSpPr>
+        <p:spPr/>
+        <p:txBody>
+          <a:bodyPr/>
+          <a:lstStyle/>
+          <a:p>
+            <a:r>
+              <a:rPr lang="es-ES" dirty="0" smtClean="0"/>
+              <a:t>Error 23 - CWE-134</a:t>
             </a:r>
             <a:endParaRPr lang="en-US" dirty="0"/>
           </a:p>
@@ -5669,242 +5924,47 @@
         </p:nvSpPr>
         <p:spPr/>
         <p:txBody>
-          <a:bodyPr>
-            <a:normAutofit/>
-          </a:bodyPr>
-          <a:lstStyle/>
-          <a:p>
-            <a:pPr marL="109728" indent="0">
-              <a:buNone/>
-            </a:pPr>
-            <a:r>
-              <a:rPr lang="es-AR" sz="1900" dirty="0" err="1"/>
-              <a:t>nresp</a:t>
-            </a:r>
-            <a:r>
-              <a:rPr lang="es-AR" sz="1900" dirty="0"/>
-              <a:t> = </a:t>
-            </a:r>
-            <a:r>
-              <a:rPr lang="es-AR" sz="1900" dirty="0" err="1"/>
-              <a:t>packet_get_int</a:t>
-            </a:r>
-            <a:r>
-              <a:rPr lang="es-AR" sz="1900" dirty="0"/>
-              <a:t>();</a:t>
-            </a:r>
-          </a:p>
-          <a:p>
-            <a:pPr marL="109728" indent="0">
-              <a:buNone/>
-            </a:pPr>
-            <a:r>
-              <a:rPr lang="es-AR" sz="1900" dirty="0" err="1" smtClean="0"/>
-              <a:t>if</a:t>
-            </a:r>
-            <a:r>
-              <a:rPr lang="es-AR" sz="1900" dirty="0" smtClean="0"/>
-              <a:t> </a:t>
-            </a:r>
-            <a:r>
-              <a:rPr lang="es-AR" sz="1900" dirty="0"/>
-              <a:t>(</a:t>
-            </a:r>
-            <a:r>
-              <a:rPr lang="es-AR" sz="1900" dirty="0" err="1"/>
-              <a:t>nresp</a:t>
-            </a:r>
-            <a:r>
-              <a:rPr lang="es-AR" sz="1900" dirty="0"/>
-              <a:t> &gt; 0) {</a:t>
-            </a:r>
-          </a:p>
-          <a:p>
-            <a:pPr marL="109728" indent="0">
-              <a:buNone/>
-            </a:pPr>
-            <a:r>
-              <a:rPr lang="es-AR" sz="1900" dirty="0" smtClean="0"/>
-              <a:t>	response </a:t>
-            </a:r>
-            <a:r>
-              <a:rPr lang="es-AR" sz="1900" dirty="0"/>
-              <a:t>= </a:t>
-            </a:r>
-            <a:r>
-              <a:rPr lang="es-AR" sz="1900" dirty="0" err="1"/>
-              <a:t>xmalloc</a:t>
-            </a:r>
-            <a:r>
-              <a:rPr lang="es-AR" sz="1900" dirty="0"/>
-              <a:t>(</a:t>
-            </a:r>
-            <a:r>
-              <a:rPr lang="es-AR" sz="1900" dirty="0" err="1"/>
-              <a:t>nresp</a:t>
-            </a:r>
-            <a:r>
-              <a:rPr lang="es-AR" sz="1900" dirty="0"/>
-              <a:t>*</a:t>
-            </a:r>
-            <a:r>
-              <a:rPr lang="es-AR" sz="1900" dirty="0" err="1"/>
-              <a:t>sizeof</a:t>
-            </a:r>
-            <a:r>
-              <a:rPr lang="es-AR" sz="1900" dirty="0"/>
-              <a:t>(</a:t>
-            </a:r>
-            <a:r>
-              <a:rPr lang="es-AR" sz="1900" dirty="0" err="1"/>
-              <a:t>char</a:t>
-            </a:r>
-            <a:r>
-              <a:rPr lang="es-AR" sz="1900" dirty="0"/>
-              <a:t>*));</a:t>
-            </a:r>
-          </a:p>
-          <a:p>
-            <a:pPr marL="109728" indent="0">
-              <a:buNone/>
-            </a:pPr>
-            <a:r>
-              <a:rPr lang="es-AR" sz="1900" dirty="0" smtClean="0"/>
-              <a:t>	</a:t>
-            </a:r>
-            <a:r>
-              <a:rPr lang="es-AR" sz="1900" dirty="0" err="1" smtClean="0"/>
-              <a:t>for</a:t>
-            </a:r>
-            <a:r>
-              <a:rPr lang="es-AR" sz="1900" dirty="0" smtClean="0"/>
-              <a:t> </a:t>
-            </a:r>
-            <a:r>
-              <a:rPr lang="es-AR" sz="1900" dirty="0"/>
-              <a:t>(i = 0; i &gt; </a:t>
-            </a:r>
-            <a:r>
-              <a:rPr lang="es-AR" sz="1900" dirty="0" err="1"/>
-              <a:t>nresp</a:t>
-            </a:r>
-            <a:r>
-              <a:rPr lang="es-AR" sz="1900" dirty="0"/>
-              <a:t>; i++) </a:t>
-            </a:r>
-          </a:p>
-          <a:p>
-            <a:pPr marL="109728" indent="0">
-              <a:buNone/>
-            </a:pPr>
-            <a:r>
-              <a:rPr lang="es-AR" sz="1900" dirty="0" smtClean="0"/>
-              <a:t>	response[i</a:t>
-            </a:r>
-            <a:r>
-              <a:rPr lang="es-AR" sz="1900" dirty="0"/>
-              <a:t>] = </a:t>
-            </a:r>
-            <a:r>
-              <a:rPr lang="es-AR" sz="1900" dirty="0" err="1"/>
-              <a:t>packet_get_string</a:t>
-            </a:r>
-            <a:r>
-              <a:rPr lang="es-AR" sz="1900" dirty="0"/>
-              <a:t>(NULL);</a:t>
-            </a:r>
-          </a:p>
-          <a:p>
-            <a:pPr marL="109728" indent="0">
-              <a:buNone/>
-            </a:pPr>
-            <a:r>
-              <a:rPr lang="es-AR" sz="1900" dirty="0" smtClean="0"/>
-              <a:t>}</a:t>
-            </a:r>
-          </a:p>
-          <a:p>
-            <a:endParaRPr lang="en-US" dirty="0"/>
-          </a:p>
-          <a:p>
-            <a:r>
-              <a:rPr lang="en-US" dirty="0" err="1" smtClean="0"/>
-              <a:t>nresp</a:t>
-            </a:r>
-            <a:r>
-              <a:rPr lang="en-US" dirty="0" smtClean="0"/>
-              <a:t> = 1</a:t>
-            </a:r>
-            <a:r>
-              <a:rPr lang="es-AR" dirty="0" smtClean="0"/>
-              <a:t>073741824.</a:t>
-            </a:r>
-          </a:p>
-          <a:p>
-            <a:r>
-              <a:rPr lang="es-AR" dirty="0" err="1" smtClean="0"/>
-              <a:t>sizeof</a:t>
-            </a:r>
-            <a:r>
-              <a:rPr lang="es-AR" dirty="0" smtClean="0"/>
-              <a:t>(</a:t>
-            </a:r>
-            <a:r>
-              <a:rPr lang="es-AR" dirty="0" err="1" smtClean="0"/>
-              <a:t>char</a:t>
-            </a:r>
-            <a:r>
-              <a:rPr lang="es-AR" dirty="0" smtClean="0"/>
-              <a:t> *) = 4.</a:t>
-            </a:r>
-          </a:p>
-          <a:p>
-            <a:r>
-              <a:rPr lang="es-AR" dirty="0" err="1" smtClean="0"/>
-              <a:t>Nresp</a:t>
-            </a:r>
-            <a:r>
-              <a:rPr lang="es-AR" dirty="0" smtClean="0"/>
-              <a:t> * </a:t>
-            </a:r>
-            <a:r>
-              <a:rPr lang="es-AR" dirty="0" err="1" smtClean="0"/>
-              <a:t>sizeof</a:t>
-            </a:r>
-            <a:r>
-              <a:rPr lang="es-AR" dirty="0" smtClean="0"/>
-              <a:t>(</a:t>
-            </a:r>
-            <a:r>
-              <a:rPr lang="es-AR" dirty="0" err="1" smtClean="0"/>
-              <a:t>char</a:t>
-            </a:r>
-            <a:r>
-              <a:rPr lang="es-AR" dirty="0" smtClean="0"/>
-              <a:t> *) desbordará.</a:t>
-            </a:r>
-            <a:endParaRPr lang="en-US" dirty="0"/>
-          </a:p>
-        </p:txBody>
-      </p:sp>
-      <p:sp>
-        <p:nvSpPr>
-          <p:cNvPr id="3" name="2 Título"/>
-          <p:cNvSpPr>
-            <a:spLocks noGrp="1"/>
-          </p:cNvSpPr>
-          <p:nvPr>
-            <p:ph type="title"/>
-          </p:nvPr>
-        </p:nvSpPr>
-        <p:spPr/>
-        <p:txBody>
           <a:bodyPr/>
           <a:lstStyle/>
           <a:p>
-            <a:r>
-              <a:rPr lang="es-ES" dirty="0" smtClean="0"/>
-              <a:t>Error 24-Ejemplo 2</a:t>
+            <a:endParaRPr lang="es-ES" dirty="0" smtClean="0"/>
+          </a:p>
+          <a:p>
+            <a:r>
+              <a:rPr lang="es-ES" dirty="0" smtClean="0"/>
+              <a:t>Herramientas de Análisis Estático, sin ejecutar la aplicación</a:t>
+            </a:r>
+          </a:p>
+          <a:p>
+            <a:endParaRPr lang="es-ES" dirty="0" smtClean="0"/>
+          </a:p>
+          <a:p>
+            <a:r>
+              <a:rPr lang="es-ES" dirty="0" smtClean="0"/>
+              <a:t>Ver el código, búsqueda de invariantes</a:t>
+            </a:r>
+            <a:endParaRPr lang="en-US" dirty="0"/>
+          </a:p>
+        </p:txBody>
+      </p:sp>
+      <p:sp>
+        <p:nvSpPr>
+          <p:cNvPr id="3" name="2 Título"/>
+          <p:cNvSpPr>
+            <a:spLocks noGrp="1"/>
+          </p:cNvSpPr>
+          <p:nvPr>
+            <p:ph type="title"/>
+          </p:nvPr>
+        </p:nvSpPr>
+        <p:spPr/>
+        <p:txBody>
+          <a:bodyPr/>
+          <a:lstStyle/>
+          <a:p>
+            <a:r>
+              <a:rPr lang="es-ES" dirty="0" smtClean="0"/>
+              <a:t>Error 23-Detección</a:t>
             </a:r>
             <a:endParaRPr lang="en-US" dirty="0"/>
           </a:p>
@@ -5948,165 +6008,156 @@
         <p:spPr/>
         <p:txBody>
           <a:bodyPr>
-            <a:normAutofit fontScale="92500" lnSpcReduction="10000"/>
+            <a:normAutofit lnSpcReduction="10000"/>
           </a:bodyPr>
           <a:lstStyle/>
           <a:p>
-            <a:pPr marL="109728" indent="0">
+            <a:pPr>
               <a:buNone/>
             </a:pPr>
             <a:r>
-              <a:rPr lang="es-AR" dirty="0"/>
-              <a:t>short </a:t>
-            </a:r>
-            <a:r>
-              <a:rPr lang="es-AR" dirty="0" err="1"/>
-              <a:t>int</a:t>
-            </a:r>
-            <a:r>
-              <a:rPr lang="es-AR" dirty="0"/>
-              <a:t> </a:t>
-            </a:r>
-            <a:r>
-              <a:rPr lang="es-AR" dirty="0" err="1"/>
-              <a:t>bytesRec</a:t>
-            </a:r>
-            <a:r>
-              <a:rPr lang="es-AR" dirty="0"/>
-              <a:t> = 0;</a:t>
-            </a:r>
-          </a:p>
-          <a:p>
-            <a:pPr marL="109728" indent="0">
+              <a:rPr lang="es-ES" sz="1800" dirty="0" smtClean="0"/>
+              <a:t>Copiar un argumento a un buffer usando </a:t>
+            </a:r>
+            <a:r>
+              <a:rPr lang="es-ES" sz="1800" dirty="0" err="1" smtClean="0"/>
+              <a:t>snprintf</a:t>
+            </a:r>
+            <a:r>
+              <a:rPr lang="es-ES" sz="1800" dirty="0" smtClean="0"/>
+              <a:t>()</a:t>
+            </a:r>
+          </a:p>
+          <a:p>
+            <a:pPr>
               <a:buNone/>
             </a:pPr>
-            <a:r>
-              <a:rPr lang="es-AR" dirty="0" err="1"/>
-              <a:t>char</a:t>
-            </a:r>
-            <a:r>
-              <a:rPr lang="es-AR" dirty="0"/>
-              <a:t> </a:t>
-            </a:r>
-            <a:r>
-              <a:rPr lang="es-AR" dirty="0" err="1"/>
-              <a:t>buf</a:t>
-            </a:r>
-            <a:r>
-              <a:rPr lang="es-AR" dirty="0"/>
-              <a:t>[SOMEBIGNUM];</a:t>
-            </a:r>
-          </a:p>
-          <a:p>
-            <a:pPr marL="109728" indent="0">
+            <a:endParaRPr lang="en-US" sz="1800" dirty="0" smtClean="0"/>
+          </a:p>
+          <a:p>
+            <a:pPr>
               <a:buNone/>
             </a:pPr>
             <a:r>
-              <a:rPr lang="es-AR" dirty="0"/>
-              <a:t> </a:t>
-            </a:r>
-          </a:p>
-          <a:p>
-            <a:pPr marL="109728" indent="0">
+              <a:rPr lang="en-US" sz="1800" dirty="0" err="1" smtClean="0"/>
+              <a:t>int</a:t>
+            </a:r>
+            <a:r>
+              <a:rPr lang="en-US" sz="1800" dirty="0" smtClean="0"/>
+              <a:t> main(</a:t>
+            </a:r>
+            <a:r>
+              <a:rPr lang="en-US" sz="1800" dirty="0" err="1" smtClean="0"/>
+              <a:t>int</a:t>
+            </a:r>
+            <a:r>
+              <a:rPr lang="en-US" sz="1800" dirty="0" smtClean="0"/>
+              <a:t> </a:t>
+            </a:r>
+            <a:r>
+              <a:rPr lang="en-US" sz="1800" dirty="0" err="1" smtClean="0"/>
+              <a:t>argc</a:t>
+            </a:r>
+            <a:r>
+              <a:rPr lang="en-US" sz="1800" dirty="0" smtClean="0"/>
+              <a:t>, char **</a:t>
+            </a:r>
+            <a:r>
+              <a:rPr lang="en-US" sz="1800" dirty="0" err="1" smtClean="0"/>
+              <a:t>argv</a:t>
+            </a:r>
+            <a:r>
+              <a:rPr lang="en-US" sz="1800" dirty="0" smtClean="0"/>
+              <a:t>){</a:t>
+            </a:r>
+          </a:p>
+          <a:p>
+            <a:pPr>
               <a:buNone/>
             </a:pPr>
             <a:r>
-              <a:rPr lang="es-AR" dirty="0" err="1"/>
-              <a:t>while</a:t>
-            </a:r>
-            <a:r>
-              <a:rPr lang="es-AR" dirty="0"/>
-              <a:t>(</a:t>
-            </a:r>
-            <a:r>
-              <a:rPr lang="es-AR" dirty="0" err="1"/>
-              <a:t>bytesRec</a:t>
-            </a:r>
-            <a:r>
-              <a:rPr lang="es-AR" dirty="0"/>
-              <a:t> &lt; MAXGET) {</a:t>
-            </a:r>
-          </a:p>
-          <a:p>
-            <a:pPr marL="109728" indent="0">
+              <a:rPr lang="en-US" sz="1800" dirty="0" smtClean="0"/>
+              <a:t>	char </a:t>
+            </a:r>
+            <a:r>
+              <a:rPr lang="en-US" sz="1800" dirty="0" err="1" smtClean="0"/>
+              <a:t>buf</a:t>
+            </a:r>
+            <a:r>
+              <a:rPr lang="en-US" sz="1800" dirty="0" smtClean="0"/>
+              <a:t>[128];</a:t>
+            </a:r>
+          </a:p>
+          <a:p>
+            <a:pPr>
               <a:buNone/>
             </a:pPr>
             <a:r>
-              <a:rPr lang="es-AR" dirty="0" smtClean="0"/>
-              <a:t>	</a:t>
-            </a:r>
-            <a:r>
-              <a:rPr lang="es-AR" dirty="0" err="1" smtClean="0"/>
-              <a:t>bytesRec</a:t>
-            </a:r>
-            <a:r>
-              <a:rPr lang="es-AR" dirty="0" smtClean="0"/>
-              <a:t> </a:t>
-            </a:r>
-            <a:r>
-              <a:rPr lang="es-AR" dirty="0"/>
-              <a:t>+= </a:t>
-            </a:r>
-            <a:r>
-              <a:rPr lang="es-AR" dirty="0" err="1"/>
-              <a:t>getFromInput</a:t>
-            </a:r>
-            <a:r>
-              <a:rPr lang="es-AR" dirty="0"/>
-              <a:t>(</a:t>
-            </a:r>
-            <a:r>
-              <a:rPr lang="es-AR" dirty="0" err="1"/>
-              <a:t>buf+bytesRec</a:t>
-            </a:r>
-            <a:r>
-              <a:rPr lang="es-AR" dirty="0"/>
-              <a:t>);</a:t>
-            </a:r>
-          </a:p>
-          <a:p>
-            <a:pPr marL="109728" indent="0">
+              <a:rPr lang="en-US" sz="1800" dirty="0" smtClean="0"/>
+              <a:t>	...</a:t>
+            </a:r>
+          </a:p>
+          <a:p>
+            <a:pPr>
               <a:buNone/>
             </a:pPr>
             <a:r>
-              <a:rPr lang="es-AR" dirty="0"/>
+              <a:rPr lang="en-US" sz="1800" dirty="0" smtClean="0"/>
+              <a:t>	</a:t>
+            </a:r>
+            <a:r>
+              <a:rPr lang="en-US" sz="1800" dirty="0" err="1" smtClean="0"/>
+              <a:t>snprintf</a:t>
+            </a:r>
+            <a:r>
+              <a:rPr lang="en-US" sz="1800" dirty="0" smtClean="0"/>
+              <a:t>(buf,128,argv[1]);</a:t>
+            </a:r>
+          </a:p>
+          <a:p>
+            <a:pPr>
+              <a:buNone/>
+            </a:pPr>
+            <a:r>
+              <a:rPr lang="en-US" sz="1800" dirty="0" smtClean="0"/>
               <a:t>}</a:t>
             </a:r>
-          </a:p>
-          <a:p>
-            <a:r>
-              <a:rPr lang="es-AR" dirty="0" err="1" smtClean="0"/>
-              <a:t>bytesRec</a:t>
-            </a:r>
-            <a:r>
-              <a:rPr lang="es-AR" dirty="0" smtClean="0"/>
-              <a:t> puede desbordarse, creando un número inferior a MAXGET</a:t>
-            </a:r>
-          </a:p>
-          <a:p>
-            <a:r>
-              <a:rPr lang="es-AR" dirty="0" smtClean="0"/>
-              <a:t>Ciclo infinito</a:t>
-            </a:r>
-          </a:p>
-          <a:p>
-            <a:r>
-              <a:rPr lang="es-AR" dirty="0" smtClean="0"/>
-              <a:t>Puede </a:t>
-            </a:r>
-            <a:r>
-              <a:rPr lang="es-AR" dirty="0" err="1" smtClean="0"/>
-              <a:t>sobreescribir</a:t>
-            </a:r>
-            <a:r>
-              <a:rPr lang="es-AR" dirty="0" smtClean="0"/>
-              <a:t> los primeros MAXGET – 1 bytes de </a:t>
-            </a:r>
-            <a:r>
-              <a:rPr lang="es-AR" dirty="0" err="1" smtClean="0"/>
-              <a:t>buf</a:t>
-            </a:r>
-            <a:endParaRPr lang="es-AR" dirty="0"/>
+            <a:endParaRPr lang="es-ES" dirty="0" smtClean="0"/>
+          </a:p>
+          <a:p>
+            <a:r>
+              <a:rPr lang="es-ES" dirty="0" smtClean="0"/>
+              <a:t>Esto permite a un atacante leer el </a:t>
+            </a:r>
+            <a:r>
+              <a:rPr lang="es-ES" dirty="0" err="1" smtClean="0"/>
+              <a:t>stack</a:t>
+            </a:r>
+            <a:r>
+              <a:rPr lang="es-ES" dirty="0" smtClean="0"/>
+              <a:t> usando como argumento directivas como %x</a:t>
+            </a:r>
+          </a:p>
+          <a:p>
+            <a:r>
+              <a:rPr lang="es-ES" dirty="0" smtClean="0"/>
+              <a:t>También puede escribir utilizando %n </a:t>
+            </a:r>
+          </a:p>
+          <a:p>
+            <a:r>
+              <a:rPr lang="es-ES" dirty="0" smtClean="0"/>
+              <a:t>Eventualmente se puede modificar el valor de algún puntero en el </a:t>
+            </a:r>
+            <a:r>
+              <a:rPr lang="es-ES" dirty="0" err="1" smtClean="0"/>
+              <a:t>stack</a:t>
+            </a:r>
+            <a:r>
+              <a:rPr lang="es-ES" dirty="0" smtClean="0"/>
+              <a:t>.</a:t>
+            </a:r>
+            <a:endParaRPr lang="en-US" dirty="0"/>
           </a:p>
         </p:txBody>
       </p:sp>
@@ -6126,19 +6177,14 @@
           <a:lstStyle/>
           <a:p>
             <a:r>
-              <a:rPr lang="es-AR" dirty="0" smtClean="0"/>
-              <a:t>Error 24-Ejemplo 3</a:t>
-            </a:r>
-            <a:endParaRPr lang="es-AR" dirty="0"/>
+              <a:rPr lang="es-ES" dirty="0" smtClean="0"/>
+              <a:t>Error 23-Ejemplo</a:t>
+            </a:r>
+            <a:endParaRPr lang="en-US" dirty="0"/>
           </a:p>
         </p:txBody>
       </p:sp>
     </p:spTree>
-    <p:extLst>
-      <p:ext uri="{BB962C8B-B14F-4D97-AF65-F5344CB8AC3E}">
-        <p14:creationId xmlns:p14="http://schemas.microsoft.com/office/powerpoint/2010/main" val="3579122032"/>
-      </p:ext>
-    </p:extLst>
   </p:cSld>
   <p:clrMapOvr>
     <a:masterClrMapping/>
@@ -6175,80 +6221,79 @@
         </p:nvSpPr>
         <p:spPr/>
         <p:txBody>
+          <a:bodyPr>
+            <a:normAutofit/>
+          </a:bodyPr>
+          <a:lstStyle/>
+          <a:p>
+            <a:r>
+              <a:rPr lang="es-ES" dirty="0" smtClean="0"/>
+              <a:t>Elegir un lenguaje que no permita esta falla.</a:t>
+            </a:r>
+          </a:p>
+          <a:p>
+            <a:endParaRPr lang="es-ES" dirty="0" smtClean="0"/>
+          </a:p>
+          <a:p>
+            <a:r>
+              <a:rPr lang="es-ES" dirty="0" smtClean="0"/>
+              <a:t>Asegurarse que todos los </a:t>
+            </a:r>
+            <a:r>
+              <a:rPr lang="es-ES" dirty="0" err="1" smtClean="0"/>
+              <a:t>format</a:t>
+            </a:r>
+            <a:r>
+              <a:rPr lang="es-ES" dirty="0" smtClean="0"/>
+              <a:t> </a:t>
+            </a:r>
+            <a:r>
+              <a:rPr lang="es-ES" dirty="0" err="1" smtClean="0"/>
+              <a:t>string</a:t>
+            </a:r>
+            <a:r>
+              <a:rPr lang="es-ES" dirty="0" smtClean="0"/>
+              <a:t> utilizados sean </a:t>
+            </a:r>
+            <a:r>
+              <a:rPr lang="es-ES" dirty="0" err="1" smtClean="0"/>
+              <a:t>strings</a:t>
+            </a:r>
+            <a:r>
+              <a:rPr lang="es-ES" dirty="0" smtClean="0"/>
+              <a:t> estáticos, que no puedan ser controlados por los usuarios y que la cantidad de parámetros pasados sea correcta.</a:t>
+            </a:r>
+          </a:p>
+          <a:p>
+            <a:endParaRPr lang="es-ES" dirty="0" smtClean="0"/>
+          </a:p>
+          <a:p>
+            <a:r>
+              <a:rPr lang="es-ES" dirty="0" smtClean="0"/>
+              <a:t>Si es posible, evitar funciones que permitan usar %n</a:t>
+            </a:r>
+            <a:endParaRPr lang="en-US" dirty="0"/>
+          </a:p>
+        </p:txBody>
+      </p:sp>
+      <p:sp>
+        <p:nvSpPr>
+          <p:cNvPr id="3" name="2 Título"/>
+          <p:cNvSpPr>
+            <a:spLocks noGrp="1"/>
+          </p:cNvSpPr>
+          <p:nvPr>
+            <p:ph type="title"/>
+          </p:nvPr>
+        </p:nvSpPr>
+        <p:spPr/>
+        <p:txBody>
           <a:bodyPr/>
           <a:lstStyle/>
           <a:p>
             <a:r>
               <a:rPr lang="es-ES" dirty="0" smtClean="0"/>
-              <a:t>Utilizar un lenguaje que valide límites en sus tipos o provea herramientas para evitar esta vulnerabilidad.</a:t>
-            </a:r>
-          </a:p>
-          <a:p>
-            <a:endParaRPr lang="es-ES" dirty="0" smtClean="0"/>
-          </a:p>
-          <a:p>
-            <a:r>
-              <a:rPr lang="es-ES" dirty="0" smtClean="0"/>
-              <a:t>Usar librerías: </a:t>
-            </a:r>
-            <a:r>
-              <a:rPr lang="es-ES" dirty="0" err="1" smtClean="0"/>
-              <a:t>SafeInt</a:t>
-            </a:r>
-            <a:r>
-              <a:rPr lang="es-ES" dirty="0" smtClean="0"/>
-              <a:t>, </a:t>
-            </a:r>
-            <a:r>
-              <a:rPr lang="es-ES" dirty="0" err="1" smtClean="0"/>
-              <a:t>IntegerLib</a:t>
-            </a:r>
-            <a:endParaRPr lang="es-ES" dirty="0" smtClean="0"/>
-          </a:p>
-          <a:p>
-            <a:endParaRPr lang="es-ES" dirty="0" smtClean="0"/>
-          </a:p>
-          <a:p>
-            <a:r>
-              <a:rPr lang="es-ES" dirty="0" smtClean="0"/>
-              <a:t>Validación re rango en toda entrada numérica</a:t>
-            </a:r>
-          </a:p>
-          <a:p>
-            <a:pPr lvl="1"/>
-            <a:r>
-              <a:rPr lang="es-ES" dirty="0" smtClean="0"/>
-              <a:t>Usar </a:t>
-            </a:r>
-            <a:r>
-              <a:rPr lang="es-ES" dirty="0" err="1" smtClean="0"/>
-              <a:t>unsigned</a:t>
-            </a:r>
-            <a:r>
-              <a:rPr lang="es-ES" dirty="0" smtClean="0"/>
-              <a:t> siempre que se pueda.</a:t>
-            </a:r>
-          </a:p>
-        </p:txBody>
-      </p:sp>
-      <p:sp>
-        <p:nvSpPr>
-          <p:cNvPr id="3" name="2 Título"/>
-          <p:cNvSpPr>
-            <a:spLocks noGrp="1"/>
-          </p:cNvSpPr>
-          <p:nvPr>
-            <p:ph type="title"/>
-          </p:nvPr>
-        </p:nvSpPr>
-        <p:spPr/>
-        <p:txBody>
-          <a:bodyPr/>
-          <a:lstStyle/>
-          <a:p>
-            <a:r>
-              <a:rPr lang="es-ES" dirty="0" smtClean="0"/>
-              <a:t>Error 24-Prevención/Mitigación</a:t>
+              <a:t>Error 23-Prevención/Mitigación</a:t>
             </a:r>
             <a:endParaRPr lang="en-US" dirty="0"/>
           </a:p>
@@ -6291,169 +6336,100 @@
         </p:nvSpPr>
         <p:spPr/>
         <p:txBody>
-          <a:bodyPr>
-            <a:normAutofit/>
-          </a:bodyPr>
-          <a:lstStyle/>
-          <a:p>
-            <a:endParaRPr lang="es-ES" dirty="0" smtClean="0"/>
-          </a:p>
-          <a:p>
-            <a:r>
-              <a:rPr lang="es-ES" dirty="0" smtClean="0"/>
-              <a:t>‘</a:t>
-            </a:r>
-            <a:r>
-              <a:rPr lang="es-ES" dirty="0" err="1" smtClean="0"/>
-              <a:t>Improper</a:t>
-            </a:r>
-            <a:r>
-              <a:rPr lang="es-ES" dirty="0" smtClean="0"/>
-              <a:t> </a:t>
-            </a:r>
-            <a:r>
-              <a:rPr lang="es-ES" dirty="0" err="1" smtClean="0"/>
-              <a:t>restriction</a:t>
-            </a:r>
-            <a:r>
-              <a:rPr lang="es-ES" dirty="0" smtClean="0"/>
-              <a:t> of </a:t>
-            </a:r>
-            <a:r>
-              <a:rPr lang="es-ES" dirty="0" err="1" smtClean="0"/>
-              <a:t>Excessive</a:t>
-            </a:r>
-            <a:r>
-              <a:rPr lang="es-ES" dirty="0" smtClean="0"/>
-              <a:t> </a:t>
-            </a:r>
-            <a:r>
-              <a:rPr lang="es-ES" dirty="0" err="1" smtClean="0"/>
-              <a:t>Authentication</a:t>
-            </a:r>
-            <a:r>
-              <a:rPr lang="es-ES" dirty="0" smtClean="0"/>
-              <a:t> </a:t>
-            </a:r>
-            <a:r>
-              <a:rPr lang="es-ES" dirty="0" err="1" smtClean="0"/>
-              <a:t>Attempts</a:t>
-            </a:r>
-            <a:r>
-              <a:rPr lang="es-ES" dirty="0" smtClean="0"/>
-              <a:t>’.</a:t>
-            </a:r>
-          </a:p>
-          <a:p>
-            <a:pPr>
-              <a:buNone/>
-            </a:pPr>
-            <a:endParaRPr lang="es-ES" dirty="0" smtClean="0"/>
-          </a:p>
-          <a:p>
-            <a:r>
-              <a:rPr lang="es-ES" dirty="0" smtClean="0"/>
-              <a:t>“</a:t>
-            </a:r>
-            <a:r>
-              <a:rPr lang="es-ES" dirty="0" err="1" smtClean="0"/>
-              <a:t>If</a:t>
-            </a:r>
-            <a:r>
-              <a:rPr lang="es-ES" dirty="0" smtClean="0"/>
-              <a:t> at </a:t>
-            </a:r>
-            <a:r>
-              <a:rPr lang="es-ES" dirty="0" err="1" smtClean="0"/>
-              <a:t>first</a:t>
-            </a:r>
-            <a:r>
-              <a:rPr lang="es-ES" dirty="0" smtClean="0"/>
-              <a:t> </a:t>
-            </a:r>
-            <a:r>
-              <a:rPr lang="es-ES" dirty="0" err="1" smtClean="0"/>
-              <a:t>you</a:t>
-            </a:r>
-            <a:r>
-              <a:rPr lang="es-ES" dirty="0" smtClean="0"/>
-              <a:t> </a:t>
-            </a:r>
-            <a:r>
-              <a:rPr lang="es-ES" dirty="0" err="1" smtClean="0"/>
-              <a:t>don’t</a:t>
-            </a:r>
-            <a:r>
-              <a:rPr lang="es-ES" dirty="0" smtClean="0"/>
-              <a:t> </a:t>
-            </a:r>
-            <a:r>
-              <a:rPr lang="es-ES" dirty="0" err="1" smtClean="0"/>
-              <a:t>succeed</a:t>
-            </a:r>
-            <a:r>
-              <a:rPr lang="es-ES" dirty="0" smtClean="0"/>
-              <a:t>, try, try </a:t>
-            </a:r>
-            <a:r>
-              <a:rPr lang="es-ES" dirty="0" err="1" smtClean="0"/>
-              <a:t>again</a:t>
-            </a:r>
-            <a:r>
-              <a:rPr lang="es-ES" dirty="0" smtClean="0"/>
-              <a:t>.”</a:t>
-            </a:r>
-          </a:p>
-          <a:p>
-            <a:pPr>
-              <a:buNone/>
-            </a:pPr>
-            <a:endParaRPr lang="es-ES" dirty="0" smtClean="0"/>
-          </a:p>
-          <a:p>
-            <a:r>
-              <a:rPr lang="es-ES" dirty="0" smtClean="0"/>
-              <a:t>Reiterados intentos de </a:t>
-            </a:r>
-            <a:r>
-              <a:rPr lang="es-ES" dirty="0" err="1" smtClean="0"/>
-              <a:t>login</a:t>
-            </a:r>
-            <a:r>
-              <a:rPr lang="es-ES" dirty="0" smtClean="0"/>
-              <a:t> en poco tiempo.</a:t>
-            </a:r>
-          </a:p>
-          <a:p>
-            <a:endParaRPr lang="es-ES" dirty="0" smtClean="0"/>
-          </a:p>
-          <a:p>
-            <a:r>
-              <a:rPr lang="es-ES" dirty="0" smtClean="0"/>
-              <a:t>Vulnerable a ataques de fuerza bruta.</a:t>
-            </a:r>
-            <a:endParaRPr lang="en-US" dirty="0"/>
-          </a:p>
-        </p:txBody>
-      </p:sp>
-      <p:sp>
-        <p:nvSpPr>
-          <p:cNvPr id="3" name="2 Título"/>
-          <p:cNvSpPr>
-            <a:spLocks noGrp="1"/>
-          </p:cNvSpPr>
-          <p:nvPr>
-            <p:ph type="title"/>
-          </p:nvPr>
-        </p:nvSpPr>
-        <p:spPr/>
-        <p:txBody>
           <a:bodyPr/>
           <a:lstStyle/>
           <a:p>
-            <a:r>
-              <a:rPr lang="es-ES" dirty="0" smtClean="0"/>
-              <a:t>Error 21 – CWE307</a:t>
+            <a:endParaRPr lang="es-ES" dirty="0" smtClean="0"/>
+          </a:p>
+          <a:p>
+            <a:r>
+              <a:rPr lang="es-ES" dirty="0" smtClean="0"/>
+              <a:t>‘</a:t>
+            </a:r>
+            <a:r>
+              <a:rPr lang="es-ES" dirty="0" err="1" smtClean="0"/>
+              <a:t>Integer</a:t>
+            </a:r>
+            <a:r>
+              <a:rPr lang="es-ES" dirty="0" smtClean="0"/>
+              <a:t> </a:t>
+            </a:r>
+            <a:r>
+              <a:rPr lang="es-ES" dirty="0" err="1" smtClean="0"/>
+              <a:t>Overflow</a:t>
+            </a:r>
+            <a:r>
+              <a:rPr lang="es-ES" dirty="0" smtClean="0"/>
+              <a:t> </a:t>
+            </a:r>
+            <a:r>
+              <a:rPr lang="es-ES" dirty="0" err="1" smtClean="0"/>
+              <a:t>or</a:t>
+            </a:r>
+            <a:r>
+              <a:rPr lang="es-ES" dirty="0" smtClean="0"/>
+              <a:t> </a:t>
+            </a:r>
+            <a:r>
+              <a:rPr lang="es-ES" dirty="0" err="1" smtClean="0"/>
+              <a:t>wraparaound</a:t>
+            </a:r>
+            <a:r>
+              <a:rPr lang="es-ES" dirty="0" smtClean="0"/>
+              <a:t>’</a:t>
+            </a:r>
+          </a:p>
+          <a:p>
+            <a:endParaRPr lang="es-ES" dirty="0" smtClean="0"/>
+          </a:p>
+          <a:p>
+            <a:endParaRPr lang="es-ES" dirty="0" smtClean="0"/>
+          </a:p>
+          <a:p>
+            <a:r>
+              <a:rPr lang="es-ES" dirty="0" smtClean="0"/>
+              <a:t>En el mundo real 255+1 = 256</a:t>
+            </a:r>
+          </a:p>
+          <a:p>
+            <a:endParaRPr lang="es-ES" dirty="0" smtClean="0"/>
+          </a:p>
+          <a:p>
+            <a:r>
+              <a:rPr lang="es-ES" dirty="0" smtClean="0"/>
+              <a:t>En el mundo virtual puede ser que 255+1 = 0</a:t>
+            </a:r>
+          </a:p>
+          <a:p>
+            <a:endParaRPr lang="es-ES" dirty="0" smtClean="0"/>
+          </a:p>
+          <a:p>
+            <a:r>
+              <a:rPr lang="es-ES" dirty="0" smtClean="0"/>
+              <a:t>0-1 = 65536, o 40000 + 40000 = 14464</a:t>
+            </a:r>
+            <a:endParaRPr lang="en-US" dirty="0"/>
+          </a:p>
+        </p:txBody>
+      </p:sp>
+      <p:sp>
+        <p:nvSpPr>
+          <p:cNvPr id="3" name="2 Título"/>
+          <p:cNvSpPr>
+            <a:spLocks noGrp="1"/>
+          </p:cNvSpPr>
+          <p:nvPr>
+            <p:ph type="title"/>
+          </p:nvPr>
+        </p:nvSpPr>
+        <p:spPr/>
+        <p:txBody>
+          <a:bodyPr/>
+          <a:lstStyle/>
+          <a:p>
+            <a:r>
+              <a:rPr lang="es-ES" dirty="0" smtClean="0"/>
+              <a:t>Error 24-CEW-190</a:t>
             </a:r>
             <a:endParaRPr lang="en-US" dirty="0"/>
           </a:p>
@@ -6500,74 +6476,18 @@
           <a:lstStyle/>
           <a:p>
             <a:r>
-              <a:rPr lang="es-ES" sz="2000" dirty="0" smtClean="0"/>
-              <a:t>Java – No se limita la cantidad de accesos.</a:t>
-            </a:r>
-            <a:endParaRPr lang="en-US" sz="2000" dirty="0" smtClean="0"/>
-          </a:p>
-          <a:p>
-            <a:endParaRPr lang="en-US" sz="2000" dirty="0" smtClean="0"/>
-          </a:p>
-          <a:p>
-            <a:r>
-              <a:rPr lang="en-US" sz="2000" dirty="0" smtClean="0"/>
-              <a:t>String username = </a:t>
-            </a:r>
-            <a:r>
-              <a:rPr lang="en-US" sz="2000" dirty="0" err="1" smtClean="0"/>
-              <a:t>request.getParameter</a:t>
-            </a:r>
-            <a:r>
-              <a:rPr lang="en-US" sz="2000" dirty="0" smtClean="0"/>
-              <a:t>("username");</a:t>
-            </a:r>
-          </a:p>
-          <a:p>
-            <a:r>
-              <a:rPr lang="en-US" sz="2000" dirty="0" smtClean="0"/>
-              <a:t>String password = </a:t>
-            </a:r>
-            <a:r>
-              <a:rPr lang="en-US" sz="2000" dirty="0" err="1" smtClean="0"/>
-              <a:t>request.getParameter</a:t>
-            </a:r>
-            <a:r>
-              <a:rPr lang="en-US" sz="2000" dirty="0" smtClean="0"/>
-              <a:t>("password");</a:t>
-            </a:r>
-            <a:br>
-              <a:rPr lang="en-US" sz="2000" dirty="0" smtClean="0"/>
-            </a:br>
-            <a:endParaRPr lang="en-US" sz="2000" dirty="0" smtClean="0"/>
-          </a:p>
-          <a:p>
-            <a:r>
-              <a:rPr lang="en-US" sz="2000" dirty="0" err="1" smtClean="0"/>
-              <a:t>int</a:t>
-            </a:r>
-            <a:r>
-              <a:rPr lang="en-US" sz="2000" dirty="0" smtClean="0"/>
-              <a:t> </a:t>
-            </a:r>
-            <a:r>
-              <a:rPr lang="en-US" sz="2000" dirty="0" err="1" smtClean="0"/>
-              <a:t>authResult</a:t>
-            </a:r>
-            <a:r>
-              <a:rPr lang="en-US" sz="2000" dirty="0" smtClean="0"/>
-              <a:t> = </a:t>
-            </a:r>
-            <a:r>
-              <a:rPr lang="en-US" sz="2000" dirty="0" err="1" smtClean="0"/>
-              <a:t>authenticateUser</a:t>
-            </a:r>
-            <a:r>
-              <a:rPr lang="en-US" sz="2000" dirty="0" smtClean="0"/>
-              <a:t>(username, password);</a:t>
+              <a:rPr lang="es-ES" dirty="0" smtClean="0"/>
+              <a:t>Herramientas de Análisis Estático</a:t>
             </a:r>
           </a:p>
           <a:p>
             <a:endParaRPr lang="es-ES" dirty="0" smtClean="0"/>
+          </a:p>
+          <a:p>
+            <a:r>
+              <a:rPr lang="es-ES" dirty="0" smtClean="0"/>
+              <a:t>Validación de tipos/tamaños.</a:t>
+            </a:r>
           </a:p>
           <a:p>
             <a:endParaRPr lang="en-US" dirty="0"/>
@@ -6591,7 +6511,7 @@
           <a:p>
             <a:r>
               <a:rPr lang="es-ES" dirty="0" smtClean="0"/>
-              <a:t>Error 21 Ejemplo 1</a:t>
+              <a:t>Error 24-Detección</a:t>
             </a:r>
             <a:endParaRPr lang="en-US" dirty="0"/>
           </a:p>
@@ -6634,89 +6554,169 @@
         </p:nvSpPr>
         <p:spPr/>
         <p:txBody>
+          <a:bodyPr>
+            <a:normAutofit/>
+          </a:bodyPr>
+          <a:lstStyle/>
+          <a:p>
+            <a:endParaRPr lang="es-ES" dirty="0" smtClean="0"/>
+          </a:p>
+          <a:p>
+            <a:r>
+              <a:rPr lang="es-ES" dirty="0" smtClean="0"/>
+              <a:t>‘</a:t>
+            </a:r>
+            <a:r>
+              <a:rPr lang="es-ES" dirty="0" err="1" smtClean="0"/>
+              <a:t>Improper</a:t>
+            </a:r>
+            <a:r>
+              <a:rPr lang="es-ES" dirty="0" smtClean="0"/>
+              <a:t> </a:t>
+            </a:r>
+            <a:r>
+              <a:rPr lang="es-ES" dirty="0" err="1" smtClean="0"/>
+              <a:t>restriction</a:t>
+            </a:r>
+            <a:r>
+              <a:rPr lang="es-ES" dirty="0" smtClean="0"/>
+              <a:t> of </a:t>
+            </a:r>
+            <a:r>
+              <a:rPr lang="es-ES" dirty="0" err="1" smtClean="0"/>
+              <a:t>Excessive</a:t>
+            </a:r>
+            <a:r>
+              <a:rPr lang="es-ES" dirty="0" smtClean="0"/>
+              <a:t> </a:t>
+            </a:r>
+            <a:r>
+              <a:rPr lang="es-ES" dirty="0" err="1" smtClean="0"/>
+              <a:t>Authentication</a:t>
+            </a:r>
+            <a:r>
+              <a:rPr lang="es-ES" dirty="0" smtClean="0"/>
+              <a:t> </a:t>
+            </a:r>
+            <a:r>
+              <a:rPr lang="es-ES" dirty="0" err="1" smtClean="0"/>
+              <a:t>Attempts</a:t>
+            </a:r>
+            <a:r>
+              <a:rPr lang="es-ES" dirty="0" smtClean="0"/>
+              <a:t>’.</a:t>
+            </a:r>
+          </a:p>
+          <a:p>
+            <a:pPr>
+              <a:buNone/>
+            </a:pPr>
+            <a:endParaRPr lang="es-ES" dirty="0" smtClean="0"/>
+          </a:p>
+          <a:p>
+            <a:r>
+              <a:rPr lang="es-ES" dirty="0" smtClean="0"/>
+              <a:t>“</a:t>
+            </a:r>
+            <a:r>
+              <a:rPr lang="es-ES" dirty="0" err="1" smtClean="0"/>
+              <a:t>If</a:t>
+            </a:r>
+            <a:r>
+              <a:rPr lang="es-ES" dirty="0" smtClean="0"/>
+              <a:t> at </a:t>
+            </a:r>
+            <a:r>
+              <a:rPr lang="es-ES" dirty="0" err="1" smtClean="0"/>
+              <a:t>first</a:t>
+            </a:r>
+            <a:r>
+              <a:rPr lang="es-ES" dirty="0" smtClean="0"/>
+              <a:t> </a:t>
+            </a:r>
+            <a:r>
+              <a:rPr lang="es-ES" dirty="0" err="1" smtClean="0"/>
+              <a:t>you</a:t>
+            </a:r>
+            <a:r>
+              <a:rPr lang="es-ES" dirty="0" smtClean="0"/>
+              <a:t> </a:t>
+            </a:r>
+            <a:r>
+              <a:rPr lang="es-ES" dirty="0" err="1" smtClean="0"/>
+              <a:t>don’t</a:t>
+            </a:r>
+            <a:r>
+              <a:rPr lang="es-ES" dirty="0" smtClean="0"/>
+              <a:t> </a:t>
+            </a:r>
+            <a:r>
+              <a:rPr lang="es-ES" dirty="0" err="1" smtClean="0"/>
+              <a:t>succeed</a:t>
+            </a:r>
+            <a:r>
+              <a:rPr lang="es-ES" dirty="0" smtClean="0"/>
+              <a:t>, try, try </a:t>
+            </a:r>
+            <a:r>
+              <a:rPr lang="es-ES" dirty="0" err="1" smtClean="0"/>
+              <a:t>again</a:t>
+            </a:r>
+            <a:r>
+              <a:rPr lang="es-ES" dirty="0" smtClean="0"/>
+              <a:t>.”</a:t>
+            </a:r>
+          </a:p>
+          <a:p>
+            <a:pPr>
+              <a:buNone/>
+            </a:pPr>
+            <a:endParaRPr lang="es-ES" dirty="0" smtClean="0"/>
+          </a:p>
+          <a:p>
+            <a:r>
+              <a:rPr lang="es-ES" dirty="0" smtClean="0"/>
+              <a:t>Reiterados intentos de </a:t>
+            </a:r>
+            <a:r>
+              <a:rPr lang="es-ES" dirty="0" err="1" smtClean="0"/>
+              <a:t>login</a:t>
+            </a:r>
+            <a:r>
+              <a:rPr lang="es-ES" dirty="0" smtClean="0"/>
+              <a:t> en poco tiempo.</a:t>
+            </a:r>
+          </a:p>
+          <a:p>
+            <a:endParaRPr lang="es-ES" dirty="0" smtClean="0"/>
+          </a:p>
+          <a:p>
+            <a:r>
+              <a:rPr lang="es-ES" dirty="0" smtClean="0"/>
+              <a:t>Vulnerable a ataques de fuerza bruta.</a:t>
+            </a:r>
+            <a:endParaRPr lang="en-US" dirty="0"/>
+          </a:p>
+        </p:txBody>
+      </p:sp>
+      <p:sp>
+        <p:nvSpPr>
+          <p:cNvPr id="3" name="2 Título"/>
+          <p:cNvSpPr>
+            <a:spLocks noGrp="1"/>
+          </p:cNvSpPr>
+          <p:nvPr>
+            <p:ph type="title"/>
+          </p:nvPr>
+        </p:nvSpPr>
+        <p:spPr/>
+        <p:txBody>
           <a:bodyPr/>
           <a:lstStyle/>
           <a:p>
             <a:r>
               <a:rPr lang="es-ES" dirty="0" smtClean="0"/>
-              <a:t>URL </a:t>
-            </a:r>
-            <a:r>
-              <a:rPr lang="es-ES" dirty="0" err="1" smtClean="0"/>
-              <a:t>Redirection</a:t>
-            </a:r>
-            <a:r>
-              <a:rPr lang="es-ES" dirty="0" smtClean="0"/>
-              <a:t> </a:t>
-            </a:r>
-            <a:r>
-              <a:rPr lang="es-ES" dirty="0" err="1" smtClean="0"/>
-              <a:t>to</a:t>
-            </a:r>
-            <a:r>
-              <a:rPr lang="es-ES" dirty="0" smtClean="0"/>
-              <a:t> </a:t>
-            </a:r>
-            <a:r>
-              <a:rPr lang="es-ES" dirty="0" err="1" smtClean="0"/>
-              <a:t>Untrusted</a:t>
-            </a:r>
-            <a:r>
-              <a:rPr lang="es-ES" dirty="0" smtClean="0"/>
-              <a:t> </a:t>
-            </a:r>
-            <a:r>
-              <a:rPr lang="es-ES" dirty="0" err="1" smtClean="0"/>
-              <a:t>Site</a:t>
-            </a:r>
-            <a:r>
-              <a:rPr lang="es-ES" dirty="0" smtClean="0"/>
-              <a:t> (‘Open </a:t>
-            </a:r>
-            <a:r>
-              <a:rPr lang="es-ES" dirty="0" err="1" smtClean="0"/>
-              <a:t>Redirect</a:t>
-            </a:r>
-            <a:r>
-              <a:rPr lang="es-ES" dirty="0" smtClean="0"/>
-              <a:t>’)</a:t>
-            </a:r>
-          </a:p>
-          <a:p>
-            <a:endParaRPr lang="es-ES" dirty="0" smtClean="0"/>
-          </a:p>
-          <a:p>
-            <a:r>
-              <a:rPr lang="es-ES" dirty="0" smtClean="0"/>
-              <a:t>Modificar una URL para que direccione al usuario a un sitio malicioso que ataque al usuario mediante el web-browser.</a:t>
-            </a:r>
-          </a:p>
-          <a:p>
-            <a:endParaRPr lang="es-ES" dirty="0" smtClean="0"/>
-          </a:p>
-          <a:p>
-            <a:endParaRPr lang="en-US" dirty="0"/>
-          </a:p>
-        </p:txBody>
-      </p:sp>
-      <p:sp>
-        <p:nvSpPr>
-          <p:cNvPr id="3" name="2 Título"/>
-          <p:cNvSpPr>
-            <a:spLocks noGrp="1"/>
-          </p:cNvSpPr>
-          <p:nvPr>
-            <p:ph type="title"/>
-          </p:nvPr>
-        </p:nvSpPr>
-        <p:spPr/>
-        <p:txBody>
-          <a:bodyPr/>
-          <a:lstStyle/>
-          <a:p>
-            <a:r>
-              <a:rPr lang="es-ES" dirty="0" smtClean="0"/>
-              <a:t>Error 22-CWE-601</a:t>
+              <a:t>Error 21 – CWE307</a:t>
             </a:r>
             <a:endParaRPr lang="en-US" dirty="0"/>
           </a:p>
@@ -6759,96 +6759,291 @@
         </p:nvSpPr>
         <p:spPr/>
         <p:txBody>
+          <a:bodyPr>
+            <a:normAutofit/>
+          </a:bodyPr>
+          <a:lstStyle/>
+          <a:p>
+            <a:pPr>
+              <a:buNone/>
+            </a:pPr>
+            <a:r>
+              <a:rPr lang="es-AR" sz="1800" dirty="0" err="1"/>
+              <a:t>img_t</a:t>
+            </a:r>
+            <a:r>
+              <a:rPr lang="es-AR" sz="1800" dirty="0"/>
+              <a:t> </a:t>
+            </a:r>
+            <a:r>
+              <a:rPr lang="es-AR" sz="1800" dirty="0" err="1"/>
+              <a:t>table_ptr</a:t>
+            </a:r>
+            <a:r>
+              <a:rPr lang="es-AR" sz="1800" dirty="0"/>
+              <a:t>; /*</a:t>
+            </a:r>
+            <a:r>
+              <a:rPr lang="es-AR" sz="1800" dirty="0" err="1"/>
+              <a:t>struct</a:t>
+            </a:r>
+            <a:r>
+              <a:rPr lang="es-AR" sz="1800" dirty="0"/>
+              <a:t> </a:t>
+            </a:r>
+            <a:r>
+              <a:rPr lang="es-AR" sz="1800" dirty="0" err="1"/>
+              <a:t>containing</a:t>
+            </a:r>
+            <a:r>
+              <a:rPr lang="es-AR" sz="1800" dirty="0"/>
+              <a:t> </a:t>
+            </a:r>
+            <a:r>
+              <a:rPr lang="es-AR" sz="1800" dirty="0" err="1"/>
+              <a:t>img</a:t>
+            </a:r>
+            <a:r>
+              <a:rPr lang="es-AR" sz="1800" dirty="0"/>
+              <a:t> data, 10kB </a:t>
+            </a:r>
+            <a:r>
+              <a:rPr lang="es-AR" sz="1800" dirty="0" err="1"/>
+              <a:t>each</a:t>
+            </a:r>
+            <a:r>
+              <a:rPr lang="es-AR" sz="1800" dirty="0"/>
+              <a:t>*/</a:t>
+            </a:r>
+          </a:p>
+          <a:p>
+            <a:pPr>
+              <a:buNone/>
+            </a:pPr>
+            <a:r>
+              <a:rPr lang="es-AR" sz="1800" dirty="0" err="1"/>
+              <a:t>int</a:t>
+            </a:r>
+            <a:r>
+              <a:rPr lang="es-AR" sz="1800" dirty="0"/>
+              <a:t> </a:t>
+            </a:r>
+            <a:r>
+              <a:rPr lang="es-AR" sz="1800" dirty="0" err="1"/>
+              <a:t>num_imgs</a:t>
+            </a:r>
+            <a:r>
+              <a:rPr lang="es-AR" sz="1800" dirty="0"/>
+              <a:t>;</a:t>
+            </a:r>
+          </a:p>
+          <a:p>
+            <a:pPr>
+              <a:buNone/>
+            </a:pPr>
+            <a:r>
+              <a:rPr lang="es-AR" sz="1800" dirty="0" err="1"/>
+              <a:t>num_imgs</a:t>
+            </a:r>
+            <a:r>
+              <a:rPr lang="es-AR" sz="1800" dirty="0"/>
+              <a:t> = </a:t>
+            </a:r>
+            <a:r>
+              <a:rPr lang="es-AR" sz="1800" dirty="0" err="1"/>
+              <a:t>get_num_imgs</a:t>
+            </a:r>
+            <a:r>
+              <a:rPr lang="es-AR" sz="1800" dirty="0"/>
+              <a:t>();</a:t>
+            </a:r>
+          </a:p>
+          <a:p>
+            <a:pPr>
+              <a:buNone/>
+            </a:pPr>
+            <a:r>
+              <a:rPr lang="es-AR" sz="1800" dirty="0" err="1"/>
+              <a:t>table_ptr</a:t>
+            </a:r>
+            <a:r>
+              <a:rPr lang="es-AR" sz="1800" dirty="0"/>
+              <a:t> = (</a:t>
+            </a:r>
+            <a:r>
+              <a:rPr lang="es-AR" sz="1800" dirty="0" err="1"/>
+              <a:t>img_t</a:t>
+            </a:r>
+            <a:r>
+              <a:rPr lang="es-AR" sz="1800" dirty="0"/>
+              <a:t>*)</a:t>
+            </a:r>
+            <a:r>
+              <a:rPr lang="es-AR" sz="1800" dirty="0" err="1"/>
+              <a:t>malloc</a:t>
+            </a:r>
+            <a:r>
+              <a:rPr lang="es-AR" sz="1800" dirty="0"/>
+              <a:t>(</a:t>
+            </a:r>
+            <a:r>
+              <a:rPr lang="es-AR" sz="1800" dirty="0" err="1"/>
+              <a:t>sizeof</a:t>
+            </a:r>
+            <a:r>
+              <a:rPr lang="es-AR" sz="1800" dirty="0"/>
+              <a:t>(</a:t>
+            </a:r>
+            <a:r>
+              <a:rPr lang="es-AR" sz="1800" dirty="0" err="1"/>
+              <a:t>img_t</a:t>
+            </a:r>
+            <a:r>
+              <a:rPr lang="es-AR" sz="1800" dirty="0"/>
+              <a:t>)*</a:t>
+            </a:r>
+            <a:r>
+              <a:rPr lang="es-AR" sz="1800" dirty="0" err="1"/>
+              <a:t>num_imgs</a:t>
+            </a:r>
+            <a:r>
+              <a:rPr lang="es-AR" sz="1800" dirty="0" smtClean="0"/>
+              <a:t>);</a:t>
+            </a:r>
+            <a:endParaRPr lang="en-US" dirty="0"/>
+          </a:p>
+          <a:p>
+            <a:endParaRPr lang="en-US" dirty="0" smtClean="0"/>
+          </a:p>
+          <a:p>
+            <a:r>
+              <a:rPr lang="en-US" dirty="0" err="1" smtClean="0"/>
+              <a:t>Número</a:t>
+            </a:r>
+            <a:r>
+              <a:rPr lang="en-US" dirty="0" smtClean="0"/>
+              <a:t> </a:t>
+            </a:r>
+            <a:r>
+              <a:rPr lang="en-US" dirty="0" err="1" smtClean="0"/>
+              <a:t>muy</a:t>
+            </a:r>
+            <a:r>
+              <a:rPr lang="en-US" dirty="0" smtClean="0"/>
+              <a:t> </a:t>
+            </a:r>
+            <a:r>
+              <a:rPr lang="en-US" dirty="0" err="1" smtClean="0"/>
+              <a:t>grande</a:t>
+            </a:r>
+            <a:r>
+              <a:rPr lang="en-US" dirty="0" smtClean="0"/>
+              <a:t> de </a:t>
+            </a:r>
+            <a:r>
+              <a:rPr lang="en-US" dirty="0" err="1" smtClean="0"/>
+              <a:t>num_imgs</a:t>
+            </a:r>
+            <a:r>
+              <a:rPr lang="en-US" dirty="0" smtClean="0"/>
+              <a:t> </a:t>
+            </a:r>
+            <a:r>
+              <a:rPr lang="en-US" dirty="0" err="1" smtClean="0"/>
+              <a:t>puede</a:t>
+            </a:r>
+            <a:r>
+              <a:rPr lang="en-US" dirty="0" smtClean="0"/>
+              <a:t> </a:t>
+            </a:r>
+            <a:r>
+              <a:rPr lang="en-US" dirty="0" err="1" smtClean="0"/>
+              <a:t>producir</a:t>
+            </a:r>
+            <a:r>
+              <a:rPr lang="en-US" dirty="0" smtClean="0"/>
+              <a:t> un overflow.</a:t>
+            </a:r>
+          </a:p>
+          <a:p>
+            <a:r>
+              <a:rPr lang="en-US" dirty="0" err="1" smtClean="0"/>
+              <a:t>Generará</a:t>
+            </a:r>
+            <a:r>
+              <a:rPr lang="en-US" dirty="0" smtClean="0"/>
+              <a:t> </a:t>
+            </a:r>
+            <a:r>
+              <a:rPr lang="en-US" dirty="0" err="1" smtClean="0"/>
+              <a:t>una</a:t>
+            </a:r>
+            <a:r>
+              <a:rPr lang="en-US" dirty="0" smtClean="0"/>
+              <a:t> </a:t>
+            </a:r>
+            <a:r>
+              <a:rPr lang="en-US" dirty="0" err="1" smtClean="0"/>
+              <a:t>tabla</a:t>
+            </a:r>
+            <a:r>
+              <a:rPr lang="en-US" dirty="0" smtClean="0"/>
+              <a:t> </a:t>
+            </a:r>
+            <a:r>
+              <a:rPr lang="en-US" dirty="0" err="1" smtClean="0"/>
+              <a:t>muy</a:t>
+            </a:r>
+            <a:r>
+              <a:rPr lang="en-US" dirty="0" smtClean="0"/>
+              <a:t> </a:t>
+            </a:r>
+            <a:r>
+              <a:rPr lang="en-US" dirty="0" err="1" smtClean="0"/>
+              <a:t>pequeña</a:t>
+            </a:r>
+            <a:r>
+              <a:rPr lang="en-US" dirty="0" smtClean="0"/>
+              <a:t> en </a:t>
+            </a:r>
+            <a:r>
+              <a:rPr lang="en-US" dirty="0" err="1" smtClean="0"/>
+              <a:t>su</a:t>
+            </a:r>
+            <a:r>
+              <a:rPr lang="en-US" dirty="0" smtClean="0"/>
+              <a:t> </a:t>
+            </a:r>
+            <a:r>
+              <a:rPr lang="en-US" dirty="0" err="1" smtClean="0"/>
+              <a:t>lugar</a:t>
+            </a:r>
+            <a:r>
+              <a:rPr lang="en-US" dirty="0" smtClean="0"/>
+              <a:t>.</a:t>
+            </a:r>
+            <a:endParaRPr lang="en-US" dirty="0"/>
+          </a:p>
+        </p:txBody>
+      </p:sp>
+      <p:sp>
+        <p:nvSpPr>
+          <p:cNvPr id="3" name="2 Título"/>
+          <p:cNvSpPr>
+            <a:spLocks noGrp="1"/>
+          </p:cNvSpPr>
+          <p:nvPr>
+            <p:ph type="title"/>
+          </p:nvPr>
+        </p:nvSpPr>
+        <p:spPr/>
+        <p:txBody>
           <a:bodyPr/>
           <a:lstStyle/>
           <a:p>
             <a:r>
-              <a:rPr lang="es-ES" sz="2800" dirty="0" smtClean="0"/>
-              <a:t>Se hace </a:t>
-            </a:r>
-            <a:r>
-              <a:rPr lang="es-ES" sz="2800" dirty="0" err="1" smtClean="0"/>
-              <a:t>sleep</a:t>
-            </a:r>
-            <a:r>
-              <a:rPr lang="es-ES" sz="2800" dirty="0" smtClean="0"/>
-              <a:t> en cada intento.</a:t>
-            </a:r>
-            <a:endParaRPr lang="en-US" sz="2800" dirty="0" smtClean="0"/>
-          </a:p>
-          <a:p>
-            <a:endParaRPr lang="en-US" sz="2000" dirty="0" smtClean="0"/>
-          </a:p>
-          <a:p>
-            <a:r>
-              <a:rPr lang="en-US" sz="2000" dirty="0" smtClean="0"/>
-              <a:t>$username = $_POST['username'];</a:t>
-            </a:r>
-          </a:p>
-          <a:p>
-            <a:r>
-              <a:rPr lang="en-US" sz="2000" dirty="0" smtClean="0"/>
-              <a:t>$password = $_POST['password'];</a:t>
-            </a:r>
-          </a:p>
-          <a:p>
-            <a:r>
-              <a:rPr lang="en-US" sz="2000" dirty="0" smtClean="0"/>
-              <a:t>sleep(2000);</a:t>
-            </a:r>
-          </a:p>
-          <a:p>
-            <a:r>
-              <a:rPr lang="en-US" sz="2000" dirty="0" smtClean="0"/>
-              <a:t>$</a:t>
-            </a:r>
-            <a:r>
-              <a:rPr lang="en-US" sz="2000" dirty="0" err="1" smtClean="0"/>
-              <a:t>isAuthenticated</a:t>
-            </a:r>
-            <a:r>
-              <a:rPr lang="en-US" sz="2000" dirty="0" smtClean="0"/>
-              <a:t> = </a:t>
-            </a:r>
-            <a:r>
-              <a:rPr lang="en-US" sz="2000" dirty="0" err="1" smtClean="0"/>
-              <a:t>authenticateUser</a:t>
-            </a:r>
-            <a:r>
-              <a:rPr lang="en-US" sz="2000" dirty="0" smtClean="0"/>
-              <a:t>($username, $password);</a:t>
-            </a:r>
-          </a:p>
-          <a:p>
-            <a:endParaRPr lang="es-ES" dirty="0" smtClean="0"/>
-          </a:p>
-          <a:p>
-            <a:r>
-              <a:rPr lang="es-ES" dirty="0" smtClean="0"/>
-              <a:t>No hay limite de conexiones en simultáneo.</a:t>
-            </a:r>
-            <a:endParaRPr lang="en-US" dirty="0"/>
-          </a:p>
-        </p:txBody>
-      </p:sp>
-      <p:sp>
-        <p:nvSpPr>
-          <p:cNvPr id="3" name="2 Título"/>
-          <p:cNvSpPr>
-            <a:spLocks noGrp="1"/>
-          </p:cNvSpPr>
-          <p:nvPr>
-            <p:ph type="title"/>
-          </p:nvPr>
-        </p:nvSpPr>
-        <p:spPr/>
-        <p:txBody>
-          <a:bodyPr/>
-          <a:lstStyle/>
-          <a:p>
-            <a:r>
-              <a:rPr lang="es-ES" dirty="0" smtClean="0"/>
-              <a:t>Error 21 – Ejemplo 2</a:t>
+              <a:rPr lang="es-ES" dirty="0" smtClean="0"/>
+              <a:t>Error 24-Ejemplo 1</a:t>
             </a:r>
             <a:endParaRPr lang="en-US" dirty="0"/>
           </a:p>
@@ -6892,242 +7087,219 @@
         <p:spPr/>
         <p:txBody>
           <a:bodyPr>
-            <a:normAutofit fontScale="55000" lnSpcReduction="20000"/>
+            <a:normAutofit/>
           </a:bodyPr>
           <a:lstStyle/>
           <a:p>
-            <a:pPr>
+            <a:pPr marL="109728" indent="0">
               <a:buNone/>
             </a:pPr>
             <a:r>
-              <a:rPr lang="en-US" dirty="0" err="1" smtClean="0"/>
-              <a:t>int</a:t>
-            </a:r>
-            <a:r>
-              <a:rPr lang="en-US" dirty="0" smtClean="0"/>
-              <a:t> </a:t>
-            </a:r>
-            <a:r>
-              <a:rPr lang="en-US" dirty="0" err="1" smtClean="0"/>
-              <a:t>validateUser</a:t>
-            </a:r>
-            <a:r>
-              <a:rPr lang="en-US" dirty="0" smtClean="0"/>
-              <a:t>(char *host, </a:t>
-            </a:r>
-            <a:r>
-              <a:rPr lang="en-US" dirty="0" err="1" smtClean="0"/>
-              <a:t>int</a:t>
-            </a:r>
-            <a:r>
-              <a:rPr lang="en-US" dirty="0" smtClean="0"/>
-              <a:t> port) {</a:t>
-            </a:r>
-          </a:p>
-          <a:p>
-            <a:pPr>
+              <a:rPr lang="es-AR" sz="1900" dirty="0" err="1"/>
+              <a:t>nresp</a:t>
+            </a:r>
+            <a:r>
+              <a:rPr lang="es-AR" sz="1900" dirty="0"/>
+              <a:t> = </a:t>
+            </a:r>
+            <a:r>
+              <a:rPr lang="es-AR" sz="1900" dirty="0" err="1"/>
+              <a:t>packet_get_int</a:t>
+            </a:r>
+            <a:r>
+              <a:rPr lang="es-AR" sz="1900" dirty="0"/>
+              <a:t>();</a:t>
+            </a:r>
+          </a:p>
+          <a:p>
+            <a:pPr marL="109728" indent="0">
               <a:buNone/>
             </a:pPr>
             <a:r>
-              <a:rPr lang="en-US" dirty="0" smtClean="0"/>
-              <a:t>...</a:t>
-            </a:r>
-          </a:p>
-          <a:p>
-            <a:pPr>
+              <a:rPr lang="es-AR" sz="1900" dirty="0" err="1" smtClean="0"/>
+              <a:t>if</a:t>
+            </a:r>
+            <a:r>
+              <a:rPr lang="es-AR" sz="1900" dirty="0" smtClean="0"/>
+              <a:t> </a:t>
+            </a:r>
+            <a:r>
+              <a:rPr lang="es-AR" sz="1900" dirty="0"/>
+              <a:t>(</a:t>
+            </a:r>
+            <a:r>
+              <a:rPr lang="es-AR" sz="1900" dirty="0" err="1"/>
+              <a:t>nresp</a:t>
+            </a:r>
+            <a:r>
+              <a:rPr lang="es-AR" sz="1900" dirty="0"/>
+              <a:t> &gt; 0) {</a:t>
+            </a:r>
+          </a:p>
+          <a:p>
+            <a:pPr marL="109728" indent="0">
               <a:buNone/>
             </a:pPr>
-            <a:endParaRPr lang="en-US" dirty="0" smtClean="0"/>
-          </a:p>
-          <a:p>
-            <a:pPr>
+            <a:r>
+              <a:rPr lang="es-AR" sz="1900" dirty="0" smtClean="0"/>
+              <a:t>	response </a:t>
+            </a:r>
+            <a:r>
+              <a:rPr lang="es-AR" sz="1900" dirty="0"/>
+              <a:t>= </a:t>
+            </a:r>
+            <a:r>
+              <a:rPr lang="es-AR" sz="1900" dirty="0" err="1"/>
+              <a:t>xmalloc</a:t>
+            </a:r>
+            <a:r>
+              <a:rPr lang="es-AR" sz="1900" dirty="0"/>
+              <a:t>(</a:t>
+            </a:r>
+            <a:r>
+              <a:rPr lang="es-AR" sz="1900" dirty="0" err="1"/>
+              <a:t>nresp</a:t>
+            </a:r>
+            <a:r>
+              <a:rPr lang="es-AR" sz="1900" dirty="0"/>
+              <a:t>*</a:t>
+            </a:r>
+            <a:r>
+              <a:rPr lang="es-AR" sz="1900" dirty="0" err="1"/>
+              <a:t>sizeof</a:t>
+            </a:r>
+            <a:r>
+              <a:rPr lang="es-AR" sz="1900" dirty="0"/>
+              <a:t>(</a:t>
+            </a:r>
+            <a:r>
+              <a:rPr lang="es-AR" sz="1900" dirty="0" err="1"/>
+              <a:t>char</a:t>
+            </a:r>
+            <a:r>
+              <a:rPr lang="es-AR" sz="1900" dirty="0"/>
+              <a:t>*));</a:t>
+            </a:r>
+          </a:p>
+          <a:p>
+            <a:pPr marL="109728" indent="0">
               <a:buNone/>
             </a:pPr>
             <a:r>
-              <a:rPr lang="en-US" dirty="0" smtClean="0"/>
+              <a:rPr lang="es-AR" sz="1900" dirty="0" smtClean="0"/>
               <a:t>	</a:t>
             </a:r>
             <a:r>
-              <a:rPr lang="en-US" dirty="0" err="1" smtClean="0"/>
-              <a:t>int</a:t>
-            </a:r>
-            <a:r>
-              <a:rPr lang="en-US" dirty="0" smtClean="0"/>
-              <a:t> count = 0;</a:t>
-            </a:r>
-          </a:p>
-          <a:p>
-            <a:pPr>
+              <a:rPr lang="es-AR" sz="1900" dirty="0" err="1" smtClean="0"/>
+              <a:t>for</a:t>
+            </a:r>
+            <a:r>
+              <a:rPr lang="es-AR" sz="1900" dirty="0" smtClean="0"/>
+              <a:t> </a:t>
+            </a:r>
+            <a:r>
+              <a:rPr lang="es-AR" sz="1900" dirty="0"/>
+              <a:t>(i = 0; i &gt; </a:t>
+            </a:r>
+            <a:r>
+              <a:rPr lang="es-AR" sz="1900" dirty="0" err="1"/>
+              <a:t>nresp</a:t>
+            </a:r>
+            <a:r>
+              <a:rPr lang="es-AR" sz="1900" dirty="0"/>
+              <a:t>; i++) </a:t>
+            </a:r>
+          </a:p>
+          <a:p>
+            <a:pPr marL="109728" indent="0">
               <a:buNone/>
             </a:pPr>
             <a:r>
-              <a:rPr lang="en-US" dirty="0" smtClean="0"/>
-              <a:t>	while ((</a:t>
-            </a:r>
-            <a:r>
-              <a:rPr lang="en-US" dirty="0" err="1" smtClean="0"/>
-              <a:t>isValidUser</a:t>
-            </a:r>
-            <a:r>
-              <a:rPr lang="en-US" dirty="0" smtClean="0"/>
-              <a:t> == 0) &amp;&amp; (count &lt; MAX_ATTEMPTS)) {</a:t>
-            </a:r>
-          </a:p>
-          <a:p>
-            <a:pPr>
+              <a:rPr lang="es-AR" sz="1900" dirty="0" smtClean="0"/>
+              <a:t>	response[i</a:t>
+            </a:r>
+            <a:r>
+              <a:rPr lang="es-AR" sz="1900" dirty="0"/>
+              <a:t>] = </a:t>
+            </a:r>
+            <a:r>
+              <a:rPr lang="es-AR" sz="1900" dirty="0" err="1"/>
+              <a:t>packet_get_string</a:t>
+            </a:r>
+            <a:r>
+              <a:rPr lang="es-AR" sz="1900" dirty="0"/>
+              <a:t>(NULL);</a:t>
+            </a:r>
+          </a:p>
+          <a:p>
+            <a:pPr marL="109728" indent="0">
               <a:buNone/>
             </a:pPr>
             <a:r>
+              <a:rPr lang="es-AR" sz="1900" dirty="0" smtClean="0"/>
+              <a:t>}</a:t>
+            </a:r>
+          </a:p>
+          <a:p>
+            <a:endParaRPr lang="en-US" dirty="0"/>
+          </a:p>
+          <a:p>
+            <a:r>
+              <a:rPr lang="en-US" dirty="0" err="1" smtClean="0"/>
+              <a:t>nresp</a:t>
+            </a:r>
+            <a:r>
               <a:rPr lang="en-US" dirty="0" smtClean="0"/>
-              <a:t>		if (</a:t>
-            </a:r>
-            <a:r>
-              <a:rPr lang="en-US" dirty="0" err="1" smtClean="0"/>
-              <a:t>getNextMessage</a:t>
-            </a:r>
-            <a:r>
-              <a:rPr lang="en-US" dirty="0" smtClean="0"/>
-              <a:t>(socket, username, USERNAME_SIZE) &gt; 0) {</a:t>
-            </a:r>
-          </a:p>
-          <a:p>
-            <a:pPr>
-              <a:buNone/>
-            </a:pPr>
-            <a:r>
-              <a:rPr lang="en-US" dirty="0" smtClean="0"/>
-              <a:t>			if (</a:t>
-            </a:r>
-            <a:r>
-              <a:rPr lang="en-US" dirty="0" err="1" smtClean="0"/>
-              <a:t>getNextMessage</a:t>
-            </a:r>
-            <a:r>
-              <a:rPr lang="en-US" dirty="0" smtClean="0"/>
-              <a:t>(socket, password, PASSWORD_SIZE) &gt; 0) {</a:t>
-            </a:r>
-          </a:p>
-          <a:p>
-            <a:pPr>
-              <a:buNone/>
-            </a:pPr>
-            <a:r>
-              <a:rPr lang="en-US" dirty="0" smtClean="0"/>
-              <a:t>				</a:t>
-            </a:r>
-            <a:r>
-              <a:rPr lang="en-US" dirty="0" err="1" smtClean="0"/>
-              <a:t>isValidUser</a:t>
-            </a:r>
-            <a:r>
-              <a:rPr lang="en-US" dirty="0" smtClean="0"/>
-              <a:t> = </a:t>
-            </a:r>
-            <a:r>
-              <a:rPr lang="en-US" dirty="0" err="1" smtClean="0"/>
-              <a:t>AuthenticateUser</a:t>
-            </a:r>
-            <a:r>
-              <a:rPr lang="en-US" dirty="0" smtClean="0"/>
-              <a:t>(username, password);</a:t>
-            </a:r>
-          </a:p>
-          <a:p>
-            <a:pPr>
-              <a:buNone/>
-            </a:pPr>
-            <a:r>
-              <a:rPr lang="en-US" dirty="0" smtClean="0"/>
-              <a:t>			}</a:t>
-            </a:r>
-          </a:p>
-          <a:p>
-            <a:pPr>
-              <a:buNone/>
-            </a:pPr>
-            <a:r>
-              <a:rPr lang="en-US" dirty="0" smtClean="0"/>
-              <a:t>		}</a:t>
-            </a:r>
-          </a:p>
-          <a:p>
-            <a:pPr>
-              <a:buNone/>
-            </a:pPr>
-            <a:r>
-              <a:rPr lang="en-US" dirty="0" smtClean="0"/>
-              <a:t>	count++;</a:t>
-            </a:r>
-          </a:p>
-          <a:p>
-            <a:pPr>
-              <a:buNone/>
-            </a:pPr>
-            <a:r>
-              <a:rPr lang="en-US" dirty="0" smtClean="0"/>
-              <a:t>	}</a:t>
-            </a:r>
-          </a:p>
-          <a:p>
-            <a:pPr>
-              <a:buNone/>
-            </a:pPr>
-            <a:endParaRPr lang="en-US" dirty="0" smtClean="0"/>
-          </a:p>
-          <a:p>
-            <a:pPr>
-              <a:buNone/>
-            </a:pPr>
-            <a:r>
-              <a:rPr lang="en-US" dirty="0" smtClean="0"/>
-              <a:t>	if (</a:t>
-            </a:r>
-            <a:r>
-              <a:rPr lang="en-US" dirty="0" err="1" smtClean="0"/>
-              <a:t>isValidUser</a:t>
-            </a:r>
-            <a:r>
-              <a:rPr lang="en-US" dirty="0" smtClean="0"/>
-              <a:t>) {</a:t>
-            </a:r>
-          </a:p>
-          <a:p>
-            <a:pPr>
-              <a:buNone/>
-            </a:pPr>
-            <a:r>
-              <a:rPr lang="en-US" dirty="0" smtClean="0"/>
-              <a:t>		return(SUCCESS);</a:t>
-            </a:r>
-          </a:p>
-          <a:p>
-            <a:pPr>
-              <a:buNone/>
-            </a:pPr>
-            <a:r>
-              <a:rPr lang="en-US" dirty="0" smtClean="0"/>
-              <a:t>	} else {</a:t>
-            </a:r>
-          </a:p>
-          <a:p>
-            <a:pPr>
-              <a:buNone/>
-            </a:pPr>
-            <a:r>
-              <a:rPr lang="en-US" dirty="0" smtClean="0"/>
-              <a:t>		return(FAIL);</a:t>
-            </a:r>
-          </a:p>
-          <a:p>
-            <a:pPr>
-              <a:buNone/>
-            </a:pPr>
-            <a:r>
-              <a:rPr lang="en-US" dirty="0" smtClean="0"/>
-              <a:t>	}</a:t>
-            </a:r>
-          </a:p>
-          <a:p>
+              <a:t> = 1</a:t>
+            </a:r>
+            <a:r>
+              <a:rPr lang="es-AR" dirty="0" smtClean="0"/>
+              <a:t>073741824.</a:t>
+            </a:r>
+          </a:p>
+          <a:p>
+            <a:r>
+              <a:rPr lang="es-AR" dirty="0" err="1" smtClean="0"/>
+              <a:t>sizeof</a:t>
+            </a:r>
+            <a:r>
+              <a:rPr lang="es-AR" dirty="0" smtClean="0"/>
+              <a:t>(</a:t>
+            </a:r>
+            <a:r>
+              <a:rPr lang="es-AR" dirty="0" err="1" smtClean="0"/>
+              <a:t>char</a:t>
+            </a:r>
+            <a:r>
+              <a:rPr lang="es-AR" dirty="0" smtClean="0"/>
+              <a:t> *) = 4.</a:t>
+            </a:r>
+          </a:p>
+          <a:p>
+            <a:r>
+              <a:rPr lang="es-AR" dirty="0" err="1" smtClean="0"/>
+              <a:t>Nresp</a:t>
+            </a:r>
+            <a:r>
+              <a:rPr lang="es-AR" dirty="0" smtClean="0"/>
+              <a:t> * </a:t>
+            </a:r>
+            <a:r>
+              <a:rPr lang="es-AR" dirty="0" err="1" smtClean="0"/>
+              <a:t>sizeof</a:t>
+            </a:r>
+            <a:r>
+              <a:rPr lang="es-AR" dirty="0" smtClean="0"/>
+              <a:t>(</a:t>
+            </a:r>
+            <a:r>
+              <a:rPr lang="es-AR" dirty="0" err="1" smtClean="0"/>
+              <a:t>char</a:t>
+            </a:r>
+            <a:r>
+              <a:rPr lang="es-AR" dirty="0" smtClean="0"/>
+              <a:t> *) desbordará.</a:t>
+            </a:r>
             <a:endParaRPr lang="en-US" dirty="0"/>
           </a:p>
         </p:txBody>
@@ -7149,7 +7321,7 @@
           <a:p>
             <a:r>
               <a:rPr lang="es-ES" dirty="0" smtClean="0"/>
-              <a:t>Error 21 – Ejemplo 3 - bien</a:t>
+              <a:t>Error 24-Ejemplo 2</a:t>
             </a:r>
             <a:endParaRPr lang="en-US" dirty="0"/>
           </a:p>
@@ -7192,80 +7364,198 @@
         </p:nvSpPr>
         <p:spPr/>
         <p:txBody>
+          <a:bodyPr>
+            <a:normAutofit fontScale="92500" lnSpcReduction="10000"/>
+          </a:bodyPr>
+          <a:lstStyle/>
+          <a:p>
+            <a:pPr marL="109728" indent="0">
+              <a:buNone/>
+            </a:pPr>
+            <a:r>
+              <a:rPr lang="es-AR" dirty="0"/>
+              <a:t>short </a:t>
+            </a:r>
+            <a:r>
+              <a:rPr lang="es-AR" dirty="0" err="1"/>
+              <a:t>int</a:t>
+            </a:r>
+            <a:r>
+              <a:rPr lang="es-AR" dirty="0"/>
+              <a:t> </a:t>
+            </a:r>
+            <a:r>
+              <a:rPr lang="es-AR" dirty="0" err="1"/>
+              <a:t>bytesRec</a:t>
+            </a:r>
+            <a:r>
+              <a:rPr lang="es-AR" dirty="0"/>
+              <a:t> = 0;</a:t>
+            </a:r>
+          </a:p>
+          <a:p>
+            <a:pPr marL="109728" indent="0">
+              <a:buNone/>
+            </a:pPr>
+            <a:r>
+              <a:rPr lang="es-AR" dirty="0" err="1"/>
+              <a:t>char</a:t>
+            </a:r>
+            <a:r>
+              <a:rPr lang="es-AR" dirty="0"/>
+              <a:t> </a:t>
+            </a:r>
+            <a:r>
+              <a:rPr lang="es-AR" dirty="0" err="1"/>
+              <a:t>buf</a:t>
+            </a:r>
+            <a:r>
+              <a:rPr lang="es-AR" dirty="0"/>
+              <a:t>[SOMEBIGNUM];</a:t>
+            </a:r>
+          </a:p>
+          <a:p>
+            <a:pPr marL="109728" indent="0">
+              <a:buNone/>
+            </a:pPr>
+            <a:r>
+              <a:rPr lang="es-AR" dirty="0"/>
+              <a:t> </a:t>
+            </a:r>
+          </a:p>
+          <a:p>
+            <a:pPr marL="109728" indent="0">
+              <a:buNone/>
+            </a:pPr>
+            <a:r>
+              <a:rPr lang="es-AR" dirty="0" err="1"/>
+              <a:t>while</a:t>
+            </a:r>
+            <a:r>
+              <a:rPr lang="es-AR" dirty="0"/>
+              <a:t>(</a:t>
+            </a:r>
+            <a:r>
+              <a:rPr lang="es-AR" dirty="0" err="1"/>
+              <a:t>bytesRec</a:t>
+            </a:r>
+            <a:r>
+              <a:rPr lang="es-AR" dirty="0"/>
+              <a:t> &lt; MAXGET) {</a:t>
+            </a:r>
+          </a:p>
+          <a:p>
+            <a:pPr marL="109728" indent="0">
+              <a:buNone/>
+            </a:pPr>
+            <a:r>
+              <a:rPr lang="es-AR" dirty="0" smtClean="0"/>
+              <a:t>	</a:t>
+            </a:r>
+            <a:r>
+              <a:rPr lang="es-AR" dirty="0" err="1" smtClean="0"/>
+              <a:t>bytesRec</a:t>
+            </a:r>
+            <a:r>
+              <a:rPr lang="es-AR" dirty="0" smtClean="0"/>
+              <a:t> </a:t>
+            </a:r>
+            <a:r>
+              <a:rPr lang="es-AR" dirty="0"/>
+              <a:t>+= </a:t>
+            </a:r>
+            <a:r>
+              <a:rPr lang="es-AR" dirty="0" err="1"/>
+              <a:t>getFromInput</a:t>
+            </a:r>
+            <a:r>
+              <a:rPr lang="es-AR" dirty="0"/>
+              <a:t>(</a:t>
+            </a:r>
+            <a:r>
+              <a:rPr lang="es-AR" dirty="0" err="1"/>
+              <a:t>buf+bytesRec</a:t>
+            </a:r>
+            <a:r>
+              <a:rPr lang="es-AR" dirty="0"/>
+              <a:t>);</a:t>
+            </a:r>
+          </a:p>
+          <a:p>
+            <a:pPr marL="109728" indent="0">
+              <a:buNone/>
+            </a:pPr>
+            <a:r>
+              <a:rPr lang="es-AR" dirty="0"/>
+              <a:t>}</a:t>
+            </a:r>
+          </a:p>
+          <a:p>
+            <a:r>
+              <a:rPr lang="es-AR" dirty="0" err="1" smtClean="0"/>
+              <a:t>bytesRec</a:t>
+            </a:r>
+            <a:r>
+              <a:rPr lang="es-AR" dirty="0" smtClean="0"/>
+              <a:t> puede desbordarse, creando un número inferior a MAXGET</a:t>
+            </a:r>
+          </a:p>
+          <a:p>
+            <a:r>
+              <a:rPr lang="es-AR" dirty="0" smtClean="0"/>
+              <a:t>Ciclo infinito</a:t>
+            </a:r>
+          </a:p>
+          <a:p>
+            <a:r>
+              <a:rPr lang="es-AR" dirty="0" smtClean="0"/>
+              <a:t>Puede </a:t>
+            </a:r>
+            <a:r>
+              <a:rPr lang="es-AR" dirty="0" err="1" smtClean="0"/>
+              <a:t>sobreescribir</a:t>
+            </a:r>
+            <a:r>
+              <a:rPr lang="es-AR" dirty="0" smtClean="0"/>
+              <a:t> los primeros MAXGET – 1 bytes de </a:t>
+            </a:r>
+            <a:r>
+              <a:rPr lang="es-AR" dirty="0" err="1" smtClean="0"/>
+              <a:t>buf</a:t>
+            </a:r>
+            <a:endParaRPr lang="es-AR" dirty="0"/>
+          </a:p>
+        </p:txBody>
+      </p:sp>
+      <p:sp>
+        <p:nvSpPr>
+          <p:cNvPr id="3" name="2 Título"/>
+          <p:cNvSpPr>
+            <a:spLocks noGrp="1"/>
+          </p:cNvSpPr>
+          <p:nvPr>
+            <p:ph type="title"/>
+          </p:nvPr>
+        </p:nvSpPr>
+        <p:spPr/>
+        <p:txBody>
           <a:bodyPr/>
           <a:lstStyle/>
           <a:p>
             <a:r>
-              <a:rPr lang="es-ES" dirty="0" smtClean="0"/>
-              <a:t>Enero 2009.</a:t>
-            </a:r>
-          </a:p>
-          <a:p>
-            <a:endParaRPr lang="es-ES" dirty="0" smtClean="0"/>
-          </a:p>
-          <a:p>
-            <a:r>
-              <a:rPr lang="es-ES" dirty="0" err="1" smtClean="0"/>
-              <a:t>Twitter</a:t>
-            </a:r>
-            <a:r>
-              <a:rPr lang="es-ES" dirty="0" smtClean="0"/>
-              <a:t>.</a:t>
-            </a:r>
-          </a:p>
-          <a:p>
-            <a:endParaRPr lang="es-ES" dirty="0" smtClean="0"/>
-          </a:p>
-          <a:p>
-            <a:r>
-              <a:rPr lang="es-ES" dirty="0" smtClean="0"/>
-              <a:t>Atacante logra entrar a una cuenta </a:t>
-            </a:r>
-            <a:r>
-              <a:rPr lang="es-ES" dirty="0" err="1" smtClean="0"/>
-              <a:t>admin</a:t>
-            </a:r>
-            <a:r>
-              <a:rPr lang="es-ES" dirty="0" smtClean="0"/>
-              <a:t> y luego acceder a cualquier otra cuenta que desee.</a:t>
-            </a:r>
-          </a:p>
-          <a:p>
-            <a:endParaRPr lang="es-ES" dirty="0" smtClean="0"/>
-          </a:p>
-          <a:p>
-            <a:r>
-              <a:rPr lang="en-US" dirty="0" smtClean="0"/>
-              <a:t>https://www.youtube.com/watch?feature=player_embedded&amp;v=IKNbggNJMVI</a:t>
-            </a:r>
-            <a:endParaRPr lang="en-US" dirty="0"/>
-          </a:p>
-        </p:txBody>
-      </p:sp>
-      <p:sp>
-        <p:nvSpPr>
-          <p:cNvPr id="3" name="2 Título"/>
-          <p:cNvSpPr>
-            <a:spLocks noGrp="1"/>
-          </p:cNvSpPr>
-          <p:nvPr>
-            <p:ph type="title"/>
-          </p:nvPr>
-        </p:nvSpPr>
-        <p:spPr/>
-        <p:txBody>
-          <a:bodyPr/>
-          <a:lstStyle/>
-          <a:p>
-            <a:r>
-              <a:rPr lang="es-ES" dirty="0" smtClean="0"/>
-              <a:t>Error 21- Ataques conocidos</a:t>
-            </a:r>
-            <a:endParaRPr lang="en-US" dirty="0"/>
+              <a:rPr lang="es-AR" dirty="0" smtClean="0"/>
+              <a:t>Error 24-Ejemplo 3</a:t>
+            </a:r>
+            <a:endParaRPr lang="es-AR" dirty="0"/>
           </a:p>
         </p:txBody>
       </p:sp>
     </p:spTree>
+    <p:extLst>
+      <p:ext uri="{BB962C8B-B14F-4D97-AF65-F5344CB8AC3E}">
+        <p14:creationId xmlns:p14="http://schemas.microsoft.com/office/powerpoint/2010/main" val="3579122032"/>
+      </p:ext>
+    </p:extLst>
   </p:cSld>
   <p:clrMapOvr>
     <a:masterClrMapping/>
@@ -7307,7 +7597,7 @@
           <a:p>
             <a:r>
               <a:rPr lang="es-ES" dirty="0" smtClean="0"/>
-              <a:t>Desconectar al usuario luego de un cierto número de intentos fallidos.</a:t>
+              <a:t>Utilizar un lenguaje que valide límites en sus tipos o provea herramientas para evitar esta vulnerabilidad.</a:t>
             </a:r>
           </a:p>
           <a:p>
@@ -7316,63 +7606,45 @@
           <a:p>
             <a:r>
               <a:rPr lang="es-ES" dirty="0" smtClean="0"/>
-              <a:t>Implementar un </a:t>
+              <a:t>Usar librerías: </a:t>
             </a:r>
             <a:r>
               <a:rPr lang="es-ES" dirty="0" err="1" smtClean="0"/>
-              <a:t>timeout</a:t>
-            </a:r>
-            <a:r>
-              <a:rPr lang="es-ES" dirty="0" smtClean="0"/>
-              <a:t> (</a:t>
+              <a:t>SafeInt</a:t>
+            </a:r>
+            <a:r>
+              <a:rPr lang="es-ES" dirty="0" smtClean="0"/>
+              <a:t>, </a:t>
             </a:r>
             <a:r>
               <a:rPr lang="es-ES" dirty="0" err="1" smtClean="0"/>
-              <a:t>exponential</a:t>
-            </a:r>
-            <a:r>
-              <a:rPr lang="es-ES" dirty="0" smtClean="0"/>
-              <a:t> back-off).</a:t>
-            </a:r>
-          </a:p>
-          <a:p>
+              <a:t>IntegerLib</a:t>
+            </a:r>
             <a:endParaRPr lang="es-ES" dirty="0" smtClean="0"/>
           </a:p>
           <a:p>
+            <a:endParaRPr lang="es-ES" dirty="0" smtClean="0"/>
+          </a:p>
+          <a:p>
+            <a:r>
+              <a:rPr lang="es-ES" dirty="0" smtClean="0"/>
+              <a:t>Validación re rango en toda entrada numérica</a:t>
+            </a:r>
+          </a:p>
+          <a:p>
+            <a:pPr lvl="1"/>
+            <a:r>
+              <a:rPr lang="es-ES" dirty="0" smtClean="0"/>
+              <a:t>Usar </a:t>
+            </a:r>
             <a:r>
               <a:rPr lang="es-ES" dirty="0" err="1" smtClean="0"/>
-              <a:t>Blockear</a:t>
-            </a:r>
-            <a:r>
-              <a:rPr lang="es-ES" dirty="0" smtClean="0"/>
-              <a:t> la cuenta.</a:t>
-            </a:r>
-          </a:p>
-          <a:p>
-            <a:endParaRPr lang="es-ES" dirty="0" smtClean="0"/>
-          </a:p>
-          <a:p>
-            <a:r>
-              <a:rPr lang="es-ES" dirty="0" smtClean="0"/>
-              <a:t>Pedirle al usuario alguna tarea computacional (cálculo, </a:t>
-            </a:r>
-            <a:r>
-              <a:rPr lang="es-ES" dirty="0" err="1" smtClean="0"/>
-              <a:t>captcha</a:t>
-            </a:r>
-            <a:r>
-              <a:rPr lang="es-ES" dirty="0" smtClean="0"/>
-              <a:t>, </a:t>
-            </a:r>
-            <a:r>
-              <a:rPr lang="es-ES" dirty="0" err="1" smtClean="0"/>
-              <a:t>etc</a:t>
-            </a:r>
-            <a:r>
-              <a:rPr lang="es-ES" dirty="0" smtClean="0"/>
-              <a:t>).</a:t>
-            </a:r>
-            <a:endParaRPr lang="en-US" dirty="0"/>
+              <a:t>unsigned</a:t>
+            </a:r>
+            <a:r>
+              <a:rPr lang="es-ES" dirty="0" smtClean="0"/>
+              <a:t> siempre que se pueda.</a:t>
+            </a:r>
           </a:p>
         </p:txBody>
       </p:sp>
@@ -7388,14 +7660,12 @@
         </p:nvSpPr>
         <p:spPr/>
         <p:txBody>
-          <a:bodyPr>
-            <a:normAutofit/>
-          </a:bodyPr>
+          <a:bodyPr/>
           <a:lstStyle/>
           <a:p>
             <a:r>
               <a:rPr lang="es-ES" dirty="0" smtClean="0"/>
-              <a:t>Error 21-Prevencion/Mitigación</a:t>
+              <a:t>Error 24-Prevención/Mitigación</a:t>
             </a:r>
             <a:endParaRPr lang="en-US" dirty="0"/>
           </a:p>
@@ -7441,62 +7711,77 @@
           <a:bodyPr/>
           <a:lstStyle/>
           <a:p>
+            <a:r>
+              <a:rPr lang="es-ES" sz="2000" dirty="0" smtClean="0"/>
+              <a:t>Java – No se limita la cantidad de accesos.</a:t>
+            </a:r>
+            <a:endParaRPr lang="en-US" sz="2000" dirty="0" smtClean="0"/>
+          </a:p>
+          <a:p>
+            <a:endParaRPr lang="en-US" sz="2000" dirty="0" smtClean="0"/>
+          </a:p>
+          <a:p>
+            <a:r>
+              <a:rPr lang="en-US" sz="2000" dirty="0" smtClean="0"/>
+              <a:t>String username = </a:t>
+            </a:r>
+            <a:r>
+              <a:rPr lang="en-US" sz="2000" dirty="0" err="1" smtClean="0"/>
+              <a:t>request.getParameter</a:t>
+            </a:r>
+            <a:r>
+              <a:rPr lang="en-US" sz="2000" dirty="0" smtClean="0"/>
+              <a:t>("username");</a:t>
+            </a:r>
+          </a:p>
+          <a:p>
+            <a:r>
+              <a:rPr lang="en-US" sz="2000" dirty="0" smtClean="0"/>
+              <a:t>String password = </a:t>
+            </a:r>
+            <a:r>
+              <a:rPr lang="en-US" sz="2000" dirty="0" err="1" smtClean="0"/>
+              <a:t>request.getParameter</a:t>
+            </a:r>
+            <a:r>
+              <a:rPr lang="en-US" sz="2000" dirty="0" smtClean="0"/>
+              <a:t>("password");</a:t>
+            </a:r>
+            <a:br>
+              <a:rPr lang="en-US" sz="2000" dirty="0" smtClean="0"/>
+            </a:br>
+            <a:endParaRPr lang="en-US" sz="2000" dirty="0" smtClean="0"/>
+          </a:p>
+          <a:p>
+            <a:r>
+              <a:rPr lang="en-US" sz="2000" dirty="0" err="1" smtClean="0"/>
+              <a:t>int</a:t>
+            </a:r>
+            <a:r>
+              <a:rPr lang="en-US" sz="2000" dirty="0" smtClean="0"/>
+              <a:t> </a:t>
+            </a:r>
+            <a:r>
+              <a:rPr lang="en-US" sz="2000" dirty="0" err="1" smtClean="0"/>
+              <a:t>authResult</a:t>
+            </a:r>
+            <a:r>
+              <a:rPr lang="en-US" sz="2000" dirty="0" smtClean="0"/>
+              <a:t> = </a:t>
+            </a:r>
+            <a:r>
+              <a:rPr lang="en-US" sz="2000" dirty="0" err="1" smtClean="0"/>
+              <a:t>authenticateUser</a:t>
+            </a:r>
+            <a:r>
+              <a:rPr lang="en-US" sz="2000" dirty="0" smtClean="0"/>
+              <a:t>(username, password);</a:t>
+            </a:r>
+          </a:p>
+          <a:p>
             <a:endParaRPr lang="es-ES" dirty="0" smtClean="0"/>
           </a:p>
           <a:p>
-            <a:r>
-              <a:rPr lang="es-ES" dirty="0" smtClean="0"/>
-              <a:t>White Box </a:t>
-            </a:r>
-            <a:r>
-              <a:rPr lang="es-ES" dirty="0" err="1" smtClean="0"/>
-              <a:t>Testing</a:t>
-            </a:r>
-            <a:r>
-              <a:rPr lang="es-ES" dirty="0" smtClean="0"/>
-              <a:t> (estructura).</a:t>
-            </a:r>
-          </a:p>
-          <a:p>
-            <a:endParaRPr lang="es-ES" dirty="0" smtClean="0"/>
-          </a:p>
-          <a:p>
-            <a:r>
-              <a:rPr lang="es-ES" dirty="0" smtClean="0"/>
-              <a:t>Black Box </a:t>
-            </a:r>
-            <a:r>
-              <a:rPr lang="es-ES" dirty="0" err="1" smtClean="0"/>
-              <a:t>Testing</a:t>
-            </a:r>
-            <a:r>
-              <a:rPr lang="es-ES" dirty="0" smtClean="0"/>
-              <a:t>, validación de todos los </a:t>
-            </a:r>
-            <a:r>
-              <a:rPr lang="es-ES" dirty="0" err="1" smtClean="0"/>
-              <a:t>URLs</a:t>
-            </a:r>
-            <a:r>
-              <a:rPr lang="es-ES" dirty="0" smtClean="0"/>
-              <a:t> que se encuentran, intentando encontrar </a:t>
-            </a:r>
-            <a:r>
-              <a:rPr lang="es-ES" dirty="0" err="1" smtClean="0"/>
-              <a:t>modificaciónes</a:t>
-            </a:r>
-            <a:r>
-              <a:rPr lang="es-ES" dirty="0" smtClean="0"/>
-              <a:t> de </a:t>
-            </a:r>
-            <a:r>
-              <a:rPr lang="es-ES" dirty="0" err="1" smtClean="0"/>
-              <a:t>header</a:t>
-            </a:r>
-            <a:r>
-              <a:rPr lang="es-ES" dirty="0" smtClean="0"/>
-              <a:t>.</a:t>
-            </a:r>
             <a:endParaRPr lang="en-US" dirty="0"/>
           </a:p>
         </p:txBody>
@@ -7518,7 +7803,7 @@
           <a:p>
             <a:r>
               <a:rPr lang="es-ES" dirty="0" smtClean="0"/>
-              <a:t>Error 22-Detección</a:t>
+              <a:t>Error 21 Ejemplo 1</a:t>
             </a:r>
             <a:endParaRPr lang="en-US" dirty="0"/>
           </a:p>
@@ -7565,72 +7850,60 @@
           <a:lstStyle/>
           <a:p>
             <a:r>
-              <a:rPr lang="es-ES" dirty="0" err="1" smtClean="0"/>
-              <a:t>Query</a:t>
-            </a:r>
-            <a:r>
-              <a:rPr lang="es-ES" dirty="0" smtClean="0"/>
-              <a:t> </a:t>
-            </a:r>
-            <a:r>
-              <a:rPr lang="es-ES" dirty="0" err="1" smtClean="0"/>
-              <a:t>String</a:t>
-            </a:r>
-            <a:r>
-              <a:rPr lang="es-ES" dirty="0" smtClean="0"/>
-              <a:t>, </a:t>
-            </a:r>
-            <a:r>
-              <a:rPr lang="es-ES" dirty="0" err="1" smtClean="0"/>
-              <a:t>redirije</a:t>
-            </a:r>
-            <a:r>
-              <a:rPr lang="es-ES" dirty="0" smtClean="0"/>
-              <a:t> a $</a:t>
-            </a:r>
-            <a:r>
-              <a:rPr lang="es-ES" dirty="0" err="1" smtClean="0"/>
-              <a:t>redirect_url</a:t>
-            </a:r>
-            <a:endParaRPr lang="en-US" dirty="0" smtClean="0"/>
-          </a:p>
-          <a:p>
-            <a:endParaRPr lang="en-US" dirty="0" smtClean="0"/>
-          </a:p>
-          <a:p>
-            <a:r>
-              <a:rPr lang="en-US" dirty="0" smtClean="0"/>
+              <a:rPr lang="es-ES" sz="2800" dirty="0" smtClean="0"/>
+              <a:t>Se hace </a:t>
+            </a:r>
+            <a:r>
+              <a:rPr lang="es-ES" sz="2800" dirty="0" err="1" smtClean="0"/>
+              <a:t>sleep</a:t>
+            </a:r>
+            <a:r>
+              <a:rPr lang="es-ES" sz="2800" dirty="0" smtClean="0"/>
+              <a:t> en cada intento.</a:t>
+            </a:r>
+            <a:endParaRPr lang="en-US" sz="2800" dirty="0" smtClean="0"/>
+          </a:p>
+          <a:p>
+            <a:endParaRPr lang="en-US" sz="2000" dirty="0" smtClean="0"/>
+          </a:p>
+          <a:p>
+            <a:r>
+              <a:rPr lang="en-US" sz="2000" dirty="0" smtClean="0"/>
+              <a:t>$username = $_POST['username'];</a:t>
+            </a:r>
+          </a:p>
+          <a:p>
+            <a:r>
+              <a:rPr lang="en-US" sz="2000" dirty="0" smtClean="0"/>
+              <a:t>$password = $_POST['password'];</a:t>
+            </a:r>
+          </a:p>
+          <a:p>
+            <a:r>
+              <a:rPr lang="en-US" sz="2000" dirty="0" smtClean="0"/>
+              <a:t>sleep(2000);</a:t>
+            </a:r>
+          </a:p>
+          <a:p>
+            <a:r>
+              <a:rPr lang="en-US" sz="2000" dirty="0" smtClean="0"/>
               <a:t>$</a:t>
             </a:r>
             <a:r>
-              <a:rPr lang="en-US" dirty="0" err="1" smtClean="0"/>
-              <a:t>redirect_url</a:t>
-            </a:r>
-            <a:r>
-              <a:rPr lang="en-US" dirty="0" smtClean="0"/>
-              <a:t> = $_GET['</a:t>
-            </a:r>
-            <a:r>
-              <a:rPr lang="en-US" dirty="0" err="1" smtClean="0"/>
-              <a:t>url</a:t>
-            </a:r>
-            <a:r>
-              <a:rPr lang="en-US" dirty="0" smtClean="0"/>
-              <a:t>'];</a:t>
-            </a:r>
-          </a:p>
-          <a:p>
-            <a:r>
-              <a:rPr lang="en-US" dirty="0" smtClean="0"/>
-              <a:t>header("Location: " . $</a:t>
-            </a:r>
-            <a:r>
-              <a:rPr lang="en-US" dirty="0" err="1" smtClean="0"/>
-              <a:t>redirect_url</a:t>
-            </a:r>
-            <a:r>
-              <a:rPr lang="en-US" dirty="0" smtClean="0"/>
-              <a:t>);</a:t>
+              <a:rPr lang="en-US" sz="2000" dirty="0" err="1" smtClean="0"/>
+              <a:t>isAuthenticated</a:t>
+            </a:r>
+            <a:r>
+              <a:rPr lang="en-US" sz="2000" dirty="0" smtClean="0"/>
+              <a:t> = </a:t>
+            </a:r>
+            <a:r>
+              <a:rPr lang="en-US" sz="2000" dirty="0" err="1" smtClean="0"/>
+              <a:t>authenticateUser</a:t>
+            </a:r>
+            <a:r>
+              <a:rPr lang="en-US" sz="2000" dirty="0" smtClean="0"/>
+              <a:t>($username, $password);</a:t>
             </a:r>
           </a:p>
           <a:p>
@@ -7639,38 +7912,9 @@
           <a:p>
             <a:r>
               <a:rPr lang="es-ES" dirty="0" smtClean="0"/>
-              <a:t>Se podría </a:t>
-            </a:r>
-            <a:r>
-              <a:rPr lang="es-ES" dirty="0" err="1" smtClean="0"/>
-              <a:t>redireccionar</a:t>
-            </a:r>
-            <a:r>
-              <a:rPr lang="es-ES" dirty="0" smtClean="0"/>
-              <a:t> a un usuario a:</a:t>
-            </a:r>
-          </a:p>
-          <a:p>
-            <a:endParaRPr lang="es-ES" dirty="0" smtClean="0"/>
-          </a:p>
-          <a:p>
-            <a:r>
-              <a:rPr lang="en-US" sz="1600" dirty="0" smtClean="0"/>
-              <a:t>http://example.com/example.php?url=</a:t>
-            </a:r>
-            <a:r>
-              <a:rPr lang="en-US" sz="1600" dirty="0" smtClean="0">
-                <a:solidFill>
-                  <a:srgbClr val="FF0000"/>
-                </a:solidFill>
-              </a:rPr>
-              <a:t>http://malicious.example.com</a:t>
-            </a:r>
-            <a:endParaRPr lang="en-US" sz="1600" dirty="0">
-              <a:solidFill>
-                <a:srgbClr val="FF0000"/>
-              </a:solidFill>
-            </a:endParaRPr>
+              <a:t>No hay limite de conexiones en simultáneo.</a:t>
+            </a:r>
+            <a:endParaRPr lang="en-US" dirty="0"/>
           </a:p>
         </p:txBody>
       </p:sp>
@@ -7691,7 +7935,7 @@
           <a:p>
             <a:r>
               <a:rPr lang="es-ES" dirty="0" smtClean="0"/>
-              <a:t>Error 22-Ejemplo 1</a:t>
+              <a:t>Error 21 – Ejemplo 2</a:t>
             </a:r>
             <a:endParaRPr lang="en-US" dirty="0"/>
           </a:p>
@@ -7732,461 +7976,246 @@
             <p:ph idx="1"/>
           </p:nvPr>
         </p:nvSpPr>
-        <p:spPr>
-          <a:xfrm>
-            <a:off x="76200" y="1481328"/>
-            <a:ext cx="8839200" cy="4525963"/>
-          </a:xfrm>
-        </p:spPr>
+        <p:spPr/>
         <p:txBody>
           <a:bodyPr>
-            <a:normAutofit fontScale="77500" lnSpcReduction="20000"/>
+            <a:normAutofit fontScale="55000" lnSpcReduction="20000"/>
           </a:bodyPr>
           <a:lstStyle/>
           <a:p>
-            <a:r>
-              <a:rPr lang="es-AR" dirty="0" err="1" smtClean="0"/>
-              <a:t>Servlet</a:t>
-            </a:r>
-            <a:r>
-              <a:rPr lang="es-AR" dirty="0" smtClean="0"/>
-              <a:t> Java que recibe una petición GET con un parámetro </a:t>
-            </a:r>
-            <a:r>
-              <a:rPr lang="es-AR" dirty="0" err="1" smtClean="0"/>
-              <a:t>url</a:t>
-            </a:r>
-            <a:r>
-              <a:rPr lang="es-AR" dirty="0" smtClean="0"/>
-              <a:t>.</a:t>
-            </a:r>
-          </a:p>
-          <a:p>
-            <a:pPr marL="109728" indent="0">
+            <a:pPr>
               <a:buNone/>
             </a:pPr>
             <a:r>
-              <a:rPr lang="es-AR" dirty="0"/>
+              <a:rPr lang="en-US" dirty="0" err="1" smtClean="0"/>
+              <a:t>int</a:t>
+            </a:r>
+            <a:r>
+              <a:rPr lang="en-US" dirty="0" smtClean="0"/>
               <a:t> </a:t>
             </a:r>
             <a:r>
-              <a:rPr lang="es-AR" dirty="0" smtClean="0"/>
-              <a:t> </a:t>
-            </a:r>
-          </a:p>
-          <a:p>
-            <a:pPr marL="109728" indent="0">
+              <a:rPr lang="en-US" dirty="0" err="1" smtClean="0"/>
+              <a:t>validateUser</a:t>
+            </a:r>
+            <a:r>
+              <a:rPr lang="en-US" dirty="0" smtClean="0"/>
+              <a:t>(char *host, </a:t>
+            </a:r>
+            <a:r>
+              <a:rPr lang="en-US" dirty="0" err="1" smtClean="0"/>
+              <a:t>int</a:t>
+            </a:r>
+            <a:r>
+              <a:rPr lang="en-US" dirty="0" smtClean="0"/>
+              <a:t> port) {</a:t>
+            </a:r>
+          </a:p>
+          <a:p>
+            <a:pPr>
               <a:buNone/>
             </a:pPr>
             <a:r>
-              <a:rPr lang="es-AR"/>
-              <a:t> </a:t>
-            </a:r>
-            <a:r>
-              <a:rPr lang="es-AR" smtClean="0"/>
-              <a:t>public </a:t>
-            </a:r>
-            <a:r>
-              <a:rPr lang="es-AR" dirty="0" err="1"/>
-              <a:t>class</a:t>
-            </a:r>
-            <a:r>
-              <a:rPr lang="es-AR" dirty="0"/>
-              <a:t> </a:t>
-            </a:r>
-            <a:r>
-              <a:rPr lang="es-AR" dirty="0" err="1"/>
-              <a:t>RedirectServlet</a:t>
-            </a:r>
-            <a:r>
-              <a:rPr lang="es-AR" dirty="0"/>
-              <a:t> </a:t>
-            </a:r>
-            <a:r>
-              <a:rPr lang="es-AR" dirty="0" err="1"/>
-              <a:t>extends</a:t>
-            </a:r>
-            <a:r>
-              <a:rPr lang="es-AR" dirty="0"/>
-              <a:t> </a:t>
-            </a:r>
-            <a:r>
-              <a:rPr lang="es-AR" dirty="0" err="1"/>
-              <a:t>HttpServlet</a:t>
-            </a:r>
-            <a:r>
-              <a:rPr lang="es-AR" dirty="0"/>
-              <a:t> {</a:t>
-            </a:r>
-          </a:p>
-          <a:p>
-            <a:pPr marL="393192" lvl="1" indent="0">
+              <a:rPr lang="en-US" dirty="0" smtClean="0"/>
+              <a:t>...</a:t>
+            </a:r>
+          </a:p>
+          <a:p>
+            <a:pPr>
               <a:buNone/>
             </a:pPr>
-            <a:r>
-              <a:rPr lang="es-AR" dirty="0" smtClean="0"/>
-              <a:t>	</a:t>
-            </a:r>
-            <a:r>
-              <a:rPr lang="es-AR" dirty="0" err="1" smtClean="0"/>
-              <a:t>protected</a:t>
-            </a:r>
-            <a:r>
-              <a:rPr lang="es-AR" dirty="0" smtClean="0"/>
-              <a:t> </a:t>
-            </a:r>
-            <a:r>
-              <a:rPr lang="es-AR" dirty="0" err="1"/>
-              <a:t>void</a:t>
-            </a:r>
-            <a:r>
-              <a:rPr lang="es-AR" dirty="0"/>
-              <a:t> </a:t>
-            </a:r>
-            <a:r>
-              <a:rPr lang="es-AR" dirty="0" err="1"/>
-              <a:t>doGet</a:t>
-            </a:r>
-            <a:r>
-              <a:rPr lang="es-AR" dirty="0"/>
-              <a:t>(</a:t>
-            </a:r>
-            <a:r>
-              <a:rPr lang="es-AR" dirty="0" err="1"/>
-              <a:t>HttpServletRequest</a:t>
-            </a:r>
-            <a:r>
-              <a:rPr lang="es-AR" dirty="0"/>
-              <a:t> </a:t>
-            </a:r>
-            <a:r>
-              <a:rPr lang="es-AR" dirty="0" err="1"/>
-              <a:t>request</a:t>
-            </a:r>
-            <a:r>
-              <a:rPr lang="es-AR" dirty="0"/>
-              <a:t>, </a:t>
-            </a:r>
-            <a:r>
-              <a:rPr lang="es-AR" dirty="0" smtClean="0"/>
-              <a:t>	</a:t>
-            </a:r>
-            <a:r>
-              <a:rPr lang="es-AR" dirty="0" err="1" smtClean="0"/>
-              <a:t>HttpServletResponse</a:t>
-            </a:r>
-            <a:r>
-              <a:rPr lang="es-AR" dirty="0" smtClean="0"/>
-              <a:t> </a:t>
-            </a:r>
-            <a:r>
-              <a:rPr lang="es-AR" dirty="0"/>
-              <a:t>response) </a:t>
-            </a:r>
-            <a:r>
-              <a:rPr lang="es-AR" dirty="0" err="1"/>
-              <a:t>throws</a:t>
-            </a:r>
-            <a:r>
-              <a:rPr lang="es-AR" dirty="0"/>
-              <a:t> </a:t>
-            </a:r>
-            <a:r>
-              <a:rPr lang="es-AR" dirty="0" err="1"/>
-              <a:t>ServletException</a:t>
-            </a:r>
-            <a:r>
-              <a:rPr lang="es-AR" dirty="0"/>
-              <a:t>, </a:t>
-            </a:r>
-            <a:r>
-              <a:rPr lang="es-AR" dirty="0" smtClean="0"/>
-              <a:t>	</a:t>
-            </a:r>
-            <a:r>
-              <a:rPr lang="es-AR" dirty="0" err="1" smtClean="0"/>
-              <a:t>IOException</a:t>
-            </a:r>
-            <a:r>
-              <a:rPr lang="es-AR" dirty="0" smtClean="0"/>
-              <a:t> </a:t>
-            </a:r>
-            <a:r>
-              <a:rPr lang="es-AR" dirty="0"/>
-              <a:t>{</a:t>
-            </a:r>
-          </a:p>
-          <a:p>
-            <a:pPr marL="630936" lvl="2" indent="0">
+            <a:endParaRPr lang="en-US" dirty="0" smtClean="0"/>
+          </a:p>
+          <a:p>
+            <a:pPr>
               <a:buNone/>
             </a:pPr>
             <a:r>
-              <a:rPr lang="es-AR" dirty="0" smtClean="0"/>
-              <a:t>		</a:t>
-            </a:r>
-            <a:r>
-              <a:rPr lang="es-AR" sz="2400" dirty="0" err="1" smtClean="0"/>
-              <a:t>String</a:t>
-            </a:r>
-            <a:r>
-              <a:rPr lang="es-AR" sz="2400" dirty="0" smtClean="0"/>
-              <a:t> </a:t>
-            </a:r>
-            <a:r>
-              <a:rPr lang="es-AR" sz="2400" dirty="0" err="1"/>
-              <a:t>query</a:t>
-            </a:r>
-            <a:r>
-              <a:rPr lang="es-AR" sz="2400" dirty="0"/>
-              <a:t> = </a:t>
-            </a:r>
-            <a:r>
-              <a:rPr lang="es-AR" sz="2400" dirty="0" err="1"/>
-              <a:t>request.getQueryString</a:t>
-            </a:r>
-            <a:r>
-              <a:rPr lang="es-AR" sz="2400" dirty="0" smtClean="0"/>
-              <a:t>();</a:t>
-            </a:r>
-          </a:p>
-          <a:p>
-            <a:pPr marL="630936" lvl="2" indent="0">
+              <a:rPr lang="en-US" dirty="0" smtClean="0"/>
+              <a:t>	</a:t>
+            </a:r>
+            <a:r>
+              <a:rPr lang="en-US" dirty="0" err="1" smtClean="0"/>
+              <a:t>int</a:t>
+            </a:r>
+            <a:r>
+              <a:rPr lang="en-US" dirty="0" smtClean="0"/>
+              <a:t> count = 0;</a:t>
+            </a:r>
+          </a:p>
+          <a:p>
+            <a:pPr>
               <a:buNone/>
             </a:pPr>
             <a:r>
-              <a:rPr lang="es-AR" sz="2400" dirty="0"/>
-              <a:t>	</a:t>
-            </a:r>
-            <a:r>
-              <a:rPr lang="es-AR" sz="2400" dirty="0" smtClean="0"/>
-              <a:t>		</a:t>
-            </a:r>
-            <a:r>
-              <a:rPr lang="es-AR" sz="2400" dirty="0" err="1" smtClean="0"/>
-              <a:t>if</a:t>
-            </a:r>
-            <a:r>
-              <a:rPr lang="es-AR" sz="2400" dirty="0" smtClean="0"/>
-              <a:t> </a:t>
-            </a:r>
-            <a:r>
-              <a:rPr lang="es-AR" sz="2400" dirty="0"/>
-              <a:t>(</a:t>
-            </a:r>
-            <a:r>
-              <a:rPr lang="es-AR" sz="2400" dirty="0" err="1"/>
-              <a:t>query.contains</a:t>
-            </a:r>
-            <a:r>
-              <a:rPr lang="es-AR" sz="2400" dirty="0"/>
-              <a:t>("</a:t>
-            </a:r>
-            <a:r>
-              <a:rPr lang="es-AR" sz="2400" dirty="0" err="1"/>
-              <a:t>url</a:t>
-            </a:r>
-            <a:r>
-              <a:rPr lang="es-AR" sz="2400" dirty="0"/>
-              <a:t>")) </a:t>
-            </a:r>
-            <a:r>
-              <a:rPr lang="es-AR" sz="2400" dirty="0" smtClean="0"/>
-              <a:t>{</a:t>
-            </a:r>
-          </a:p>
-          <a:p>
-            <a:pPr marL="630936" lvl="2" indent="0">
+              <a:rPr lang="en-US" dirty="0" smtClean="0"/>
+              <a:t>	while ((</a:t>
+            </a:r>
+            <a:r>
+              <a:rPr lang="en-US" dirty="0" err="1" smtClean="0"/>
+              <a:t>isValidUser</a:t>
+            </a:r>
+            <a:r>
+              <a:rPr lang="en-US" dirty="0" smtClean="0"/>
+              <a:t> == 0) &amp;&amp; (count &lt; MAX_ATTEMPTS)) {</a:t>
+            </a:r>
+          </a:p>
+          <a:p>
+            <a:pPr>
               <a:buNone/>
             </a:pPr>
             <a:r>
-              <a:rPr lang="es-AR" sz="2400" dirty="0"/>
-              <a:t>	</a:t>
-            </a:r>
-            <a:r>
-              <a:rPr lang="es-AR" sz="2400" dirty="0" smtClean="0"/>
-              <a:t>			</a:t>
-            </a:r>
-            <a:r>
-              <a:rPr lang="es-AR" sz="2400" dirty="0" err="1" smtClean="0"/>
-              <a:t>String</a:t>
-            </a:r>
-            <a:r>
-              <a:rPr lang="es-AR" sz="2400" dirty="0" smtClean="0"/>
-              <a:t> </a:t>
-            </a:r>
-            <a:r>
-              <a:rPr lang="es-AR" sz="2400" dirty="0" err="1"/>
-              <a:t>url</a:t>
-            </a:r>
-            <a:r>
-              <a:rPr lang="es-AR" sz="2400" dirty="0"/>
-              <a:t> = </a:t>
-            </a:r>
-            <a:r>
-              <a:rPr lang="es-AR" sz="2400" dirty="0" err="1"/>
-              <a:t>request.getParameter</a:t>
-            </a:r>
-            <a:r>
-              <a:rPr lang="es-AR" sz="2400" dirty="0"/>
-              <a:t>("</a:t>
-            </a:r>
-            <a:r>
-              <a:rPr lang="es-AR" sz="2400" dirty="0" err="1"/>
-              <a:t>url</a:t>
-            </a:r>
-            <a:r>
-              <a:rPr lang="es-AR" sz="2400" dirty="0" smtClean="0"/>
-              <a:t>");				</a:t>
-            </a:r>
-            <a:r>
-              <a:rPr lang="es-AR" sz="2400" dirty="0" err="1" smtClean="0"/>
-              <a:t>response.sendRedirect</a:t>
-            </a:r>
-            <a:r>
-              <a:rPr lang="es-AR" sz="2400" dirty="0" smtClean="0"/>
-              <a:t>(</a:t>
-            </a:r>
-            <a:r>
-              <a:rPr lang="es-AR" sz="2400" dirty="0" err="1" smtClean="0"/>
-              <a:t>url</a:t>
-            </a:r>
-            <a:r>
-              <a:rPr lang="es-AR" sz="2400" dirty="0" smtClean="0"/>
-              <a:t>);</a:t>
-            </a:r>
-          </a:p>
-          <a:p>
-            <a:pPr marL="630936" lvl="2" indent="0">
+              <a:rPr lang="en-US" dirty="0" smtClean="0"/>
+              <a:t>		if (</a:t>
+            </a:r>
+            <a:r>
+              <a:rPr lang="en-US" dirty="0" err="1" smtClean="0"/>
+              <a:t>getNextMessage</a:t>
+            </a:r>
+            <a:r>
+              <a:rPr lang="en-US" dirty="0" smtClean="0"/>
+              <a:t>(socket, username, USERNAME_SIZE) &gt; 0) {</a:t>
+            </a:r>
+          </a:p>
+          <a:p>
+            <a:pPr>
               <a:buNone/>
             </a:pPr>
             <a:r>
-              <a:rPr lang="es-AR" sz="2400" dirty="0"/>
-              <a:t>	</a:t>
-            </a:r>
-            <a:r>
-              <a:rPr lang="es-AR" sz="2400" dirty="0" smtClean="0"/>
-              <a:t>		}</a:t>
-            </a:r>
-            <a:endParaRPr lang="es-AR" sz="2400" dirty="0"/>
-          </a:p>
-          <a:p>
-            <a:pPr marL="630936" lvl="2" indent="0">
+              <a:rPr lang="en-US" dirty="0" smtClean="0"/>
+              <a:t>			if (</a:t>
+            </a:r>
+            <a:r>
+              <a:rPr lang="en-US" dirty="0" err="1" smtClean="0"/>
+              <a:t>getNextMessage</a:t>
+            </a:r>
+            <a:r>
+              <a:rPr lang="en-US" dirty="0" smtClean="0"/>
+              <a:t>(socket, password, PASSWORD_SIZE) &gt; 0) {</a:t>
+            </a:r>
+          </a:p>
+          <a:p>
+            <a:pPr>
               <a:buNone/>
             </a:pPr>
             <a:r>
-              <a:rPr lang="es-AR" sz="2400" dirty="0"/>
-              <a:t>	</a:t>
-            </a:r>
-            <a:r>
-              <a:rPr lang="es-AR" sz="2400" dirty="0" smtClean="0"/>
-              <a:t>}</a:t>
-            </a:r>
-            <a:endParaRPr lang="es-AR" sz="2400" dirty="0"/>
-          </a:p>
-          <a:p>
-            <a:pPr marL="109728" indent="0">
+              <a:rPr lang="en-US" dirty="0" smtClean="0"/>
+              <a:t>				</a:t>
+            </a:r>
+            <a:r>
+              <a:rPr lang="en-US" dirty="0" err="1" smtClean="0"/>
+              <a:t>isValidUser</a:t>
+            </a:r>
+            <a:r>
+              <a:rPr lang="en-US" dirty="0" smtClean="0"/>
+              <a:t> = </a:t>
+            </a:r>
+            <a:r>
+              <a:rPr lang="en-US" dirty="0" err="1" smtClean="0"/>
+              <a:t>AuthenticateUser</a:t>
+            </a:r>
+            <a:r>
+              <a:rPr lang="en-US" dirty="0" smtClean="0"/>
+              <a:t>(username, password);</a:t>
+            </a:r>
+          </a:p>
+          <a:p>
+            <a:pPr>
               <a:buNone/>
             </a:pPr>
             <a:r>
-              <a:rPr lang="es-AR" dirty="0"/>
-              <a:t> </a:t>
-            </a:r>
-            <a:r>
-              <a:rPr lang="es-AR" dirty="0" smtClean="0"/>
-              <a:t> }</a:t>
-            </a:r>
-          </a:p>
-          <a:p>
-            <a:pPr marL="109728" indent="0">
+              <a:rPr lang="en-US" dirty="0" smtClean="0"/>
+              <a:t>			}</a:t>
+            </a:r>
+          </a:p>
+          <a:p>
+            <a:pPr>
               <a:buNone/>
             </a:pPr>
-            <a:endParaRPr lang="es-AR" dirty="0" smtClean="0"/>
-          </a:p>
-          <a:p>
-            <a:pPr marL="109728" indent="0">
+            <a:r>
+              <a:rPr lang="en-US" dirty="0" smtClean="0"/>
+              <a:t>		}</a:t>
+            </a:r>
+          </a:p>
+          <a:p>
+            <a:pPr>
               <a:buNone/>
             </a:pPr>
             <a:r>
-              <a:rPr lang="es-AR" sz="2100" dirty="0">
-                <a:solidFill>
-                  <a:srgbClr val="FF0000"/>
-                </a:solidFill>
-              </a:rPr>
-              <a:t>&lt;a </a:t>
-            </a:r>
-            <a:r>
-              <a:rPr lang="es-AR" sz="2100" dirty="0" err="1" smtClean="0">
-                <a:solidFill>
-                  <a:srgbClr val="FF0000"/>
-                </a:solidFill>
-              </a:rPr>
-              <a:t>href</a:t>
-            </a:r>
-            <a:r>
-              <a:rPr lang="es-AR" sz="2100" dirty="0">
-                <a:solidFill>
-                  <a:srgbClr val="FF0000"/>
-                </a:solidFill>
-              </a:rPr>
-              <a:t>="http://bank.example.com/</a:t>
-            </a:r>
-            <a:r>
-              <a:rPr lang="es-AR" sz="2100" dirty="0" err="1">
-                <a:solidFill>
-                  <a:srgbClr val="FF0000"/>
-                </a:solidFill>
-              </a:rPr>
-              <a:t>redirect?url</a:t>
-            </a:r>
-            <a:r>
-              <a:rPr lang="es-AR" sz="2100" dirty="0">
-                <a:solidFill>
-                  <a:srgbClr val="FF0000"/>
-                </a:solidFill>
-              </a:rPr>
-              <a:t>=http://attacker.example.net"&gt;Click </a:t>
-            </a:r>
-            <a:r>
-              <a:rPr lang="es-AR" sz="2100" dirty="0" err="1">
-                <a:solidFill>
-                  <a:srgbClr val="FF0000"/>
-                </a:solidFill>
-              </a:rPr>
-              <a:t>here</a:t>
-            </a:r>
-            <a:r>
-              <a:rPr lang="es-AR" sz="2100" dirty="0">
-                <a:solidFill>
-                  <a:srgbClr val="FF0000"/>
-                </a:solidFill>
-              </a:rPr>
-              <a:t> </a:t>
-            </a:r>
-            <a:r>
-              <a:rPr lang="es-AR" sz="2100" dirty="0" err="1">
-                <a:solidFill>
-                  <a:srgbClr val="FF0000"/>
-                </a:solidFill>
-              </a:rPr>
-              <a:t>to</a:t>
-            </a:r>
-            <a:r>
-              <a:rPr lang="es-AR" sz="2100" dirty="0">
-                <a:solidFill>
-                  <a:srgbClr val="FF0000"/>
-                </a:solidFill>
-              </a:rPr>
-              <a:t> log in&lt;/a&gt;</a:t>
-            </a:r>
-          </a:p>
-          <a:p>
-            <a:pPr marL="109728" indent="0">
+              <a:rPr lang="en-US" dirty="0" smtClean="0"/>
+              <a:t>	count++;</a:t>
+            </a:r>
+          </a:p>
+          <a:p>
+            <a:pPr>
               <a:buNone/>
             </a:pPr>
-            <a:endParaRPr lang="es-AR" dirty="0"/>
-          </a:p>
-          <a:p>
-            <a:endParaRPr lang="es-AR" dirty="0"/>
+            <a:r>
+              <a:rPr lang="en-US" dirty="0" smtClean="0"/>
+              <a:t>	}</a:t>
+            </a:r>
+          </a:p>
+          <a:p>
+            <a:pPr>
+              <a:buNone/>
+            </a:pPr>
+            <a:endParaRPr lang="en-US" dirty="0" smtClean="0"/>
+          </a:p>
+          <a:p>
+            <a:pPr>
+              <a:buNone/>
+            </a:pPr>
+            <a:r>
+              <a:rPr lang="en-US" dirty="0" smtClean="0"/>
+              <a:t>	if (</a:t>
+            </a:r>
+            <a:r>
+              <a:rPr lang="en-US" dirty="0" err="1" smtClean="0"/>
+              <a:t>isValidUser</a:t>
+            </a:r>
+            <a:r>
+              <a:rPr lang="en-US" dirty="0" smtClean="0"/>
+              <a:t>) {</a:t>
+            </a:r>
+          </a:p>
+          <a:p>
+            <a:pPr>
+              <a:buNone/>
+            </a:pPr>
+            <a:r>
+              <a:rPr lang="en-US" dirty="0" smtClean="0"/>
+              <a:t>		return(SUCCESS);</a:t>
+            </a:r>
+          </a:p>
+          <a:p>
+            <a:pPr>
+              <a:buNone/>
+            </a:pPr>
+            <a:r>
+              <a:rPr lang="en-US" dirty="0" smtClean="0"/>
+              <a:t>	} else {</a:t>
+            </a:r>
+          </a:p>
+          <a:p>
+            <a:pPr>
+              <a:buNone/>
+            </a:pPr>
+            <a:r>
+              <a:rPr lang="en-US" dirty="0" smtClean="0"/>
+              <a:t>		return(FAIL);</a:t>
+            </a:r>
+          </a:p>
+          <a:p>
+            <a:pPr>
+              <a:buNone/>
+            </a:pPr>
+            <a:r>
+              <a:rPr lang="en-US" dirty="0" smtClean="0"/>
+              <a:t>	}</a:t>
+            </a:r>
+          </a:p>
+          <a:p>
+            <a:endParaRPr lang="en-US" dirty="0"/>
           </a:p>
         </p:txBody>
       </p:sp>
@@ -8206,19 +8235,14 @@
           <a:lstStyle/>
           <a:p>
             <a:r>
-              <a:rPr lang="es-AR" dirty="0" smtClean="0"/>
-              <a:t>Error 22-Ejemplo 2</a:t>
-            </a:r>
-            <a:endParaRPr lang="es-AR" dirty="0"/>
+              <a:rPr lang="es-ES" dirty="0" smtClean="0"/>
+              <a:t>Error 21 – Ejemplo 3 - bien</a:t>
+            </a:r>
+            <a:endParaRPr lang="en-US" dirty="0"/>
           </a:p>
         </p:txBody>
       </p:sp>
     </p:spTree>
-    <p:extLst>
-      <p:ext uri="{BB962C8B-B14F-4D97-AF65-F5344CB8AC3E}">
-        <p14:creationId xmlns:p14="http://schemas.microsoft.com/office/powerpoint/2010/main" val="2548553238"/>
-      </p:ext>
-    </p:extLst>
   </p:cSld>
   <p:clrMapOvr>
     <a:masterClrMapping/>
@@ -8255,22 +8279,25 @@
         </p:nvSpPr>
         <p:spPr/>
         <p:txBody>
-          <a:bodyPr>
-            <a:normAutofit fontScale="92500" lnSpcReduction="10000"/>
-          </a:bodyPr>
+          <a:bodyPr/>
           <a:lstStyle/>
           <a:p>
             <a:r>
               <a:rPr lang="es-ES" dirty="0" smtClean="0"/>
-              <a:t>Aceptar sitios buenos conocidos (</a:t>
-            </a:r>
+              <a:t>Enero 2009.</a:t>
+            </a:r>
+          </a:p>
+          <a:p>
+            <a:endParaRPr lang="es-ES" dirty="0" smtClean="0"/>
+          </a:p>
+          <a:p>
             <a:r>
               <a:rPr lang="es-ES" dirty="0" err="1" smtClean="0"/>
-              <a:t>whitelist</a:t>
-            </a:r>
-            <a:r>
-              <a:rPr lang="es-ES" dirty="0" smtClean="0"/>
-              <a:t>)</a:t>
+              <a:t>Twitter</a:t>
+            </a:r>
+            <a:r>
+              <a:rPr lang="es-ES" dirty="0" smtClean="0"/>
+              <a:t>.</a:t>
             </a:r>
           </a:p>
           <a:p>
@@ -8279,15 +8306,15 @@
           <a:p>
             <a:r>
               <a:rPr lang="es-ES" dirty="0" smtClean="0"/>
-              <a:t>Bloquear sitios malos conocidos (</a:t>
+              <a:t>Atacante logra entrar a una cuenta </a:t>
             </a:r>
             <a:r>
               <a:rPr lang="es-ES" dirty="0" err="1" smtClean="0"/>
-              <a:t>blacklist</a:t>
-            </a:r>
-            <a:r>
-              <a:rPr lang="es-ES" dirty="0" smtClean="0"/>
-              <a:t>)</a:t>
+              <a:t>admin</a:t>
+            </a:r>
+            <a:r>
+              <a:rPr lang="es-ES" dirty="0" smtClean="0"/>
+              <a:t> y luego acceder a cualquier otra cuenta que desee.</a:t>
             </a:r>
           </a:p>
           <a:p>
@@ -8295,48 +8322,8 @@
           </a:p>
           <a:p>
             <a:r>
-              <a:rPr lang="es-ES" dirty="0" smtClean="0"/>
-              <a:t>Validación de input (longitud, tipo, parámetros, sintaxis)</a:t>
-            </a:r>
-          </a:p>
-          <a:p>
-            <a:pPr lvl="1"/>
-            <a:r>
-              <a:rPr lang="es-ES" dirty="0" smtClean="0"/>
-              <a:t>No permitir redirección de URL por parámetro.</a:t>
-            </a:r>
-          </a:p>
-          <a:p>
-            <a:endParaRPr lang="es-ES" dirty="0" smtClean="0"/>
-          </a:p>
-          <a:p>
-            <a:r>
-              <a:rPr lang="es-ES" dirty="0" smtClean="0"/>
-              <a:t>Mostrar un </a:t>
-            </a:r>
-            <a:r>
-              <a:rPr lang="es-ES" dirty="0" err="1" smtClean="0"/>
-              <a:t>disclaimer</a:t>
-            </a:r>
-            <a:r>
-              <a:rPr lang="es-ES" dirty="0" smtClean="0"/>
-              <a:t> indicando que el usuario esta dejando el sitio. Implementar </a:t>
-            </a:r>
-            <a:r>
-              <a:rPr lang="es-ES" dirty="0" err="1" smtClean="0"/>
-              <a:t>timeout</a:t>
-            </a:r>
-            <a:r>
-              <a:rPr lang="es-ES" dirty="0" smtClean="0"/>
-              <a:t> o forzar al usuario a </a:t>
-            </a:r>
-            <a:r>
-              <a:rPr lang="es-ES" dirty="0" err="1" smtClean="0"/>
-              <a:t>clickear</a:t>
-            </a:r>
-            <a:r>
-              <a:rPr lang="es-ES" dirty="0" smtClean="0"/>
-              <a:t>.</a:t>
+              <a:rPr lang="en-US" dirty="0" smtClean="0"/>
+              <a:t>https://www.youtube.com/watch?feature=player_embedded&amp;v=IKNbggNJMVI</a:t>
             </a:r>
             <a:endParaRPr lang="en-US" dirty="0"/>
           </a:p>
@@ -8354,14 +8341,12 @@
         </p:nvSpPr>
         <p:spPr/>
         <p:txBody>
-          <a:bodyPr>
-            <a:normAutofit/>
-          </a:bodyPr>
+          <a:bodyPr/>
           <a:lstStyle/>
           <a:p>
             <a:r>
               <a:rPr lang="es-ES" dirty="0" smtClean="0"/>
-              <a:t>Error 22-Prevención/Mitigación</a:t>
+              <a:t>Error 21- Ataques conocidos</a:t>
             </a:r>
             <a:endParaRPr lang="en-US" dirty="0"/>
           </a:p>
@@ -8404,14 +8389,12 @@
         </p:nvSpPr>
         <p:spPr/>
         <p:txBody>
-          <a:bodyPr>
-            <a:normAutofit fontScale="92500" lnSpcReduction="10000"/>
-          </a:bodyPr>
+          <a:bodyPr/>
           <a:lstStyle/>
           <a:p>
             <a:r>
               <a:rPr lang="es-ES" dirty="0" smtClean="0"/>
-              <a:t>Mapear los sitios seguros conocidos en un set indexado (optimización).</a:t>
+              <a:t>Desconectar al usuario luego de un cierto número de intentos fallidos.</a:t>
             </a:r>
           </a:p>
           <a:p>
@@ -8420,15 +8403,23 @@
           <a:p>
             <a:r>
               <a:rPr lang="es-ES" dirty="0" smtClean="0"/>
-              <a:t>Usar un </a:t>
+              <a:t>Implementar un </a:t>
             </a:r>
             <a:r>
               <a:rPr lang="es-ES" dirty="0" err="1" smtClean="0"/>
-              <a:t>application</a:t>
-            </a:r>
-            <a:r>
-              <a:rPr lang="es-ES" dirty="0" smtClean="0"/>
-              <a:t> firewall en casos donde el problema se encuentra en un tercero y no podemos modificar código.</a:t>
+              <a:t>timeout</a:t>
+            </a:r>
+            <a:r>
+              <a:rPr lang="es-ES" dirty="0" smtClean="0"/>
+              <a:t> (</a:t>
+            </a:r>
+            <a:r>
+              <a:rPr lang="es-ES" dirty="0" err="1" smtClean="0"/>
+              <a:t>exponential</a:t>
+            </a:r>
+            <a:r>
+              <a:rPr lang="es-ES" dirty="0" smtClean="0"/>
+              <a:t> back-off).</a:t>
             </a:r>
           </a:p>
           <a:p>
@@ -8436,19 +8427,25 @@
           </a:p>
           <a:p>
             <a:r>
-              <a:rPr lang="es-ES" dirty="0" smtClean="0"/>
-              <a:t>Entender de donde pueden provenir inputs vulnerados</a:t>
-            </a:r>
-          </a:p>
-          <a:p>
-            <a:pPr lvl="1"/>
-            <a:r>
-              <a:rPr lang="es-ES" dirty="0" smtClean="0"/>
-              <a:t>parámetros, cookies, datos de la red, variables de entorno, reverse DNS, resultados de </a:t>
-            </a:r>
-            <a:r>
               <a:rPr lang="es-ES" dirty="0" err="1" smtClean="0"/>
-              <a:t>queries</a:t>
+              <a:t>Blockear</a:t>
+            </a:r>
+            <a:r>
+              <a:rPr lang="es-ES" dirty="0" smtClean="0"/>
+              <a:t> la cuenta.</a:t>
+            </a:r>
+          </a:p>
+          <a:p>
+            <a:endParaRPr lang="es-ES" dirty="0" smtClean="0"/>
+          </a:p>
+          <a:p>
+            <a:r>
+              <a:rPr lang="es-ES" dirty="0" smtClean="0"/>
+              <a:t>Pedirle al usuario alguna tarea computacional (cálculo, </a:t>
+            </a:r>
+            <a:r>
+              <a:rPr lang="es-ES" dirty="0" err="1" smtClean="0"/>
+              <a:t>captcha</a:t>
             </a:r>
             <a:r>
               <a:rPr lang="es-ES" dirty="0" smtClean="0"/>
@@ -8456,29 +8453,12 @@
             </a:r>
             <a:r>
               <a:rPr lang="es-ES" dirty="0" err="1" smtClean="0"/>
-              <a:t>headers</a:t>
-            </a:r>
-            <a:r>
-              <a:rPr lang="es-ES" dirty="0" smtClean="0"/>
-              <a:t> del </a:t>
-            </a:r>
-            <a:r>
-              <a:rPr lang="es-ES" dirty="0" err="1" smtClean="0"/>
-              <a:t>request</a:t>
-            </a:r>
-            <a:r>
-              <a:rPr lang="es-ES" dirty="0" smtClean="0"/>
-              <a:t>, emails, archivos, nombres de archivos.</a:t>
-            </a:r>
-          </a:p>
-          <a:p>
-            <a:pPr lvl="1"/>
-            <a:endParaRPr lang="es-ES" dirty="0" smtClean="0"/>
-          </a:p>
-          <a:p>
-            <a:pPr lvl="1">
-              <a:buNone/>
-            </a:pPr>
+              <a:t>etc</a:t>
+            </a:r>
+            <a:r>
+              <a:rPr lang="es-ES" dirty="0" smtClean="0"/>
+              <a:t>).</a:t>
+            </a:r>
             <a:endParaRPr lang="en-US" dirty="0"/>
           </a:p>
         </p:txBody>
@@ -8502,7 +8482,7 @@
           <a:p>
             <a:r>
               <a:rPr lang="es-ES" dirty="0" smtClean="0"/>
-              <a:t>Error 22-Prevención/Mitigación</a:t>
+              <a:t>Error 21-Prevencion/Mitigación</a:t>
             </a:r>
             <a:endParaRPr lang="en-US" dirty="0"/>
           </a:p>
@@ -8550,11 +8530,11 @@
           <a:p>
             <a:r>
               <a:rPr lang="es-ES" dirty="0" smtClean="0"/>
-              <a:t>‘</a:t>
+              <a:t>URL </a:t>
             </a:r>
             <a:r>
               <a:rPr lang="es-ES" dirty="0" err="1" smtClean="0"/>
-              <a:t>Uncontrolled</a:t>
+              <a:t>Redirection</a:t>
             </a:r>
             <a:r>
               <a:rPr lang="es-ES" dirty="0" smtClean="0"/>
@@ -8562,7 +8542,7 @@
             </a:r>
             <a:r>
               <a:rPr lang="es-ES" dirty="0" err="1" smtClean="0"/>
-              <a:t>Format</a:t>
+              <a:t>to</a:t>
             </a:r>
             <a:r>
               <a:rPr lang="es-ES" dirty="0" smtClean="0"/>
@@ -8570,11 +8550,27 @@
             </a:r>
             <a:r>
               <a:rPr lang="es-ES" dirty="0" err="1" smtClean="0"/>
-              <a:t>String</a:t>
-            </a:r>
-            <a:r>
-              <a:rPr lang="es-ES" dirty="0" smtClean="0"/>
-              <a:t>’ - %s</a:t>
+              <a:t>Untrusted</a:t>
+            </a:r>
+            <a:r>
+              <a:rPr lang="es-ES" dirty="0" smtClean="0"/>
+              <a:t> </a:t>
+            </a:r>
+            <a:r>
+              <a:rPr lang="es-ES" dirty="0" err="1" smtClean="0"/>
+              <a:t>Site</a:t>
+            </a:r>
+            <a:r>
+              <a:rPr lang="es-ES" dirty="0" smtClean="0"/>
+              <a:t> (‘Open </a:t>
+            </a:r>
+            <a:r>
+              <a:rPr lang="es-ES" dirty="0" err="1" smtClean="0"/>
+              <a:t>Redirect</a:t>
+            </a:r>
+            <a:r>
+              <a:rPr lang="es-ES" dirty="0" smtClean="0"/>
+              <a:t>’)</a:t>
             </a:r>
           </a:p>
           <a:p>
@@ -8583,49 +8579,13 @@
           <a:p>
             <a:r>
               <a:rPr lang="es-ES" dirty="0" smtClean="0"/>
-              <a:t>Los </a:t>
-            </a:r>
-            <a:r>
-              <a:rPr lang="es-ES" dirty="0" err="1" smtClean="0"/>
-              <a:t>format</a:t>
-            </a:r>
-            <a:r>
-              <a:rPr lang="es-ES" dirty="0" smtClean="0"/>
-              <a:t> </a:t>
-            </a:r>
-            <a:r>
-              <a:rPr lang="es-ES" dirty="0" err="1" smtClean="0"/>
-              <a:t>strings</a:t>
-            </a:r>
-            <a:r>
-              <a:rPr lang="es-ES" dirty="0" smtClean="0"/>
-              <a:t> se utilizan para recibir datos bien formados.</a:t>
+              <a:t>Modificar una URL para que direccione al usuario a un sitio malicioso que ataque al usuario mediante el web-browser.</a:t>
             </a:r>
           </a:p>
           <a:p>
             <a:endParaRPr lang="es-ES" dirty="0" smtClean="0"/>
           </a:p>
           <a:p>
-            <a:r>
-              <a:rPr lang="es-ES" dirty="0" smtClean="0"/>
-              <a:t>Un atacante que controle un </a:t>
-            </a:r>
-            <a:r>
-              <a:rPr lang="es-ES" dirty="0" err="1" smtClean="0"/>
-              <a:t>format</a:t>
-            </a:r>
-            <a:r>
-              <a:rPr lang="es-ES" dirty="0" smtClean="0"/>
-              <a:t> </a:t>
-            </a:r>
-            <a:r>
-              <a:rPr lang="es-ES" dirty="0" err="1" smtClean="0"/>
-              <a:t>string</a:t>
-            </a:r>
-            <a:r>
-              <a:rPr lang="es-ES" dirty="0" smtClean="0"/>
-              <a:t> puede controlar el input o output de nuestra aplicación, pudiendo resultar en ejecución de código.</a:t>
-            </a:r>
             <a:endParaRPr lang="en-US" dirty="0"/>
           </a:p>
         </p:txBody>
@@ -8647,7 +8607,7 @@
           <a:p>
             <a:r>
               <a:rPr lang="es-ES" dirty="0" smtClean="0"/>
-              <a:t>Error 23 - CWE-134</a:t>
+              <a:t>Error 22-CWE-601</a:t>
             </a:r>
             <a:endParaRPr lang="en-US" dirty="0"/>
           </a:p>
@@ -8698,7 +8658,15 @@
           <a:p>
             <a:r>
               <a:rPr lang="es-ES" dirty="0" smtClean="0"/>
-              <a:t>Herramientas de Análisis Estático, sin ejecutar la aplicación</a:t>
+              <a:t>White Box </a:t>
+            </a:r>
+            <a:r>
+              <a:rPr lang="es-ES" dirty="0" err="1" smtClean="0"/>
+              <a:t>Testing</a:t>
+            </a:r>
+            <a:r>
+              <a:rPr lang="es-ES" dirty="0" smtClean="0"/>
+              <a:t> (estructura).</a:t>
             </a:r>
           </a:p>
           <a:p>
@@ -8707,7 +8675,39 @@
           <a:p>
             <a:r>
               <a:rPr lang="es-ES" dirty="0" smtClean="0"/>
-              <a:t>Ver el código, búsqueda de invariantes</a:t>
+              <a:t>Black Box </a:t>
+            </a:r>
+            <a:r>
+              <a:rPr lang="es-ES" dirty="0" err="1" smtClean="0"/>
+              <a:t>Testing</a:t>
+            </a:r>
+            <a:r>
+              <a:rPr lang="es-ES" dirty="0" smtClean="0"/>
+              <a:t>, validación de todos los </a:t>
+            </a:r>
+            <a:r>
+              <a:rPr lang="es-ES" dirty="0" err="1" smtClean="0"/>
+              <a:t>URLs</a:t>
+            </a:r>
+            <a:r>
+              <a:rPr lang="es-ES" dirty="0" smtClean="0"/>
+              <a:t> que se encuentran, intentando encontrar </a:t>
+            </a:r>
+            <a:r>
+              <a:rPr lang="es-ES" dirty="0" err="1" smtClean="0"/>
+              <a:t>modificaciónes</a:t>
+            </a:r>
+            <a:r>
+              <a:rPr lang="es-ES" dirty="0" smtClean="0"/>
+              <a:t> de </a:t>
+            </a:r>
+            <a:r>
+              <a:rPr lang="es-ES" dirty="0" err="1" smtClean="0"/>
+              <a:t>header</a:t>
+            </a:r>
+            <a:r>
+              <a:rPr lang="es-ES" dirty="0" smtClean="0"/>
+              <a:t>.</a:t>
             </a:r>
             <a:endParaRPr lang="en-US" dirty="0"/>
           </a:p>
@@ -8730,7 +8730,7 @@
           <a:p>
             <a:r>
               <a:rPr lang="es-ES" dirty="0" smtClean="0"/>
-              <a:t>Error 23-Detección</a:t>
+              <a:t>Error 22-Detección</a:t>
             </a:r>
             <a:endParaRPr lang="en-US" dirty="0"/>
           </a:p>
